--- a/cse.pptx
+++ b/cse.pptx
@@ -1,45 +1,52 @@
 
 <file path=ppt/presentation.xml><?xml version="1.0" encoding="utf-8"?>
-<p:presentation xmlns:a="http://schemas.openxmlformats.org/drawingml/2006/main" xmlns:r="http://schemas.openxmlformats.org/officeDocument/2006/relationships" xmlns:mc="http://schemas.openxmlformats.org/markup-compatibility/2006" xmlns:mv="urn:schemas-microsoft-com:mac:vml" xmlns:p="http://schemas.openxmlformats.org/presentationml/2006/main" xmlns:c="http://schemas.openxmlformats.org/drawingml/2006/chart" xmlns:dgm="http://schemas.openxmlformats.org/drawingml/2006/diagram" xmlns:o="urn:schemas-microsoft-com:office:office" xmlns:v="urn:schemas-microsoft-com:vml" xmlns:pvml="urn:schemas-microsoft-com:office:powerpoint" xmlns:com="http://schemas.openxmlformats.org/drawingml/2006/compatibility" xmlns:p14="http://schemas.microsoft.com/office/powerpoint/2010/main" xmlns:p15="http://schemas.microsoft.com/office/powerpoint/2012/main" xmlns:ahyp="http://schemas.microsoft.com/office/drawing/2018/hyperlinkcolor" autoCompressPictures="0" embedTrueTypeFonts="1" strictFirstAndLastChars="0" saveSubsetFonts="1">
+<p:presentation xmlns:a="http://schemas.openxmlformats.org/drawingml/2006/main" xmlns:r="http://schemas.openxmlformats.org/officeDocument/2006/relationships" xmlns:p="http://schemas.openxmlformats.org/presentationml/2006/main" strictFirstAndLastChars="0" embedTrueTypeFonts="1" saveSubsetFonts="1" autoCompressPictures="0">
   <p:sldMasterIdLst>
-    <p:sldMasterId id="2147483659" r:id="rId5"/>
+    <p:sldMasterId id="2147483659" r:id="rId1"/>
   </p:sldMasterIdLst>
   <p:notesMasterIdLst>
-    <p:notesMasterId r:id="rId6"/>
+    <p:notesMasterId r:id="rId28"/>
   </p:notesMasterIdLst>
   <p:sldIdLst>
-    <p:sldId id="256" r:id="rId7"/>
-    <p:sldId id="257" r:id="rId8"/>
-    <p:sldId id="258" r:id="rId9"/>
-    <p:sldId id="259" r:id="rId10"/>
-    <p:sldId id="260" r:id="rId11"/>
-    <p:sldId id="261" r:id="rId12"/>
-    <p:sldId id="262" r:id="rId13"/>
-    <p:sldId id="263" r:id="rId14"/>
-    <p:sldId id="264" r:id="rId15"/>
-    <p:sldId id="265" r:id="rId16"/>
-    <p:sldId id="266" r:id="rId17"/>
-    <p:sldId id="267" r:id="rId18"/>
-    <p:sldId id="268" r:id="rId19"/>
-    <p:sldId id="269" r:id="rId20"/>
-    <p:sldId id="270" r:id="rId21"/>
-    <p:sldId id="271" r:id="rId22"/>
-    <p:sldId id="272" r:id="rId23"/>
-    <p:sldId id="273" r:id="rId24"/>
-    <p:sldId id="274" r:id="rId25"/>
-    <p:sldId id="275" r:id="rId26"/>
-    <p:sldId id="276" r:id="rId27"/>
-    <p:sldId id="277" r:id="rId28"/>
-    <p:sldId id="278" r:id="rId29"/>
-    <p:sldId id="279" r:id="rId30"/>
-    <p:sldId id="280" r:id="rId31"/>
-    <p:sldId id="281" r:id="rId32"/>
+    <p:sldId id="256" r:id="rId2"/>
+    <p:sldId id="257" r:id="rId3"/>
+    <p:sldId id="258" r:id="rId4"/>
+    <p:sldId id="259" r:id="rId5"/>
+    <p:sldId id="260" r:id="rId6"/>
+    <p:sldId id="261" r:id="rId7"/>
+    <p:sldId id="262" r:id="rId8"/>
+    <p:sldId id="263" r:id="rId9"/>
+    <p:sldId id="264" r:id="rId10"/>
+    <p:sldId id="265" r:id="rId11"/>
+    <p:sldId id="282" r:id="rId12"/>
+    <p:sldId id="266" r:id="rId13"/>
+    <p:sldId id="267" r:id="rId14"/>
+    <p:sldId id="268" r:id="rId15"/>
+    <p:sldId id="269" r:id="rId16"/>
+    <p:sldId id="270" r:id="rId17"/>
+    <p:sldId id="272" r:id="rId18"/>
+    <p:sldId id="273" r:id="rId19"/>
+    <p:sldId id="274" r:id="rId20"/>
+    <p:sldId id="275" r:id="rId21"/>
+    <p:sldId id="276" r:id="rId22"/>
+    <p:sldId id="277" r:id="rId23"/>
+    <p:sldId id="278" r:id="rId24"/>
+    <p:sldId id="279" r:id="rId25"/>
+    <p:sldId id="280" r:id="rId26"/>
+    <p:sldId id="281" r:id="rId27"/>
   </p:sldIdLst>
-  <p:sldSz cy="5143500" cx="9144000"/>
+  <p:sldSz cx="9144000" cy="5143500" type="screen16x9"/>
   <p:notesSz cx="6858000" cy="9144000"/>
   <p:embeddedFontLst>
     <p:embeddedFont>
-      <p:font typeface="Roboto"/>
+      <p:font typeface="Comic Sans MS" panose="030F0702030302020204" pitchFamily="66" charset="0"/>
+      <p:regular r:id="rId29"/>
+      <p:bold r:id="rId30"/>
+      <p:italic r:id="rId31"/>
+      <p:boldItalic r:id="rId32"/>
+    </p:embeddedFont>
+    <p:embeddedFont>
+      <p:font typeface="Roboto" panose="02000000000000000000" pitchFamily="2" charset="0"/>
       <p:regular r:id="rId33"/>
       <p:bold r:id="rId34"/>
       <p:italic r:id="rId35"/>
@@ -47,7 +54,7 @@
     </p:embeddedFont>
   </p:embeddedFontLst>
   <p:defaultTextStyle>
-    <a:defPPr lvl="0" marR="0" rtl="0" algn="l">
+    <a:defPPr marR="0" lvl="0" algn="l" rtl="0">
       <a:lnSpc>
         <a:spcPct val="100000"/>
       </a:lnSpc>
@@ -58,7 +65,7 @@
         <a:spcPts val="0"/>
       </a:spcAft>
     </a:defPPr>
-    <a:lvl1pPr lvl="0" marR="0" rtl="0" algn="l">
+    <a:lvl1pPr marR="0" lvl="0" algn="l" rtl="0">
       <a:lnSpc>
         <a:spcPct val="100000"/>
       </a:lnSpc>
@@ -72,7 +79,7 @@
         <a:srgbClr val="000000"/>
       </a:buClr>
       <a:buFont typeface="Arial"/>
-      <a:defRPr b="0" i="0" sz="1400" u="none" cap="none" strike="noStrike">
+      <a:defRPr sz="1400" b="0" i="0" u="none" strike="noStrike" cap="none">
         <a:solidFill>
           <a:srgbClr val="000000"/>
         </a:solidFill>
@@ -82,7 +89,7 @@
         <a:sym typeface="Arial"/>
       </a:defRPr>
     </a:lvl1pPr>
-    <a:lvl2pPr lvl="1" marR="0" rtl="0" algn="l">
+    <a:lvl2pPr marR="0" lvl="1" algn="l" rtl="0">
       <a:lnSpc>
         <a:spcPct val="100000"/>
       </a:lnSpc>
@@ -96,7 +103,7 @@
         <a:srgbClr val="000000"/>
       </a:buClr>
       <a:buFont typeface="Arial"/>
-      <a:defRPr b="0" i="0" sz="1400" u="none" cap="none" strike="noStrike">
+      <a:defRPr sz="1400" b="0" i="0" u="none" strike="noStrike" cap="none">
         <a:solidFill>
           <a:srgbClr val="000000"/>
         </a:solidFill>
@@ -106,7 +113,7 @@
         <a:sym typeface="Arial"/>
       </a:defRPr>
     </a:lvl2pPr>
-    <a:lvl3pPr lvl="2" marR="0" rtl="0" algn="l">
+    <a:lvl3pPr marR="0" lvl="2" algn="l" rtl="0">
       <a:lnSpc>
         <a:spcPct val="100000"/>
       </a:lnSpc>
@@ -120,7 +127,7 @@
         <a:srgbClr val="000000"/>
       </a:buClr>
       <a:buFont typeface="Arial"/>
-      <a:defRPr b="0" i="0" sz="1400" u="none" cap="none" strike="noStrike">
+      <a:defRPr sz="1400" b="0" i="0" u="none" strike="noStrike" cap="none">
         <a:solidFill>
           <a:srgbClr val="000000"/>
         </a:solidFill>
@@ -130,7 +137,7 @@
         <a:sym typeface="Arial"/>
       </a:defRPr>
     </a:lvl3pPr>
-    <a:lvl4pPr lvl="3" marR="0" rtl="0" algn="l">
+    <a:lvl4pPr marR="0" lvl="3" algn="l" rtl="0">
       <a:lnSpc>
         <a:spcPct val="100000"/>
       </a:lnSpc>
@@ -144,7 +151,7 @@
         <a:srgbClr val="000000"/>
       </a:buClr>
       <a:buFont typeface="Arial"/>
-      <a:defRPr b="0" i="0" sz="1400" u="none" cap="none" strike="noStrike">
+      <a:defRPr sz="1400" b="0" i="0" u="none" strike="noStrike" cap="none">
         <a:solidFill>
           <a:srgbClr val="000000"/>
         </a:solidFill>
@@ -154,7 +161,7 @@
         <a:sym typeface="Arial"/>
       </a:defRPr>
     </a:lvl4pPr>
-    <a:lvl5pPr lvl="4" marR="0" rtl="0" algn="l">
+    <a:lvl5pPr marR="0" lvl="4" algn="l" rtl="0">
       <a:lnSpc>
         <a:spcPct val="100000"/>
       </a:lnSpc>
@@ -168,7 +175,7 @@
         <a:srgbClr val="000000"/>
       </a:buClr>
       <a:buFont typeface="Arial"/>
-      <a:defRPr b="0" i="0" sz="1400" u="none" cap="none" strike="noStrike">
+      <a:defRPr sz="1400" b="0" i="0" u="none" strike="noStrike" cap="none">
         <a:solidFill>
           <a:srgbClr val="000000"/>
         </a:solidFill>
@@ -178,7 +185,7 @@
         <a:sym typeface="Arial"/>
       </a:defRPr>
     </a:lvl5pPr>
-    <a:lvl6pPr lvl="5" marR="0" rtl="0" algn="l">
+    <a:lvl6pPr marR="0" lvl="5" algn="l" rtl="0">
       <a:lnSpc>
         <a:spcPct val="100000"/>
       </a:lnSpc>
@@ -192,7 +199,7 @@
         <a:srgbClr val="000000"/>
       </a:buClr>
       <a:buFont typeface="Arial"/>
-      <a:defRPr b="0" i="0" sz="1400" u="none" cap="none" strike="noStrike">
+      <a:defRPr sz="1400" b="0" i="0" u="none" strike="noStrike" cap="none">
         <a:solidFill>
           <a:srgbClr val="000000"/>
         </a:solidFill>
@@ -202,7 +209,7 @@
         <a:sym typeface="Arial"/>
       </a:defRPr>
     </a:lvl6pPr>
-    <a:lvl7pPr lvl="6" marR="0" rtl="0" algn="l">
+    <a:lvl7pPr marR="0" lvl="6" algn="l" rtl="0">
       <a:lnSpc>
         <a:spcPct val="100000"/>
       </a:lnSpc>
@@ -216,7 +223,7 @@
         <a:srgbClr val="000000"/>
       </a:buClr>
       <a:buFont typeface="Arial"/>
-      <a:defRPr b="0" i="0" sz="1400" u="none" cap="none" strike="noStrike">
+      <a:defRPr sz="1400" b="0" i="0" u="none" strike="noStrike" cap="none">
         <a:solidFill>
           <a:srgbClr val="000000"/>
         </a:solidFill>
@@ -226,7 +233,7 @@
         <a:sym typeface="Arial"/>
       </a:defRPr>
     </a:lvl7pPr>
-    <a:lvl8pPr lvl="7" marR="0" rtl="0" algn="l">
+    <a:lvl8pPr marR="0" lvl="7" algn="l" rtl="0">
       <a:lnSpc>
         <a:spcPct val="100000"/>
       </a:lnSpc>
@@ -240,7 +247,7 @@
         <a:srgbClr val="000000"/>
       </a:buClr>
       <a:buFont typeface="Arial"/>
-      <a:defRPr b="0" i="0" sz="1400" u="none" cap="none" strike="noStrike">
+      <a:defRPr sz="1400" b="0" i="0" u="none" strike="noStrike" cap="none">
         <a:solidFill>
           <a:srgbClr val="000000"/>
         </a:solidFill>
@@ -250,7 +257,7 @@
         <a:sym typeface="Arial"/>
       </a:defRPr>
     </a:lvl8pPr>
-    <a:lvl9pPr lvl="8" marR="0" rtl="0" algn="l">
+    <a:lvl9pPr marR="0" lvl="8" algn="l" rtl="0">
       <a:lnSpc>
         <a:spcPct val="100000"/>
       </a:lnSpc>
@@ -264,7 +271,7 @@
         <a:srgbClr val="000000"/>
       </a:buClr>
       <a:buFont typeface="Arial"/>
-      <a:defRPr b="0" i="0" sz="1400" u="none" cap="none" strike="noStrike">
+      <a:defRPr sz="1400" b="0" i="0" u="none" strike="noStrike" cap="none">
         <a:solidFill>
           <a:srgbClr val="000000"/>
         </a:solidFill>
@@ -277,7 +284,7 @@
   </p:defaultTextStyle>
   <p:extLst>
     <p:ext uri="{EFAFB233-063F-42B5-8137-9DF3F51BA10A}">
-      <p15:sldGuideLst>
+      <p15:sldGuideLst xmlns:p15="http://schemas.microsoft.com/office/powerpoint/2012/main">
         <p15:guide id="1" orient="horz" pos="1620">
           <p15:clr>
             <a:srgbClr val="747775"/>
@@ -295,11 +302,16 @@
 </file>
 
 <file path=ppt/notesMasters/notesMaster1.xml><?xml version="1.0" encoding="utf-8"?>
-<p:notesMaster xmlns:a="http://schemas.openxmlformats.org/drawingml/2006/main" xmlns:r="http://schemas.openxmlformats.org/officeDocument/2006/relationships" xmlns:mc="http://schemas.openxmlformats.org/markup-compatibility/2006" xmlns:mv="urn:schemas-microsoft-com:mac:vml" xmlns:p="http://schemas.openxmlformats.org/presentationml/2006/main" xmlns:c="http://schemas.openxmlformats.org/drawingml/2006/chart" xmlns:dgm="http://schemas.openxmlformats.org/drawingml/2006/diagram" xmlns:o="urn:schemas-microsoft-com:office:office" xmlns:v="urn:schemas-microsoft-com:vml" xmlns:pvml="urn:schemas-microsoft-com:office:powerpoint" xmlns:com="http://schemas.openxmlformats.org/drawingml/2006/compatibility" xmlns:p14="http://schemas.microsoft.com/office/powerpoint/2010/main" xmlns:p15="http://schemas.microsoft.com/office/powerpoint/2012/main" xmlns:ahyp="http://schemas.microsoft.com/office/drawing/2018/hyperlinkcolor">
+<p:notesMaster xmlns:a="http://schemas.openxmlformats.org/drawingml/2006/main" xmlns:r="http://schemas.openxmlformats.org/officeDocument/2006/relationships" xmlns:p="http://schemas.openxmlformats.org/presentationml/2006/main">
   <p:cSld>
+    <p:bg>
+      <p:bgRef idx="1001">
+        <a:schemeClr val="bg1"/>
+      </p:bgRef>
+    </p:bg>
     <p:spTree>
       <p:nvGrpSpPr>
-        <p:cNvPr id="2" name="Shape 2"/>
+        <p:cNvPr id="1" name="Shape 2"/>
         <p:cNvGrpSpPr/>
         <p:nvPr/>
       </p:nvGrpSpPr>
@@ -314,9 +326,11 @@
       <p:sp>
         <p:nvSpPr>
           <p:cNvPr id="3" name="Google Shape;3;n"/>
-          <p:cNvSpPr/>
+          <p:cNvSpPr>
+            <a:spLocks noGrp="1" noRot="1" noChangeAspect="1"/>
+          </p:cNvSpPr>
           <p:nvPr>
-            <p:ph idx="2" type="sldImg"/>
+            <p:ph type="sldImg" idx="2"/>
           </p:nvPr>
         </p:nvSpPr>
         <p:spPr>
@@ -325,9 +339,13 @@
             <a:ext cx="6096075" cy="3429000"/>
           </a:xfrm>
           <a:custGeom>
-            <a:rect b="b" l="l" r="r" t="t"/>
+            <a:avLst/>
+            <a:gdLst/>
+            <a:ahLst/>
+            <a:cxnLst/>
+            <a:rect l="l" t="t" r="r" b="b"/>
             <a:pathLst>
-              <a:path extrusionOk="0" h="120000" w="120000">
+              <a:path w="120000" h="120000" extrusionOk="0">
                 <a:moveTo>
                   <a:pt x="0" y="0"/>
                 </a:moveTo>
@@ -345,23 +363,25 @@
             </a:pathLst>
           </a:custGeom>
           <a:noFill/>
-          <a:ln cap="flat" cmpd="sng" w="9525">
+          <a:ln w="9525" cap="flat" cmpd="sng">
             <a:solidFill>
               <a:srgbClr val="000000"/>
             </a:solidFill>
             <a:prstDash val="solid"/>
             <a:round/>
-            <a:headEnd len="sm" w="sm" type="none"/>
-            <a:tailEnd len="sm" w="sm" type="none"/>
+            <a:headEnd type="none" w="sm" len="sm"/>
+            <a:tailEnd type="none" w="sm" len="sm"/>
           </a:ln>
         </p:spPr>
       </p:sp>
       <p:sp>
         <p:nvSpPr>
           <p:cNvPr id="4" name="Google Shape;4;n"/>
-          <p:cNvSpPr txBox="1"/>
+          <p:cNvSpPr txBox="1">
+            <a:spLocks noGrp="1"/>
+          </p:cNvSpPr>
           <p:nvPr>
-            <p:ph idx="1" type="body"/>
+            <p:ph type="body" idx="1"/>
           </p:nvPr>
         </p:nvSpPr>
         <p:spPr>
@@ -378,11 +398,11 @@
           </a:ln>
         </p:spPr>
         <p:txBody>
-          <a:bodyPr anchorCtr="0" anchor="t" bIns="91425" lIns="91425" spcFirstLastPara="1" rIns="91425" wrap="square" tIns="91425">
+          <a:bodyPr spcFirstLastPara="1" wrap="square" lIns="91425" tIns="91425" rIns="91425" bIns="91425" anchor="t" anchorCtr="0">
             <a:noAutofit/>
           </a:bodyPr>
           <a:lstStyle>
-            <a:lvl1pPr indent="-298450" lvl="0" marL="457200">
+            <a:lvl1pPr marL="457200" lvl="0" indent="-298450">
               <a:spcBef>
                 <a:spcPts val="0"/>
               </a:spcBef>
@@ -393,7 +413,7 @@
               <a:buChar char="●"/>
               <a:defRPr sz="1100"/>
             </a:lvl1pPr>
-            <a:lvl2pPr indent="-298450" lvl="1" marL="914400">
+            <a:lvl2pPr marL="914400" lvl="1" indent="-298450">
               <a:spcBef>
                 <a:spcPts val="0"/>
               </a:spcBef>
@@ -404,7 +424,7 @@
               <a:buChar char="○"/>
               <a:defRPr sz="1100"/>
             </a:lvl2pPr>
-            <a:lvl3pPr indent="-298450" lvl="2" marL="1371600">
+            <a:lvl3pPr marL="1371600" lvl="2" indent="-298450">
               <a:spcBef>
                 <a:spcPts val="0"/>
               </a:spcBef>
@@ -415,7 +435,7 @@
               <a:buChar char="■"/>
               <a:defRPr sz="1100"/>
             </a:lvl3pPr>
-            <a:lvl4pPr indent="-298450" lvl="3" marL="1828800">
+            <a:lvl4pPr marL="1828800" lvl="3" indent="-298450">
               <a:spcBef>
                 <a:spcPts val="0"/>
               </a:spcBef>
@@ -426,7 +446,7 @@
               <a:buChar char="●"/>
               <a:defRPr sz="1100"/>
             </a:lvl4pPr>
-            <a:lvl5pPr indent="-298450" lvl="4" marL="2286000">
+            <a:lvl5pPr marL="2286000" lvl="4" indent="-298450">
               <a:spcBef>
                 <a:spcPts val="0"/>
               </a:spcBef>
@@ -437,7 +457,7 @@
               <a:buChar char="○"/>
               <a:defRPr sz="1100"/>
             </a:lvl5pPr>
-            <a:lvl6pPr indent="-298450" lvl="5" marL="2743200">
+            <a:lvl6pPr marL="2743200" lvl="5" indent="-298450">
               <a:spcBef>
                 <a:spcPts val="0"/>
               </a:spcBef>
@@ -448,7 +468,7 @@
               <a:buChar char="■"/>
               <a:defRPr sz="1100"/>
             </a:lvl6pPr>
-            <a:lvl7pPr indent="-298450" lvl="6" marL="3200400">
+            <a:lvl7pPr marL="3200400" lvl="6" indent="-298450">
               <a:spcBef>
                 <a:spcPts val="0"/>
               </a:spcBef>
@@ -459,7 +479,7 @@
               <a:buChar char="●"/>
               <a:defRPr sz="1100"/>
             </a:lvl7pPr>
-            <a:lvl8pPr indent="-298450" lvl="7" marL="3657600">
+            <a:lvl8pPr marL="3657600" lvl="7" indent="-298450">
               <a:spcBef>
                 <a:spcPts val="0"/>
               </a:spcBef>
@@ -470,7 +490,7 @@
               <a:buChar char="○"/>
               <a:defRPr sz="1100"/>
             </a:lvl8pPr>
-            <a:lvl9pPr indent="-298450" lvl="8" marL="4114800">
+            <a:lvl9pPr marL="4114800" lvl="8" indent="-298450">
               <a:spcBef>
                 <a:spcPts val="0"/>
               </a:spcBef>
@@ -482,14 +502,16 @@
               <a:defRPr sz="1100"/>
             </a:lvl9pPr>
           </a:lstStyle>
-          <a:p/>
+          <a:p>
+            <a:endParaRPr/>
+          </a:p>
         </p:txBody>
       </p:sp>
     </p:spTree>
   </p:cSld>
-  <p:clrMap accent1="accent1" accent2="accent2" accent3="accent3" accent4="accent4" accent5="accent5" accent6="accent6" bg1="lt1" bg2="dk2" tx1="dk1" tx2="lt2" folHlink="folHlink" hlink="hlink"/>
+  <p:clrMap bg1="lt1" tx1="dk1" bg2="dk2" tx2="lt2" accent1="accent1" accent2="accent2" accent3="accent3" accent4="accent4" accent5="accent5" accent6="accent6" hlink="hlink" folHlink="folHlink"/>
   <p:notesStyle>
-    <a:defPPr lvl="0" marR="0" rtl="0" algn="l">
+    <a:defPPr marR="0" lvl="0" algn="l" rtl="0">
       <a:lnSpc>
         <a:spcPct val="100000"/>
       </a:lnSpc>
@@ -500,7 +522,7 @@
         <a:spcPts val="0"/>
       </a:spcAft>
     </a:defPPr>
-    <a:lvl1pPr lvl="0" marR="0" rtl="0" algn="l">
+    <a:lvl1pPr marR="0" lvl="0" algn="l" rtl="0">
       <a:lnSpc>
         <a:spcPct val="100000"/>
       </a:lnSpc>
@@ -514,7 +536,7 @@
         <a:srgbClr val="000000"/>
       </a:buClr>
       <a:buFont typeface="Arial"/>
-      <a:defRPr b="0" i="0" sz="1400" u="none" cap="none" strike="noStrike">
+      <a:defRPr sz="1400" b="0" i="0" u="none" strike="noStrike" cap="none">
         <a:solidFill>
           <a:srgbClr val="000000"/>
         </a:solidFill>
@@ -524,7 +546,7 @@
         <a:sym typeface="Arial"/>
       </a:defRPr>
     </a:lvl1pPr>
-    <a:lvl2pPr lvl="1" marR="0" rtl="0" algn="l">
+    <a:lvl2pPr marR="0" lvl="1" algn="l" rtl="0">
       <a:lnSpc>
         <a:spcPct val="100000"/>
       </a:lnSpc>
@@ -538,7 +560,7 @@
         <a:srgbClr val="000000"/>
       </a:buClr>
       <a:buFont typeface="Arial"/>
-      <a:defRPr b="0" i="0" sz="1400" u="none" cap="none" strike="noStrike">
+      <a:defRPr sz="1400" b="0" i="0" u="none" strike="noStrike" cap="none">
         <a:solidFill>
           <a:srgbClr val="000000"/>
         </a:solidFill>
@@ -548,7 +570,7 @@
         <a:sym typeface="Arial"/>
       </a:defRPr>
     </a:lvl2pPr>
-    <a:lvl3pPr lvl="2" marR="0" rtl="0" algn="l">
+    <a:lvl3pPr marR="0" lvl="2" algn="l" rtl="0">
       <a:lnSpc>
         <a:spcPct val="100000"/>
       </a:lnSpc>
@@ -562,7 +584,7 @@
         <a:srgbClr val="000000"/>
       </a:buClr>
       <a:buFont typeface="Arial"/>
-      <a:defRPr b="0" i="0" sz="1400" u="none" cap="none" strike="noStrike">
+      <a:defRPr sz="1400" b="0" i="0" u="none" strike="noStrike" cap="none">
         <a:solidFill>
           <a:srgbClr val="000000"/>
         </a:solidFill>
@@ -572,7 +594,7 @@
         <a:sym typeface="Arial"/>
       </a:defRPr>
     </a:lvl3pPr>
-    <a:lvl4pPr lvl="3" marR="0" rtl="0" algn="l">
+    <a:lvl4pPr marR="0" lvl="3" algn="l" rtl="0">
       <a:lnSpc>
         <a:spcPct val="100000"/>
       </a:lnSpc>
@@ -586,7 +608,7 @@
         <a:srgbClr val="000000"/>
       </a:buClr>
       <a:buFont typeface="Arial"/>
-      <a:defRPr b="0" i="0" sz="1400" u="none" cap="none" strike="noStrike">
+      <a:defRPr sz="1400" b="0" i="0" u="none" strike="noStrike" cap="none">
         <a:solidFill>
           <a:srgbClr val="000000"/>
         </a:solidFill>
@@ -596,7 +618,7 @@
         <a:sym typeface="Arial"/>
       </a:defRPr>
     </a:lvl4pPr>
-    <a:lvl5pPr lvl="4" marR="0" rtl="0" algn="l">
+    <a:lvl5pPr marR="0" lvl="4" algn="l" rtl="0">
       <a:lnSpc>
         <a:spcPct val="100000"/>
       </a:lnSpc>
@@ -610,7 +632,7 @@
         <a:srgbClr val="000000"/>
       </a:buClr>
       <a:buFont typeface="Arial"/>
-      <a:defRPr b="0" i="0" sz="1400" u="none" cap="none" strike="noStrike">
+      <a:defRPr sz="1400" b="0" i="0" u="none" strike="noStrike" cap="none">
         <a:solidFill>
           <a:srgbClr val="000000"/>
         </a:solidFill>
@@ -620,7 +642,7 @@
         <a:sym typeface="Arial"/>
       </a:defRPr>
     </a:lvl5pPr>
-    <a:lvl6pPr lvl="5" marR="0" rtl="0" algn="l">
+    <a:lvl6pPr marR="0" lvl="5" algn="l" rtl="0">
       <a:lnSpc>
         <a:spcPct val="100000"/>
       </a:lnSpc>
@@ -634,7 +656,7 @@
         <a:srgbClr val="000000"/>
       </a:buClr>
       <a:buFont typeface="Arial"/>
-      <a:defRPr b="0" i="0" sz="1400" u="none" cap="none" strike="noStrike">
+      <a:defRPr sz="1400" b="0" i="0" u="none" strike="noStrike" cap="none">
         <a:solidFill>
           <a:srgbClr val="000000"/>
         </a:solidFill>
@@ -644,7 +666,7 @@
         <a:sym typeface="Arial"/>
       </a:defRPr>
     </a:lvl6pPr>
-    <a:lvl7pPr lvl="6" marR="0" rtl="0" algn="l">
+    <a:lvl7pPr marR="0" lvl="6" algn="l" rtl="0">
       <a:lnSpc>
         <a:spcPct val="100000"/>
       </a:lnSpc>
@@ -658,7 +680,7 @@
         <a:srgbClr val="000000"/>
       </a:buClr>
       <a:buFont typeface="Arial"/>
-      <a:defRPr b="0" i="0" sz="1400" u="none" cap="none" strike="noStrike">
+      <a:defRPr sz="1400" b="0" i="0" u="none" strike="noStrike" cap="none">
         <a:solidFill>
           <a:srgbClr val="000000"/>
         </a:solidFill>
@@ -668,7 +690,7 @@
         <a:sym typeface="Arial"/>
       </a:defRPr>
     </a:lvl7pPr>
-    <a:lvl8pPr lvl="7" marR="0" rtl="0" algn="l">
+    <a:lvl8pPr marR="0" lvl="7" algn="l" rtl="0">
       <a:lnSpc>
         <a:spcPct val="100000"/>
       </a:lnSpc>
@@ -682,7 +704,7 @@
         <a:srgbClr val="000000"/>
       </a:buClr>
       <a:buFont typeface="Arial"/>
-      <a:defRPr b="0" i="0" sz="1400" u="none" cap="none" strike="noStrike">
+      <a:defRPr sz="1400" b="0" i="0" u="none" strike="noStrike" cap="none">
         <a:solidFill>
           <a:srgbClr val="000000"/>
         </a:solidFill>
@@ -692,7 +714,7 @@
         <a:sym typeface="Arial"/>
       </a:defRPr>
     </a:lvl8pPr>
-    <a:lvl9pPr lvl="8" marR="0" rtl="0" algn="l">
+    <a:lvl9pPr marR="0" lvl="8" algn="l" rtl="0">
       <a:lnSpc>
         <a:spcPct val="100000"/>
       </a:lnSpc>
@@ -706,7 +728,7 @@
         <a:srgbClr val="000000"/>
       </a:buClr>
       <a:buFont typeface="Arial"/>
-      <a:defRPr b="0" i="0" sz="1400" u="none" cap="none" strike="noStrike">
+      <a:defRPr sz="1400" b="0" i="0" u="none" strike="noStrike" cap="none">
         <a:solidFill>
           <a:srgbClr val="000000"/>
         </a:solidFill>
@@ -721,11 +743,11 @@
 </file>
 
 <file path=ppt/notesSlides/notesSlide1.xml><?xml version="1.0" encoding="utf-8"?>
-<p:notes xmlns:a="http://schemas.openxmlformats.org/drawingml/2006/main" xmlns:r="http://schemas.openxmlformats.org/officeDocument/2006/relationships" xmlns:mc="http://schemas.openxmlformats.org/markup-compatibility/2006" xmlns:mv="urn:schemas-microsoft-com:mac:vml" xmlns:p="http://schemas.openxmlformats.org/presentationml/2006/main" xmlns:c="http://schemas.openxmlformats.org/drawingml/2006/chart" xmlns:dgm="http://schemas.openxmlformats.org/drawingml/2006/diagram" xmlns:o="urn:schemas-microsoft-com:office:office" xmlns:v="urn:schemas-microsoft-com:vml" xmlns:pvml="urn:schemas-microsoft-com:office:powerpoint" xmlns:com="http://schemas.openxmlformats.org/drawingml/2006/compatibility" xmlns:p14="http://schemas.microsoft.com/office/powerpoint/2010/main" xmlns:p15="http://schemas.microsoft.com/office/powerpoint/2012/main" xmlns:ahyp="http://schemas.microsoft.com/office/drawing/2018/hyperlinkcolor" showMasterPhAnim="0" showMasterSp="0">
+<p:notes xmlns:a="http://schemas.openxmlformats.org/drawingml/2006/main" xmlns:r="http://schemas.openxmlformats.org/officeDocument/2006/relationships" xmlns:p="http://schemas.openxmlformats.org/presentationml/2006/main" showMasterSp="0" showMasterPhAnim="0">
   <p:cSld>
     <p:spTree>
       <p:nvGrpSpPr>
-        <p:cNvPr id="50" name="Shape 50"/>
+        <p:cNvPr id="1" name="Shape 50"/>
         <p:cNvGrpSpPr/>
         <p:nvPr/>
       </p:nvGrpSpPr>
@@ -740,9 +762,11 @@
       <p:sp>
         <p:nvSpPr>
           <p:cNvPr id="51" name="Google Shape;51;p:notes"/>
-          <p:cNvSpPr/>
+          <p:cNvSpPr>
+            <a:spLocks noGrp="1" noRot="1" noChangeAspect="1"/>
+          </p:cNvSpPr>
           <p:nvPr>
-            <p:ph idx="2" type="sldImg"/>
+            <p:ph type="sldImg" idx="2"/>
           </p:nvPr>
         </p:nvSpPr>
         <p:spPr>
@@ -751,9 +775,13 @@
             <a:ext cx="6096075" cy="3429000"/>
           </a:xfrm>
           <a:custGeom>
-            <a:rect b="b" l="l" r="r" t="t"/>
+            <a:avLst/>
+            <a:gdLst/>
+            <a:ahLst/>
+            <a:cxnLst/>
+            <a:rect l="l" t="t" r="r" b="b"/>
             <a:pathLst>
-              <a:path extrusionOk="0" h="120000" w="120000">
+              <a:path w="120000" h="120000" extrusionOk="0">
                 <a:moveTo>
                   <a:pt x="0" y="0"/>
                 </a:moveTo>
@@ -775,9 +803,11 @@
       <p:sp>
         <p:nvSpPr>
           <p:cNvPr id="52" name="Google Shape;52;p:notes"/>
-          <p:cNvSpPr txBox="1"/>
+          <p:cNvSpPr txBox="1">
+            <a:spLocks noGrp="1"/>
+          </p:cNvSpPr>
           <p:nvPr>
-            <p:ph idx="1" type="body"/>
+            <p:ph type="body" idx="1"/>
           </p:nvPr>
         </p:nvSpPr>
         <p:spPr>
@@ -790,23 +820,20 @@
           </a:prstGeom>
         </p:spPr>
         <p:txBody>
-          <a:bodyPr anchorCtr="0" anchor="t" bIns="91425" lIns="91425" spcFirstLastPara="1" rIns="91425" wrap="square" tIns="91425">
+          <a:bodyPr spcFirstLastPara="1" wrap="square" lIns="91425" tIns="91425" rIns="91425" bIns="91425" anchor="t" anchorCtr="0">
             <a:noAutofit/>
           </a:bodyPr>
           <a:lstStyle/>
           <a:p>
-            <a:pPr indent="0" lvl="0" marL="0" rtl="0" algn="l">
-              <a:spcBef>
-                <a:spcPts val="0"/>
-              </a:spcBef>
-              <a:spcAft>
-                <a:spcPts val="0"/>
-              </a:spcAft>
-              <a:buNone/>
-            </a:pPr>
-            <a:r>
-              <a:t/>
-            </a:r>
+            <a:pPr marL="0" lvl="0" indent="0" algn="l" rtl="0">
+              <a:spcBef>
+                <a:spcPts val="0"/>
+              </a:spcBef>
+              <a:spcAft>
+                <a:spcPts val="0"/>
+              </a:spcAft>
+              <a:buNone/>
+            </a:pPr>
             <a:endParaRPr/>
           </a:p>
         </p:txBody>
@@ -820,11 +847,11 @@
 </file>
 
 <file path=ppt/notesSlides/notesSlide10.xml><?xml version="1.0" encoding="utf-8"?>
-<p:notes xmlns:a="http://schemas.openxmlformats.org/drawingml/2006/main" xmlns:r="http://schemas.openxmlformats.org/officeDocument/2006/relationships" xmlns:mc="http://schemas.openxmlformats.org/markup-compatibility/2006" xmlns:mv="urn:schemas-microsoft-com:mac:vml" xmlns:p="http://schemas.openxmlformats.org/presentationml/2006/main" xmlns:c="http://schemas.openxmlformats.org/drawingml/2006/chart" xmlns:dgm="http://schemas.openxmlformats.org/drawingml/2006/diagram" xmlns:o="urn:schemas-microsoft-com:office:office" xmlns:v="urn:schemas-microsoft-com:vml" xmlns:pvml="urn:schemas-microsoft-com:office:powerpoint" xmlns:com="http://schemas.openxmlformats.org/drawingml/2006/compatibility" xmlns:p14="http://schemas.microsoft.com/office/powerpoint/2010/main" xmlns:p15="http://schemas.microsoft.com/office/powerpoint/2012/main" xmlns:ahyp="http://schemas.microsoft.com/office/drawing/2018/hyperlinkcolor" showMasterPhAnim="0" showMasterSp="0">
+<p:notes xmlns:a="http://schemas.openxmlformats.org/drawingml/2006/main" xmlns:r="http://schemas.openxmlformats.org/officeDocument/2006/relationships" xmlns:p="http://schemas.openxmlformats.org/presentationml/2006/main" showMasterSp="0" showMasterPhAnim="0">
   <p:cSld>
     <p:spTree>
       <p:nvGrpSpPr>
-        <p:cNvPr id="110" name="Shape 110"/>
+        <p:cNvPr id="1" name="Shape 110"/>
         <p:cNvGrpSpPr/>
         <p:nvPr/>
       </p:nvGrpSpPr>
@@ -839,9 +866,11 @@
       <p:sp>
         <p:nvSpPr>
           <p:cNvPr id="111" name="Google Shape;111;g2cd3ee9ef13_0_10:notes"/>
-          <p:cNvSpPr/>
+          <p:cNvSpPr>
+            <a:spLocks noGrp="1" noRot="1" noChangeAspect="1"/>
+          </p:cNvSpPr>
           <p:nvPr>
-            <p:ph idx="2" type="sldImg"/>
+            <p:ph type="sldImg" idx="2"/>
           </p:nvPr>
         </p:nvSpPr>
         <p:spPr>
@@ -850,9 +879,13 @@
             <a:ext cx="6096000" cy="3429000"/>
           </a:xfrm>
           <a:custGeom>
-            <a:rect b="b" l="l" r="r" t="t"/>
+            <a:avLst/>
+            <a:gdLst/>
+            <a:ahLst/>
+            <a:cxnLst/>
+            <a:rect l="l" t="t" r="r" b="b"/>
             <a:pathLst>
-              <a:path extrusionOk="0" h="120000" w="120000">
+              <a:path w="120000" h="120000" extrusionOk="0">
                 <a:moveTo>
                   <a:pt x="0" y="0"/>
                 </a:moveTo>
@@ -874,9 +907,11 @@
       <p:sp>
         <p:nvSpPr>
           <p:cNvPr id="112" name="Google Shape;112;g2cd3ee9ef13_0_10:notes"/>
-          <p:cNvSpPr txBox="1"/>
+          <p:cNvSpPr txBox="1">
+            <a:spLocks noGrp="1"/>
+          </p:cNvSpPr>
           <p:nvPr>
-            <p:ph idx="1" type="body"/>
+            <p:ph type="body" idx="1"/>
           </p:nvPr>
         </p:nvSpPr>
         <p:spPr>
@@ -889,23 +924,20 @@
           </a:prstGeom>
         </p:spPr>
         <p:txBody>
-          <a:bodyPr anchorCtr="0" anchor="t" bIns="91425" lIns="91425" spcFirstLastPara="1" rIns="91425" wrap="square" tIns="91425">
+          <a:bodyPr spcFirstLastPara="1" wrap="square" lIns="91425" tIns="91425" rIns="91425" bIns="91425" anchor="t" anchorCtr="0">
             <a:noAutofit/>
           </a:bodyPr>
           <a:lstStyle/>
           <a:p>
-            <a:pPr indent="0" lvl="0" marL="0" rtl="0" algn="l">
-              <a:spcBef>
-                <a:spcPts val="0"/>
-              </a:spcBef>
-              <a:spcAft>
-                <a:spcPts val="0"/>
-              </a:spcAft>
-              <a:buNone/>
-            </a:pPr>
-            <a:r>
-              <a:t/>
-            </a:r>
+            <a:pPr marL="0" lvl="0" indent="0" algn="l" rtl="0">
+              <a:spcBef>
+                <a:spcPts val="0"/>
+              </a:spcBef>
+              <a:spcAft>
+                <a:spcPts val="0"/>
+              </a:spcAft>
+              <a:buNone/>
+            </a:pPr>
             <a:endParaRPr/>
           </a:p>
         </p:txBody>
@@ -919,11 +951,11 @@
 </file>
 
 <file path=ppt/notesSlides/notesSlide11.xml><?xml version="1.0" encoding="utf-8"?>
-<p:notes xmlns:a="http://schemas.openxmlformats.org/drawingml/2006/main" xmlns:r="http://schemas.openxmlformats.org/officeDocument/2006/relationships" xmlns:mc="http://schemas.openxmlformats.org/markup-compatibility/2006" xmlns:mv="urn:schemas-microsoft-com:mac:vml" xmlns:p="http://schemas.openxmlformats.org/presentationml/2006/main" xmlns:c="http://schemas.openxmlformats.org/drawingml/2006/chart" xmlns:dgm="http://schemas.openxmlformats.org/drawingml/2006/diagram" xmlns:o="urn:schemas-microsoft-com:office:office" xmlns:v="urn:schemas-microsoft-com:vml" xmlns:pvml="urn:schemas-microsoft-com:office:powerpoint" xmlns:com="http://schemas.openxmlformats.org/drawingml/2006/compatibility" xmlns:p14="http://schemas.microsoft.com/office/powerpoint/2010/main" xmlns:p15="http://schemas.microsoft.com/office/powerpoint/2012/main" xmlns:ahyp="http://schemas.microsoft.com/office/drawing/2018/hyperlinkcolor" showMasterPhAnim="0" showMasterSp="0">
+<p:notes xmlns:a="http://schemas.openxmlformats.org/drawingml/2006/main" xmlns:r="http://schemas.openxmlformats.org/officeDocument/2006/relationships" xmlns:p="http://schemas.openxmlformats.org/presentationml/2006/main" showMasterSp="0" showMasterPhAnim="0">
   <p:cSld>
     <p:spTree>
       <p:nvGrpSpPr>
-        <p:cNvPr id="117" name="Shape 117"/>
+        <p:cNvPr id="1" name="Shape 71"/>
         <p:cNvGrpSpPr/>
         <p:nvPr/>
       </p:nvGrpSpPr>
@@ -937,10 +969,12 @@
       </p:grpSpPr>
       <p:sp>
         <p:nvSpPr>
-          <p:cNvPr id="118" name="Google Shape;118;g26e9bc169fa_0_15:notes"/>
-          <p:cNvSpPr/>
+          <p:cNvPr id="72" name="Google Shape;72;g26e9bc169fa_0_45:notes"/>
+          <p:cNvSpPr>
+            <a:spLocks noGrp="1" noRot="1" noChangeAspect="1"/>
+          </p:cNvSpPr>
           <p:nvPr>
-            <p:ph idx="2" type="sldImg"/>
+            <p:ph type="sldImg" idx="2"/>
           </p:nvPr>
         </p:nvSpPr>
         <p:spPr>
@@ -949,9 +983,13 @@
             <a:ext cx="6096000" cy="3429000"/>
           </a:xfrm>
           <a:custGeom>
-            <a:rect b="b" l="l" r="r" t="t"/>
+            <a:avLst/>
+            <a:gdLst/>
+            <a:ahLst/>
+            <a:cxnLst/>
+            <a:rect l="l" t="t" r="r" b="b"/>
             <a:pathLst>
-              <a:path extrusionOk="0" h="120000" w="120000">
+              <a:path w="120000" h="120000" extrusionOk="0">
                 <a:moveTo>
                   <a:pt x="0" y="0"/>
                 </a:moveTo>
@@ -972,10 +1010,12 @@
       </p:sp>
       <p:sp>
         <p:nvSpPr>
-          <p:cNvPr id="119" name="Google Shape;119;g26e9bc169fa_0_15:notes"/>
-          <p:cNvSpPr txBox="1"/>
+          <p:cNvPr id="73" name="Google Shape;73;g26e9bc169fa_0_45:notes"/>
+          <p:cNvSpPr txBox="1">
+            <a:spLocks noGrp="1"/>
+          </p:cNvSpPr>
           <p:nvPr>
-            <p:ph idx="1" type="body"/>
+            <p:ph type="body" idx="1"/>
           </p:nvPr>
         </p:nvSpPr>
         <p:spPr>
@@ -988,28 +1028,30 @@
           </a:prstGeom>
         </p:spPr>
         <p:txBody>
-          <a:bodyPr anchorCtr="0" anchor="t" bIns="91425" lIns="91425" spcFirstLastPara="1" rIns="91425" wrap="square" tIns="91425">
+          <a:bodyPr spcFirstLastPara="1" wrap="square" lIns="91425" tIns="91425" rIns="91425" bIns="91425" anchor="t" anchorCtr="0">
             <a:noAutofit/>
           </a:bodyPr>
           <a:lstStyle/>
           <a:p>
-            <a:pPr indent="0" lvl="0" marL="0" rtl="0" algn="l">
-              <a:spcBef>
-                <a:spcPts val="0"/>
-              </a:spcBef>
-              <a:spcAft>
-                <a:spcPts val="0"/>
-              </a:spcAft>
-              <a:buNone/>
-            </a:pPr>
-            <a:r>
-              <a:t/>
-            </a:r>
+            <a:pPr marL="0" lvl="0" indent="0" algn="l" rtl="0">
+              <a:spcBef>
+                <a:spcPts val="0"/>
+              </a:spcBef>
+              <a:spcAft>
+                <a:spcPts val="0"/>
+              </a:spcAft>
+              <a:buNone/>
+            </a:pPr>
             <a:endParaRPr/>
           </a:p>
         </p:txBody>
       </p:sp>
     </p:spTree>
+    <p:extLst>
+      <p:ext uri="{BB962C8B-B14F-4D97-AF65-F5344CB8AC3E}">
+        <p14:creationId xmlns:p14="http://schemas.microsoft.com/office/powerpoint/2010/main" val="4180452967"/>
+      </p:ext>
+    </p:extLst>
   </p:cSld>
   <p:clrMapOvr>
     <a:masterClrMapping/>
@@ -1018,11 +1060,11 @@
 </file>
 
 <file path=ppt/notesSlides/notesSlide12.xml><?xml version="1.0" encoding="utf-8"?>
-<p:notes xmlns:a="http://schemas.openxmlformats.org/drawingml/2006/main" xmlns:r="http://schemas.openxmlformats.org/officeDocument/2006/relationships" xmlns:mc="http://schemas.openxmlformats.org/markup-compatibility/2006" xmlns:mv="urn:schemas-microsoft-com:mac:vml" xmlns:p="http://schemas.openxmlformats.org/presentationml/2006/main" xmlns:c="http://schemas.openxmlformats.org/drawingml/2006/chart" xmlns:dgm="http://schemas.openxmlformats.org/drawingml/2006/diagram" xmlns:o="urn:schemas-microsoft-com:office:office" xmlns:v="urn:schemas-microsoft-com:vml" xmlns:pvml="urn:schemas-microsoft-com:office:powerpoint" xmlns:com="http://schemas.openxmlformats.org/drawingml/2006/compatibility" xmlns:p14="http://schemas.microsoft.com/office/powerpoint/2010/main" xmlns:p15="http://schemas.microsoft.com/office/powerpoint/2012/main" xmlns:ahyp="http://schemas.microsoft.com/office/drawing/2018/hyperlinkcolor" showMasterPhAnim="0" showMasterSp="0">
+<p:notes xmlns:a="http://schemas.openxmlformats.org/drawingml/2006/main" xmlns:r="http://schemas.openxmlformats.org/officeDocument/2006/relationships" xmlns:p="http://schemas.openxmlformats.org/presentationml/2006/main" showMasterSp="0" showMasterPhAnim="0">
   <p:cSld>
     <p:spTree>
       <p:nvGrpSpPr>
-        <p:cNvPr id="124" name="Shape 124"/>
+        <p:cNvPr id="1" name="Shape 117"/>
         <p:cNvGrpSpPr/>
         <p:nvPr/>
       </p:nvGrpSpPr>
@@ -1036,10 +1078,12 @@
       </p:grpSpPr>
       <p:sp>
         <p:nvSpPr>
-          <p:cNvPr id="125" name="Google Shape;125;g26e9bc169fa_0_25:notes"/>
-          <p:cNvSpPr/>
+          <p:cNvPr id="118" name="Google Shape;118;g26e9bc169fa_0_15:notes"/>
+          <p:cNvSpPr>
+            <a:spLocks noGrp="1" noRot="1" noChangeAspect="1"/>
+          </p:cNvSpPr>
           <p:nvPr>
-            <p:ph idx="2" type="sldImg"/>
+            <p:ph type="sldImg" idx="2"/>
           </p:nvPr>
         </p:nvSpPr>
         <p:spPr>
@@ -1048,9 +1092,13 @@
             <a:ext cx="6096000" cy="3429000"/>
           </a:xfrm>
           <a:custGeom>
-            <a:rect b="b" l="l" r="r" t="t"/>
+            <a:avLst/>
+            <a:gdLst/>
+            <a:ahLst/>
+            <a:cxnLst/>
+            <a:rect l="l" t="t" r="r" b="b"/>
             <a:pathLst>
-              <a:path extrusionOk="0" h="120000" w="120000">
+              <a:path w="120000" h="120000" extrusionOk="0">
                 <a:moveTo>
                   <a:pt x="0" y="0"/>
                 </a:moveTo>
@@ -1071,10 +1119,12 @@
       </p:sp>
       <p:sp>
         <p:nvSpPr>
-          <p:cNvPr id="126" name="Google Shape;126;g26e9bc169fa_0_25:notes"/>
-          <p:cNvSpPr txBox="1"/>
+          <p:cNvPr id="119" name="Google Shape;119;g26e9bc169fa_0_15:notes"/>
+          <p:cNvSpPr txBox="1">
+            <a:spLocks noGrp="1"/>
+          </p:cNvSpPr>
           <p:nvPr>
-            <p:ph idx="1" type="body"/>
+            <p:ph type="body" idx="1"/>
           </p:nvPr>
         </p:nvSpPr>
         <p:spPr>
@@ -1087,23 +1137,20 @@
           </a:prstGeom>
         </p:spPr>
         <p:txBody>
-          <a:bodyPr anchorCtr="0" anchor="t" bIns="91425" lIns="91425" spcFirstLastPara="1" rIns="91425" wrap="square" tIns="91425">
+          <a:bodyPr spcFirstLastPara="1" wrap="square" lIns="91425" tIns="91425" rIns="91425" bIns="91425" anchor="t" anchorCtr="0">
             <a:noAutofit/>
           </a:bodyPr>
           <a:lstStyle/>
           <a:p>
-            <a:pPr indent="0" lvl="0" marL="0" rtl="0" algn="l">
-              <a:spcBef>
-                <a:spcPts val="0"/>
-              </a:spcBef>
-              <a:spcAft>
-                <a:spcPts val="0"/>
-              </a:spcAft>
-              <a:buNone/>
-            </a:pPr>
-            <a:r>
-              <a:t/>
-            </a:r>
+            <a:pPr marL="0" lvl="0" indent="0" algn="l" rtl="0">
+              <a:spcBef>
+                <a:spcPts val="0"/>
+              </a:spcBef>
+              <a:spcAft>
+                <a:spcPts val="0"/>
+              </a:spcAft>
+              <a:buNone/>
+            </a:pPr>
             <a:endParaRPr/>
           </a:p>
         </p:txBody>
@@ -1117,11 +1164,11 @@
 </file>
 
 <file path=ppt/notesSlides/notesSlide13.xml><?xml version="1.0" encoding="utf-8"?>
-<p:notes xmlns:a="http://schemas.openxmlformats.org/drawingml/2006/main" xmlns:r="http://schemas.openxmlformats.org/officeDocument/2006/relationships" xmlns:mc="http://schemas.openxmlformats.org/markup-compatibility/2006" xmlns:mv="urn:schemas-microsoft-com:mac:vml" xmlns:p="http://schemas.openxmlformats.org/presentationml/2006/main" xmlns:c="http://schemas.openxmlformats.org/drawingml/2006/chart" xmlns:dgm="http://schemas.openxmlformats.org/drawingml/2006/diagram" xmlns:o="urn:schemas-microsoft-com:office:office" xmlns:v="urn:schemas-microsoft-com:vml" xmlns:pvml="urn:schemas-microsoft-com:office:powerpoint" xmlns:com="http://schemas.openxmlformats.org/drawingml/2006/compatibility" xmlns:p14="http://schemas.microsoft.com/office/powerpoint/2010/main" xmlns:p15="http://schemas.microsoft.com/office/powerpoint/2012/main" xmlns:ahyp="http://schemas.microsoft.com/office/drawing/2018/hyperlinkcolor" showMasterPhAnim="0" showMasterSp="0">
+<p:notes xmlns:a="http://schemas.openxmlformats.org/drawingml/2006/main" xmlns:r="http://schemas.openxmlformats.org/officeDocument/2006/relationships" xmlns:p="http://schemas.openxmlformats.org/presentationml/2006/main" showMasterSp="0" showMasterPhAnim="0">
   <p:cSld>
     <p:spTree>
       <p:nvGrpSpPr>
-        <p:cNvPr id="131" name="Shape 131"/>
+        <p:cNvPr id="1" name="Shape 124"/>
         <p:cNvGrpSpPr/>
         <p:nvPr/>
       </p:nvGrpSpPr>
@@ -1135,10 +1182,12 @@
       </p:grpSpPr>
       <p:sp>
         <p:nvSpPr>
-          <p:cNvPr id="132" name="Google Shape;132;g26e9bc169fa_0_107:notes"/>
-          <p:cNvSpPr/>
+          <p:cNvPr id="125" name="Google Shape;125;g26e9bc169fa_0_25:notes"/>
+          <p:cNvSpPr>
+            <a:spLocks noGrp="1" noRot="1" noChangeAspect="1"/>
+          </p:cNvSpPr>
           <p:nvPr>
-            <p:ph idx="2" type="sldImg"/>
+            <p:ph type="sldImg" idx="2"/>
           </p:nvPr>
         </p:nvSpPr>
         <p:spPr>
@@ -1147,9 +1196,13 @@
             <a:ext cx="6096000" cy="3429000"/>
           </a:xfrm>
           <a:custGeom>
-            <a:rect b="b" l="l" r="r" t="t"/>
+            <a:avLst/>
+            <a:gdLst/>
+            <a:ahLst/>
+            <a:cxnLst/>
+            <a:rect l="l" t="t" r="r" b="b"/>
             <a:pathLst>
-              <a:path extrusionOk="0" h="120000" w="120000">
+              <a:path w="120000" h="120000" extrusionOk="0">
                 <a:moveTo>
                   <a:pt x="0" y="0"/>
                 </a:moveTo>
@@ -1170,10 +1223,12 @@
       </p:sp>
       <p:sp>
         <p:nvSpPr>
-          <p:cNvPr id="133" name="Google Shape;133;g26e9bc169fa_0_107:notes"/>
-          <p:cNvSpPr txBox="1"/>
+          <p:cNvPr id="126" name="Google Shape;126;g26e9bc169fa_0_25:notes"/>
+          <p:cNvSpPr txBox="1">
+            <a:spLocks noGrp="1"/>
+          </p:cNvSpPr>
           <p:nvPr>
-            <p:ph idx="1" type="body"/>
+            <p:ph type="body" idx="1"/>
           </p:nvPr>
         </p:nvSpPr>
         <p:spPr>
@@ -1186,23 +1241,20 @@
           </a:prstGeom>
         </p:spPr>
         <p:txBody>
-          <a:bodyPr anchorCtr="0" anchor="t" bIns="91425" lIns="91425" spcFirstLastPara="1" rIns="91425" wrap="square" tIns="91425">
+          <a:bodyPr spcFirstLastPara="1" wrap="square" lIns="91425" tIns="91425" rIns="91425" bIns="91425" anchor="t" anchorCtr="0">
             <a:noAutofit/>
           </a:bodyPr>
           <a:lstStyle/>
           <a:p>
-            <a:pPr indent="0" lvl="0" marL="0" rtl="0" algn="l">
-              <a:spcBef>
-                <a:spcPts val="0"/>
-              </a:spcBef>
-              <a:spcAft>
-                <a:spcPts val="0"/>
-              </a:spcAft>
-              <a:buNone/>
-            </a:pPr>
-            <a:r>
-              <a:t/>
-            </a:r>
+            <a:pPr marL="0" lvl="0" indent="0" algn="l" rtl="0">
+              <a:spcBef>
+                <a:spcPts val="0"/>
+              </a:spcBef>
+              <a:spcAft>
+                <a:spcPts val="0"/>
+              </a:spcAft>
+              <a:buNone/>
+            </a:pPr>
             <a:endParaRPr/>
           </a:p>
         </p:txBody>
@@ -1216,11 +1268,11 @@
 </file>
 
 <file path=ppt/notesSlides/notesSlide14.xml><?xml version="1.0" encoding="utf-8"?>
-<p:notes xmlns:a="http://schemas.openxmlformats.org/drawingml/2006/main" xmlns:r="http://schemas.openxmlformats.org/officeDocument/2006/relationships" xmlns:mc="http://schemas.openxmlformats.org/markup-compatibility/2006" xmlns:mv="urn:schemas-microsoft-com:mac:vml" xmlns:p="http://schemas.openxmlformats.org/presentationml/2006/main" xmlns:c="http://schemas.openxmlformats.org/drawingml/2006/chart" xmlns:dgm="http://schemas.openxmlformats.org/drawingml/2006/diagram" xmlns:o="urn:schemas-microsoft-com:office:office" xmlns:v="urn:schemas-microsoft-com:vml" xmlns:pvml="urn:schemas-microsoft-com:office:powerpoint" xmlns:com="http://schemas.openxmlformats.org/drawingml/2006/compatibility" xmlns:p14="http://schemas.microsoft.com/office/powerpoint/2010/main" xmlns:p15="http://schemas.microsoft.com/office/powerpoint/2012/main" xmlns:ahyp="http://schemas.microsoft.com/office/drawing/2018/hyperlinkcolor" showMasterPhAnim="0" showMasterSp="0">
+<p:notes xmlns:a="http://schemas.openxmlformats.org/drawingml/2006/main" xmlns:r="http://schemas.openxmlformats.org/officeDocument/2006/relationships" xmlns:p="http://schemas.openxmlformats.org/presentationml/2006/main" showMasterSp="0" showMasterPhAnim="0">
   <p:cSld>
     <p:spTree>
       <p:nvGrpSpPr>
-        <p:cNvPr id="139" name="Shape 139"/>
+        <p:cNvPr id="1" name="Shape 131"/>
         <p:cNvGrpSpPr/>
         <p:nvPr/>
       </p:nvGrpSpPr>
@@ -1234,10 +1286,12 @@
       </p:grpSpPr>
       <p:sp>
         <p:nvSpPr>
-          <p:cNvPr id="140" name="Google Shape;140;g26e9bc169fa_0_73:notes"/>
-          <p:cNvSpPr/>
+          <p:cNvPr id="132" name="Google Shape;132;g26e9bc169fa_0_107:notes"/>
+          <p:cNvSpPr>
+            <a:spLocks noGrp="1" noRot="1" noChangeAspect="1"/>
+          </p:cNvSpPr>
           <p:nvPr>
-            <p:ph idx="2" type="sldImg"/>
+            <p:ph type="sldImg" idx="2"/>
           </p:nvPr>
         </p:nvSpPr>
         <p:spPr>
@@ -1246,9 +1300,13 @@
             <a:ext cx="6096000" cy="3429000"/>
           </a:xfrm>
           <a:custGeom>
-            <a:rect b="b" l="l" r="r" t="t"/>
+            <a:avLst/>
+            <a:gdLst/>
+            <a:ahLst/>
+            <a:cxnLst/>
+            <a:rect l="l" t="t" r="r" b="b"/>
             <a:pathLst>
-              <a:path extrusionOk="0" h="120000" w="120000">
+              <a:path w="120000" h="120000" extrusionOk="0">
                 <a:moveTo>
                   <a:pt x="0" y="0"/>
                 </a:moveTo>
@@ -1269,10 +1327,12 @@
       </p:sp>
       <p:sp>
         <p:nvSpPr>
-          <p:cNvPr id="141" name="Google Shape;141;g26e9bc169fa_0_73:notes"/>
-          <p:cNvSpPr txBox="1"/>
+          <p:cNvPr id="133" name="Google Shape;133;g26e9bc169fa_0_107:notes"/>
+          <p:cNvSpPr txBox="1">
+            <a:spLocks noGrp="1"/>
+          </p:cNvSpPr>
           <p:nvPr>
-            <p:ph idx="1" type="body"/>
+            <p:ph type="body" idx="1"/>
           </p:nvPr>
         </p:nvSpPr>
         <p:spPr>
@@ -1285,23 +1345,20 @@
           </a:prstGeom>
         </p:spPr>
         <p:txBody>
-          <a:bodyPr anchorCtr="0" anchor="t" bIns="91425" lIns="91425" spcFirstLastPara="1" rIns="91425" wrap="square" tIns="91425">
+          <a:bodyPr spcFirstLastPara="1" wrap="square" lIns="91425" tIns="91425" rIns="91425" bIns="91425" anchor="t" anchorCtr="0">
             <a:noAutofit/>
           </a:bodyPr>
           <a:lstStyle/>
           <a:p>
-            <a:pPr indent="0" lvl="0" marL="0" rtl="0" algn="l">
-              <a:spcBef>
-                <a:spcPts val="0"/>
-              </a:spcBef>
-              <a:spcAft>
-                <a:spcPts val="0"/>
-              </a:spcAft>
-              <a:buNone/>
-            </a:pPr>
-            <a:r>
-              <a:t/>
-            </a:r>
+            <a:pPr marL="0" lvl="0" indent="0" algn="l" rtl="0">
+              <a:spcBef>
+                <a:spcPts val="0"/>
+              </a:spcBef>
+              <a:spcAft>
+                <a:spcPts val="0"/>
+              </a:spcAft>
+              <a:buNone/>
+            </a:pPr>
             <a:endParaRPr/>
           </a:p>
         </p:txBody>
@@ -1315,11 +1372,11 @@
 </file>
 
 <file path=ppt/notesSlides/notesSlide15.xml><?xml version="1.0" encoding="utf-8"?>
-<p:notes xmlns:a="http://schemas.openxmlformats.org/drawingml/2006/main" xmlns:r="http://schemas.openxmlformats.org/officeDocument/2006/relationships" xmlns:mc="http://schemas.openxmlformats.org/markup-compatibility/2006" xmlns:mv="urn:schemas-microsoft-com:mac:vml" xmlns:p="http://schemas.openxmlformats.org/presentationml/2006/main" xmlns:c="http://schemas.openxmlformats.org/drawingml/2006/chart" xmlns:dgm="http://schemas.openxmlformats.org/drawingml/2006/diagram" xmlns:o="urn:schemas-microsoft-com:office:office" xmlns:v="urn:schemas-microsoft-com:vml" xmlns:pvml="urn:schemas-microsoft-com:office:powerpoint" xmlns:com="http://schemas.openxmlformats.org/drawingml/2006/compatibility" xmlns:p14="http://schemas.microsoft.com/office/powerpoint/2010/main" xmlns:p15="http://schemas.microsoft.com/office/powerpoint/2012/main" xmlns:ahyp="http://schemas.microsoft.com/office/drawing/2018/hyperlinkcolor" showMasterPhAnim="0" showMasterSp="0">
+<p:notes xmlns:a="http://schemas.openxmlformats.org/drawingml/2006/main" xmlns:r="http://schemas.openxmlformats.org/officeDocument/2006/relationships" xmlns:p="http://schemas.openxmlformats.org/presentationml/2006/main" showMasterSp="0" showMasterPhAnim="0">
   <p:cSld>
     <p:spTree>
       <p:nvGrpSpPr>
-        <p:cNvPr id="145" name="Shape 145"/>
+        <p:cNvPr id="1" name="Shape 139"/>
         <p:cNvGrpSpPr/>
         <p:nvPr/>
       </p:nvGrpSpPr>
@@ -1333,10 +1390,12 @@
       </p:grpSpPr>
       <p:sp>
         <p:nvSpPr>
-          <p:cNvPr id="146" name="Google Shape;146;g26e9bc169fa_0_78:notes"/>
-          <p:cNvSpPr/>
+          <p:cNvPr id="140" name="Google Shape;140;g26e9bc169fa_0_73:notes"/>
+          <p:cNvSpPr>
+            <a:spLocks noGrp="1" noRot="1" noChangeAspect="1"/>
+          </p:cNvSpPr>
           <p:nvPr>
-            <p:ph idx="2" type="sldImg"/>
+            <p:ph type="sldImg" idx="2"/>
           </p:nvPr>
         </p:nvSpPr>
         <p:spPr>
@@ -1345,9 +1404,13 @@
             <a:ext cx="6096000" cy="3429000"/>
           </a:xfrm>
           <a:custGeom>
-            <a:rect b="b" l="l" r="r" t="t"/>
+            <a:avLst/>
+            <a:gdLst/>
+            <a:ahLst/>
+            <a:cxnLst/>
+            <a:rect l="l" t="t" r="r" b="b"/>
             <a:pathLst>
-              <a:path extrusionOk="0" h="120000" w="120000">
+              <a:path w="120000" h="120000" extrusionOk="0">
                 <a:moveTo>
                   <a:pt x="0" y="0"/>
                 </a:moveTo>
@@ -1368,10 +1431,12 @@
       </p:sp>
       <p:sp>
         <p:nvSpPr>
-          <p:cNvPr id="147" name="Google Shape;147;g26e9bc169fa_0_78:notes"/>
-          <p:cNvSpPr txBox="1"/>
+          <p:cNvPr id="141" name="Google Shape;141;g26e9bc169fa_0_73:notes"/>
+          <p:cNvSpPr txBox="1">
+            <a:spLocks noGrp="1"/>
+          </p:cNvSpPr>
           <p:nvPr>
-            <p:ph idx="1" type="body"/>
+            <p:ph type="body" idx="1"/>
           </p:nvPr>
         </p:nvSpPr>
         <p:spPr>
@@ -1384,23 +1449,20 @@
           </a:prstGeom>
         </p:spPr>
         <p:txBody>
-          <a:bodyPr anchorCtr="0" anchor="t" bIns="91425" lIns="91425" spcFirstLastPara="1" rIns="91425" wrap="square" tIns="91425">
+          <a:bodyPr spcFirstLastPara="1" wrap="square" lIns="91425" tIns="91425" rIns="91425" bIns="91425" anchor="t" anchorCtr="0">
             <a:noAutofit/>
           </a:bodyPr>
           <a:lstStyle/>
           <a:p>
-            <a:pPr indent="0" lvl="0" marL="0" rtl="0" algn="l">
-              <a:spcBef>
-                <a:spcPts val="0"/>
-              </a:spcBef>
-              <a:spcAft>
-                <a:spcPts val="0"/>
-              </a:spcAft>
-              <a:buNone/>
-            </a:pPr>
-            <a:r>
-              <a:t/>
-            </a:r>
+            <a:pPr marL="0" lvl="0" indent="0" algn="l" rtl="0">
+              <a:spcBef>
+                <a:spcPts val="0"/>
+              </a:spcBef>
+              <a:spcAft>
+                <a:spcPts val="0"/>
+              </a:spcAft>
+              <a:buNone/>
+            </a:pPr>
             <a:endParaRPr/>
           </a:p>
         </p:txBody>
@@ -1414,11 +1476,11 @@
 </file>
 
 <file path=ppt/notesSlides/notesSlide16.xml><?xml version="1.0" encoding="utf-8"?>
-<p:notes xmlns:a="http://schemas.openxmlformats.org/drawingml/2006/main" xmlns:r="http://schemas.openxmlformats.org/officeDocument/2006/relationships" xmlns:mc="http://schemas.openxmlformats.org/markup-compatibility/2006" xmlns:mv="urn:schemas-microsoft-com:mac:vml" xmlns:p="http://schemas.openxmlformats.org/presentationml/2006/main" xmlns:c="http://schemas.openxmlformats.org/drawingml/2006/chart" xmlns:dgm="http://schemas.openxmlformats.org/drawingml/2006/diagram" xmlns:o="urn:schemas-microsoft-com:office:office" xmlns:v="urn:schemas-microsoft-com:vml" xmlns:pvml="urn:schemas-microsoft-com:office:powerpoint" xmlns:com="http://schemas.openxmlformats.org/drawingml/2006/compatibility" xmlns:p14="http://schemas.microsoft.com/office/powerpoint/2010/main" xmlns:p15="http://schemas.microsoft.com/office/powerpoint/2012/main" xmlns:ahyp="http://schemas.microsoft.com/office/drawing/2018/hyperlinkcolor" showMasterPhAnim="0" showMasterSp="0">
+<p:notes xmlns:a="http://schemas.openxmlformats.org/drawingml/2006/main" xmlns:r="http://schemas.openxmlformats.org/officeDocument/2006/relationships" xmlns:p="http://schemas.openxmlformats.org/presentationml/2006/main" showMasterSp="0" showMasterPhAnim="0">
   <p:cSld>
     <p:spTree>
       <p:nvGrpSpPr>
-        <p:cNvPr id="151" name="Shape 151"/>
+        <p:cNvPr id="1" name="Shape 145"/>
         <p:cNvGrpSpPr/>
         <p:nvPr/>
       </p:nvGrpSpPr>
@@ -1432,10 +1494,12 @@
       </p:grpSpPr>
       <p:sp>
         <p:nvSpPr>
-          <p:cNvPr id="152" name="Google Shape;152;g26e9bc169fa_0_84:notes"/>
-          <p:cNvSpPr/>
+          <p:cNvPr id="146" name="Google Shape;146;g26e9bc169fa_0_78:notes"/>
+          <p:cNvSpPr>
+            <a:spLocks noGrp="1" noRot="1" noChangeAspect="1"/>
+          </p:cNvSpPr>
           <p:nvPr>
-            <p:ph idx="2" type="sldImg"/>
+            <p:ph type="sldImg" idx="2"/>
           </p:nvPr>
         </p:nvSpPr>
         <p:spPr>
@@ -1444,9 +1508,13 @@
             <a:ext cx="6096000" cy="3429000"/>
           </a:xfrm>
           <a:custGeom>
-            <a:rect b="b" l="l" r="r" t="t"/>
+            <a:avLst/>
+            <a:gdLst/>
+            <a:ahLst/>
+            <a:cxnLst/>
+            <a:rect l="l" t="t" r="r" b="b"/>
             <a:pathLst>
-              <a:path extrusionOk="0" h="120000" w="120000">
+              <a:path w="120000" h="120000" extrusionOk="0">
                 <a:moveTo>
                   <a:pt x="0" y="0"/>
                 </a:moveTo>
@@ -1467,10 +1535,12 @@
       </p:sp>
       <p:sp>
         <p:nvSpPr>
-          <p:cNvPr id="153" name="Google Shape;153;g26e9bc169fa_0_84:notes"/>
-          <p:cNvSpPr txBox="1"/>
+          <p:cNvPr id="147" name="Google Shape;147;g26e9bc169fa_0_78:notes"/>
+          <p:cNvSpPr txBox="1">
+            <a:spLocks noGrp="1"/>
+          </p:cNvSpPr>
           <p:nvPr>
-            <p:ph idx="1" type="body"/>
+            <p:ph type="body" idx="1"/>
           </p:nvPr>
         </p:nvSpPr>
         <p:spPr>
@@ -1483,23 +1553,20 @@
           </a:prstGeom>
         </p:spPr>
         <p:txBody>
-          <a:bodyPr anchorCtr="0" anchor="t" bIns="91425" lIns="91425" spcFirstLastPara="1" rIns="91425" wrap="square" tIns="91425">
+          <a:bodyPr spcFirstLastPara="1" wrap="square" lIns="91425" tIns="91425" rIns="91425" bIns="91425" anchor="t" anchorCtr="0">
             <a:noAutofit/>
           </a:bodyPr>
           <a:lstStyle/>
           <a:p>
-            <a:pPr indent="0" lvl="0" marL="0" rtl="0" algn="l">
-              <a:spcBef>
-                <a:spcPts val="0"/>
-              </a:spcBef>
-              <a:spcAft>
-                <a:spcPts val="0"/>
-              </a:spcAft>
-              <a:buNone/>
-            </a:pPr>
-            <a:r>
-              <a:t/>
-            </a:r>
+            <a:pPr marL="0" lvl="0" indent="0" algn="l" rtl="0">
+              <a:spcBef>
+                <a:spcPts val="0"/>
+              </a:spcBef>
+              <a:spcAft>
+                <a:spcPts val="0"/>
+              </a:spcAft>
+              <a:buNone/>
+            </a:pPr>
             <a:endParaRPr/>
           </a:p>
         </p:txBody>
@@ -1513,11 +1580,11 @@
 </file>
 
 <file path=ppt/notesSlides/notesSlide17.xml><?xml version="1.0" encoding="utf-8"?>
-<p:notes xmlns:a="http://schemas.openxmlformats.org/drawingml/2006/main" xmlns:r="http://schemas.openxmlformats.org/officeDocument/2006/relationships" xmlns:mc="http://schemas.openxmlformats.org/markup-compatibility/2006" xmlns:mv="urn:schemas-microsoft-com:mac:vml" xmlns:p="http://schemas.openxmlformats.org/presentationml/2006/main" xmlns:c="http://schemas.openxmlformats.org/drawingml/2006/chart" xmlns:dgm="http://schemas.openxmlformats.org/drawingml/2006/diagram" xmlns:o="urn:schemas-microsoft-com:office:office" xmlns:v="urn:schemas-microsoft-com:vml" xmlns:pvml="urn:schemas-microsoft-com:office:powerpoint" xmlns:com="http://schemas.openxmlformats.org/drawingml/2006/compatibility" xmlns:p14="http://schemas.microsoft.com/office/powerpoint/2010/main" xmlns:p15="http://schemas.microsoft.com/office/powerpoint/2012/main" xmlns:ahyp="http://schemas.microsoft.com/office/drawing/2018/hyperlinkcolor" showMasterPhAnim="0" showMasterSp="0">
+<p:notes xmlns:a="http://schemas.openxmlformats.org/drawingml/2006/main" xmlns:r="http://schemas.openxmlformats.org/officeDocument/2006/relationships" xmlns:p="http://schemas.openxmlformats.org/presentationml/2006/main" showMasterSp="0" showMasterPhAnim="0">
   <p:cSld>
     <p:spTree>
       <p:nvGrpSpPr>
-        <p:cNvPr id="157" name="Shape 157"/>
+        <p:cNvPr id="1" name="Shape 157"/>
         <p:cNvGrpSpPr/>
         <p:nvPr/>
       </p:nvGrpSpPr>
@@ -1532,9 +1599,11 @@
       <p:sp>
         <p:nvSpPr>
           <p:cNvPr id="158" name="Google Shape;158;g26e9bc169fa_0_89:notes"/>
-          <p:cNvSpPr/>
+          <p:cNvSpPr>
+            <a:spLocks noGrp="1" noRot="1" noChangeAspect="1"/>
+          </p:cNvSpPr>
           <p:nvPr>
-            <p:ph idx="2" type="sldImg"/>
+            <p:ph type="sldImg" idx="2"/>
           </p:nvPr>
         </p:nvSpPr>
         <p:spPr>
@@ -1543,9 +1612,13 @@
             <a:ext cx="6096000" cy="3429000"/>
           </a:xfrm>
           <a:custGeom>
-            <a:rect b="b" l="l" r="r" t="t"/>
+            <a:avLst/>
+            <a:gdLst/>
+            <a:ahLst/>
+            <a:cxnLst/>
+            <a:rect l="l" t="t" r="r" b="b"/>
             <a:pathLst>
-              <a:path extrusionOk="0" h="120000" w="120000">
+              <a:path w="120000" h="120000" extrusionOk="0">
                 <a:moveTo>
                   <a:pt x="0" y="0"/>
                 </a:moveTo>
@@ -1567,9 +1640,11 @@
       <p:sp>
         <p:nvSpPr>
           <p:cNvPr id="159" name="Google Shape;159;g26e9bc169fa_0_89:notes"/>
-          <p:cNvSpPr txBox="1"/>
+          <p:cNvSpPr txBox="1">
+            <a:spLocks noGrp="1"/>
+          </p:cNvSpPr>
           <p:nvPr>
-            <p:ph idx="1" type="body"/>
+            <p:ph type="body" idx="1"/>
           </p:nvPr>
         </p:nvSpPr>
         <p:spPr>
@@ -1582,23 +1657,20 @@
           </a:prstGeom>
         </p:spPr>
         <p:txBody>
-          <a:bodyPr anchorCtr="0" anchor="t" bIns="91425" lIns="91425" spcFirstLastPara="1" rIns="91425" wrap="square" tIns="91425">
+          <a:bodyPr spcFirstLastPara="1" wrap="square" lIns="91425" tIns="91425" rIns="91425" bIns="91425" anchor="t" anchorCtr="0">
             <a:noAutofit/>
           </a:bodyPr>
           <a:lstStyle/>
           <a:p>
-            <a:pPr indent="0" lvl="0" marL="0" rtl="0" algn="l">
-              <a:spcBef>
-                <a:spcPts val="0"/>
-              </a:spcBef>
-              <a:spcAft>
-                <a:spcPts val="0"/>
-              </a:spcAft>
-              <a:buNone/>
-            </a:pPr>
-            <a:r>
-              <a:t/>
-            </a:r>
+            <a:pPr marL="0" lvl="0" indent="0" algn="l" rtl="0">
+              <a:spcBef>
+                <a:spcPts val="0"/>
+              </a:spcBef>
+              <a:spcAft>
+                <a:spcPts val="0"/>
+              </a:spcAft>
+              <a:buNone/>
+            </a:pPr>
             <a:endParaRPr/>
           </a:p>
         </p:txBody>
@@ -1612,11 +1684,11 @@
 </file>
 
 <file path=ppt/notesSlides/notesSlide18.xml><?xml version="1.0" encoding="utf-8"?>
-<p:notes xmlns:a="http://schemas.openxmlformats.org/drawingml/2006/main" xmlns:r="http://schemas.openxmlformats.org/officeDocument/2006/relationships" xmlns:mc="http://schemas.openxmlformats.org/markup-compatibility/2006" xmlns:mv="urn:schemas-microsoft-com:mac:vml" xmlns:p="http://schemas.openxmlformats.org/presentationml/2006/main" xmlns:c="http://schemas.openxmlformats.org/drawingml/2006/chart" xmlns:dgm="http://schemas.openxmlformats.org/drawingml/2006/diagram" xmlns:o="urn:schemas-microsoft-com:office:office" xmlns:v="urn:schemas-microsoft-com:vml" xmlns:pvml="urn:schemas-microsoft-com:office:powerpoint" xmlns:com="http://schemas.openxmlformats.org/drawingml/2006/compatibility" xmlns:p14="http://schemas.microsoft.com/office/powerpoint/2010/main" xmlns:p15="http://schemas.microsoft.com/office/powerpoint/2012/main" xmlns:ahyp="http://schemas.microsoft.com/office/drawing/2018/hyperlinkcolor" showMasterPhAnim="0" showMasterSp="0">
+<p:notes xmlns:a="http://schemas.openxmlformats.org/drawingml/2006/main" xmlns:r="http://schemas.openxmlformats.org/officeDocument/2006/relationships" xmlns:p="http://schemas.openxmlformats.org/presentationml/2006/main" showMasterSp="0" showMasterPhAnim="0">
   <p:cSld>
     <p:spTree>
       <p:nvGrpSpPr>
-        <p:cNvPr id="164" name="Shape 164"/>
+        <p:cNvPr id="1" name="Shape 164"/>
         <p:cNvGrpSpPr/>
         <p:nvPr/>
       </p:nvGrpSpPr>
@@ -1631,9 +1703,11 @@
       <p:sp>
         <p:nvSpPr>
           <p:cNvPr id="165" name="Google Shape;165;g26e9bc169fa_0_96:notes"/>
-          <p:cNvSpPr/>
+          <p:cNvSpPr>
+            <a:spLocks noGrp="1" noRot="1" noChangeAspect="1"/>
+          </p:cNvSpPr>
           <p:nvPr>
-            <p:ph idx="2" type="sldImg"/>
+            <p:ph type="sldImg" idx="2"/>
           </p:nvPr>
         </p:nvSpPr>
         <p:spPr>
@@ -1642,9 +1716,13 @@
             <a:ext cx="6096000" cy="3429000"/>
           </a:xfrm>
           <a:custGeom>
-            <a:rect b="b" l="l" r="r" t="t"/>
+            <a:avLst/>
+            <a:gdLst/>
+            <a:ahLst/>
+            <a:cxnLst/>
+            <a:rect l="l" t="t" r="r" b="b"/>
             <a:pathLst>
-              <a:path extrusionOk="0" h="120000" w="120000">
+              <a:path w="120000" h="120000" extrusionOk="0">
                 <a:moveTo>
                   <a:pt x="0" y="0"/>
                 </a:moveTo>
@@ -1666,9 +1744,11 @@
       <p:sp>
         <p:nvSpPr>
           <p:cNvPr id="166" name="Google Shape;166;g26e9bc169fa_0_96:notes"/>
-          <p:cNvSpPr txBox="1"/>
+          <p:cNvSpPr txBox="1">
+            <a:spLocks noGrp="1"/>
+          </p:cNvSpPr>
           <p:nvPr>
-            <p:ph idx="1" type="body"/>
+            <p:ph type="body" idx="1"/>
           </p:nvPr>
         </p:nvSpPr>
         <p:spPr>
@@ -1681,23 +1761,20 @@
           </a:prstGeom>
         </p:spPr>
         <p:txBody>
-          <a:bodyPr anchorCtr="0" anchor="t" bIns="91425" lIns="91425" spcFirstLastPara="1" rIns="91425" wrap="square" tIns="91425">
+          <a:bodyPr spcFirstLastPara="1" wrap="square" lIns="91425" tIns="91425" rIns="91425" bIns="91425" anchor="t" anchorCtr="0">
             <a:noAutofit/>
           </a:bodyPr>
           <a:lstStyle/>
           <a:p>
-            <a:pPr indent="0" lvl="0" marL="0" rtl="0" algn="l">
-              <a:spcBef>
-                <a:spcPts val="0"/>
-              </a:spcBef>
-              <a:spcAft>
-                <a:spcPts val="0"/>
-              </a:spcAft>
-              <a:buNone/>
-            </a:pPr>
-            <a:r>
-              <a:t/>
-            </a:r>
+            <a:pPr marL="0" lvl="0" indent="0" algn="l" rtl="0">
+              <a:spcBef>
+                <a:spcPts val="0"/>
+              </a:spcBef>
+              <a:spcAft>
+                <a:spcPts val="0"/>
+              </a:spcAft>
+              <a:buNone/>
+            </a:pPr>
             <a:endParaRPr/>
           </a:p>
         </p:txBody>
@@ -1711,11 +1788,11 @@
 </file>
 
 <file path=ppt/notesSlides/notesSlide19.xml><?xml version="1.0" encoding="utf-8"?>
-<p:notes xmlns:a="http://schemas.openxmlformats.org/drawingml/2006/main" xmlns:r="http://schemas.openxmlformats.org/officeDocument/2006/relationships" xmlns:mc="http://schemas.openxmlformats.org/markup-compatibility/2006" xmlns:mv="urn:schemas-microsoft-com:mac:vml" xmlns:p="http://schemas.openxmlformats.org/presentationml/2006/main" xmlns:c="http://schemas.openxmlformats.org/drawingml/2006/chart" xmlns:dgm="http://schemas.openxmlformats.org/drawingml/2006/diagram" xmlns:o="urn:schemas-microsoft-com:office:office" xmlns:v="urn:schemas-microsoft-com:vml" xmlns:pvml="urn:schemas-microsoft-com:office:powerpoint" xmlns:com="http://schemas.openxmlformats.org/drawingml/2006/compatibility" xmlns:p14="http://schemas.microsoft.com/office/powerpoint/2010/main" xmlns:p15="http://schemas.microsoft.com/office/powerpoint/2012/main" xmlns:ahyp="http://schemas.microsoft.com/office/drawing/2018/hyperlinkcolor" showMasterPhAnim="0" showMasterSp="0">
+<p:notes xmlns:a="http://schemas.openxmlformats.org/drawingml/2006/main" xmlns:r="http://schemas.openxmlformats.org/officeDocument/2006/relationships" xmlns:p="http://schemas.openxmlformats.org/presentationml/2006/main" showMasterSp="0" showMasterPhAnim="0">
   <p:cSld>
     <p:spTree>
       <p:nvGrpSpPr>
-        <p:cNvPr id="183" name="Shape 183"/>
+        <p:cNvPr id="1" name="Shape 183"/>
         <p:cNvGrpSpPr/>
         <p:nvPr/>
       </p:nvGrpSpPr>
@@ -1730,9 +1807,11 @@
       <p:sp>
         <p:nvSpPr>
           <p:cNvPr id="184" name="Google Shape;184;g26e9bc169fa_0_68:notes"/>
-          <p:cNvSpPr/>
+          <p:cNvSpPr>
+            <a:spLocks noGrp="1" noRot="1" noChangeAspect="1"/>
+          </p:cNvSpPr>
           <p:nvPr>
-            <p:ph idx="2" type="sldImg"/>
+            <p:ph type="sldImg" idx="2"/>
           </p:nvPr>
         </p:nvSpPr>
         <p:spPr>
@@ -1741,9 +1820,13 @@
             <a:ext cx="6096000" cy="3429000"/>
           </a:xfrm>
           <a:custGeom>
-            <a:rect b="b" l="l" r="r" t="t"/>
+            <a:avLst/>
+            <a:gdLst/>
+            <a:ahLst/>
+            <a:cxnLst/>
+            <a:rect l="l" t="t" r="r" b="b"/>
             <a:pathLst>
-              <a:path extrusionOk="0" h="120000" w="120000">
+              <a:path w="120000" h="120000" extrusionOk="0">
                 <a:moveTo>
                   <a:pt x="0" y="0"/>
                 </a:moveTo>
@@ -1765,9 +1848,11 @@
       <p:sp>
         <p:nvSpPr>
           <p:cNvPr id="185" name="Google Shape;185;g26e9bc169fa_0_68:notes"/>
-          <p:cNvSpPr txBox="1"/>
+          <p:cNvSpPr txBox="1">
+            <a:spLocks noGrp="1"/>
+          </p:cNvSpPr>
           <p:nvPr>
-            <p:ph idx="1" type="body"/>
+            <p:ph type="body" idx="1"/>
           </p:nvPr>
         </p:nvSpPr>
         <p:spPr>
@@ -1780,23 +1865,20 @@
           </a:prstGeom>
         </p:spPr>
         <p:txBody>
-          <a:bodyPr anchorCtr="0" anchor="t" bIns="91425" lIns="91425" spcFirstLastPara="1" rIns="91425" wrap="square" tIns="91425">
+          <a:bodyPr spcFirstLastPara="1" wrap="square" lIns="91425" tIns="91425" rIns="91425" bIns="91425" anchor="t" anchorCtr="0">
             <a:noAutofit/>
           </a:bodyPr>
           <a:lstStyle/>
           <a:p>
-            <a:pPr indent="0" lvl="0" marL="0" rtl="0" algn="l">
-              <a:spcBef>
-                <a:spcPts val="0"/>
-              </a:spcBef>
-              <a:spcAft>
-                <a:spcPts val="0"/>
-              </a:spcAft>
-              <a:buNone/>
-            </a:pPr>
-            <a:r>
-              <a:t/>
-            </a:r>
+            <a:pPr marL="0" lvl="0" indent="0" algn="l" rtl="0">
+              <a:spcBef>
+                <a:spcPts val="0"/>
+              </a:spcBef>
+              <a:spcAft>
+                <a:spcPts val="0"/>
+              </a:spcAft>
+              <a:buNone/>
+            </a:pPr>
             <a:endParaRPr/>
           </a:p>
         </p:txBody>
@@ -1810,11 +1892,11 @@
 </file>
 
 <file path=ppt/notesSlides/notesSlide2.xml><?xml version="1.0" encoding="utf-8"?>
-<p:notes xmlns:a="http://schemas.openxmlformats.org/drawingml/2006/main" xmlns:r="http://schemas.openxmlformats.org/officeDocument/2006/relationships" xmlns:mc="http://schemas.openxmlformats.org/markup-compatibility/2006" xmlns:mv="urn:schemas-microsoft-com:mac:vml" xmlns:p="http://schemas.openxmlformats.org/presentationml/2006/main" xmlns:c="http://schemas.openxmlformats.org/drawingml/2006/chart" xmlns:dgm="http://schemas.openxmlformats.org/drawingml/2006/diagram" xmlns:o="urn:schemas-microsoft-com:office:office" xmlns:v="urn:schemas-microsoft-com:vml" xmlns:pvml="urn:schemas-microsoft-com:office:powerpoint" xmlns:com="http://schemas.openxmlformats.org/drawingml/2006/compatibility" xmlns:p14="http://schemas.microsoft.com/office/powerpoint/2010/main" xmlns:p15="http://schemas.microsoft.com/office/powerpoint/2012/main" xmlns:ahyp="http://schemas.microsoft.com/office/drawing/2018/hyperlinkcolor" showMasterPhAnim="0" showMasterSp="0">
+<p:notes xmlns:a="http://schemas.openxmlformats.org/drawingml/2006/main" xmlns:r="http://schemas.openxmlformats.org/officeDocument/2006/relationships" xmlns:p="http://schemas.openxmlformats.org/presentationml/2006/main" showMasterSp="0" showMasterPhAnim="0">
   <p:cSld>
     <p:spTree>
       <p:nvGrpSpPr>
-        <p:cNvPr id="57" name="Shape 57"/>
+        <p:cNvPr id="1" name="Shape 57"/>
         <p:cNvGrpSpPr/>
         <p:nvPr/>
       </p:nvGrpSpPr>
@@ -1829,9 +1911,11 @@
       <p:sp>
         <p:nvSpPr>
           <p:cNvPr id="58" name="Google Shape;58;g26e9bc169fa_0_0:notes"/>
-          <p:cNvSpPr/>
+          <p:cNvSpPr>
+            <a:spLocks noGrp="1" noRot="1" noChangeAspect="1"/>
+          </p:cNvSpPr>
           <p:nvPr>
-            <p:ph idx="2" type="sldImg"/>
+            <p:ph type="sldImg" idx="2"/>
           </p:nvPr>
         </p:nvSpPr>
         <p:spPr>
@@ -1840,9 +1924,13 @@
             <a:ext cx="6096000" cy="3429000"/>
           </a:xfrm>
           <a:custGeom>
-            <a:rect b="b" l="l" r="r" t="t"/>
+            <a:avLst/>
+            <a:gdLst/>
+            <a:ahLst/>
+            <a:cxnLst/>
+            <a:rect l="l" t="t" r="r" b="b"/>
             <a:pathLst>
-              <a:path extrusionOk="0" h="120000" w="120000">
+              <a:path w="120000" h="120000" extrusionOk="0">
                 <a:moveTo>
                   <a:pt x="0" y="0"/>
                 </a:moveTo>
@@ -1864,9 +1952,11 @@
       <p:sp>
         <p:nvSpPr>
           <p:cNvPr id="59" name="Google Shape;59;g26e9bc169fa_0_0:notes"/>
-          <p:cNvSpPr txBox="1"/>
+          <p:cNvSpPr txBox="1">
+            <a:spLocks noGrp="1"/>
+          </p:cNvSpPr>
           <p:nvPr>
-            <p:ph idx="1" type="body"/>
+            <p:ph type="body" idx="1"/>
           </p:nvPr>
         </p:nvSpPr>
         <p:spPr>
@@ -1879,23 +1969,20 @@
           </a:prstGeom>
         </p:spPr>
         <p:txBody>
-          <a:bodyPr anchorCtr="0" anchor="t" bIns="91425" lIns="91425" spcFirstLastPara="1" rIns="91425" wrap="square" tIns="91425">
+          <a:bodyPr spcFirstLastPara="1" wrap="square" lIns="91425" tIns="91425" rIns="91425" bIns="91425" anchor="t" anchorCtr="0">
             <a:noAutofit/>
           </a:bodyPr>
           <a:lstStyle/>
           <a:p>
-            <a:pPr indent="0" lvl="0" marL="0" rtl="0" algn="l">
-              <a:spcBef>
-                <a:spcPts val="0"/>
-              </a:spcBef>
-              <a:spcAft>
-                <a:spcPts val="0"/>
-              </a:spcAft>
-              <a:buNone/>
-            </a:pPr>
-            <a:r>
-              <a:t/>
-            </a:r>
+            <a:pPr marL="0" lvl="0" indent="0" algn="l" rtl="0">
+              <a:spcBef>
+                <a:spcPts val="0"/>
+              </a:spcBef>
+              <a:spcAft>
+                <a:spcPts val="0"/>
+              </a:spcAft>
+              <a:buNone/>
+            </a:pPr>
             <a:endParaRPr/>
           </a:p>
         </p:txBody>
@@ -1909,11 +1996,11 @@
 </file>
 
 <file path=ppt/notesSlides/notesSlide20.xml><?xml version="1.0" encoding="utf-8"?>
-<p:notes xmlns:a="http://schemas.openxmlformats.org/drawingml/2006/main" xmlns:r="http://schemas.openxmlformats.org/officeDocument/2006/relationships" xmlns:mc="http://schemas.openxmlformats.org/markup-compatibility/2006" xmlns:mv="urn:schemas-microsoft-com:mac:vml" xmlns:p="http://schemas.openxmlformats.org/presentationml/2006/main" xmlns:c="http://schemas.openxmlformats.org/drawingml/2006/chart" xmlns:dgm="http://schemas.openxmlformats.org/drawingml/2006/diagram" xmlns:o="urn:schemas-microsoft-com:office:office" xmlns:v="urn:schemas-microsoft-com:vml" xmlns:pvml="urn:schemas-microsoft-com:office:powerpoint" xmlns:com="http://schemas.openxmlformats.org/drawingml/2006/compatibility" xmlns:p14="http://schemas.microsoft.com/office/powerpoint/2010/main" xmlns:p15="http://schemas.microsoft.com/office/powerpoint/2012/main" xmlns:ahyp="http://schemas.microsoft.com/office/drawing/2018/hyperlinkcolor" showMasterPhAnim="0" showMasterSp="0">
+<p:notes xmlns:a="http://schemas.openxmlformats.org/drawingml/2006/main" xmlns:r="http://schemas.openxmlformats.org/officeDocument/2006/relationships" xmlns:p="http://schemas.openxmlformats.org/presentationml/2006/main" showMasterSp="0" showMasterPhAnim="0">
   <p:cSld>
     <p:spTree>
       <p:nvGrpSpPr>
-        <p:cNvPr id="189" name="Shape 189"/>
+        <p:cNvPr id="1" name="Shape 189"/>
         <p:cNvGrpSpPr/>
         <p:nvPr/>
       </p:nvGrpSpPr>
@@ -1928,9 +2015,11 @@
       <p:sp>
         <p:nvSpPr>
           <p:cNvPr id="190" name="Google Shape;190;g26e9bc169fa_0_52:notes"/>
-          <p:cNvSpPr/>
+          <p:cNvSpPr>
+            <a:spLocks noGrp="1" noRot="1" noChangeAspect="1"/>
+          </p:cNvSpPr>
           <p:nvPr>
-            <p:ph idx="2" type="sldImg"/>
+            <p:ph type="sldImg" idx="2"/>
           </p:nvPr>
         </p:nvSpPr>
         <p:spPr>
@@ -1939,9 +2028,13 @@
             <a:ext cx="6096000" cy="3429000"/>
           </a:xfrm>
           <a:custGeom>
-            <a:rect b="b" l="l" r="r" t="t"/>
+            <a:avLst/>
+            <a:gdLst/>
+            <a:ahLst/>
+            <a:cxnLst/>
+            <a:rect l="l" t="t" r="r" b="b"/>
             <a:pathLst>
-              <a:path extrusionOk="0" h="120000" w="120000">
+              <a:path w="120000" h="120000" extrusionOk="0">
                 <a:moveTo>
                   <a:pt x="0" y="0"/>
                 </a:moveTo>
@@ -1963,9 +2056,11 @@
       <p:sp>
         <p:nvSpPr>
           <p:cNvPr id="191" name="Google Shape;191;g26e9bc169fa_0_52:notes"/>
-          <p:cNvSpPr txBox="1"/>
+          <p:cNvSpPr txBox="1">
+            <a:spLocks noGrp="1"/>
+          </p:cNvSpPr>
           <p:nvPr>
-            <p:ph idx="1" type="body"/>
+            <p:ph type="body" idx="1"/>
           </p:nvPr>
         </p:nvSpPr>
         <p:spPr>
@@ -1978,23 +2073,20 @@
           </a:prstGeom>
         </p:spPr>
         <p:txBody>
-          <a:bodyPr anchorCtr="0" anchor="t" bIns="91425" lIns="91425" spcFirstLastPara="1" rIns="91425" wrap="square" tIns="91425">
+          <a:bodyPr spcFirstLastPara="1" wrap="square" lIns="91425" tIns="91425" rIns="91425" bIns="91425" anchor="t" anchorCtr="0">
             <a:noAutofit/>
           </a:bodyPr>
           <a:lstStyle/>
           <a:p>
-            <a:pPr indent="0" lvl="0" marL="0" rtl="0" algn="l">
-              <a:spcBef>
-                <a:spcPts val="0"/>
-              </a:spcBef>
-              <a:spcAft>
-                <a:spcPts val="0"/>
-              </a:spcAft>
-              <a:buNone/>
-            </a:pPr>
-            <a:r>
-              <a:t/>
-            </a:r>
+            <a:pPr marL="0" lvl="0" indent="0" algn="l" rtl="0">
+              <a:spcBef>
+                <a:spcPts val="0"/>
+              </a:spcBef>
+              <a:spcAft>
+                <a:spcPts val="0"/>
+              </a:spcAft>
+              <a:buNone/>
+            </a:pPr>
             <a:endParaRPr/>
           </a:p>
         </p:txBody>
@@ -2008,11 +2100,11 @@
 </file>
 
 <file path=ppt/notesSlides/notesSlide21.xml><?xml version="1.0" encoding="utf-8"?>
-<p:notes xmlns:a="http://schemas.openxmlformats.org/drawingml/2006/main" xmlns:r="http://schemas.openxmlformats.org/officeDocument/2006/relationships" xmlns:mc="http://schemas.openxmlformats.org/markup-compatibility/2006" xmlns:mv="urn:schemas-microsoft-com:mac:vml" xmlns:p="http://schemas.openxmlformats.org/presentationml/2006/main" xmlns:c="http://schemas.openxmlformats.org/drawingml/2006/chart" xmlns:dgm="http://schemas.openxmlformats.org/drawingml/2006/diagram" xmlns:o="urn:schemas-microsoft-com:office:office" xmlns:v="urn:schemas-microsoft-com:vml" xmlns:pvml="urn:schemas-microsoft-com:office:powerpoint" xmlns:com="http://schemas.openxmlformats.org/drawingml/2006/compatibility" xmlns:p14="http://schemas.microsoft.com/office/powerpoint/2010/main" xmlns:p15="http://schemas.microsoft.com/office/powerpoint/2012/main" xmlns:ahyp="http://schemas.microsoft.com/office/drawing/2018/hyperlinkcolor" showMasterPhAnim="0" showMasterSp="0">
+<p:notes xmlns:a="http://schemas.openxmlformats.org/drawingml/2006/main" xmlns:r="http://schemas.openxmlformats.org/officeDocument/2006/relationships" xmlns:p="http://schemas.openxmlformats.org/presentationml/2006/main" showMasterSp="0" showMasterPhAnim="0">
   <p:cSld>
     <p:spTree>
       <p:nvGrpSpPr>
-        <p:cNvPr id="195" name="Shape 195"/>
+        <p:cNvPr id="1" name="Shape 195"/>
         <p:cNvGrpSpPr/>
         <p:nvPr/>
       </p:nvGrpSpPr>
@@ -2027,9 +2119,11 @@
       <p:sp>
         <p:nvSpPr>
           <p:cNvPr id="196" name="Google Shape;196;g26e9bc169fa_0_115:notes"/>
-          <p:cNvSpPr/>
+          <p:cNvSpPr>
+            <a:spLocks noGrp="1" noRot="1" noChangeAspect="1"/>
+          </p:cNvSpPr>
           <p:nvPr>
-            <p:ph idx="2" type="sldImg"/>
+            <p:ph type="sldImg" idx="2"/>
           </p:nvPr>
         </p:nvSpPr>
         <p:spPr>
@@ -2038,9 +2132,13 @@
             <a:ext cx="6096000" cy="3429000"/>
           </a:xfrm>
           <a:custGeom>
-            <a:rect b="b" l="l" r="r" t="t"/>
+            <a:avLst/>
+            <a:gdLst/>
+            <a:ahLst/>
+            <a:cxnLst/>
+            <a:rect l="l" t="t" r="r" b="b"/>
             <a:pathLst>
-              <a:path extrusionOk="0" h="120000" w="120000">
+              <a:path w="120000" h="120000" extrusionOk="0">
                 <a:moveTo>
                   <a:pt x="0" y="0"/>
                 </a:moveTo>
@@ -2062,9 +2160,11 @@
       <p:sp>
         <p:nvSpPr>
           <p:cNvPr id="197" name="Google Shape;197;g26e9bc169fa_0_115:notes"/>
-          <p:cNvSpPr txBox="1"/>
+          <p:cNvSpPr txBox="1">
+            <a:spLocks noGrp="1"/>
+          </p:cNvSpPr>
           <p:nvPr>
-            <p:ph idx="1" type="body"/>
+            <p:ph type="body" idx="1"/>
           </p:nvPr>
         </p:nvSpPr>
         <p:spPr>
@@ -2077,23 +2177,20 @@
           </a:prstGeom>
         </p:spPr>
         <p:txBody>
-          <a:bodyPr anchorCtr="0" anchor="t" bIns="91425" lIns="91425" spcFirstLastPara="1" rIns="91425" wrap="square" tIns="91425">
+          <a:bodyPr spcFirstLastPara="1" wrap="square" lIns="91425" tIns="91425" rIns="91425" bIns="91425" anchor="t" anchorCtr="0">
             <a:noAutofit/>
           </a:bodyPr>
           <a:lstStyle/>
           <a:p>
-            <a:pPr indent="0" lvl="0" marL="0" rtl="0" algn="l">
-              <a:spcBef>
-                <a:spcPts val="0"/>
-              </a:spcBef>
-              <a:spcAft>
-                <a:spcPts val="0"/>
-              </a:spcAft>
-              <a:buNone/>
-            </a:pPr>
-            <a:r>
-              <a:t/>
-            </a:r>
+            <a:pPr marL="0" lvl="0" indent="0" algn="l" rtl="0">
+              <a:spcBef>
+                <a:spcPts val="0"/>
+              </a:spcBef>
+              <a:spcAft>
+                <a:spcPts val="0"/>
+              </a:spcAft>
+              <a:buNone/>
+            </a:pPr>
             <a:endParaRPr/>
           </a:p>
         </p:txBody>
@@ -2107,11 +2204,11 @@
 </file>
 
 <file path=ppt/notesSlides/notesSlide22.xml><?xml version="1.0" encoding="utf-8"?>
-<p:notes xmlns:a="http://schemas.openxmlformats.org/drawingml/2006/main" xmlns:r="http://schemas.openxmlformats.org/officeDocument/2006/relationships" xmlns:mc="http://schemas.openxmlformats.org/markup-compatibility/2006" xmlns:mv="urn:schemas-microsoft-com:mac:vml" xmlns:p="http://schemas.openxmlformats.org/presentationml/2006/main" xmlns:c="http://schemas.openxmlformats.org/drawingml/2006/chart" xmlns:dgm="http://schemas.openxmlformats.org/drawingml/2006/diagram" xmlns:o="urn:schemas-microsoft-com:office:office" xmlns:v="urn:schemas-microsoft-com:vml" xmlns:pvml="urn:schemas-microsoft-com:office:powerpoint" xmlns:com="http://schemas.openxmlformats.org/drawingml/2006/compatibility" xmlns:p14="http://schemas.microsoft.com/office/powerpoint/2010/main" xmlns:p15="http://schemas.microsoft.com/office/powerpoint/2012/main" xmlns:ahyp="http://schemas.microsoft.com/office/drawing/2018/hyperlinkcolor" showMasterPhAnim="0" showMasterSp="0">
+<p:notes xmlns:a="http://schemas.openxmlformats.org/drawingml/2006/main" xmlns:r="http://schemas.openxmlformats.org/officeDocument/2006/relationships" xmlns:p="http://schemas.openxmlformats.org/presentationml/2006/main" showMasterSp="0" showMasterPhAnim="0">
   <p:cSld>
     <p:spTree>
       <p:nvGrpSpPr>
-        <p:cNvPr id="202" name="Shape 202"/>
+        <p:cNvPr id="1" name="Shape 202"/>
         <p:cNvGrpSpPr/>
         <p:nvPr/>
       </p:nvGrpSpPr>
@@ -2126,9 +2223,11 @@
       <p:sp>
         <p:nvSpPr>
           <p:cNvPr id="203" name="Google Shape;203;g2cd3ee9ef13_0_17:notes"/>
-          <p:cNvSpPr/>
+          <p:cNvSpPr>
+            <a:spLocks noGrp="1" noRot="1" noChangeAspect="1"/>
+          </p:cNvSpPr>
           <p:nvPr>
-            <p:ph idx="2" type="sldImg"/>
+            <p:ph type="sldImg" idx="2"/>
           </p:nvPr>
         </p:nvSpPr>
         <p:spPr>
@@ -2137,9 +2236,13 @@
             <a:ext cx="6096000" cy="3429000"/>
           </a:xfrm>
           <a:custGeom>
-            <a:rect b="b" l="l" r="r" t="t"/>
+            <a:avLst/>
+            <a:gdLst/>
+            <a:ahLst/>
+            <a:cxnLst/>
+            <a:rect l="l" t="t" r="r" b="b"/>
             <a:pathLst>
-              <a:path extrusionOk="0" h="120000" w="120000">
+              <a:path w="120000" h="120000" extrusionOk="0">
                 <a:moveTo>
                   <a:pt x="0" y="0"/>
                 </a:moveTo>
@@ -2161,9 +2264,11 @@
       <p:sp>
         <p:nvSpPr>
           <p:cNvPr id="204" name="Google Shape;204;g2cd3ee9ef13_0_17:notes"/>
-          <p:cNvSpPr txBox="1"/>
+          <p:cNvSpPr txBox="1">
+            <a:spLocks noGrp="1"/>
+          </p:cNvSpPr>
           <p:nvPr>
-            <p:ph idx="1" type="body"/>
+            <p:ph type="body" idx="1"/>
           </p:nvPr>
         </p:nvSpPr>
         <p:spPr>
@@ -2176,23 +2281,20 @@
           </a:prstGeom>
         </p:spPr>
         <p:txBody>
-          <a:bodyPr anchorCtr="0" anchor="t" bIns="91425" lIns="91425" spcFirstLastPara="1" rIns="91425" wrap="square" tIns="91425">
+          <a:bodyPr spcFirstLastPara="1" wrap="square" lIns="91425" tIns="91425" rIns="91425" bIns="91425" anchor="t" anchorCtr="0">
             <a:noAutofit/>
           </a:bodyPr>
           <a:lstStyle/>
           <a:p>
-            <a:pPr indent="0" lvl="0" marL="0" rtl="0" algn="l">
-              <a:spcBef>
-                <a:spcPts val="0"/>
-              </a:spcBef>
-              <a:spcAft>
-                <a:spcPts val="0"/>
-              </a:spcAft>
-              <a:buNone/>
-            </a:pPr>
-            <a:r>
-              <a:t/>
-            </a:r>
+            <a:pPr marL="0" lvl="0" indent="0" algn="l" rtl="0">
+              <a:spcBef>
+                <a:spcPts val="0"/>
+              </a:spcBef>
+              <a:spcAft>
+                <a:spcPts val="0"/>
+              </a:spcAft>
+              <a:buNone/>
+            </a:pPr>
             <a:endParaRPr/>
           </a:p>
         </p:txBody>
@@ -2206,11 +2308,11 @@
 </file>
 
 <file path=ppt/notesSlides/notesSlide23.xml><?xml version="1.0" encoding="utf-8"?>
-<p:notes xmlns:a="http://schemas.openxmlformats.org/drawingml/2006/main" xmlns:r="http://schemas.openxmlformats.org/officeDocument/2006/relationships" xmlns:mc="http://schemas.openxmlformats.org/markup-compatibility/2006" xmlns:mv="urn:schemas-microsoft-com:mac:vml" xmlns:p="http://schemas.openxmlformats.org/presentationml/2006/main" xmlns:c="http://schemas.openxmlformats.org/drawingml/2006/chart" xmlns:dgm="http://schemas.openxmlformats.org/drawingml/2006/diagram" xmlns:o="urn:schemas-microsoft-com:office:office" xmlns:v="urn:schemas-microsoft-com:vml" xmlns:pvml="urn:schemas-microsoft-com:office:powerpoint" xmlns:com="http://schemas.openxmlformats.org/drawingml/2006/compatibility" xmlns:p14="http://schemas.microsoft.com/office/powerpoint/2010/main" xmlns:p15="http://schemas.microsoft.com/office/powerpoint/2012/main" xmlns:ahyp="http://schemas.microsoft.com/office/drawing/2018/hyperlinkcolor" showMasterPhAnim="0" showMasterSp="0">
+<p:notes xmlns:a="http://schemas.openxmlformats.org/drawingml/2006/main" xmlns:r="http://schemas.openxmlformats.org/officeDocument/2006/relationships" xmlns:p="http://schemas.openxmlformats.org/presentationml/2006/main" showMasterSp="0" showMasterPhAnim="0">
   <p:cSld>
     <p:spTree>
       <p:nvGrpSpPr>
-        <p:cNvPr id="208" name="Shape 208"/>
+        <p:cNvPr id="1" name="Shape 208"/>
         <p:cNvGrpSpPr/>
         <p:nvPr/>
       </p:nvGrpSpPr>
@@ -2225,9 +2327,11 @@
       <p:sp>
         <p:nvSpPr>
           <p:cNvPr id="209" name="Google Shape;209;g26e9bc169fa_0_122:notes"/>
-          <p:cNvSpPr/>
+          <p:cNvSpPr>
+            <a:spLocks noGrp="1" noRot="1" noChangeAspect="1"/>
+          </p:cNvSpPr>
           <p:nvPr>
-            <p:ph idx="2" type="sldImg"/>
+            <p:ph type="sldImg" idx="2"/>
           </p:nvPr>
         </p:nvSpPr>
         <p:spPr>
@@ -2236,9 +2340,13 @@
             <a:ext cx="6096000" cy="3429000"/>
           </a:xfrm>
           <a:custGeom>
-            <a:rect b="b" l="l" r="r" t="t"/>
+            <a:avLst/>
+            <a:gdLst/>
+            <a:ahLst/>
+            <a:cxnLst/>
+            <a:rect l="l" t="t" r="r" b="b"/>
             <a:pathLst>
-              <a:path extrusionOk="0" h="120000" w="120000">
+              <a:path w="120000" h="120000" extrusionOk="0">
                 <a:moveTo>
                   <a:pt x="0" y="0"/>
                 </a:moveTo>
@@ -2260,9 +2368,11 @@
       <p:sp>
         <p:nvSpPr>
           <p:cNvPr id="210" name="Google Shape;210;g26e9bc169fa_0_122:notes"/>
-          <p:cNvSpPr txBox="1"/>
+          <p:cNvSpPr txBox="1">
+            <a:spLocks noGrp="1"/>
+          </p:cNvSpPr>
           <p:nvPr>
-            <p:ph idx="1" type="body"/>
+            <p:ph type="body" idx="1"/>
           </p:nvPr>
         </p:nvSpPr>
         <p:spPr>
@@ -2275,23 +2385,20 @@
           </a:prstGeom>
         </p:spPr>
         <p:txBody>
-          <a:bodyPr anchorCtr="0" anchor="t" bIns="91425" lIns="91425" spcFirstLastPara="1" rIns="91425" wrap="square" tIns="91425">
+          <a:bodyPr spcFirstLastPara="1" wrap="square" lIns="91425" tIns="91425" rIns="91425" bIns="91425" anchor="t" anchorCtr="0">
             <a:noAutofit/>
           </a:bodyPr>
           <a:lstStyle/>
           <a:p>
-            <a:pPr indent="0" lvl="0" marL="0" rtl="0" algn="l">
-              <a:spcBef>
-                <a:spcPts val="0"/>
-              </a:spcBef>
-              <a:spcAft>
-                <a:spcPts val="0"/>
-              </a:spcAft>
-              <a:buNone/>
-            </a:pPr>
-            <a:r>
-              <a:t/>
-            </a:r>
+            <a:pPr marL="0" lvl="0" indent="0" algn="l" rtl="0">
+              <a:spcBef>
+                <a:spcPts val="0"/>
+              </a:spcBef>
+              <a:spcAft>
+                <a:spcPts val="0"/>
+              </a:spcAft>
+              <a:buNone/>
+            </a:pPr>
             <a:endParaRPr/>
           </a:p>
         </p:txBody>
@@ -2305,11 +2412,11 @@
 </file>
 
 <file path=ppt/notesSlides/notesSlide24.xml><?xml version="1.0" encoding="utf-8"?>
-<p:notes xmlns:a="http://schemas.openxmlformats.org/drawingml/2006/main" xmlns:r="http://schemas.openxmlformats.org/officeDocument/2006/relationships" xmlns:mc="http://schemas.openxmlformats.org/markup-compatibility/2006" xmlns:mv="urn:schemas-microsoft-com:mac:vml" xmlns:p="http://schemas.openxmlformats.org/presentationml/2006/main" xmlns:c="http://schemas.openxmlformats.org/drawingml/2006/chart" xmlns:dgm="http://schemas.openxmlformats.org/drawingml/2006/diagram" xmlns:o="urn:schemas-microsoft-com:office:office" xmlns:v="urn:schemas-microsoft-com:vml" xmlns:pvml="urn:schemas-microsoft-com:office:powerpoint" xmlns:com="http://schemas.openxmlformats.org/drawingml/2006/compatibility" xmlns:p14="http://schemas.microsoft.com/office/powerpoint/2010/main" xmlns:p15="http://schemas.microsoft.com/office/powerpoint/2012/main" xmlns:ahyp="http://schemas.microsoft.com/office/drawing/2018/hyperlinkcolor" showMasterPhAnim="0" showMasterSp="0">
+<p:notes xmlns:a="http://schemas.openxmlformats.org/drawingml/2006/main" xmlns:r="http://schemas.openxmlformats.org/officeDocument/2006/relationships" xmlns:p="http://schemas.openxmlformats.org/presentationml/2006/main" showMasterSp="0" showMasterPhAnim="0">
   <p:cSld>
     <p:spTree>
       <p:nvGrpSpPr>
-        <p:cNvPr id="215" name="Shape 215"/>
+        <p:cNvPr id="1" name="Shape 215"/>
         <p:cNvGrpSpPr/>
         <p:nvPr/>
       </p:nvGrpSpPr>
@@ -2324,9 +2431,11 @@
       <p:sp>
         <p:nvSpPr>
           <p:cNvPr id="216" name="Google Shape;216;g2cc94d311a9_0_9:notes"/>
-          <p:cNvSpPr/>
+          <p:cNvSpPr>
+            <a:spLocks noGrp="1" noRot="1" noChangeAspect="1"/>
+          </p:cNvSpPr>
           <p:nvPr>
-            <p:ph idx="2" type="sldImg"/>
+            <p:ph type="sldImg" idx="2"/>
           </p:nvPr>
         </p:nvSpPr>
         <p:spPr>
@@ -2335,9 +2444,13 @@
             <a:ext cx="6096000" cy="3429000"/>
           </a:xfrm>
           <a:custGeom>
-            <a:rect b="b" l="l" r="r" t="t"/>
+            <a:avLst/>
+            <a:gdLst/>
+            <a:ahLst/>
+            <a:cxnLst/>
+            <a:rect l="l" t="t" r="r" b="b"/>
             <a:pathLst>
-              <a:path extrusionOk="0" h="120000" w="120000">
+              <a:path w="120000" h="120000" extrusionOk="0">
                 <a:moveTo>
                   <a:pt x="0" y="0"/>
                 </a:moveTo>
@@ -2359,9 +2472,11 @@
       <p:sp>
         <p:nvSpPr>
           <p:cNvPr id="217" name="Google Shape;217;g2cc94d311a9_0_9:notes"/>
-          <p:cNvSpPr txBox="1"/>
+          <p:cNvSpPr txBox="1">
+            <a:spLocks noGrp="1"/>
+          </p:cNvSpPr>
           <p:nvPr>
-            <p:ph idx="1" type="body"/>
+            <p:ph type="body" idx="1"/>
           </p:nvPr>
         </p:nvSpPr>
         <p:spPr>
@@ -2374,23 +2489,20 @@
           </a:prstGeom>
         </p:spPr>
         <p:txBody>
-          <a:bodyPr anchorCtr="0" anchor="t" bIns="91425" lIns="91425" spcFirstLastPara="1" rIns="91425" wrap="square" tIns="91425">
+          <a:bodyPr spcFirstLastPara="1" wrap="square" lIns="91425" tIns="91425" rIns="91425" bIns="91425" anchor="t" anchorCtr="0">
             <a:noAutofit/>
           </a:bodyPr>
           <a:lstStyle/>
           <a:p>
-            <a:pPr indent="0" lvl="0" marL="0" rtl="0" algn="l">
-              <a:spcBef>
-                <a:spcPts val="0"/>
-              </a:spcBef>
-              <a:spcAft>
-                <a:spcPts val="0"/>
-              </a:spcAft>
-              <a:buNone/>
-            </a:pPr>
-            <a:r>
-              <a:t/>
-            </a:r>
+            <a:pPr marL="0" lvl="0" indent="0" algn="l" rtl="0">
+              <a:spcBef>
+                <a:spcPts val="0"/>
+              </a:spcBef>
+              <a:spcAft>
+                <a:spcPts val="0"/>
+              </a:spcAft>
+              <a:buNone/>
+            </a:pPr>
             <a:endParaRPr/>
           </a:p>
         </p:txBody>
@@ -2404,11 +2516,11 @@
 </file>
 
 <file path=ppt/notesSlides/notesSlide25.xml><?xml version="1.0" encoding="utf-8"?>
-<p:notes xmlns:a="http://schemas.openxmlformats.org/drawingml/2006/main" xmlns:r="http://schemas.openxmlformats.org/officeDocument/2006/relationships" xmlns:mc="http://schemas.openxmlformats.org/markup-compatibility/2006" xmlns:mv="urn:schemas-microsoft-com:mac:vml" xmlns:p="http://schemas.openxmlformats.org/presentationml/2006/main" xmlns:c="http://schemas.openxmlformats.org/drawingml/2006/chart" xmlns:dgm="http://schemas.openxmlformats.org/drawingml/2006/diagram" xmlns:o="urn:schemas-microsoft-com:office:office" xmlns:v="urn:schemas-microsoft-com:vml" xmlns:pvml="urn:schemas-microsoft-com:office:powerpoint" xmlns:com="http://schemas.openxmlformats.org/drawingml/2006/compatibility" xmlns:p14="http://schemas.microsoft.com/office/powerpoint/2010/main" xmlns:p15="http://schemas.microsoft.com/office/powerpoint/2012/main" xmlns:ahyp="http://schemas.microsoft.com/office/drawing/2018/hyperlinkcolor" showMasterPhAnim="0" showMasterSp="0">
+<p:notes xmlns:a="http://schemas.openxmlformats.org/drawingml/2006/main" xmlns:r="http://schemas.openxmlformats.org/officeDocument/2006/relationships" xmlns:p="http://schemas.openxmlformats.org/presentationml/2006/main" showMasterSp="0" showMasterPhAnim="0">
   <p:cSld>
     <p:spTree>
       <p:nvGrpSpPr>
-        <p:cNvPr id="222" name="Shape 222"/>
+        <p:cNvPr id="1" name="Shape 222"/>
         <p:cNvGrpSpPr/>
         <p:nvPr/>
       </p:nvGrpSpPr>
@@ -2423,9 +2535,11 @@
       <p:sp>
         <p:nvSpPr>
           <p:cNvPr id="223" name="Google Shape;223;g2cd3ee9ef13_1_0:notes"/>
-          <p:cNvSpPr/>
+          <p:cNvSpPr>
+            <a:spLocks noGrp="1" noRot="1" noChangeAspect="1"/>
+          </p:cNvSpPr>
           <p:nvPr>
-            <p:ph idx="2" type="sldImg"/>
+            <p:ph type="sldImg" idx="2"/>
           </p:nvPr>
         </p:nvSpPr>
         <p:spPr>
@@ -2434,9 +2548,13 @@
             <a:ext cx="6096000" cy="3429000"/>
           </a:xfrm>
           <a:custGeom>
-            <a:rect b="b" l="l" r="r" t="t"/>
+            <a:avLst/>
+            <a:gdLst/>
+            <a:ahLst/>
+            <a:cxnLst/>
+            <a:rect l="l" t="t" r="r" b="b"/>
             <a:pathLst>
-              <a:path extrusionOk="0" h="120000" w="120000">
+              <a:path w="120000" h="120000" extrusionOk="0">
                 <a:moveTo>
                   <a:pt x="0" y="0"/>
                 </a:moveTo>
@@ -2458,9 +2576,11 @@
       <p:sp>
         <p:nvSpPr>
           <p:cNvPr id="224" name="Google Shape;224;g2cd3ee9ef13_1_0:notes"/>
-          <p:cNvSpPr txBox="1"/>
+          <p:cNvSpPr txBox="1">
+            <a:spLocks noGrp="1"/>
+          </p:cNvSpPr>
           <p:nvPr>
-            <p:ph idx="1" type="body"/>
+            <p:ph type="body" idx="1"/>
           </p:nvPr>
         </p:nvSpPr>
         <p:spPr>
@@ -2473,23 +2593,20 @@
           </a:prstGeom>
         </p:spPr>
         <p:txBody>
-          <a:bodyPr anchorCtr="0" anchor="t" bIns="91425" lIns="91425" spcFirstLastPara="1" rIns="91425" wrap="square" tIns="91425">
+          <a:bodyPr spcFirstLastPara="1" wrap="square" lIns="91425" tIns="91425" rIns="91425" bIns="91425" anchor="t" anchorCtr="0">
             <a:noAutofit/>
           </a:bodyPr>
           <a:lstStyle/>
           <a:p>
-            <a:pPr indent="0" lvl="0" marL="0" rtl="0" algn="l">
-              <a:spcBef>
-                <a:spcPts val="0"/>
-              </a:spcBef>
-              <a:spcAft>
-                <a:spcPts val="0"/>
-              </a:spcAft>
-              <a:buNone/>
-            </a:pPr>
-            <a:r>
-              <a:t/>
-            </a:r>
+            <a:pPr marL="0" lvl="0" indent="0" algn="l" rtl="0">
+              <a:spcBef>
+                <a:spcPts val="0"/>
+              </a:spcBef>
+              <a:spcAft>
+                <a:spcPts val="0"/>
+              </a:spcAft>
+              <a:buNone/>
+            </a:pPr>
             <a:endParaRPr/>
           </a:p>
         </p:txBody>
@@ -2503,11 +2620,11 @@
 </file>
 
 <file path=ppt/notesSlides/notesSlide26.xml><?xml version="1.0" encoding="utf-8"?>
-<p:notes xmlns:a="http://schemas.openxmlformats.org/drawingml/2006/main" xmlns:r="http://schemas.openxmlformats.org/officeDocument/2006/relationships" xmlns:mc="http://schemas.openxmlformats.org/markup-compatibility/2006" xmlns:mv="urn:schemas-microsoft-com:mac:vml" xmlns:p="http://schemas.openxmlformats.org/presentationml/2006/main" xmlns:c="http://schemas.openxmlformats.org/drawingml/2006/chart" xmlns:dgm="http://schemas.openxmlformats.org/drawingml/2006/diagram" xmlns:o="urn:schemas-microsoft-com:office:office" xmlns:v="urn:schemas-microsoft-com:vml" xmlns:pvml="urn:schemas-microsoft-com:office:powerpoint" xmlns:com="http://schemas.openxmlformats.org/drawingml/2006/compatibility" xmlns:p14="http://schemas.microsoft.com/office/powerpoint/2010/main" xmlns:p15="http://schemas.microsoft.com/office/powerpoint/2012/main" xmlns:ahyp="http://schemas.microsoft.com/office/drawing/2018/hyperlinkcolor" showMasterPhAnim="0" showMasterSp="0">
+<p:notes xmlns:a="http://schemas.openxmlformats.org/drawingml/2006/main" xmlns:r="http://schemas.openxmlformats.org/officeDocument/2006/relationships" xmlns:p="http://schemas.openxmlformats.org/presentationml/2006/main" showMasterSp="0" showMasterPhAnim="0">
   <p:cSld>
     <p:spTree>
       <p:nvGrpSpPr>
-        <p:cNvPr id="232" name="Shape 232"/>
+        <p:cNvPr id="1" name="Shape 232"/>
         <p:cNvGrpSpPr/>
         <p:nvPr/>
       </p:nvGrpSpPr>
@@ -2522,9 +2639,11 @@
       <p:sp>
         <p:nvSpPr>
           <p:cNvPr id="233" name="Google Shape;233;g26e9bc169fa_0_35:notes"/>
-          <p:cNvSpPr/>
+          <p:cNvSpPr>
+            <a:spLocks noGrp="1" noRot="1" noChangeAspect="1"/>
+          </p:cNvSpPr>
           <p:nvPr>
-            <p:ph idx="2" type="sldImg"/>
+            <p:ph type="sldImg" idx="2"/>
           </p:nvPr>
         </p:nvSpPr>
         <p:spPr>
@@ -2533,9 +2652,13 @@
             <a:ext cx="6096000" cy="3429000"/>
           </a:xfrm>
           <a:custGeom>
-            <a:rect b="b" l="l" r="r" t="t"/>
+            <a:avLst/>
+            <a:gdLst/>
+            <a:ahLst/>
+            <a:cxnLst/>
+            <a:rect l="l" t="t" r="r" b="b"/>
             <a:pathLst>
-              <a:path extrusionOk="0" h="120000" w="120000">
+              <a:path w="120000" h="120000" extrusionOk="0">
                 <a:moveTo>
                   <a:pt x="0" y="0"/>
                 </a:moveTo>
@@ -2557,9 +2680,11 @@
       <p:sp>
         <p:nvSpPr>
           <p:cNvPr id="234" name="Google Shape;234;g26e9bc169fa_0_35:notes"/>
-          <p:cNvSpPr txBox="1"/>
+          <p:cNvSpPr txBox="1">
+            <a:spLocks noGrp="1"/>
+          </p:cNvSpPr>
           <p:nvPr>
-            <p:ph idx="1" type="body"/>
+            <p:ph type="body" idx="1"/>
           </p:nvPr>
         </p:nvSpPr>
         <p:spPr>
@@ -2572,23 +2697,20 @@
           </a:prstGeom>
         </p:spPr>
         <p:txBody>
-          <a:bodyPr anchorCtr="0" anchor="t" bIns="91425" lIns="91425" spcFirstLastPara="1" rIns="91425" wrap="square" tIns="91425">
+          <a:bodyPr spcFirstLastPara="1" wrap="square" lIns="91425" tIns="91425" rIns="91425" bIns="91425" anchor="t" anchorCtr="0">
             <a:noAutofit/>
           </a:bodyPr>
           <a:lstStyle/>
           <a:p>
-            <a:pPr indent="0" lvl="0" marL="0" rtl="0" algn="l">
-              <a:spcBef>
-                <a:spcPts val="0"/>
-              </a:spcBef>
-              <a:spcAft>
-                <a:spcPts val="0"/>
-              </a:spcAft>
-              <a:buNone/>
-            </a:pPr>
-            <a:r>
-              <a:t/>
-            </a:r>
+            <a:pPr marL="0" lvl="0" indent="0" algn="l" rtl="0">
+              <a:spcBef>
+                <a:spcPts val="0"/>
+              </a:spcBef>
+              <a:spcAft>
+                <a:spcPts val="0"/>
+              </a:spcAft>
+              <a:buNone/>
+            </a:pPr>
             <a:endParaRPr/>
           </a:p>
         </p:txBody>
@@ -2602,11 +2724,11 @@
 </file>
 
 <file path=ppt/notesSlides/notesSlide3.xml><?xml version="1.0" encoding="utf-8"?>
-<p:notes xmlns:a="http://schemas.openxmlformats.org/drawingml/2006/main" xmlns:r="http://schemas.openxmlformats.org/officeDocument/2006/relationships" xmlns:mc="http://schemas.openxmlformats.org/markup-compatibility/2006" xmlns:mv="urn:schemas-microsoft-com:mac:vml" xmlns:p="http://schemas.openxmlformats.org/presentationml/2006/main" xmlns:c="http://schemas.openxmlformats.org/drawingml/2006/chart" xmlns:dgm="http://schemas.openxmlformats.org/drawingml/2006/diagram" xmlns:o="urn:schemas-microsoft-com:office:office" xmlns:v="urn:schemas-microsoft-com:vml" xmlns:pvml="urn:schemas-microsoft-com:office:powerpoint" xmlns:com="http://schemas.openxmlformats.org/drawingml/2006/compatibility" xmlns:p14="http://schemas.microsoft.com/office/powerpoint/2010/main" xmlns:p15="http://schemas.microsoft.com/office/powerpoint/2012/main" xmlns:ahyp="http://schemas.microsoft.com/office/drawing/2018/hyperlinkcolor" showMasterPhAnim="0" showMasterSp="0">
+<p:notes xmlns:a="http://schemas.openxmlformats.org/drawingml/2006/main" xmlns:r="http://schemas.openxmlformats.org/officeDocument/2006/relationships" xmlns:p="http://schemas.openxmlformats.org/presentationml/2006/main" showMasterSp="0" showMasterPhAnim="0">
   <p:cSld>
     <p:spTree>
       <p:nvGrpSpPr>
-        <p:cNvPr id="64" name="Shape 64"/>
+        <p:cNvPr id="1" name="Shape 64"/>
         <p:cNvGrpSpPr/>
         <p:nvPr/>
       </p:nvGrpSpPr>
@@ -2621,9 +2743,11 @@
       <p:sp>
         <p:nvSpPr>
           <p:cNvPr id="65" name="Google Shape;65;g26e9bc169fa_0_5:notes"/>
-          <p:cNvSpPr/>
+          <p:cNvSpPr>
+            <a:spLocks noGrp="1" noRot="1" noChangeAspect="1"/>
+          </p:cNvSpPr>
           <p:nvPr>
-            <p:ph idx="2" type="sldImg"/>
+            <p:ph type="sldImg" idx="2"/>
           </p:nvPr>
         </p:nvSpPr>
         <p:spPr>
@@ -2632,9 +2756,13 @@
             <a:ext cx="6096000" cy="3429000"/>
           </a:xfrm>
           <a:custGeom>
-            <a:rect b="b" l="l" r="r" t="t"/>
+            <a:avLst/>
+            <a:gdLst/>
+            <a:ahLst/>
+            <a:cxnLst/>
+            <a:rect l="l" t="t" r="r" b="b"/>
             <a:pathLst>
-              <a:path extrusionOk="0" h="120000" w="120000">
+              <a:path w="120000" h="120000" extrusionOk="0">
                 <a:moveTo>
                   <a:pt x="0" y="0"/>
                 </a:moveTo>
@@ -2656,9 +2784,11 @@
       <p:sp>
         <p:nvSpPr>
           <p:cNvPr id="66" name="Google Shape;66;g26e9bc169fa_0_5:notes"/>
-          <p:cNvSpPr txBox="1"/>
+          <p:cNvSpPr txBox="1">
+            <a:spLocks noGrp="1"/>
+          </p:cNvSpPr>
           <p:nvPr>
-            <p:ph idx="1" type="body"/>
+            <p:ph type="body" idx="1"/>
           </p:nvPr>
         </p:nvSpPr>
         <p:spPr>
@@ -2671,23 +2801,20 @@
           </a:prstGeom>
         </p:spPr>
         <p:txBody>
-          <a:bodyPr anchorCtr="0" anchor="t" bIns="91425" lIns="91425" spcFirstLastPara="1" rIns="91425" wrap="square" tIns="91425">
+          <a:bodyPr spcFirstLastPara="1" wrap="square" lIns="91425" tIns="91425" rIns="91425" bIns="91425" anchor="t" anchorCtr="0">
             <a:noAutofit/>
           </a:bodyPr>
           <a:lstStyle/>
           <a:p>
-            <a:pPr indent="0" lvl="0" marL="0" rtl="0" algn="l">
-              <a:spcBef>
-                <a:spcPts val="0"/>
-              </a:spcBef>
-              <a:spcAft>
-                <a:spcPts val="0"/>
-              </a:spcAft>
-              <a:buNone/>
-            </a:pPr>
-            <a:r>
-              <a:t/>
-            </a:r>
+            <a:pPr marL="0" lvl="0" indent="0" algn="l" rtl="0">
+              <a:spcBef>
+                <a:spcPts val="0"/>
+              </a:spcBef>
+              <a:spcAft>
+                <a:spcPts val="0"/>
+              </a:spcAft>
+              <a:buNone/>
+            </a:pPr>
             <a:endParaRPr/>
           </a:p>
         </p:txBody>
@@ -2701,11 +2828,11 @@
 </file>
 
 <file path=ppt/notesSlides/notesSlide4.xml><?xml version="1.0" encoding="utf-8"?>
-<p:notes xmlns:a="http://schemas.openxmlformats.org/drawingml/2006/main" xmlns:r="http://schemas.openxmlformats.org/officeDocument/2006/relationships" xmlns:mc="http://schemas.openxmlformats.org/markup-compatibility/2006" xmlns:mv="urn:schemas-microsoft-com:mac:vml" xmlns:p="http://schemas.openxmlformats.org/presentationml/2006/main" xmlns:c="http://schemas.openxmlformats.org/drawingml/2006/chart" xmlns:dgm="http://schemas.openxmlformats.org/drawingml/2006/diagram" xmlns:o="urn:schemas-microsoft-com:office:office" xmlns:v="urn:schemas-microsoft-com:vml" xmlns:pvml="urn:schemas-microsoft-com:office:powerpoint" xmlns:com="http://schemas.openxmlformats.org/drawingml/2006/compatibility" xmlns:p14="http://schemas.microsoft.com/office/powerpoint/2010/main" xmlns:p15="http://schemas.microsoft.com/office/powerpoint/2012/main" xmlns:ahyp="http://schemas.microsoft.com/office/drawing/2018/hyperlinkcolor" showMasterPhAnim="0" showMasterSp="0">
+<p:notes xmlns:a="http://schemas.openxmlformats.org/drawingml/2006/main" xmlns:r="http://schemas.openxmlformats.org/officeDocument/2006/relationships" xmlns:p="http://schemas.openxmlformats.org/presentationml/2006/main" showMasterSp="0" showMasterPhAnim="0">
   <p:cSld>
     <p:spTree>
       <p:nvGrpSpPr>
-        <p:cNvPr id="71" name="Shape 71"/>
+        <p:cNvPr id="1" name="Shape 71"/>
         <p:cNvGrpSpPr/>
         <p:nvPr/>
       </p:nvGrpSpPr>
@@ -2720,9 +2847,11 @@
       <p:sp>
         <p:nvSpPr>
           <p:cNvPr id="72" name="Google Shape;72;g26e9bc169fa_0_45:notes"/>
-          <p:cNvSpPr/>
+          <p:cNvSpPr>
+            <a:spLocks noGrp="1" noRot="1" noChangeAspect="1"/>
+          </p:cNvSpPr>
           <p:nvPr>
-            <p:ph idx="2" type="sldImg"/>
+            <p:ph type="sldImg" idx="2"/>
           </p:nvPr>
         </p:nvSpPr>
         <p:spPr>
@@ -2731,9 +2860,13 @@
             <a:ext cx="6096000" cy="3429000"/>
           </a:xfrm>
           <a:custGeom>
-            <a:rect b="b" l="l" r="r" t="t"/>
+            <a:avLst/>
+            <a:gdLst/>
+            <a:ahLst/>
+            <a:cxnLst/>
+            <a:rect l="l" t="t" r="r" b="b"/>
             <a:pathLst>
-              <a:path extrusionOk="0" h="120000" w="120000">
+              <a:path w="120000" h="120000" extrusionOk="0">
                 <a:moveTo>
                   <a:pt x="0" y="0"/>
                 </a:moveTo>
@@ -2755,9 +2888,11 @@
       <p:sp>
         <p:nvSpPr>
           <p:cNvPr id="73" name="Google Shape;73;g26e9bc169fa_0_45:notes"/>
-          <p:cNvSpPr txBox="1"/>
+          <p:cNvSpPr txBox="1">
+            <a:spLocks noGrp="1"/>
+          </p:cNvSpPr>
           <p:nvPr>
-            <p:ph idx="1" type="body"/>
+            <p:ph type="body" idx="1"/>
           </p:nvPr>
         </p:nvSpPr>
         <p:spPr>
@@ -2770,23 +2905,20 @@
           </a:prstGeom>
         </p:spPr>
         <p:txBody>
-          <a:bodyPr anchorCtr="0" anchor="t" bIns="91425" lIns="91425" spcFirstLastPara="1" rIns="91425" wrap="square" tIns="91425">
+          <a:bodyPr spcFirstLastPara="1" wrap="square" lIns="91425" tIns="91425" rIns="91425" bIns="91425" anchor="t" anchorCtr="0">
             <a:noAutofit/>
           </a:bodyPr>
           <a:lstStyle/>
           <a:p>
-            <a:pPr indent="0" lvl="0" marL="0" rtl="0" algn="l">
-              <a:spcBef>
-                <a:spcPts val="0"/>
-              </a:spcBef>
-              <a:spcAft>
-                <a:spcPts val="0"/>
-              </a:spcAft>
-              <a:buNone/>
-            </a:pPr>
-            <a:r>
-              <a:t/>
-            </a:r>
+            <a:pPr marL="0" lvl="0" indent="0" algn="l" rtl="0">
+              <a:spcBef>
+                <a:spcPts val="0"/>
+              </a:spcBef>
+              <a:spcAft>
+                <a:spcPts val="0"/>
+              </a:spcAft>
+              <a:buNone/>
+            </a:pPr>
             <a:endParaRPr/>
           </a:p>
         </p:txBody>
@@ -2800,11 +2932,11 @@
 </file>
 
 <file path=ppt/notesSlides/notesSlide5.xml><?xml version="1.0" encoding="utf-8"?>
-<p:notes xmlns:a="http://schemas.openxmlformats.org/drawingml/2006/main" xmlns:r="http://schemas.openxmlformats.org/officeDocument/2006/relationships" xmlns:mc="http://schemas.openxmlformats.org/markup-compatibility/2006" xmlns:mv="urn:schemas-microsoft-com:mac:vml" xmlns:p="http://schemas.openxmlformats.org/presentationml/2006/main" xmlns:c="http://schemas.openxmlformats.org/drawingml/2006/chart" xmlns:dgm="http://schemas.openxmlformats.org/drawingml/2006/diagram" xmlns:o="urn:schemas-microsoft-com:office:office" xmlns:v="urn:schemas-microsoft-com:vml" xmlns:pvml="urn:schemas-microsoft-com:office:powerpoint" xmlns:com="http://schemas.openxmlformats.org/drawingml/2006/compatibility" xmlns:p14="http://schemas.microsoft.com/office/powerpoint/2010/main" xmlns:p15="http://schemas.microsoft.com/office/powerpoint/2012/main" xmlns:ahyp="http://schemas.microsoft.com/office/drawing/2018/hyperlinkcolor" showMasterPhAnim="0" showMasterSp="0">
+<p:notes xmlns:a="http://schemas.openxmlformats.org/drawingml/2006/main" xmlns:r="http://schemas.openxmlformats.org/officeDocument/2006/relationships" xmlns:p="http://schemas.openxmlformats.org/presentationml/2006/main" showMasterSp="0" showMasterPhAnim="0">
   <p:cSld>
     <p:spTree>
       <p:nvGrpSpPr>
-        <p:cNvPr id="78" name="Shape 78"/>
+        <p:cNvPr id="1" name="Shape 78"/>
         <p:cNvGrpSpPr/>
         <p:nvPr/>
       </p:nvGrpSpPr>
@@ -2819,9 +2951,11 @@
       <p:sp>
         <p:nvSpPr>
           <p:cNvPr id="79" name="Google Shape;79;g2cce3671428_0_1:notes"/>
-          <p:cNvSpPr/>
+          <p:cNvSpPr>
+            <a:spLocks noGrp="1" noRot="1" noChangeAspect="1"/>
+          </p:cNvSpPr>
           <p:nvPr>
-            <p:ph idx="2" type="sldImg"/>
+            <p:ph type="sldImg" idx="2"/>
           </p:nvPr>
         </p:nvSpPr>
         <p:spPr>
@@ -2830,9 +2964,13 @@
             <a:ext cx="6096000" cy="3429000"/>
           </a:xfrm>
           <a:custGeom>
-            <a:rect b="b" l="l" r="r" t="t"/>
+            <a:avLst/>
+            <a:gdLst/>
+            <a:ahLst/>
+            <a:cxnLst/>
+            <a:rect l="l" t="t" r="r" b="b"/>
             <a:pathLst>
-              <a:path extrusionOk="0" h="120000" w="120000">
+              <a:path w="120000" h="120000" extrusionOk="0">
                 <a:moveTo>
                   <a:pt x="0" y="0"/>
                 </a:moveTo>
@@ -2854,9 +2992,11 @@
       <p:sp>
         <p:nvSpPr>
           <p:cNvPr id="80" name="Google Shape;80;g2cce3671428_0_1:notes"/>
-          <p:cNvSpPr txBox="1"/>
+          <p:cNvSpPr txBox="1">
+            <a:spLocks noGrp="1"/>
+          </p:cNvSpPr>
           <p:nvPr>
-            <p:ph idx="1" type="body"/>
+            <p:ph type="body" idx="1"/>
           </p:nvPr>
         </p:nvSpPr>
         <p:spPr>
@@ -2869,23 +3009,20 @@
           </a:prstGeom>
         </p:spPr>
         <p:txBody>
-          <a:bodyPr anchorCtr="0" anchor="t" bIns="91425" lIns="91425" spcFirstLastPara="1" rIns="91425" wrap="square" tIns="91425">
+          <a:bodyPr spcFirstLastPara="1" wrap="square" lIns="91425" tIns="91425" rIns="91425" bIns="91425" anchor="t" anchorCtr="0">
             <a:noAutofit/>
           </a:bodyPr>
           <a:lstStyle/>
           <a:p>
-            <a:pPr indent="0" lvl="0" marL="0" rtl="0" algn="l">
-              <a:spcBef>
-                <a:spcPts val="0"/>
-              </a:spcBef>
-              <a:spcAft>
-                <a:spcPts val="0"/>
-              </a:spcAft>
-              <a:buNone/>
-            </a:pPr>
-            <a:r>
-              <a:t/>
-            </a:r>
+            <a:pPr marL="0" lvl="0" indent="0" algn="l" rtl="0">
+              <a:spcBef>
+                <a:spcPts val="0"/>
+              </a:spcBef>
+              <a:spcAft>
+                <a:spcPts val="0"/>
+              </a:spcAft>
+              <a:buNone/>
+            </a:pPr>
             <a:endParaRPr/>
           </a:p>
         </p:txBody>
@@ -2899,11 +3036,11 @@
 </file>
 
 <file path=ppt/notesSlides/notesSlide6.xml><?xml version="1.0" encoding="utf-8"?>
-<p:notes xmlns:a="http://schemas.openxmlformats.org/drawingml/2006/main" xmlns:r="http://schemas.openxmlformats.org/officeDocument/2006/relationships" xmlns:mc="http://schemas.openxmlformats.org/markup-compatibility/2006" xmlns:mv="urn:schemas-microsoft-com:mac:vml" xmlns:p="http://schemas.openxmlformats.org/presentationml/2006/main" xmlns:c="http://schemas.openxmlformats.org/drawingml/2006/chart" xmlns:dgm="http://schemas.openxmlformats.org/drawingml/2006/diagram" xmlns:o="urn:schemas-microsoft-com:office:office" xmlns:v="urn:schemas-microsoft-com:vml" xmlns:pvml="urn:schemas-microsoft-com:office:powerpoint" xmlns:com="http://schemas.openxmlformats.org/drawingml/2006/compatibility" xmlns:p14="http://schemas.microsoft.com/office/powerpoint/2010/main" xmlns:p15="http://schemas.microsoft.com/office/powerpoint/2012/main" xmlns:ahyp="http://schemas.microsoft.com/office/drawing/2018/hyperlinkcolor" showMasterPhAnim="0" showMasterSp="0">
+<p:notes xmlns:a="http://schemas.openxmlformats.org/drawingml/2006/main" xmlns:r="http://schemas.openxmlformats.org/officeDocument/2006/relationships" xmlns:p="http://schemas.openxmlformats.org/presentationml/2006/main" showMasterSp="0" showMasterPhAnim="0">
   <p:cSld>
     <p:spTree>
       <p:nvGrpSpPr>
-        <p:cNvPr id="84" name="Shape 84"/>
+        <p:cNvPr id="1" name="Shape 84"/>
         <p:cNvGrpSpPr/>
         <p:nvPr/>
       </p:nvGrpSpPr>
@@ -2918,9 +3055,11 @@
       <p:sp>
         <p:nvSpPr>
           <p:cNvPr id="85" name="Google Shape;85;g26e9bc169fa_0_10:notes"/>
-          <p:cNvSpPr/>
+          <p:cNvSpPr>
+            <a:spLocks noGrp="1" noRot="1" noChangeAspect="1"/>
+          </p:cNvSpPr>
           <p:nvPr>
-            <p:ph idx="2" type="sldImg"/>
+            <p:ph type="sldImg" idx="2"/>
           </p:nvPr>
         </p:nvSpPr>
         <p:spPr>
@@ -2929,9 +3068,13 @@
             <a:ext cx="6096000" cy="3429000"/>
           </a:xfrm>
           <a:custGeom>
-            <a:rect b="b" l="l" r="r" t="t"/>
+            <a:avLst/>
+            <a:gdLst/>
+            <a:ahLst/>
+            <a:cxnLst/>
+            <a:rect l="l" t="t" r="r" b="b"/>
             <a:pathLst>
-              <a:path extrusionOk="0" h="120000" w="120000">
+              <a:path w="120000" h="120000" extrusionOk="0">
                 <a:moveTo>
                   <a:pt x="0" y="0"/>
                 </a:moveTo>
@@ -2953,9 +3096,11 @@
       <p:sp>
         <p:nvSpPr>
           <p:cNvPr id="86" name="Google Shape;86;g26e9bc169fa_0_10:notes"/>
-          <p:cNvSpPr txBox="1"/>
+          <p:cNvSpPr txBox="1">
+            <a:spLocks noGrp="1"/>
+          </p:cNvSpPr>
           <p:nvPr>
-            <p:ph idx="1" type="body"/>
+            <p:ph type="body" idx="1"/>
           </p:nvPr>
         </p:nvSpPr>
         <p:spPr>
@@ -2968,23 +3113,20 @@
           </a:prstGeom>
         </p:spPr>
         <p:txBody>
-          <a:bodyPr anchorCtr="0" anchor="t" bIns="91425" lIns="91425" spcFirstLastPara="1" rIns="91425" wrap="square" tIns="91425">
+          <a:bodyPr spcFirstLastPara="1" wrap="square" lIns="91425" tIns="91425" rIns="91425" bIns="91425" anchor="t" anchorCtr="0">
             <a:noAutofit/>
           </a:bodyPr>
           <a:lstStyle/>
           <a:p>
-            <a:pPr indent="0" lvl="0" marL="0" rtl="0" algn="l">
-              <a:spcBef>
-                <a:spcPts val="0"/>
-              </a:spcBef>
-              <a:spcAft>
-                <a:spcPts val="0"/>
-              </a:spcAft>
-              <a:buNone/>
-            </a:pPr>
-            <a:r>
-              <a:t/>
-            </a:r>
+            <a:pPr marL="0" lvl="0" indent="0" algn="l" rtl="0">
+              <a:spcBef>
+                <a:spcPts val="0"/>
+              </a:spcBef>
+              <a:spcAft>
+                <a:spcPts val="0"/>
+              </a:spcAft>
+              <a:buNone/>
+            </a:pPr>
             <a:endParaRPr/>
           </a:p>
         </p:txBody>
@@ -2998,11 +3140,11 @@
 </file>
 
 <file path=ppt/notesSlides/notesSlide7.xml><?xml version="1.0" encoding="utf-8"?>
-<p:notes xmlns:a="http://schemas.openxmlformats.org/drawingml/2006/main" xmlns:r="http://schemas.openxmlformats.org/officeDocument/2006/relationships" xmlns:mc="http://schemas.openxmlformats.org/markup-compatibility/2006" xmlns:mv="urn:schemas-microsoft-com:mac:vml" xmlns:p="http://schemas.openxmlformats.org/presentationml/2006/main" xmlns:c="http://schemas.openxmlformats.org/drawingml/2006/chart" xmlns:dgm="http://schemas.openxmlformats.org/drawingml/2006/diagram" xmlns:o="urn:schemas-microsoft-com:office:office" xmlns:v="urn:schemas-microsoft-com:vml" xmlns:pvml="urn:schemas-microsoft-com:office:powerpoint" xmlns:com="http://schemas.openxmlformats.org/drawingml/2006/compatibility" xmlns:p14="http://schemas.microsoft.com/office/powerpoint/2010/main" xmlns:p15="http://schemas.microsoft.com/office/powerpoint/2012/main" xmlns:ahyp="http://schemas.microsoft.com/office/drawing/2018/hyperlinkcolor" showMasterPhAnim="0" showMasterSp="0">
+<p:notes xmlns:a="http://schemas.openxmlformats.org/drawingml/2006/main" xmlns:r="http://schemas.openxmlformats.org/officeDocument/2006/relationships" xmlns:p="http://schemas.openxmlformats.org/presentationml/2006/main" showMasterSp="0" showMasterPhAnim="0">
   <p:cSld>
     <p:spTree>
       <p:nvGrpSpPr>
-        <p:cNvPr id="91" name="Shape 91"/>
+        <p:cNvPr id="1" name="Shape 91"/>
         <p:cNvGrpSpPr/>
         <p:nvPr/>
       </p:nvGrpSpPr>
@@ -3017,9 +3159,11 @@
       <p:sp>
         <p:nvSpPr>
           <p:cNvPr id="92" name="Google Shape;92;g26e9bc169fa_0_61:notes"/>
-          <p:cNvSpPr/>
+          <p:cNvSpPr>
+            <a:spLocks noGrp="1" noRot="1" noChangeAspect="1"/>
+          </p:cNvSpPr>
           <p:nvPr>
-            <p:ph idx="2" type="sldImg"/>
+            <p:ph type="sldImg" idx="2"/>
           </p:nvPr>
         </p:nvSpPr>
         <p:spPr>
@@ -3028,9 +3172,13 @@
             <a:ext cx="6096000" cy="3429000"/>
           </a:xfrm>
           <a:custGeom>
-            <a:rect b="b" l="l" r="r" t="t"/>
+            <a:avLst/>
+            <a:gdLst/>
+            <a:ahLst/>
+            <a:cxnLst/>
+            <a:rect l="l" t="t" r="r" b="b"/>
             <a:pathLst>
-              <a:path extrusionOk="0" h="120000" w="120000">
+              <a:path w="120000" h="120000" extrusionOk="0">
                 <a:moveTo>
                   <a:pt x="0" y="0"/>
                 </a:moveTo>
@@ -3052,9 +3200,11 @@
       <p:sp>
         <p:nvSpPr>
           <p:cNvPr id="93" name="Google Shape;93;g26e9bc169fa_0_61:notes"/>
-          <p:cNvSpPr txBox="1"/>
+          <p:cNvSpPr txBox="1">
+            <a:spLocks noGrp="1"/>
+          </p:cNvSpPr>
           <p:nvPr>
-            <p:ph idx="1" type="body"/>
+            <p:ph type="body" idx="1"/>
           </p:nvPr>
         </p:nvSpPr>
         <p:spPr>
@@ -3067,23 +3217,20 @@
           </a:prstGeom>
         </p:spPr>
         <p:txBody>
-          <a:bodyPr anchorCtr="0" anchor="t" bIns="91425" lIns="91425" spcFirstLastPara="1" rIns="91425" wrap="square" tIns="91425">
+          <a:bodyPr spcFirstLastPara="1" wrap="square" lIns="91425" tIns="91425" rIns="91425" bIns="91425" anchor="t" anchorCtr="0">
             <a:noAutofit/>
           </a:bodyPr>
           <a:lstStyle/>
           <a:p>
-            <a:pPr indent="0" lvl="0" marL="0" rtl="0" algn="l">
-              <a:spcBef>
-                <a:spcPts val="0"/>
-              </a:spcBef>
-              <a:spcAft>
-                <a:spcPts val="0"/>
-              </a:spcAft>
-              <a:buNone/>
-            </a:pPr>
-            <a:r>
-              <a:t/>
-            </a:r>
+            <a:pPr marL="0" lvl="0" indent="0" algn="l" rtl="0">
+              <a:spcBef>
+                <a:spcPts val="0"/>
+              </a:spcBef>
+              <a:spcAft>
+                <a:spcPts val="0"/>
+              </a:spcAft>
+              <a:buNone/>
+            </a:pPr>
             <a:endParaRPr/>
           </a:p>
         </p:txBody>
@@ -3097,11 +3244,11 @@
 </file>
 
 <file path=ppt/notesSlides/notesSlide8.xml><?xml version="1.0" encoding="utf-8"?>
-<p:notes xmlns:a="http://schemas.openxmlformats.org/drawingml/2006/main" xmlns:r="http://schemas.openxmlformats.org/officeDocument/2006/relationships" xmlns:mc="http://schemas.openxmlformats.org/markup-compatibility/2006" xmlns:mv="urn:schemas-microsoft-com:mac:vml" xmlns:p="http://schemas.openxmlformats.org/presentationml/2006/main" xmlns:c="http://schemas.openxmlformats.org/drawingml/2006/chart" xmlns:dgm="http://schemas.openxmlformats.org/drawingml/2006/diagram" xmlns:o="urn:schemas-microsoft-com:office:office" xmlns:v="urn:schemas-microsoft-com:vml" xmlns:pvml="urn:schemas-microsoft-com:office:powerpoint" xmlns:com="http://schemas.openxmlformats.org/drawingml/2006/compatibility" xmlns:p14="http://schemas.microsoft.com/office/powerpoint/2010/main" xmlns:p15="http://schemas.microsoft.com/office/powerpoint/2012/main" xmlns:ahyp="http://schemas.microsoft.com/office/drawing/2018/hyperlinkcolor" showMasterPhAnim="0" showMasterSp="0">
+<p:notes xmlns:a="http://schemas.openxmlformats.org/drawingml/2006/main" xmlns:r="http://schemas.openxmlformats.org/officeDocument/2006/relationships" xmlns:p="http://schemas.openxmlformats.org/presentationml/2006/main" showMasterSp="0" showMasterPhAnim="0">
   <p:cSld>
     <p:spTree>
       <p:nvGrpSpPr>
-        <p:cNvPr id="98" name="Shape 98"/>
+        <p:cNvPr id="1" name="Shape 98"/>
         <p:cNvGrpSpPr/>
         <p:nvPr/>
       </p:nvGrpSpPr>
@@ -3116,9 +3263,11 @@
       <p:sp>
         <p:nvSpPr>
           <p:cNvPr id="99" name="Google Shape;99;g2cd3ee9ef13_0_0:notes"/>
-          <p:cNvSpPr/>
+          <p:cNvSpPr>
+            <a:spLocks noGrp="1" noRot="1" noChangeAspect="1"/>
+          </p:cNvSpPr>
           <p:nvPr>
-            <p:ph idx="2" type="sldImg"/>
+            <p:ph type="sldImg" idx="2"/>
           </p:nvPr>
         </p:nvSpPr>
         <p:spPr>
@@ -3127,9 +3276,13 @@
             <a:ext cx="6096000" cy="3429000"/>
           </a:xfrm>
           <a:custGeom>
-            <a:rect b="b" l="l" r="r" t="t"/>
+            <a:avLst/>
+            <a:gdLst/>
+            <a:ahLst/>
+            <a:cxnLst/>
+            <a:rect l="l" t="t" r="r" b="b"/>
             <a:pathLst>
-              <a:path extrusionOk="0" h="120000" w="120000">
+              <a:path w="120000" h="120000" extrusionOk="0">
                 <a:moveTo>
                   <a:pt x="0" y="0"/>
                 </a:moveTo>
@@ -3151,9 +3304,11 @@
       <p:sp>
         <p:nvSpPr>
           <p:cNvPr id="100" name="Google Shape;100;g2cd3ee9ef13_0_0:notes"/>
-          <p:cNvSpPr txBox="1"/>
+          <p:cNvSpPr txBox="1">
+            <a:spLocks noGrp="1"/>
+          </p:cNvSpPr>
           <p:nvPr>
-            <p:ph idx="1" type="body"/>
+            <p:ph type="body" idx="1"/>
           </p:nvPr>
         </p:nvSpPr>
         <p:spPr>
@@ -3166,23 +3321,20 @@
           </a:prstGeom>
         </p:spPr>
         <p:txBody>
-          <a:bodyPr anchorCtr="0" anchor="t" bIns="91425" lIns="91425" spcFirstLastPara="1" rIns="91425" wrap="square" tIns="91425">
+          <a:bodyPr spcFirstLastPara="1" wrap="square" lIns="91425" tIns="91425" rIns="91425" bIns="91425" anchor="t" anchorCtr="0">
             <a:noAutofit/>
           </a:bodyPr>
           <a:lstStyle/>
           <a:p>
-            <a:pPr indent="0" lvl="0" marL="0" rtl="0" algn="l">
-              <a:spcBef>
-                <a:spcPts val="0"/>
-              </a:spcBef>
-              <a:spcAft>
-                <a:spcPts val="0"/>
-              </a:spcAft>
-              <a:buNone/>
-            </a:pPr>
-            <a:r>
-              <a:t/>
-            </a:r>
+            <a:pPr marL="0" lvl="0" indent="0" algn="l" rtl="0">
+              <a:spcBef>
+                <a:spcPts val="0"/>
+              </a:spcBef>
+              <a:spcAft>
+                <a:spcPts val="0"/>
+              </a:spcAft>
+              <a:buNone/>
+            </a:pPr>
             <a:endParaRPr/>
           </a:p>
         </p:txBody>
@@ -3196,11 +3348,11 @@
 </file>
 
 <file path=ppt/notesSlides/notesSlide9.xml><?xml version="1.0" encoding="utf-8"?>
-<p:notes xmlns:a="http://schemas.openxmlformats.org/drawingml/2006/main" xmlns:r="http://schemas.openxmlformats.org/officeDocument/2006/relationships" xmlns:mc="http://schemas.openxmlformats.org/markup-compatibility/2006" xmlns:mv="urn:schemas-microsoft-com:mac:vml" xmlns:p="http://schemas.openxmlformats.org/presentationml/2006/main" xmlns:c="http://schemas.openxmlformats.org/drawingml/2006/chart" xmlns:dgm="http://schemas.openxmlformats.org/drawingml/2006/diagram" xmlns:o="urn:schemas-microsoft-com:office:office" xmlns:v="urn:schemas-microsoft-com:vml" xmlns:pvml="urn:schemas-microsoft-com:office:powerpoint" xmlns:com="http://schemas.openxmlformats.org/drawingml/2006/compatibility" xmlns:p14="http://schemas.microsoft.com/office/powerpoint/2010/main" xmlns:p15="http://schemas.microsoft.com/office/powerpoint/2012/main" xmlns:ahyp="http://schemas.microsoft.com/office/drawing/2018/hyperlinkcolor" showMasterPhAnim="0" showMasterSp="0">
+<p:notes xmlns:a="http://schemas.openxmlformats.org/drawingml/2006/main" xmlns:r="http://schemas.openxmlformats.org/officeDocument/2006/relationships" xmlns:p="http://schemas.openxmlformats.org/presentationml/2006/main" showMasterSp="0" showMasterPhAnim="0">
   <p:cSld>
     <p:spTree>
       <p:nvGrpSpPr>
-        <p:cNvPr id="104" name="Shape 104"/>
+        <p:cNvPr id="1" name="Shape 104"/>
         <p:cNvGrpSpPr/>
         <p:nvPr/>
       </p:nvGrpSpPr>
@@ -3215,9 +3367,11 @@
       <p:sp>
         <p:nvSpPr>
           <p:cNvPr id="105" name="Google Shape;105;g2cd3ee9ef13_0_5:notes"/>
-          <p:cNvSpPr/>
+          <p:cNvSpPr>
+            <a:spLocks noGrp="1" noRot="1" noChangeAspect="1"/>
+          </p:cNvSpPr>
           <p:nvPr>
-            <p:ph idx="2" type="sldImg"/>
+            <p:ph type="sldImg" idx="2"/>
           </p:nvPr>
         </p:nvSpPr>
         <p:spPr>
@@ -3226,9 +3380,13 @@
             <a:ext cx="6096000" cy="3429000"/>
           </a:xfrm>
           <a:custGeom>
-            <a:rect b="b" l="l" r="r" t="t"/>
+            <a:avLst/>
+            <a:gdLst/>
+            <a:ahLst/>
+            <a:cxnLst/>
+            <a:rect l="l" t="t" r="r" b="b"/>
             <a:pathLst>
-              <a:path extrusionOk="0" h="120000" w="120000">
+              <a:path w="120000" h="120000" extrusionOk="0">
                 <a:moveTo>
                   <a:pt x="0" y="0"/>
                 </a:moveTo>
@@ -3250,9 +3408,11 @@
       <p:sp>
         <p:nvSpPr>
           <p:cNvPr id="106" name="Google Shape;106;g2cd3ee9ef13_0_5:notes"/>
-          <p:cNvSpPr txBox="1"/>
+          <p:cNvSpPr txBox="1">
+            <a:spLocks noGrp="1"/>
+          </p:cNvSpPr>
           <p:nvPr>
-            <p:ph idx="1" type="body"/>
+            <p:ph type="body" idx="1"/>
           </p:nvPr>
         </p:nvSpPr>
         <p:spPr>
@@ -3265,23 +3425,20 @@
           </a:prstGeom>
         </p:spPr>
         <p:txBody>
-          <a:bodyPr anchorCtr="0" anchor="t" bIns="91425" lIns="91425" spcFirstLastPara="1" rIns="91425" wrap="square" tIns="91425">
+          <a:bodyPr spcFirstLastPara="1" wrap="square" lIns="91425" tIns="91425" rIns="91425" bIns="91425" anchor="t" anchorCtr="0">
             <a:noAutofit/>
           </a:bodyPr>
           <a:lstStyle/>
           <a:p>
-            <a:pPr indent="0" lvl="0" marL="0" rtl="0" algn="l">
-              <a:spcBef>
-                <a:spcPts val="0"/>
-              </a:spcBef>
-              <a:spcAft>
-                <a:spcPts val="0"/>
-              </a:spcAft>
-              <a:buNone/>
-            </a:pPr>
-            <a:r>
-              <a:t/>
-            </a:r>
+            <a:pPr marL="0" lvl="0" indent="0" algn="l" rtl="0">
+              <a:spcBef>
+                <a:spcPts val="0"/>
+              </a:spcBef>
+              <a:spcAft>
+                <a:spcPts val="0"/>
+              </a:spcAft>
+              <a:buNone/>
+            </a:pPr>
             <a:endParaRPr/>
           </a:p>
         </p:txBody>
@@ -3295,11 +3452,11 @@
 </file>
 
 <file path=ppt/slideLayouts/slideLayout1.xml><?xml version="1.0" encoding="utf-8"?>
-<p:sldLayout xmlns:a="http://schemas.openxmlformats.org/drawingml/2006/main" xmlns:r="http://schemas.openxmlformats.org/officeDocument/2006/relationships" xmlns:mc="http://schemas.openxmlformats.org/markup-compatibility/2006" xmlns:mv="urn:schemas-microsoft-com:mac:vml" xmlns:p="http://schemas.openxmlformats.org/presentationml/2006/main" xmlns:c="http://schemas.openxmlformats.org/drawingml/2006/chart" xmlns:dgm="http://schemas.openxmlformats.org/drawingml/2006/diagram" xmlns:o="urn:schemas-microsoft-com:office:office" xmlns:v="urn:schemas-microsoft-com:vml" xmlns:pvml="urn:schemas-microsoft-com:office:powerpoint" xmlns:com="http://schemas.openxmlformats.org/drawingml/2006/compatibility" xmlns:p14="http://schemas.microsoft.com/office/powerpoint/2010/main" xmlns:p15="http://schemas.microsoft.com/office/powerpoint/2012/main" xmlns:ahyp="http://schemas.microsoft.com/office/drawing/2018/hyperlinkcolor" matchingName="Title slide" type="title">
+<p:sldLayout xmlns:a="http://schemas.openxmlformats.org/drawingml/2006/main" xmlns:r="http://schemas.openxmlformats.org/officeDocument/2006/relationships" xmlns:p="http://schemas.openxmlformats.org/presentationml/2006/main" matchingName="Title slide" type="title">
   <p:cSld name="TITLE">
     <p:spTree>
       <p:nvGrpSpPr>
-        <p:cNvPr id="9" name="Shape 9"/>
+        <p:cNvPr id="1" name="Shape 9"/>
         <p:cNvGrpSpPr/>
         <p:nvPr/>
       </p:nvGrpSpPr>
@@ -3314,7 +3471,9 @@
       <p:sp>
         <p:nvSpPr>
           <p:cNvPr id="10" name="Google Shape;10;p2"/>
-          <p:cNvSpPr txBox="1"/>
+          <p:cNvSpPr txBox="1">
+            <a:spLocks noGrp="1"/>
+          </p:cNvSpPr>
           <p:nvPr>
             <p:ph type="ctrTitle"/>
           </p:nvPr>
@@ -3329,7 +3488,7 @@
           </a:prstGeom>
         </p:spPr>
         <p:txBody>
-          <a:bodyPr anchorCtr="0" anchor="b" bIns="91425" lIns="91425" spcFirstLastPara="1" rIns="91425" wrap="square" tIns="91425">
+          <a:bodyPr spcFirstLastPara="1" wrap="square" lIns="91425" tIns="91425" rIns="91425" bIns="91425" anchor="b" anchorCtr="0">
             <a:normAutofit/>
           </a:bodyPr>
           <a:lstStyle>
@@ -3433,15 +3592,19 @@
               <a:defRPr sz="5200"/>
             </a:lvl9pPr>
           </a:lstStyle>
-          <a:p/>
+          <a:p>
+            <a:endParaRPr/>
+          </a:p>
         </p:txBody>
       </p:sp>
       <p:sp>
         <p:nvSpPr>
           <p:cNvPr id="11" name="Google Shape;11;p2"/>
-          <p:cNvSpPr txBox="1"/>
+          <p:cNvSpPr txBox="1">
+            <a:spLocks noGrp="1"/>
+          </p:cNvSpPr>
           <p:nvPr>
-            <p:ph idx="1" type="subTitle"/>
+            <p:ph type="subTitle" idx="1"/>
           </p:nvPr>
         </p:nvSpPr>
         <p:spPr>
@@ -3454,7 +3617,7 @@
           </a:prstGeom>
         </p:spPr>
         <p:txBody>
-          <a:bodyPr anchorCtr="0" anchor="t" bIns="91425" lIns="91425" spcFirstLastPara="1" rIns="91425" wrap="square" tIns="91425">
+          <a:bodyPr spcFirstLastPara="1" wrap="square" lIns="91425" tIns="91425" rIns="91425" bIns="91425" anchor="t" anchorCtr="0">
             <a:normAutofit/>
           </a:bodyPr>
           <a:lstStyle>
@@ -3585,15 +3748,19 @@
               <a:defRPr sz="2800"/>
             </a:lvl9pPr>
           </a:lstStyle>
-          <a:p/>
+          <a:p>
+            <a:endParaRPr/>
+          </a:p>
         </p:txBody>
       </p:sp>
       <p:sp>
         <p:nvSpPr>
           <p:cNvPr id="12" name="Google Shape;12;p2"/>
-          <p:cNvSpPr txBox="1"/>
+          <p:cNvSpPr txBox="1">
+            <a:spLocks noGrp="1"/>
+          </p:cNvSpPr>
           <p:nvPr>
-            <p:ph idx="12" type="sldNum"/>
+            <p:ph type="sldNum" idx="12"/>
           </p:nvPr>
         </p:nvSpPr>
         <p:spPr>
@@ -3606,7 +3773,7 @@
           </a:prstGeom>
         </p:spPr>
         <p:txBody>
-          <a:bodyPr anchorCtr="0" anchor="ctr" bIns="91425" lIns="91425" spcFirstLastPara="1" rIns="91425" wrap="square" tIns="91425">
+          <a:bodyPr spcFirstLastPara="1" wrap="square" lIns="91425" tIns="91425" rIns="91425" bIns="91425" anchor="ctr" anchorCtr="0">
             <a:normAutofit/>
           </a:bodyPr>
           <a:lstStyle>
@@ -3648,7 +3815,7 @@
             </a:lvl9pPr>
           </a:lstStyle>
           <a:p>
-            <a:pPr indent="0" lvl="0" marL="0" rtl="0" algn="r">
+            <a:pPr marL="0" lvl="0" indent="0" algn="r" rtl="0">
               <a:spcBef>
                 <a:spcPts val="0"/>
               </a:spcBef>
@@ -3674,11 +3841,11 @@
 </file>
 
 <file path=ppt/slideLayouts/slideLayout10.xml><?xml version="1.0" encoding="utf-8"?>
-<p:sldLayout xmlns:a="http://schemas.openxmlformats.org/drawingml/2006/main" xmlns:r="http://schemas.openxmlformats.org/officeDocument/2006/relationships" xmlns:mc="http://schemas.openxmlformats.org/markup-compatibility/2006" xmlns:mv="urn:schemas-microsoft-com:mac:vml" xmlns:p="http://schemas.openxmlformats.org/presentationml/2006/main" xmlns:c="http://schemas.openxmlformats.org/drawingml/2006/chart" xmlns:dgm="http://schemas.openxmlformats.org/drawingml/2006/diagram" xmlns:o="urn:schemas-microsoft-com:office:office" xmlns:v="urn:schemas-microsoft-com:vml" xmlns:pvml="urn:schemas-microsoft-com:office:powerpoint" xmlns:com="http://schemas.openxmlformats.org/drawingml/2006/compatibility" xmlns:p14="http://schemas.microsoft.com/office/powerpoint/2010/main" xmlns:p15="http://schemas.microsoft.com/office/powerpoint/2012/main" xmlns:ahyp="http://schemas.microsoft.com/office/drawing/2018/hyperlinkcolor" matchingName="Big number">
+<p:sldLayout xmlns:a="http://schemas.openxmlformats.org/drawingml/2006/main" xmlns:r="http://schemas.openxmlformats.org/officeDocument/2006/relationships" xmlns:p="http://schemas.openxmlformats.org/presentationml/2006/main" matchingName="Big number">
   <p:cSld name="BIG_NUMBER">
     <p:spTree>
       <p:nvGrpSpPr>
-        <p:cNvPr id="44" name="Shape 44"/>
+        <p:cNvPr id="1" name="Shape 44"/>
         <p:cNvGrpSpPr/>
         <p:nvPr/>
       </p:nvGrpSpPr>
@@ -3693,9 +3860,11 @@
       <p:sp>
         <p:nvSpPr>
           <p:cNvPr id="45" name="Google Shape;45;p11"/>
-          <p:cNvSpPr txBox="1"/>
+          <p:cNvSpPr txBox="1">
+            <a:spLocks noGrp="1"/>
+          </p:cNvSpPr>
           <p:nvPr>
-            <p:ph hasCustomPrompt="1" type="title"/>
+            <p:ph type="title" hasCustomPrompt="1"/>
           </p:nvPr>
         </p:nvSpPr>
         <p:spPr>
@@ -3708,7 +3877,7 @@
           </a:prstGeom>
         </p:spPr>
         <p:txBody>
-          <a:bodyPr anchorCtr="0" anchor="b" bIns="91425" lIns="91425" spcFirstLastPara="1" rIns="91425" wrap="square" tIns="91425">
+          <a:bodyPr spcFirstLastPara="1" wrap="square" lIns="91425" tIns="91425" rIns="91425" bIns="91425" anchor="b" anchorCtr="0">
             <a:normAutofit/>
           </a:bodyPr>
           <a:lstStyle>
@@ -3822,9 +3991,11 @@
       <p:sp>
         <p:nvSpPr>
           <p:cNvPr id="46" name="Google Shape;46;p11"/>
-          <p:cNvSpPr txBox="1"/>
+          <p:cNvSpPr txBox="1">
+            <a:spLocks noGrp="1"/>
+          </p:cNvSpPr>
           <p:nvPr>
-            <p:ph idx="1" type="body"/>
+            <p:ph type="body" idx="1"/>
           </p:nvPr>
         </p:nvSpPr>
         <p:spPr>
@@ -3837,11 +4008,11 @@
           </a:prstGeom>
         </p:spPr>
         <p:txBody>
-          <a:bodyPr anchorCtr="0" anchor="t" bIns="91425" lIns="91425" spcFirstLastPara="1" rIns="91425" wrap="square" tIns="91425">
+          <a:bodyPr spcFirstLastPara="1" wrap="square" lIns="91425" tIns="91425" rIns="91425" bIns="91425" anchor="t" anchorCtr="0">
             <a:normAutofit/>
           </a:bodyPr>
           <a:lstStyle>
-            <a:lvl1pPr indent="-342900" lvl="0" marL="457200" algn="ctr">
+            <a:lvl1pPr marL="457200" lvl="0" indent="-342900" algn="ctr">
               <a:spcBef>
                 <a:spcPts val="0"/>
               </a:spcBef>
@@ -3852,7 +4023,7 @@
               <a:buChar char="●"/>
               <a:defRPr/>
             </a:lvl1pPr>
-            <a:lvl2pPr indent="-317500" lvl="1" marL="914400" algn="ctr">
+            <a:lvl2pPr marL="914400" lvl="1" indent="-317500" algn="ctr">
               <a:spcBef>
                 <a:spcPts val="0"/>
               </a:spcBef>
@@ -3863,7 +4034,7 @@
               <a:buChar char="○"/>
               <a:defRPr/>
             </a:lvl2pPr>
-            <a:lvl3pPr indent="-317500" lvl="2" marL="1371600" algn="ctr">
+            <a:lvl3pPr marL="1371600" lvl="2" indent="-317500" algn="ctr">
               <a:spcBef>
                 <a:spcPts val="0"/>
               </a:spcBef>
@@ -3874,7 +4045,7 @@
               <a:buChar char="■"/>
               <a:defRPr/>
             </a:lvl3pPr>
-            <a:lvl4pPr indent="-317500" lvl="3" marL="1828800" algn="ctr">
+            <a:lvl4pPr marL="1828800" lvl="3" indent="-317500" algn="ctr">
               <a:spcBef>
                 <a:spcPts val="0"/>
               </a:spcBef>
@@ -3885,7 +4056,7 @@
               <a:buChar char="●"/>
               <a:defRPr/>
             </a:lvl4pPr>
-            <a:lvl5pPr indent="-317500" lvl="4" marL="2286000" algn="ctr">
+            <a:lvl5pPr marL="2286000" lvl="4" indent="-317500" algn="ctr">
               <a:spcBef>
                 <a:spcPts val="0"/>
               </a:spcBef>
@@ -3896,7 +4067,7 @@
               <a:buChar char="○"/>
               <a:defRPr/>
             </a:lvl5pPr>
-            <a:lvl6pPr indent="-317500" lvl="5" marL="2743200" algn="ctr">
+            <a:lvl6pPr marL="2743200" lvl="5" indent="-317500" algn="ctr">
               <a:spcBef>
                 <a:spcPts val="0"/>
               </a:spcBef>
@@ -3907,7 +4078,7 @@
               <a:buChar char="■"/>
               <a:defRPr/>
             </a:lvl6pPr>
-            <a:lvl7pPr indent="-317500" lvl="6" marL="3200400" algn="ctr">
+            <a:lvl7pPr marL="3200400" lvl="6" indent="-317500" algn="ctr">
               <a:spcBef>
                 <a:spcPts val="0"/>
               </a:spcBef>
@@ -3918,7 +4089,7 @@
               <a:buChar char="●"/>
               <a:defRPr/>
             </a:lvl7pPr>
-            <a:lvl8pPr indent="-317500" lvl="7" marL="3657600" algn="ctr">
+            <a:lvl8pPr marL="3657600" lvl="7" indent="-317500" algn="ctr">
               <a:spcBef>
                 <a:spcPts val="0"/>
               </a:spcBef>
@@ -3929,7 +4100,7 @@
               <a:buChar char="○"/>
               <a:defRPr/>
             </a:lvl8pPr>
-            <a:lvl9pPr indent="-317500" lvl="8" marL="4114800" algn="ctr">
+            <a:lvl9pPr marL="4114800" lvl="8" indent="-317500" algn="ctr">
               <a:spcBef>
                 <a:spcPts val="0"/>
               </a:spcBef>
@@ -3941,15 +4112,19 @@
               <a:defRPr/>
             </a:lvl9pPr>
           </a:lstStyle>
-          <a:p/>
+          <a:p>
+            <a:endParaRPr/>
+          </a:p>
         </p:txBody>
       </p:sp>
       <p:sp>
         <p:nvSpPr>
           <p:cNvPr id="47" name="Google Shape;47;p11"/>
-          <p:cNvSpPr txBox="1"/>
+          <p:cNvSpPr txBox="1">
+            <a:spLocks noGrp="1"/>
+          </p:cNvSpPr>
           <p:nvPr>
-            <p:ph idx="12" type="sldNum"/>
+            <p:ph type="sldNum" idx="12"/>
           </p:nvPr>
         </p:nvSpPr>
         <p:spPr>
@@ -3962,7 +4137,7 @@
           </a:prstGeom>
         </p:spPr>
         <p:txBody>
-          <a:bodyPr anchorCtr="0" anchor="ctr" bIns="91425" lIns="91425" spcFirstLastPara="1" rIns="91425" wrap="square" tIns="91425">
+          <a:bodyPr spcFirstLastPara="1" wrap="square" lIns="91425" tIns="91425" rIns="91425" bIns="91425" anchor="ctr" anchorCtr="0">
             <a:normAutofit/>
           </a:bodyPr>
           <a:lstStyle>
@@ -4004,7 +4179,7 @@
             </a:lvl9pPr>
           </a:lstStyle>
           <a:p>
-            <a:pPr indent="0" lvl="0" marL="0" rtl="0" algn="r">
+            <a:pPr marL="0" lvl="0" indent="0" algn="r" rtl="0">
               <a:spcBef>
                 <a:spcPts val="0"/>
               </a:spcBef>
@@ -4030,11 +4205,11 @@
 </file>
 
 <file path=ppt/slideLayouts/slideLayout11.xml><?xml version="1.0" encoding="utf-8"?>
-<p:sldLayout xmlns:a="http://schemas.openxmlformats.org/drawingml/2006/main" xmlns:r="http://schemas.openxmlformats.org/officeDocument/2006/relationships" xmlns:mc="http://schemas.openxmlformats.org/markup-compatibility/2006" xmlns:mv="urn:schemas-microsoft-com:mac:vml" xmlns:p="http://schemas.openxmlformats.org/presentationml/2006/main" xmlns:c="http://schemas.openxmlformats.org/drawingml/2006/chart" xmlns:dgm="http://schemas.openxmlformats.org/drawingml/2006/diagram" xmlns:o="urn:schemas-microsoft-com:office:office" xmlns:v="urn:schemas-microsoft-com:vml" xmlns:pvml="urn:schemas-microsoft-com:office:powerpoint" xmlns:com="http://schemas.openxmlformats.org/drawingml/2006/compatibility" xmlns:p14="http://schemas.microsoft.com/office/powerpoint/2010/main" xmlns:p15="http://schemas.microsoft.com/office/powerpoint/2012/main" xmlns:ahyp="http://schemas.microsoft.com/office/drawing/2018/hyperlinkcolor" matchingName="Blank" type="blank">
+<p:sldLayout xmlns:a="http://schemas.openxmlformats.org/drawingml/2006/main" xmlns:r="http://schemas.openxmlformats.org/officeDocument/2006/relationships" xmlns:p="http://schemas.openxmlformats.org/presentationml/2006/main" matchingName="Blank" type="blank">
   <p:cSld name="BLANK">
     <p:spTree>
       <p:nvGrpSpPr>
-        <p:cNvPr id="48" name="Shape 48"/>
+        <p:cNvPr id="1" name="Shape 48"/>
         <p:cNvGrpSpPr/>
         <p:nvPr/>
       </p:nvGrpSpPr>
@@ -4049,9 +4224,11 @@
       <p:sp>
         <p:nvSpPr>
           <p:cNvPr id="49" name="Google Shape;49;p12"/>
-          <p:cNvSpPr txBox="1"/>
+          <p:cNvSpPr txBox="1">
+            <a:spLocks noGrp="1"/>
+          </p:cNvSpPr>
           <p:nvPr>
-            <p:ph idx="12" type="sldNum"/>
+            <p:ph type="sldNum" idx="12"/>
           </p:nvPr>
         </p:nvSpPr>
         <p:spPr>
@@ -4064,7 +4241,7 @@
           </a:prstGeom>
         </p:spPr>
         <p:txBody>
-          <a:bodyPr anchorCtr="0" anchor="ctr" bIns="91425" lIns="91425" spcFirstLastPara="1" rIns="91425" wrap="square" tIns="91425">
+          <a:bodyPr spcFirstLastPara="1" wrap="square" lIns="91425" tIns="91425" rIns="91425" bIns="91425" anchor="ctr" anchorCtr="0">
             <a:normAutofit/>
           </a:bodyPr>
           <a:lstStyle>
@@ -4106,7 +4283,7 @@
             </a:lvl9pPr>
           </a:lstStyle>
           <a:p>
-            <a:pPr indent="0" lvl="0" marL="0" rtl="0" algn="r">
+            <a:pPr marL="0" lvl="0" indent="0" algn="r" rtl="0">
               <a:spcBef>
                 <a:spcPts val="0"/>
               </a:spcBef>
@@ -4132,11 +4309,11 @@
 </file>
 
 <file path=ppt/slideLayouts/slideLayout2.xml><?xml version="1.0" encoding="utf-8"?>
-<p:sldLayout xmlns:a="http://schemas.openxmlformats.org/drawingml/2006/main" xmlns:r="http://schemas.openxmlformats.org/officeDocument/2006/relationships" xmlns:mc="http://schemas.openxmlformats.org/markup-compatibility/2006" xmlns:mv="urn:schemas-microsoft-com:mac:vml" xmlns:p="http://schemas.openxmlformats.org/presentationml/2006/main" xmlns:c="http://schemas.openxmlformats.org/drawingml/2006/chart" xmlns:dgm="http://schemas.openxmlformats.org/drawingml/2006/diagram" xmlns:o="urn:schemas-microsoft-com:office:office" xmlns:v="urn:schemas-microsoft-com:vml" xmlns:pvml="urn:schemas-microsoft-com:office:powerpoint" xmlns:com="http://schemas.openxmlformats.org/drawingml/2006/compatibility" xmlns:p14="http://schemas.microsoft.com/office/powerpoint/2010/main" xmlns:p15="http://schemas.microsoft.com/office/powerpoint/2012/main" xmlns:ahyp="http://schemas.microsoft.com/office/drawing/2018/hyperlinkcolor" matchingName="Section header" type="secHead">
+<p:sldLayout xmlns:a="http://schemas.openxmlformats.org/drawingml/2006/main" xmlns:r="http://schemas.openxmlformats.org/officeDocument/2006/relationships" xmlns:p="http://schemas.openxmlformats.org/presentationml/2006/main" matchingName="Section header" type="secHead">
   <p:cSld name="SECTION_HEADER">
     <p:spTree>
       <p:nvGrpSpPr>
-        <p:cNvPr id="13" name="Shape 13"/>
+        <p:cNvPr id="1" name="Shape 13"/>
         <p:cNvGrpSpPr/>
         <p:nvPr/>
       </p:nvGrpSpPr>
@@ -4151,7 +4328,9 @@
       <p:sp>
         <p:nvSpPr>
           <p:cNvPr id="14" name="Google Shape;14;p3"/>
-          <p:cNvSpPr txBox="1"/>
+          <p:cNvSpPr txBox="1">
+            <a:spLocks noGrp="1"/>
+          </p:cNvSpPr>
           <p:nvPr>
             <p:ph type="title"/>
           </p:nvPr>
@@ -4166,7 +4345,7 @@
           </a:prstGeom>
         </p:spPr>
         <p:txBody>
-          <a:bodyPr anchorCtr="0" anchor="ctr" bIns="91425" lIns="91425" spcFirstLastPara="1" rIns="91425" wrap="square" tIns="91425">
+          <a:bodyPr spcFirstLastPara="1" wrap="square" lIns="91425" tIns="91425" rIns="91425" bIns="91425" anchor="ctr" anchorCtr="0">
             <a:normAutofit/>
           </a:bodyPr>
           <a:lstStyle>
@@ -4270,15 +4449,19 @@
               <a:defRPr sz="3600"/>
             </a:lvl9pPr>
           </a:lstStyle>
-          <a:p/>
+          <a:p>
+            <a:endParaRPr/>
+          </a:p>
         </p:txBody>
       </p:sp>
       <p:sp>
         <p:nvSpPr>
           <p:cNvPr id="15" name="Google Shape;15;p3"/>
-          <p:cNvSpPr txBox="1"/>
+          <p:cNvSpPr txBox="1">
+            <a:spLocks noGrp="1"/>
+          </p:cNvSpPr>
           <p:nvPr>
-            <p:ph idx="12" type="sldNum"/>
+            <p:ph type="sldNum" idx="12"/>
           </p:nvPr>
         </p:nvSpPr>
         <p:spPr>
@@ -4291,7 +4474,7 @@
           </a:prstGeom>
         </p:spPr>
         <p:txBody>
-          <a:bodyPr anchorCtr="0" anchor="ctr" bIns="91425" lIns="91425" spcFirstLastPara="1" rIns="91425" wrap="square" tIns="91425">
+          <a:bodyPr spcFirstLastPara="1" wrap="square" lIns="91425" tIns="91425" rIns="91425" bIns="91425" anchor="ctr" anchorCtr="0">
             <a:normAutofit/>
           </a:bodyPr>
           <a:lstStyle>
@@ -4333,7 +4516,7 @@
             </a:lvl9pPr>
           </a:lstStyle>
           <a:p>
-            <a:pPr indent="0" lvl="0" marL="0" rtl="0" algn="r">
+            <a:pPr marL="0" lvl="0" indent="0" algn="r" rtl="0">
               <a:spcBef>
                 <a:spcPts val="0"/>
               </a:spcBef>
@@ -4359,11 +4542,11 @@
 </file>
 
 <file path=ppt/slideLayouts/slideLayout3.xml><?xml version="1.0" encoding="utf-8"?>
-<p:sldLayout xmlns:a="http://schemas.openxmlformats.org/drawingml/2006/main" xmlns:r="http://schemas.openxmlformats.org/officeDocument/2006/relationships" xmlns:mc="http://schemas.openxmlformats.org/markup-compatibility/2006" xmlns:mv="urn:schemas-microsoft-com:mac:vml" xmlns:p="http://schemas.openxmlformats.org/presentationml/2006/main" xmlns:c="http://schemas.openxmlformats.org/drawingml/2006/chart" xmlns:dgm="http://schemas.openxmlformats.org/drawingml/2006/diagram" xmlns:o="urn:schemas-microsoft-com:office:office" xmlns:v="urn:schemas-microsoft-com:vml" xmlns:pvml="urn:schemas-microsoft-com:office:powerpoint" xmlns:com="http://schemas.openxmlformats.org/drawingml/2006/compatibility" xmlns:p14="http://schemas.microsoft.com/office/powerpoint/2010/main" xmlns:p15="http://schemas.microsoft.com/office/powerpoint/2012/main" xmlns:ahyp="http://schemas.microsoft.com/office/drawing/2018/hyperlinkcolor" matchingName="Title and body" type="tx">
+<p:sldLayout xmlns:a="http://schemas.openxmlformats.org/drawingml/2006/main" xmlns:r="http://schemas.openxmlformats.org/officeDocument/2006/relationships" xmlns:p="http://schemas.openxmlformats.org/presentationml/2006/main" matchingName="Title and body" type="tx">
   <p:cSld name="TITLE_AND_BODY">
     <p:spTree>
       <p:nvGrpSpPr>
-        <p:cNvPr id="16" name="Shape 16"/>
+        <p:cNvPr id="1" name="Shape 16"/>
         <p:cNvGrpSpPr/>
         <p:nvPr/>
       </p:nvGrpSpPr>
@@ -4378,7 +4561,9 @@
       <p:sp>
         <p:nvSpPr>
           <p:cNvPr id="17" name="Google Shape;17;p4"/>
-          <p:cNvSpPr txBox="1"/>
+          <p:cNvSpPr txBox="1">
+            <a:spLocks noGrp="1"/>
+          </p:cNvSpPr>
           <p:nvPr>
             <p:ph type="title"/>
           </p:nvPr>
@@ -4393,7 +4578,7 @@
           </a:prstGeom>
         </p:spPr>
         <p:txBody>
-          <a:bodyPr anchorCtr="0" anchor="t" bIns="91425" lIns="91425" spcFirstLastPara="1" rIns="91425" wrap="square" tIns="91425">
+          <a:bodyPr spcFirstLastPara="1" wrap="square" lIns="91425" tIns="91425" rIns="91425" bIns="91425" anchor="t" anchorCtr="0">
             <a:normAutofit/>
           </a:bodyPr>
           <a:lstStyle>
@@ -4497,15 +4682,19 @@
               <a:defRPr/>
             </a:lvl9pPr>
           </a:lstStyle>
-          <a:p/>
+          <a:p>
+            <a:endParaRPr/>
+          </a:p>
         </p:txBody>
       </p:sp>
       <p:sp>
         <p:nvSpPr>
           <p:cNvPr id="18" name="Google Shape;18;p4"/>
-          <p:cNvSpPr txBox="1"/>
+          <p:cNvSpPr txBox="1">
+            <a:spLocks noGrp="1"/>
+          </p:cNvSpPr>
           <p:nvPr>
-            <p:ph idx="1" type="body"/>
+            <p:ph type="body" idx="1"/>
           </p:nvPr>
         </p:nvSpPr>
         <p:spPr>
@@ -4518,11 +4707,11 @@
           </a:prstGeom>
         </p:spPr>
         <p:txBody>
-          <a:bodyPr anchorCtr="0" anchor="t" bIns="91425" lIns="91425" spcFirstLastPara="1" rIns="91425" wrap="square" tIns="91425">
+          <a:bodyPr spcFirstLastPara="1" wrap="square" lIns="91425" tIns="91425" rIns="91425" bIns="91425" anchor="t" anchorCtr="0">
             <a:normAutofit/>
           </a:bodyPr>
           <a:lstStyle>
-            <a:lvl1pPr indent="-342900" lvl="0" marL="457200">
+            <a:lvl1pPr marL="457200" lvl="0" indent="-342900">
               <a:spcBef>
                 <a:spcPts val="0"/>
               </a:spcBef>
@@ -4533,7 +4722,7 @@
               <a:buChar char="●"/>
               <a:defRPr/>
             </a:lvl1pPr>
-            <a:lvl2pPr indent="-317500" lvl="1" marL="914400">
+            <a:lvl2pPr marL="914400" lvl="1" indent="-317500">
               <a:spcBef>
                 <a:spcPts val="0"/>
               </a:spcBef>
@@ -4544,7 +4733,7 @@
               <a:buChar char="○"/>
               <a:defRPr/>
             </a:lvl2pPr>
-            <a:lvl3pPr indent="-317500" lvl="2" marL="1371600">
+            <a:lvl3pPr marL="1371600" lvl="2" indent="-317500">
               <a:spcBef>
                 <a:spcPts val="0"/>
               </a:spcBef>
@@ -4555,7 +4744,7 @@
               <a:buChar char="■"/>
               <a:defRPr/>
             </a:lvl3pPr>
-            <a:lvl4pPr indent="-317500" lvl="3" marL="1828800">
+            <a:lvl4pPr marL="1828800" lvl="3" indent="-317500">
               <a:spcBef>
                 <a:spcPts val="0"/>
               </a:spcBef>
@@ -4566,7 +4755,7 @@
               <a:buChar char="●"/>
               <a:defRPr/>
             </a:lvl4pPr>
-            <a:lvl5pPr indent="-317500" lvl="4" marL="2286000">
+            <a:lvl5pPr marL="2286000" lvl="4" indent="-317500">
               <a:spcBef>
                 <a:spcPts val="0"/>
               </a:spcBef>
@@ -4577,7 +4766,7 @@
               <a:buChar char="○"/>
               <a:defRPr/>
             </a:lvl5pPr>
-            <a:lvl6pPr indent="-317500" lvl="5" marL="2743200">
+            <a:lvl6pPr marL="2743200" lvl="5" indent="-317500">
               <a:spcBef>
                 <a:spcPts val="0"/>
               </a:spcBef>
@@ -4588,7 +4777,7 @@
               <a:buChar char="■"/>
               <a:defRPr/>
             </a:lvl6pPr>
-            <a:lvl7pPr indent="-317500" lvl="6" marL="3200400">
+            <a:lvl7pPr marL="3200400" lvl="6" indent="-317500">
               <a:spcBef>
                 <a:spcPts val="0"/>
               </a:spcBef>
@@ -4599,7 +4788,7 @@
               <a:buChar char="●"/>
               <a:defRPr/>
             </a:lvl7pPr>
-            <a:lvl8pPr indent="-317500" lvl="7" marL="3657600">
+            <a:lvl8pPr marL="3657600" lvl="7" indent="-317500">
               <a:spcBef>
                 <a:spcPts val="0"/>
               </a:spcBef>
@@ -4610,7 +4799,7 @@
               <a:buChar char="○"/>
               <a:defRPr/>
             </a:lvl8pPr>
-            <a:lvl9pPr indent="-317500" lvl="8" marL="4114800">
+            <a:lvl9pPr marL="4114800" lvl="8" indent="-317500">
               <a:spcBef>
                 <a:spcPts val="0"/>
               </a:spcBef>
@@ -4622,15 +4811,19 @@
               <a:defRPr/>
             </a:lvl9pPr>
           </a:lstStyle>
-          <a:p/>
+          <a:p>
+            <a:endParaRPr/>
+          </a:p>
         </p:txBody>
       </p:sp>
       <p:sp>
         <p:nvSpPr>
           <p:cNvPr id="19" name="Google Shape;19;p4"/>
-          <p:cNvSpPr txBox="1"/>
+          <p:cNvSpPr txBox="1">
+            <a:spLocks noGrp="1"/>
+          </p:cNvSpPr>
           <p:nvPr>
-            <p:ph idx="12" type="sldNum"/>
+            <p:ph type="sldNum" idx="12"/>
           </p:nvPr>
         </p:nvSpPr>
         <p:spPr>
@@ -4643,7 +4836,7 @@
           </a:prstGeom>
         </p:spPr>
         <p:txBody>
-          <a:bodyPr anchorCtr="0" anchor="ctr" bIns="91425" lIns="91425" spcFirstLastPara="1" rIns="91425" wrap="square" tIns="91425">
+          <a:bodyPr spcFirstLastPara="1" wrap="square" lIns="91425" tIns="91425" rIns="91425" bIns="91425" anchor="ctr" anchorCtr="0">
             <a:normAutofit/>
           </a:bodyPr>
           <a:lstStyle>
@@ -4685,7 +4878,7 @@
             </a:lvl9pPr>
           </a:lstStyle>
           <a:p>
-            <a:pPr indent="0" lvl="0" marL="0" rtl="0" algn="r">
+            <a:pPr marL="0" lvl="0" indent="0" algn="r" rtl="0">
               <a:spcBef>
                 <a:spcPts val="0"/>
               </a:spcBef>
@@ -4711,11 +4904,11 @@
 </file>
 
 <file path=ppt/slideLayouts/slideLayout4.xml><?xml version="1.0" encoding="utf-8"?>
-<p:sldLayout xmlns:a="http://schemas.openxmlformats.org/drawingml/2006/main" xmlns:r="http://schemas.openxmlformats.org/officeDocument/2006/relationships" xmlns:mc="http://schemas.openxmlformats.org/markup-compatibility/2006" xmlns:mv="urn:schemas-microsoft-com:mac:vml" xmlns:p="http://schemas.openxmlformats.org/presentationml/2006/main" xmlns:c="http://schemas.openxmlformats.org/drawingml/2006/chart" xmlns:dgm="http://schemas.openxmlformats.org/drawingml/2006/diagram" xmlns:o="urn:schemas-microsoft-com:office:office" xmlns:v="urn:schemas-microsoft-com:vml" xmlns:pvml="urn:schemas-microsoft-com:office:powerpoint" xmlns:com="http://schemas.openxmlformats.org/drawingml/2006/compatibility" xmlns:p14="http://schemas.microsoft.com/office/powerpoint/2010/main" xmlns:p15="http://schemas.microsoft.com/office/powerpoint/2012/main" xmlns:ahyp="http://schemas.microsoft.com/office/drawing/2018/hyperlinkcolor" matchingName="Title and two columns" type="twoColTx">
+<p:sldLayout xmlns:a="http://schemas.openxmlformats.org/drawingml/2006/main" xmlns:r="http://schemas.openxmlformats.org/officeDocument/2006/relationships" xmlns:p="http://schemas.openxmlformats.org/presentationml/2006/main" matchingName="Title and two columns" type="twoColTx">
   <p:cSld name="TITLE_AND_TWO_COLUMNS">
     <p:spTree>
       <p:nvGrpSpPr>
-        <p:cNvPr id="20" name="Shape 20"/>
+        <p:cNvPr id="1" name="Shape 20"/>
         <p:cNvGrpSpPr/>
         <p:nvPr/>
       </p:nvGrpSpPr>
@@ -4730,7 +4923,9 @@
       <p:sp>
         <p:nvSpPr>
           <p:cNvPr id="21" name="Google Shape;21;p5"/>
-          <p:cNvSpPr txBox="1"/>
+          <p:cNvSpPr txBox="1">
+            <a:spLocks noGrp="1"/>
+          </p:cNvSpPr>
           <p:nvPr>
             <p:ph type="title"/>
           </p:nvPr>
@@ -4745,7 +4940,7 @@
           </a:prstGeom>
         </p:spPr>
         <p:txBody>
-          <a:bodyPr anchorCtr="0" anchor="t" bIns="91425" lIns="91425" spcFirstLastPara="1" rIns="91425" wrap="square" tIns="91425">
+          <a:bodyPr spcFirstLastPara="1" wrap="square" lIns="91425" tIns="91425" rIns="91425" bIns="91425" anchor="t" anchorCtr="0">
             <a:normAutofit/>
           </a:bodyPr>
           <a:lstStyle>
@@ -4849,15 +5044,19 @@
               <a:defRPr/>
             </a:lvl9pPr>
           </a:lstStyle>
-          <a:p/>
+          <a:p>
+            <a:endParaRPr/>
+          </a:p>
         </p:txBody>
       </p:sp>
       <p:sp>
         <p:nvSpPr>
           <p:cNvPr id="22" name="Google Shape;22;p5"/>
-          <p:cNvSpPr txBox="1"/>
+          <p:cNvSpPr txBox="1">
+            <a:spLocks noGrp="1"/>
+          </p:cNvSpPr>
           <p:nvPr>
-            <p:ph idx="1" type="body"/>
+            <p:ph type="body" idx="1"/>
           </p:nvPr>
         </p:nvSpPr>
         <p:spPr>
@@ -4870,11 +5069,11 @@
           </a:prstGeom>
         </p:spPr>
         <p:txBody>
-          <a:bodyPr anchorCtr="0" anchor="t" bIns="91425" lIns="91425" spcFirstLastPara="1" rIns="91425" wrap="square" tIns="91425">
+          <a:bodyPr spcFirstLastPara="1" wrap="square" lIns="91425" tIns="91425" rIns="91425" bIns="91425" anchor="t" anchorCtr="0">
             <a:normAutofit/>
           </a:bodyPr>
           <a:lstStyle>
-            <a:lvl1pPr indent="-317500" lvl="0" marL="457200">
+            <a:lvl1pPr marL="457200" lvl="0" indent="-317500">
               <a:spcBef>
                 <a:spcPts val="0"/>
               </a:spcBef>
@@ -4885,7 +5084,7 @@
               <a:buChar char="●"/>
               <a:defRPr sz="1400"/>
             </a:lvl1pPr>
-            <a:lvl2pPr indent="-304800" lvl="1" marL="914400">
+            <a:lvl2pPr marL="914400" lvl="1" indent="-304800">
               <a:spcBef>
                 <a:spcPts val="0"/>
               </a:spcBef>
@@ -4896,7 +5095,7 @@
               <a:buChar char="○"/>
               <a:defRPr sz="1200"/>
             </a:lvl2pPr>
-            <a:lvl3pPr indent="-304800" lvl="2" marL="1371600">
+            <a:lvl3pPr marL="1371600" lvl="2" indent="-304800">
               <a:spcBef>
                 <a:spcPts val="0"/>
               </a:spcBef>
@@ -4907,7 +5106,7 @@
               <a:buChar char="■"/>
               <a:defRPr sz="1200"/>
             </a:lvl3pPr>
-            <a:lvl4pPr indent="-304800" lvl="3" marL="1828800">
+            <a:lvl4pPr marL="1828800" lvl="3" indent="-304800">
               <a:spcBef>
                 <a:spcPts val="0"/>
               </a:spcBef>
@@ -4918,7 +5117,7 @@
               <a:buChar char="●"/>
               <a:defRPr sz="1200"/>
             </a:lvl4pPr>
-            <a:lvl5pPr indent="-304800" lvl="4" marL="2286000">
+            <a:lvl5pPr marL="2286000" lvl="4" indent="-304800">
               <a:spcBef>
                 <a:spcPts val="0"/>
               </a:spcBef>
@@ -4929,7 +5128,7 @@
               <a:buChar char="○"/>
               <a:defRPr sz="1200"/>
             </a:lvl5pPr>
-            <a:lvl6pPr indent="-304800" lvl="5" marL="2743200">
+            <a:lvl6pPr marL="2743200" lvl="5" indent="-304800">
               <a:spcBef>
                 <a:spcPts val="0"/>
               </a:spcBef>
@@ -4940,7 +5139,7 @@
               <a:buChar char="■"/>
               <a:defRPr sz="1200"/>
             </a:lvl6pPr>
-            <a:lvl7pPr indent="-304800" lvl="6" marL="3200400">
+            <a:lvl7pPr marL="3200400" lvl="6" indent="-304800">
               <a:spcBef>
                 <a:spcPts val="0"/>
               </a:spcBef>
@@ -4951,7 +5150,7 @@
               <a:buChar char="●"/>
               <a:defRPr sz="1200"/>
             </a:lvl7pPr>
-            <a:lvl8pPr indent="-304800" lvl="7" marL="3657600">
+            <a:lvl8pPr marL="3657600" lvl="7" indent="-304800">
               <a:spcBef>
                 <a:spcPts val="0"/>
               </a:spcBef>
@@ -4962,7 +5161,7 @@
               <a:buChar char="○"/>
               <a:defRPr sz="1200"/>
             </a:lvl8pPr>
-            <a:lvl9pPr indent="-304800" lvl="8" marL="4114800">
+            <a:lvl9pPr marL="4114800" lvl="8" indent="-304800">
               <a:spcBef>
                 <a:spcPts val="0"/>
               </a:spcBef>
@@ -4974,15 +5173,19 @@
               <a:defRPr sz="1200"/>
             </a:lvl9pPr>
           </a:lstStyle>
-          <a:p/>
+          <a:p>
+            <a:endParaRPr/>
+          </a:p>
         </p:txBody>
       </p:sp>
       <p:sp>
         <p:nvSpPr>
           <p:cNvPr id="23" name="Google Shape;23;p5"/>
-          <p:cNvSpPr txBox="1"/>
+          <p:cNvSpPr txBox="1">
+            <a:spLocks noGrp="1"/>
+          </p:cNvSpPr>
           <p:nvPr>
-            <p:ph idx="2" type="body"/>
+            <p:ph type="body" idx="2"/>
           </p:nvPr>
         </p:nvSpPr>
         <p:spPr>
@@ -4995,11 +5198,11 @@
           </a:prstGeom>
         </p:spPr>
         <p:txBody>
-          <a:bodyPr anchorCtr="0" anchor="t" bIns="91425" lIns="91425" spcFirstLastPara="1" rIns="91425" wrap="square" tIns="91425">
+          <a:bodyPr spcFirstLastPara="1" wrap="square" lIns="91425" tIns="91425" rIns="91425" bIns="91425" anchor="t" anchorCtr="0">
             <a:normAutofit/>
           </a:bodyPr>
           <a:lstStyle>
-            <a:lvl1pPr indent="-317500" lvl="0" marL="457200">
+            <a:lvl1pPr marL="457200" lvl="0" indent="-317500">
               <a:spcBef>
                 <a:spcPts val="0"/>
               </a:spcBef>
@@ -5010,7 +5213,7 @@
               <a:buChar char="●"/>
               <a:defRPr sz="1400"/>
             </a:lvl1pPr>
-            <a:lvl2pPr indent="-304800" lvl="1" marL="914400">
+            <a:lvl2pPr marL="914400" lvl="1" indent="-304800">
               <a:spcBef>
                 <a:spcPts val="0"/>
               </a:spcBef>
@@ -5021,7 +5224,7 @@
               <a:buChar char="○"/>
               <a:defRPr sz="1200"/>
             </a:lvl2pPr>
-            <a:lvl3pPr indent="-304800" lvl="2" marL="1371600">
+            <a:lvl3pPr marL="1371600" lvl="2" indent="-304800">
               <a:spcBef>
                 <a:spcPts val="0"/>
               </a:spcBef>
@@ -5032,7 +5235,7 @@
               <a:buChar char="■"/>
               <a:defRPr sz="1200"/>
             </a:lvl3pPr>
-            <a:lvl4pPr indent="-304800" lvl="3" marL="1828800">
+            <a:lvl4pPr marL="1828800" lvl="3" indent="-304800">
               <a:spcBef>
                 <a:spcPts val="0"/>
               </a:spcBef>
@@ -5043,7 +5246,7 @@
               <a:buChar char="●"/>
               <a:defRPr sz="1200"/>
             </a:lvl4pPr>
-            <a:lvl5pPr indent="-304800" lvl="4" marL="2286000">
+            <a:lvl5pPr marL="2286000" lvl="4" indent="-304800">
               <a:spcBef>
                 <a:spcPts val="0"/>
               </a:spcBef>
@@ -5054,7 +5257,7 @@
               <a:buChar char="○"/>
               <a:defRPr sz="1200"/>
             </a:lvl5pPr>
-            <a:lvl6pPr indent="-304800" lvl="5" marL="2743200">
+            <a:lvl6pPr marL="2743200" lvl="5" indent="-304800">
               <a:spcBef>
                 <a:spcPts val="0"/>
               </a:spcBef>
@@ -5065,7 +5268,7 @@
               <a:buChar char="■"/>
               <a:defRPr sz="1200"/>
             </a:lvl6pPr>
-            <a:lvl7pPr indent="-304800" lvl="6" marL="3200400">
+            <a:lvl7pPr marL="3200400" lvl="6" indent="-304800">
               <a:spcBef>
                 <a:spcPts val="0"/>
               </a:spcBef>
@@ -5076,7 +5279,7 @@
               <a:buChar char="●"/>
               <a:defRPr sz="1200"/>
             </a:lvl7pPr>
-            <a:lvl8pPr indent="-304800" lvl="7" marL="3657600">
+            <a:lvl8pPr marL="3657600" lvl="7" indent="-304800">
               <a:spcBef>
                 <a:spcPts val="0"/>
               </a:spcBef>
@@ -5087,7 +5290,7 @@
               <a:buChar char="○"/>
               <a:defRPr sz="1200"/>
             </a:lvl8pPr>
-            <a:lvl9pPr indent="-304800" lvl="8" marL="4114800">
+            <a:lvl9pPr marL="4114800" lvl="8" indent="-304800">
               <a:spcBef>
                 <a:spcPts val="0"/>
               </a:spcBef>
@@ -5099,15 +5302,19 @@
               <a:defRPr sz="1200"/>
             </a:lvl9pPr>
           </a:lstStyle>
-          <a:p/>
+          <a:p>
+            <a:endParaRPr/>
+          </a:p>
         </p:txBody>
       </p:sp>
       <p:sp>
         <p:nvSpPr>
           <p:cNvPr id="24" name="Google Shape;24;p5"/>
-          <p:cNvSpPr txBox="1"/>
+          <p:cNvSpPr txBox="1">
+            <a:spLocks noGrp="1"/>
+          </p:cNvSpPr>
           <p:nvPr>
-            <p:ph idx="12" type="sldNum"/>
+            <p:ph type="sldNum" idx="12"/>
           </p:nvPr>
         </p:nvSpPr>
         <p:spPr>
@@ -5120,7 +5327,7 @@
           </a:prstGeom>
         </p:spPr>
         <p:txBody>
-          <a:bodyPr anchorCtr="0" anchor="ctr" bIns="91425" lIns="91425" spcFirstLastPara="1" rIns="91425" wrap="square" tIns="91425">
+          <a:bodyPr spcFirstLastPara="1" wrap="square" lIns="91425" tIns="91425" rIns="91425" bIns="91425" anchor="ctr" anchorCtr="0">
             <a:normAutofit/>
           </a:bodyPr>
           <a:lstStyle>
@@ -5162,7 +5369,7 @@
             </a:lvl9pPr>
           </a:lstStyle>
           <a:p>
-            <a:pPr indent="0" lvl="0" marL="0" rtl="0" algn="r">
+            <a:pPr marL="0" lvl="0" indent="0" algn="r" rtl="0">
               <a:spcBef>
                 <a:spcPts val="0"/>
               </a:spcBef>
@@ -5188,11 +5395,11 @@
 </file>
 
 <file path=ppt/slideLayouts/slideLayout5.xml><?xml version="1.0" encoding="utf-8"?>
-<p:sldLayout xmlns:a="http://schemas.openxmlformats.org/drawingml/2006/main" xmlns:r="http://schemas.openxmlformats.org/officeDocument/2006/relationships" xmlns:mc="http://schemas.openxmlformats.org/markup-compatibility/2006" xmlns:mv="urn:schemas-microsoft-com:mac:vml" xmlns:p="http://schemas.openxmlformats.org/presentationml/2006/main" xmlns:c="http://schemas.openxmlformats.org/drawingml/2006/chart" xmlns:dgm="http://schemas.openxmlformats.org/drawingml/2006/diagram" xmlns:o="urn:schemas-microsoft-com:office:office" xmlns:v="urn:schemas-microsoft-com:vml" xmlns:pvml="urn:schemas-microsoft-com:office:powerpoint" xmlns:com="http://schemas.openxmlformats.org/drawingml/2006/compatibility" xmlns:p14="http://schemas.microsoft.com/office/powerpoint/2010/main" xmlns:p15="http://schemas.microsoft.com/office/powerpoint/2012/main" xmlns:ahyp="http://schemas.microsoft.com/office/drawing/2018/hyperlinkcolor" matchingName="Title only" type="titleOnly">
+<p:sldLayout xmlns:a="http://schemas.openxmlformats.org/drawingml/2006/main" xmlns:r="http://schemas.openxmlformats.org/officeDocument/2006/relationships" xmlns:p="http://schemas.openxmlformats.org/presentationml/2006/main" matchingName="Title only" type="titleOnly">
   <p:cSld name="TITLE_ONLY">
     <p:spTree>
       <p:nvGrpSpPr>
-        <p:cNvPr id="25" name="Shape 25"/>
+        <p:cNvPr id="1" name="Shape 25"/>
         <p:cNvGrpSpPr/>
         <p:nvPr/>
       </p:nvGrpSpPr>
@@ -5207,7 +5414,9 @@
       <p:sp>
         <p:nvSpPr>
           <p:cNvPr id="26" name="Google Shape;26;p6"/>
-          <p:cNvSpPr txBox="1"/>
+          <p:cNvSpPr txBox="1">
+            <a:spLocks noGrp="1"/>
+          </p:cNvSpPr>
           <p:nvPr>
             <p:ph type="title"/>
           </p:nvPr>
@@ -5222,7 +5431,7 @@
           </a:prstGeom>
         </p:spPr>
         <p:txBody>
-          <a:bodyPr anchorCtr="0" anchor="t" bIns="91425" lIns="91425" spcFirstLastPara="1" rIns="91425" wrap="square" tIns="91425">
+          <a:bodyPr spcFirstLastPara="1" wrap="square" lIns="91425" tIns="91425" rIns="91425" bIns="91425" anchor="t" anchorCtr="0">
             <a:normAutofit/>
           </a:bodyPr>
           <a:lstStyle>
@@ -5326,15 +5535,19 @@
               <a:defRPr/>
             </a:lvl9pPr>
           </a:lstStyle>
-          <a:p/>
+          <a:p>
+            <a:endParaRPr/>
+          </a:p>
         </p:txBody>
       </p:sp>
       <p:sp>
         <p:nvSpPr>
           <p:cNvPr id="27" name="Google Shape;27;p6"/>
-          <p:cNvSpPr txBox="1"/>
+          <p:cNvSpPr txBox="1">
+            <a:spLocks noGrp="1"/>
+          </p:cNvSpPr>
           <p:nvPr>
-            <p:ph idx="12" type="sldNum"/>
+            <p:ph type="sldNum" idx="12"/>
           </p:nvPr>
         </p:nvSpPr>
         <p:spPr>
@@ -5347,7 +5560,7 @@
           </a:prstGeom>
         </p:spPr>
         <p:txBody>
-          <a:bodyPr anchorCtr="0" anchor="ctr" bIns="91425" lIns="91425" spcFirstLastPara="1" rIns="91425" wrap="square" tIns="91425">
+          <a:bodyPr spcFirstLastPara="1" wrap="square" lIns="91425" tIns="91425" rIns="91425" bIns="91425" anchor="ctr" anchorCtr="0">
             <a:normAutofit/>
           </a:bodyPr>
           <a:lstStyle>
@@ -5389,7 +5602,7 @@
             </a:lvl9pPr>
           </a:lstStyle>
           <a:p>
-            <a:pPr indent="0" lvl="0" marL="0" rtl="0" algn="r">
+            <a:pPr marL="0" lvl="0" indent="0" algn="r" rtl="0">
               <a:spcBef>
                 <a:spcPts val="0"/>
               </a:spcBef>
@@ -5415,11 +5628,11 @@
 </file>
 
 <file path=ppt/slideLayouts/slideLayout6.xml><?xml version="1.0" encoding="utf-8"?>
-<p:sldLayout xmlns:a="http://schemas.openxmlformats.org/drawingml/2006/main" xmlns:r="http://schemas.openxmlformats.org/officeDocument/2006/relationships" xmlns:mc="http://schemas.openxmlformats.org/markup-compatibility/2006" xmlns:mv="urn:schemas-microsoft-com:mac:vml" xmlns:p="http://schemas.openxmlformats.org/presentationml/2006/main" xmlns:c="http://schemas.openxmlformats.org/drawingml/2006/chart" xmlns:dgm="http://schemas.openxmlformats.org/drawingml/2006/diagram" xmlns:o="urn:schemas-microsoft-com:office:office" xmlns:v="urn:schemas-microsoft-com:vml" xmlns:pvml="urn:schemas-microsoft-com:office:powerpoint" xmlns:com="http://schemas.openxmlformats.org/drawingml/2006/compatibility" xmlns:p14="http://schemas.microsoft.com/office/powerpoint/2010/main" xmlns:p15="http://schemas.microsoft.com/office/powerpoint/2012/main" xmlns:ahyp="http://schemas.microsoft.com/office/drawing/2018/hyperlinkcolor" matchingName="One column text">
+<p:sldLayout xmlns:a="http://schemas.openxmlformats.org/drawingml/2006/main" xmlns:r="http://schemas.openxmlformats.org/officeDocument/2006/relationships" xmlns:p="http://schemas.openxmlformats.org/presentationml/2006/main" matchingName="One column text">
   <p:cSld name="ONE_COLUMN_TEXT">
     <p:spTree>
       <p:nvGrpSpPr>
-        <p:cNvPr id="28" name="Shape 28"/>
+        <p:cNvPr id="1" name="Shape 28"/>
         <p:cNvGrpSpPr/>
         <p:nvPr/>
       </p:nvGrpSpPr>
@@ -5434,7 +5647,9 @@
       <p:sp>
         <p:nvSpPr>
           <p:cNvPr id="29" name="Google Shape;29;p7"/>
-          <p:cNvSpPr txBox="1"/>
+          <p:cNvSpPr txBox="1">
+            <a:spLocks noGrp="1"/>
+          </p:cNvSpPr>
           <p:nvPr>
             <p:ph type="title"/>
           </p:nvPr>
@@ -5449,7 +5664,7 @@
           </a:prstGeom>
         </p:spPr>
         <p:txBody>
-          <a:bodyPr anchorCtr="0" anchor="b" bIns="91425" lIns="91425" spcFirstLastPara="1" rIns="91425" wrap="square" tIns="91425">
+          <a:bodyPr spcFirstLastPara="1" wrap="square" lIns="91425" tIns="91425" rIns="91425" bIns="91425" anchor="b" anchorCtr="0">
             <a:normAutofit/>
           </a:bodyPr>
           <a:lstStyle>
@@ -5553,15 +5768,19 @@
               <a:defRPr sz="2400"/>
             </a:lvl9pPr>
           </a:lstStyle>
-          <a:p/>
+          <a:p>
+            <a:endParaRPr/>
+          </a:p>
         </p:txBody>
       </p:sp>
       <p:sp>
         <p:nvSpPr>
           <p:cNvPr id="30" name="Google Shape;30;p7"/>
-          <p:cNvSpPr txBox="1"/>
+          <p:cNvSpPr txBox="1">
+            <a:spLocks noGrp="1"/>
+          </p:cNvSpPr>
           <p:nvPr>
-            <p:ph idx="1" type="body"/>
+            <p:ph type="body" idx="1"/>
           </p:nvPr>
         </p:nvSpPr>
         <p:spPr>
@@ -5574,11 +5793,11 @@
           </a:prstGeom>
         </p:spPr>
         <p:txBody>
-          <a:bodyPr anchorCtr="0" anchor="t" bIns="91425" lIns="91425" spcFirstLastPara="1" rIns="91425" wrap="square" tIns="91425">
+          <a:bodyPr spcFirstLastPara="1" wrap="square" lIns="91425" tIns="91425" rIns="91425" bIns="91425" anchor="t" anchorCtr="0">
             <a:normAutofit/>
           </a:bodyPr>
           <a:lstStyle>
-            <a:lvl1pPr indent="-304800" lvl="0" marL="457200">
+            <a:lvl1pPr marL="457200" lvl="0" indent="-304800">
               <a:spcBef>
                 <a:spcPts val="0"/>
               </a:spcBef>
@@ -5589,7 +5808,7 @@
               <a:buChar char="●"/>
               <a:defRPr sz="1200"/>
             </a:lvl1pPr>
-            <a:lvl2pPr indent="-304800" lvl="1" marL="914400">
+            <a:lvl2pPr marL="914400" lvl="1" indent="-304800">
               <a:spcBef>
                 <a:spcPts val="0"/>
               </a:spcBef>
@@ -5600,7 +5819,7 @@
               <a:buChar char="○"/>
               <a:defRPr sz="1200"/>
             </a:lvl2pPr>
-            <a:lvl3pPr indent="-304800" lvl="2" marL="1371600">
+            <a:lvl3pPr marL="1371600" lvl="2" indent="-304800">
               <a:spcBef>
                 <a:spcPts val="0"/>
               </a:spcBef>
@@ -5611,7 +5830,7 @@
               <a:buChar char="■"/>
               <a:defRPr sz="1200"/>
             </a:lvl3pPr>
-            <a:lvl4pPr indent="-304800" lvl="3" marL="1828800">
+            <a:lvl4pPr marL="1828800" lvl="3" indent="-304800">
               <a:spcBef>
                 <a:spcPts val="0"/>
               </a:spcBef>
@@ -5622,7 +5841,7 @@
               <a:buChar char="●"/>
               <a:defRPr sz="1200"/>
             </a:lvl4pPr>
-            <a:lvl5pPr indent="-304800" lvl="4" marL="2286000">
+            <a:lvl5pPr marL="2286000" lvl="4" indent="-304800">
               <a:spcBef>
                 <a:spcPts val="0"/>
               </a:spcBef>
@@ -5633,7 +5852,7 @@
               <a:buChar char="○"/>
               <a:defRPr sz="1200"/>
             </a:lvl5pPr>
-            <a:lvl6pPr indent="-304800" lvl="5" marL="2743200">
+            <a:lvl6pPr marL="2743200" lvl="5" indent="-304800">
               <a:spcBef>
                 <a:spcPts val="0"/>
               </a:spcBef>
@@ -5644,7 +5863,7 @@
               <a:buChar char="■"/>
               <a:defRPr sz="1200"/>
             </a:lvl6pPr>
-            <a:lvl7pPr indent="-304800" lvl="6" marL="3200400">
+            <a:lvl7pPr marL="3200400" lvl="6" indent="-304800">
               <a:spcBef>
                 <a:spcPts val="0"/>
               </a:spcBef>
@@ -5655,7 +5874,7 @@
               <a:buChar char="●"/>
               <a:defRPr sz="1200"/>
             </a:lvl7pPr>
-            <a:lvl8pPr indent="-304800" lvl="7" marL="3657600">
+            <a:lvl8pPr marL="3657600" lvl="7" indent="-304800">
               <a:spcBef>
                 <a:spcPts val="0"/>
               </a:spcBef>
@@ -5666,7 +5885,7 @@
               <a:buChar char="○"/>
               <a:defRPr sz="1200"/>
             </a:lvl8pPr>
-            <a:lvl9pPr indent="-304800" lvl="8" marL="4114800">
+            <a:lvl9pPr marL="4114800" lvl="8" indent="-304800">
               <a:spcBef>
                 <a:spcPts val="0"/>
               </a:spcBef>
@@ -5678,15 +5897,19 @@
               <a:defRPr sz="1200"/>
             </a:lvl9pPr>
           </a:lstStyle>
-          <a:p/>
+          <a:p>
+            <a:endParaRPr/>
+          </a:p>
         </p:txBody>
       </p:sp>
       <p:sp>
         <p:nvSpPr>
           <p:cNvPr id="31" name="Google Shape;31;p7"/>
-          <p:cNvSpPr txBox="1"/>
+          <p:cNvSpPr txBox="1">
+            <a:spLocks noGrp="1"/>
+          </p:cNvSpPr>
           <p:nvPr>
-            <p:ph idx="12" type="sldNum"/>
+            <p:ph type="sldNum" idx="12"/>
           </p:nvPr>
         </p:nvSpPr>
         <p:spPr>
@@ -5699,7 +5922,7 @@
           </a:prstGeom>
         </p:spPr>
         <p:txBody>
-          <a:bodyPr anchorCtr="0" anchor="ctr" bIns="91425" lIns="91425" spcFirstLastPara="1" rIns="91425" wrap="square" tIns="91425">
+          <a:bodyPr spcFirstLastPara="1" wrap="square" lIns="91425" tIns="91425" rIns="91425" bIns="91425" anchor="ctr" anchorCtr="0">
             <a:normAutofit/>
           </a:bodyPr>
           <a:lstStyle>
@@ -5741,7 +5964,7 @@
             </a:lvl9pPr>
           </a:lstStyle>
           <a:p>
-            <a:pPr indent="0" lvl="0" marL="0" rtl="0" algn="r">
+            <a:pPr marL="0" lvl="0" indent="0" algn="r" rtl="0">
               <a:spcBef>
                 <a:spcPts val="0"/>
               </a:spcBef>
@@ -5767,11 +5990,11 @@
 </file>
 
 <file path=ppt/slideLayouts/slideLayout7.xml><?xml version="1.0" encoding="utf-8"?>
-<p:sldLayout xmlns:a="http://schemas.openxmlformats.org/drawingml/2006/main" xmlns:r="http://schemas.openxmlformats.org/officeDocument/2006/relationships" xmlns:mc="http://schemas.openxmlformats.org/markup-compatibility/2006" xmlns:mv="urn:schemas-microsoft-com:mac:vml" xmlns:p="http://schemas.openxmlformats.org/presentationml/2006/main" xmlns:c="http://schemas.openxmlformats.org/drawingml/2006/chart" xmlns:dgm="http://schemas.openxmlformats.org/drawingml/2006/diagram" xmlns:o="urn:schemas-microsoft-com:office:office" xmlns:v="urn:schemas-microsoft-com:vml" xmlns:pvml="urn:schemas-microsoft-com:office:powerpoint" xmlns:com="http://schemas.openxmlformats.org/drawingml/2006/compatibility" xmlns:p14="http://schemas.microsoft.com/office/powerpoint/2010/main" xmlns:p15="http://schemas.microsoft.com/office/powerpoint/2012/main" xmlns:ahyp="http://schemas.microsoft.com/office/drawing/2018/hyperlinkcolor" matchingName="Main point">
+<p:sldLayout xmlns:a="http://schemas.openxmlformats.org/drawingml/2006/main" xmlns:r="http://schemas.openxmlformats.org/officeDocument/2006/relationships" xmlns:p="http://schemas.openxmlformats.org/presentationml/2006/main" matchingName="Main point">
   <p:cSld name="MAIN_POINT">
     <p:spTree>
       <p:nvGrpSpPr>
-        <p:cNvPr id="32" name="Shape 32"/>
+        <p:cNvPr id="1" name="Shape 32"/>
         <p:cNvGrpSpPr/>
         <p:nvPr/>
       </p:nvGrpSpPr>
@@ -5786,7 +6009,9 @@
       <p:sp>
         <p:nvSpPr>
           <p:cNvPr id="33" name="Google Shape;33;p8"/>
-          <p:cNvSpPr txBox="1"/>
+          <p:cNvSpPr txBox="1">
+            <a:spLocks noGrp="1"/>
+          </p:cNvSpPr>
           <p:nvPr>
             <p:ph type="title"/>
           </p:nvPr>
@@ -5801,7 +6026,7 @@
           </a:prstGeom>
         </p:spPr>
         <p:txBody>
-          <a:bodyPr anchorCtr="0" anchor="ctr" bIns="91425" lIns="91425" spcFirstLastPara="1" rIns="91425" wrap="square" tIns="91425">
+          <a:bodyPr spcFirstLastPara="1" wrap="square" lIns="91425" tIns="91425" rIns="91425" bIns="91425" anchor="ctr" anchorCtr="0">
             <a:normAutofit/>
           </a:bodyPr>
           <a:lstStyle>
@@ -5905,15 +6130,19 @@
               <a:defRPr sz="4800"/>
             </a:lvl9pPr>
           </a:lstStyle>
-          <a:p/>
+          <a:p>
+            <a:endParaRPr/>
+          </a:p>
         </p:txBody>
       </p:sp>
       <p:sp>
         <p:nvSpPr>
           <p:cNvPr id="34" name="Google Shape;34;p8"/>
-          <p:cNvSpPr txBox="1"/>
+          <p:cNvSpPr txBox="1">
+            <a:spLocks noGrp="1"/>
+          </p:cNvSpPr>
           <p:nvPr>
-            <p:ph idx="12" type="sldNum"/>
+            <p:ph type="sldNum" idx="12"/>
           </p:nvPr>
         </p:nvSpPr>
         <p:spPr>
@@ -5926,7 +6155,7 @@
           </a:prstGeom>
         </p:spPr>
         <p:txBody>
-          <a:bodyPr anchorCtr="0" anchor="ctr" bIns="91425" lIns="91425" spcFirstLastPara="1" rIns="91425" wrap="square" tIns="91425">
+          <a:bodyPr spcFirstLastPara="1" wrap="square" lIns="91425" tIns="91425" rIns="91425" bIns="91425" anchor="ctr" anchorCtr="0">
             <a:normAutofit/>
           </a:bodyPr>
           <a:lstStyle>
@@ -5968,7 +6197,7 @@
             </a:lvl9pPr>
           </a:lstStyle>
           <a:p>
-            <a:pPr indent="0" lvl="0" marL="0" rtl="0" algn="r">
+            <a:pPr marL="0" lvl="0" indent="0" algn="r" rtl="0">
               <a:spcBef>
                 <a:spcPts val="0"/>
               </a:spcBef>
@@ -5994,11 +6223,11 @@
 </file>
 
 <file path=ppt/slideLayouts/slideLayout8.xml><?xml version="1.0" encoding="utf-8"?>
-<p:sldLayout xmlns:a="http://schemas.openxmlformats.org/drawingml/2006/main" xmlns:r="http://schemas.openxmlformats.org/officeDocument/2006/relationships" xmlns:mc="http://schemas.openxmlformats.org/markup-compatibility/2006" xmlns:mv="urn:schemas-microsoft-com:mac:vml" xmlns:p="http://schemas.openxmlformats.org/presentationml/2006/main" xmlns:c="http://schemas.openxmlformats.org/drawingml/2006/chart" xmlns:dgm="http://schemas.openxmlformats.org/drawingml/2006/diagram" xmlns:o="urn:schemas-microsoft-com:office:office" xmlns:v="urn:schemas-microsoft-com:vml" xmlns:pvml="urn:schemas-microsoft-com:office:powerpoint" xmlns:com="http://schemas.openxmlformats.org/drawingml/2006/compatibility" xmlns:p14="http://schemas.microsoft.com/office/powerpoint/2010/main" xmlns:p15="http://schemas.microsoft.com/office/powerpoint/2012/main" xmlns:ahyp="http://schemas.microsoft.com/office/drawing/2018/hyperlinkcolor" matchingName="Section title and description">
+<p:sldLayout xmlns:a="http://schemas.openxmlformats.org/drawingml/2006/main" xmlns:r="http://schemas.openxmlformats.org/officeDocument/2006/relationships" xmlns:p="http://schemas.openxmlformats.org/presentationml/2006/main" matchingName="Section title and description">
   <p:cSld name="SECTION_TITLE_AND_DESCRIPTION">
     <p:spTree>
       <p:nvGrpSpPr>
-        <p:cNvPr id="35" name="Shape 35"/>
+        <p:cNvPr id="1" name="Shape 35"/>
         <p:cNvGrpSpPr/>
         <p:nvPr/>
       </p:nvGrpSpPr>
@@ -6032,23 +6261,20 @@
           </a:ln>
         </p:spPr>
         <p:txBody>
-          <a:bodyPr anchorCtr="0" anchor="ctr" bIns="91425" lIns="91425" spcFirstLastPara="1" rIns="91425" wrap="square" tIns="91425">
+          <a:bodyPr spcFirstLastPara="1" wrap="square" lIns="91425" tIns="91425" rIns="91425" bIns="91425" anchor="ctr" anchorCtr="0">
             <a:noAutofit/>
           </a:bodyPr>
           <a:lstStyle/>
           <a:p>
-            <a:pPr indent="0" lvl="0" marL="0" rtl="0" algn="l">
-              <a:spcBef>
-                <a:spcPts val="0"/>
-              </a:spcBef>
-              <a:spcAft>
-                <a:spcPts val="0"/>
-              </a:spcAft>
-              <a:buNone/>
-            </a:pPr>
-            <a:r>
-              <a:t/>
-            </a:r>
+            <a:pPr marL="0" lvl="0" indent="0" algn="l" rtl="0">
+              <a:spcBef>
+                <a:spcPts val="0"/>
+              </a:spcBef>
+              <a:spcAft>
+                <a:spcPts val="0"/>
+              </a:spcAft>
+              <a:buNone/>
+            </a:pPr>
             <a:endParaRPr/>
           </a:p>
         </p:txBody>
@@ -6056,7 +6282,9 @@
       <p:sp>
         <p:nvSpPr>
           <p:cNvPr id="37" name="Google Shape;37;p9"/>
-          <p:cNvSpPr txBox="1"/>
+          <p:cNvSpPr txBox="1">
+            <a:spLocks noGrp="1"/>
+          </p:cNvSpPr>
           <p:nvPr>
             <p:ph type="title"/>
           </p:nvPr>
@@ -6071,7 +6299,7 @@
           </a:prstGeom>
         </p:spPr>
         <p:txBody>
-          <a:bodyPr anchorCtr="0" anchor="b" bIns="91425" lIns="91425" spcFirstLastPara="1" rIns="91425" wrap="square" tIns="91425">
+          <a:bodyPr spcFirstLastPara="1" wrap="square" lIns="91425" tIns="91425" rIns="91425" bIns="91425" anchor="b" anchorCtr="0">
             <a:normAutofit/>
           </a:bodyPr>
           <a:lstStyle>
@@ -6175,15 +6403,19 @@
               <a:defRPr sz="4200"/>
             </a:lvl9pPr>
           </a:lstStyle>
-          <a:p/>
+          <a:p>
+            <a:endParaRPr/>
+          </a:p>
         </p:txBody>
       </p:sp>
       <p:sp>
         <p:nvSpPr>
           <p:cNvPr id="38" name="Google Shape;38;p9"/>
-          <p:cNvSpPr txBox="1"/>
+          <p:cNvSpPr txBox="1">
+            <a:spLocks noGrp="1"/>
+          </p:cNvSpPr>
           <p:nvPr>
-            <p:ph idx="1" type="subTitle"/>
+            <p:ph type="subTitle" idx="1"/>
           </p:nvPr>
         </p:nvSpPr>
         <p:spPr>
@@ -6196,7 +6428,7 @@
           </a:prstGeom>
         </p:spPr>
         <p:txBody>
-          <a:bodyPr anchorCtr="0" anchor="t" bIns="91425" lIns="91425" spcFirstLastPara="1" rIns="91425" wrap="square" tIns="91425">
+          <a:bodyPr spcFirstLastPara="1" wrap="square" lIns="91425" tIns="91425" rIns="91425" bIns="91425" anchor="t" anchorCtr="0">
             <a:normAutofit/>
           </a:bodyPr>
           <a:lstStyle>
@@ -6327,15 +6559,19 @@
               <a:defRPr sz="2100"/>
             </a:lvl9pPr>
           </a:lstStyle>
-          <a:p/>
+          <a:p>
+            <a:endParaRPr/>
+          </a:p>
         </p:txBody>
       </p:sp>
       <p:sp>
         <p:nvSpPr>
           <p:cNvPr id="39" name="Google Shape;39;p9"/>
-          <p:cNvSpPr txBox="1"/>
+          <p:cNvSpPr txBox="1">
+            <a:spLocks noGrp="1"/>
+          </p:cNvSpPr>
           <p:nvPr>
-            <p:ph idx="2" type="body"/>
+            <p:ph type="body" idx="2"/>
           </p:nvPr>
         </p:nvSpPr>
         <p:spPr>
@@ -6348,11 +6584,11 @@
           </a:prstGeom>
         </p:spPr>
         <p:txBody>
-          <a:bodyPr anchorCtr="0" anchor="ctr" bIns="91425" lIns="91425" spcFirstLastPara="1" rIns="91425" wrap="square" tIns="91425">
+          <a:bodyPr spcFirstLastPara="1" wrap="square" lIns="91425" tIns="91425" rIns="91425" bIns="91425" anchor="ctr" anchorCtr="0">
             <a:normAutofit/>
           </a:bodyPr>
           <a:lstStyle>
-            <a:lvl1pPr indent="-342900" lvl="0" marL="457200">
+            <a:lvl1pPr marL="457200" lvl="0" indent="-342900">
               <a:spcBef>
                 <a:spcPts val="0"/>
               </a:spcBef>
@@ -6363,7 +6599,7 @@
               <a:buChar char="●"/>
               <a:defRPr/>
             </a:lvl1pPr>
-            <a:lvl2pPr indent="-317500" lvl="1" marL="914400">
+            <a:lvl2pPr marL="914400" lvl="1" indent="-317500">
               <a:spcBef>
                 <a:spcPts val="0"/>
               </a:spcBef>
@@ -6374,7 +6610,7 @@
               <a:buChar char="○"/>
               <a:defRPr/>
             </a:lvl2pPr>
-            <a:lvl3pPr indent="-317500" lvl="2" marL="1371600">
+            <a:lvl3pPr marL="1371600" lvl="2" indent="-317500">
               <a:spcBef>
                 <a:spcPts val="0"/>
               </a:spcBef>
@@ -6385,7 +6621,7 @@
               <a:buChar char="■"/>
               <a:defRPr/>
             </a:lvl3pPr>
-            <a:lvl4pPr indent="-317500" lvl="3" marL="1828800">
+            <a:lvl4pPr marL="1828800" lvl="3" indent="-317500">
               <a:spcBef>
                 <a:spcPts val="0"/>
               </a:spcBef>
@@ -6396,7 +6632,7 @@
               <a:buChar char="●"/>
               <a:defRPr/>
             </a:lvl4pPr>
-            <a:lvl5pPr indent="-317500" lvl="4" marL="2286000">
+            <a:lvl5pPr marL="2286000" lvl="4" indent="-317500">
               <a:spcBef>
                 <a:spcPts val="0"/>
               </a:spcBef>
@@ -6407,7 +6643,7 @@
               <a:buChar char="○"/>
               <a:defRPr/>
             </a:lvl5pPr>
-            <a:lvl6pPr indent="-317500" lvl="5" marL="2743200">
+            <a:lvl6pPr marL="2743200" lvl="5" indent="-317500">
               <a:spcBef>
                 <a:spcPts val="0"/>
               </a:spcBef>
@@ -6418,7 +6654,7 @@
               <a:buChar char="■"/>
               <a:defRPr/>
             </a:lvl6pPr>
-            <a:lvl7pPr indent="-317500" lvl="6" marL="3200400">
+            <a:lvl7pPr marL="3200400" lvl="6" indent="-317500">
               <a:spcBef>
                 <a:spcPts val="0"/>
               </a:spcBef>
@@ -6429,7 +6665,7 @@
               <a:buChar char="●"/>
               <a:defRPr/>
             </a:lvl7pPr>
-            <a:lvl8pPr indent="-317500" lvl="7" marL="3657600">
+            <a:lvl8pPr marL="3657600" lvl="7" indent="-317500">
               <a:spcBef>
                 <a:spcPts val="0"/>
               </a:spcBef>
@@ -6440,7 +6676,7 @@
               <a:buChar char="○"/>
               <a:defRPr/>
             </a:lvl8pPr>
-            <a:lvl9pPr indent="-317500" lvl="8" marL="4114800">
+            <a:lvl9pPr marL="4114800" lvl="8" indent="-317500">
               <a:spcBef>
                 <a:spcPts val="0"/>
               </a:spcBef>
@@ -6452,15 +6688,19 @@
               <a:defRPr/>
             </a:lvl9pPr>
           </a:lstStyle>
-          <a:p/>
+          <a:p>
+            <a:endParaRPr/>
+          </a:p>
         </p:txBody>
       </p:sp>
       <p:sp>
         <p:nvSpPr>
           <p:cNvPr id="40" name="Google Shape;40;p9"/>
-          <p:cNvSpPr txBox="1"/>
+          <p:cNvSpPr txBox="1">
+            <a:spLocks noGrp="1"/>
+          </p:cNvSpPr>
           <p:nvPr>
-            <p:ph idx="12" type="sldNum"/>
+            <p:ph type="sldNum" idx="12"/>
           </p:nvPr>
         </p:nvSpPr>
         <p:spPr>
@@ -6473,7 +6713,7 @@
           </a:prstGeom>
         </p:spPr>
         <p:txBody>
-          <a:bodyPr anchorCtr="0" anchor="ctr" bIns="91425" lIns="91425" spcFirstLastPara="1" rIns="91425" wrap="square" tIns="91425">
+          <a:bodyPr spcFirstLastPara="1" wrap="square" lIns="91425" tIns="91425" rIns="91425" bIns="91425" anchor="ctr" anchorCtr="0">
             <a:normAutofit/>
           </a:bodyPr>
           <a:lstStyle>
@@ -6515,7 +6755,7 @@
             </a:lvl9pPr>
           </a:lstStyle>
           <a:p>
-            <a:pPr indent="0" lvl="0" marL="0" rtl="0" algn="r">
+            <a:pPr marL="0" lvl="0" indent="0" algn="r" rtl="0">
               <a:spcBef>
                 <a:spcPts val="0"/>
               </a:spcBef>
@@ -6541,11 +6781,11 @@
 </file>
 
 <file path=ppt/slideLayouts/slideLayout9.xml><?xml version="1.0" encoding="utf-8"?>
-<p:sldLayout xmlns:a="http://schemas.openxmlformats.org/drawingml/2006/main" xmlns:r="http://schemas.openxmlformats.org/officeDocument/2006/relationships" xmlns:mc="http://schemas.openxmlformats.org/markup-compatibility/2006" xmlns:mv="urn:schemas-microsoft-com:mac:vml" xmlns:p="http://schemas.openxmlformats.org/presentationml/2006/main" xmlns:c="http://schemas.openxmlformats.org/drawingml/2006/chart" xmlns:dgm="http://schemas.openxmlformats.org/drawingml/2006/diagram" xmlns:o="urn:schemas-microsoft-com:office:office" xmlns:v="urn:schemas-microsoft-com:vml" xmlns:pvml="urn:schemas-microsoft-com:office:powerpoint" xmlns:com="http://schemas.openxmlformats.org/drawingml/2006/compatibility" xmlns:p14="http://schemas.microsoft.com/office/powerpoint/2010/main" xmlns:p15="http://schemas.microsoft.com/office/powerpoint/2012/main" xmlns:ahyp="http://schemas.microsoft.com/office/drawing/2018/hyperlinkcolor" matchingName="Caption">
+<p:sldLayout xmlns:a="http://schemas.openxmlformats.org/drawingml/2006/main" xmlns:r="http://schemas.openxmlformats.org/officeDocument/2006/relationships" xmlns:p="http://schemas.openxmlformats.org/presentationml/2006/main" matchingName="Caption">
   <p:cSld name="CAPTION_ONLY">
     <p:spTree>
       <p:nvGrpSpPr>
-        <p:cNvPr id="41" name="Shape 41"/>
+        <p:cNvPr id="1" name="Shape 41"/>
         <p:cNvGrpSpPr/>
         <p:nvPr/>
       </p:nvGrpSpPr>
@@ -6560,9 +6800,11 @@
       <p:sp>
         <p:nvSpPr>
           <p:cNvPr id="42" name="Google Shape;42;p10"/>
-          <p:cNvSpPr txBox="1"/>
+          <p:cNvSpPr txBox="1">
+            <a:spLocks noGrp="1"/>
+          </p:cNvSpPr>
           <p:nvPr>
-            <p:ph idx="1" type="body"/>
+            <p:ph type="body" idx="1"/>
           </p:nvPr>
         </p:nvSpPr>
         <p:spPr>
@@ -6575,11 +6817,11 @@
           </a:prstGeom>
         </p:spPr>
         <p:txBody>
-          <a:bodyPr anchorCtr="0" anchor="ctr" bIns="91425" lIns="91425" spcFirstLastPara="1" rIns="91425" wrap="square" tIns="91425">
+          <a:bodyPr spcFirstLastPara="1" wrap="square" lIns="91425" tIns="91425" rIns="91425" bIns="91425" anchor="ctr" anchorCtr="0">
             <a:normAutofit/>
           </a:bodyPr>
           <a:lstStyle>
-            <a:lvl1pPr indent="-228600" lvl="0" marL="457200">
+            <a:lvl1pPr marL="457200" lvl="0" indent="-228600">
               <a:lnSpc>
                 <a:spcPct val="100000"/>
               </a:lnSpc>
@@ -6594,15 +6836,19 @@
               <a:defRPr/>
             </a:lvl1pPr>
           </a:lstStyle>
-          <a:p/>
+          <a:p>
+            <a:endParaRPr/>
+          </a:p>
         </p:txBody>
       </p:sp>
       <p:sp>
         <p:nvSpPr>
           <p:cNvPr id="43" name="Google Shape;43;p10"/>
-          <p:cNvSpPr txBox="1"/>
+          <p:cNvSpPr txBox="1">
+            <a:spLocks noGrp="1"/>
+          </p:cNvSpPr>
           <p:nvPr>
-            <p:ph idx="12" type="sldNum"/>
+            <p:ph type="sldNum" idx="12"/>
           </p:nvPr>
         </p:nvSpPr>
         <p:spPr>
@@ -6615,7 +6861,7 @@
           </a:prstGeom>
         </p:spPr>
         <p:txBody>
-          <a:bodyPr anchorCtr="0" anchor="ctr" bIns="91425" lIns="91425" spcFirstLastPara="1" rIns="91425" wrap="square" tIns="91425">
+          <a:bodyPr spcFirstLastPara="1" wrap="square" lIns="91425" tIns="91425" rIns="91425" bIns="91425" anchor="ctr" anchorCtr="0">
             <a:normAutofit/>
           </a:bodyPr>
           <a:lstStyle>
@@ -6657,7 +6903,7 @@
             </a:lvl9pPr>
           </a:lstStyle>
           <a:p>
-            <a:pPr indent="0" lvl="0" marL="0" rtl="0" algn="r">
+            <a:pPr marL="0" lvl="0" indent="0" algn="r" rtl="0">
               <a:spcBef>
                 <a:spcPts val="0"/>
               </a:spcBef>
@@ -6683,18 +6929,19 @@
 </file>
 
 <file path=ppt/slideMasters/slideMaster1.xml><?xml version="1.0" encoding="utf-8"?>
-<p:sldMaster xmlns:a="http://schemas.openxmlformats.org/drawingml/2006/main" xmlns:r="http://schemas.openxmlformats.org/officeDocument/2006/relationships" xmlns:mc="http://schemas.openxmlformats.org/markup-compatibility/2006" xmlns:mv="urn:schemas-microsoft-com:mac:vml" xmlns:p="http://schemas.openxmlformats.org/presentationml/2006/main" xmlns:c="http://schemas.openxmlformats.org/drawingml/2006/chart" xmlns:dgm="http://schemas.openxmlformats.org/drawingml/2006/diagram" xmlns:o="urn:schemas-microsoft-com:office:office" xmlns:v="urn:schemas-microsoft-com:vml" xmlns:pvml="urn:schemas-microsoft-com:office:powerpoint" xmlns:com="http://schemas.openxmlformats.org/drawingml/2006/compatibility" xmlns:p14="http://schemas.microsoft.com/office/powerpoint/2010/main" xmlns:p15="http://schemas.microsoft.com/office/powerpoint/2012/main" xmlns:ahyp="http://schemas.microsoft.com/office/drawing/2018/hyperlinkcolor">
+<p:sldMaster xmlns:a="http://schemas.openxmlformats.org/drawingml/2006/main" xmlns:r="http://schemas.openxmlformats.org/officeDocument/2006/relationships" xmlns:p="http://schemas.openxmlformats.org/presentationml/2006/main">
   <p:cSld name="simple-light-2">
     <p:bg>
       <p:bgPr>
         <a:solidFill>
           <a:schemeClr val="lt1"/>
         </a:solidFill>
+        <a:effectLst/>
       </p:bgPr>
     </p:bg>
     <p:spTree>
       <p:nvGrpSpPr>
-        <p:cNvPr id="5" name="Shape 5"/>
+        <p:cNvPr id="1" name="Shape 5"/>
         <p:cNvGrpSpPr/>
         <p:nvPr/>
       </p:nvGrpSpPr>
@@ -6709,7 +6956,9 @@
       <p:sp>
         <p:nvSpPr>
           <p:cNvPr id="6" name="Google Shape;6;p1"/>
-          <p:cNvSpPr txBox="1"/>
+          <p:cNvSpPr txBox="1">
+            <a:spLocks noGrp="1"/>
+          </p:cNvSpPr>
           <p:nvPr>
             <p:ph type="title"/>
           </p:nvPr>
@@ -6728,7 +6977,7 @@
           </a:ln>
         </p:spPr>
         <p:txBody>
-          <a:bodyPr anchorCtr="0" anchor="t" bIns="91425" lIns="91425" spcFirstLastPara="1" rIns="91425" wrap="square" tIns="91425">
+          <a:bodyPr spcFirstLastPara="1" wrap="square" lIns="91425" tIns="91425" rIns="91425" bIns="91425" anchor="t" anchorCtr="0">
             <a:normAutofit/>
           </a:bodyPr>
           <a:lstStyle>
@@ -6895,15 +7144,19 @@
               </a:defRPr>
             </a:lvl9pPr>
           </a:lstStyle>
-          <a:p/>
+          <a:p>
+            <a:endParaRPr/>
+          </a:p>
         </p:txBody>
       </p:sp>
       <p:sp>
         <p:nvSpPr>
           <p:cNvPr id="7" name="Google Shape;7;p1"/>
-          <p:cNvSpPr txBox="1"/>
+          <p:cNvSpPr txBox="1">
+            <a:spLocks noGrp="1"/>
+          </p:cNvSpPr>
           <p:nvPr>
-            <p:ph idx="1" type="body"/>
+            <p:ph type="body" idx="1"/>
           </p:nvPr>
         </p:nvSpPr>
         <p:spPr>
@@ -6920,11 +7173,11 @@
           </a:ln>
         </p:spPr>
         <p:txBody>
-          <a:bodyPr anchorCtr="0" anchor="t" bIns="91425" lIns="91425" spcFirstLastPara="1" rIns="91425" wrap="square" tIns="91425">
+          <a:bodyPr spcFirstLastPara="1" wrap="square" lIns="91425" tIns="91425" rIns="91425" bIns="91425" anchor="t" anchorCtr="0">
             <a:normAutofit/>
           </a:bodyPr>
           <a:lstStyle>
-            <a:lvl1pPr indent="-342900" lvl="0" marL="457200">
+            <a:lvl1pPr marL="457200" lvl="0" indent="-342900">
               <a:lnSpc>
                 <a:spcPct val="115000"/>
               </a:lnSpc>
@@ -6945,7 +7198,7 @@
                 </a:solidFill>
               </a:defRPr>
             </a:lvl1pPr>
-            <a:lvl2pPr indent="-317500" lvl="1" marL="914400">
+            <a:lvl2pPr marL="914400" lvl="1" indent="-317500">
               <a:lnSpc>
                 <a:spcPct val="115000"/>
               </a:lnSpc>
@@ -6966,7 +7219,7 @@
                 </a:solidFill>
               </a:defRPr>
             </a:lvl2pPr>
-            <a:lvl3pPr indent="-317500" lvl="2" marL="1371600">
+            <a:lvl3pPr marL="1371600" lvl="2" indent="-317500">
               <a:lnSpc>
                 <a:spcPct val="115000"/>
               </a:lnSpc>
@@ -6987,7 +7240,7 @@
                 </a:solidFill>
               </a:defRPr>
             </a:lvl3pPr>
-            <a:lvl4pPr indent="-317500" lvl="3" marL="1828800">
+            <a:lvl4pPr marL="1828800" lvl="3" indent="-317500">
               <a:lnSpc>
                 <a:spcPct val="115000"/>
               </a:lnSpc>
@@ -7008,7 +7261,7 @@
                 </a:solidFill>
               </a:defRPr>
             </a:lvl4pPr>
-            <a:lvl5pPr indent="-317500" lvl="4" marL="2286000">
+            <a:lvl5pPr marL="2286000" lvl="4" indent="-317500">
               <a:lnSpc>
                 <a:spcPct val="115000"/>
               </a:lnSpc>
@@ -7029,7 +7282,7 @@
                 </a:solidFill>
               </a:defRPr>
             </a:lvl5pPr>
-            <a:lvl6pPr indent="-317500" lvl="5" marL="2743200">
+            <a:lvl6pPr marL="2743200" lvl="5" indent="-317500">
               <a:lnSpc>
                 <a:spcPct val="115000"/>
               </a:lnSpc>
@@ -7050,7 +7303,7 @@
                 </a:solidFill>
               </a:defRPr>
             </a:lvl6pPr>
-            <a:lvl7pPr indent="-317500" lvl="6" marL="3200400">
+            <a:lvl7pPr marL="3200400" lvl="6" indent="-317500">
               <a:lnSpc>
                 <a:spcPct val="115000"/>
               </a:lnSpc>
@@ -7071,7 +7324,7 @@
                 </a:solidFill>
               </a:defRPr>
             </a:lvl7pPr>
-            <a:lvl8pPr indent="-317500" lvl="7" marL="3657600">
+            <a:lvl8pPr marL="3657600" lvl="7" indent="-317500">
               <a:lnSpc>
                 <a:spcPct val="115000"/>
               </a:lnSpc>
@@ -7092,7 +7345,7 @@
                 </a:solidFill>
               </a:defRPr>
             </a:lvl8pPr>
-            <a:lvl9pPr indent="-317500" lvl="8" marL="4114800">
+            <a:lvl9pPr marL="4114800" lvl="8" indent="-317500">
               <a:lnSpc>
                 <a:spcPct val="115000"/>
               </a:lnSpc>
@@ -7114,15 +7367,19 @@
               </a:defRPr>
             </a:lvl9pPr>
           </a:lstStyle>
-          <a:p/>
+          <a:p>
+            <a:endParaRPr/>
+          </a:p>
         </p:txBody>
       </p:sp>
       <p:sp>
         <p:nvSpPr>
           <p:cNvPr id="8" name="Google Shape;8;p1"/>
-          <p:cNvSpPr txBox="1"/>
+          <p:cNvSpPr txBox="1">
+            <a:spLocks noGrp="1"/>
+          </p:cNvSpPr>
           <p:nvPr>
-            <p:ph idx="12" type="sldNum"/>
+            <p:ph type="sldNum" idx="12"/>
           </p:nvPr>
         </p:nvSpPr>
         <p:spPr>
@@ -7139,7 +7396,7 @@
           </a:ln>
         </p:spPr>
         <p:txBody>
-          <a:bodyPr anchorCtr="0" anchor="ctr" bIns="91425" lIns="91425" spcFirstLastPara="1" rIns="91425" wrap="square" tIns="91425">
+          <a:bodyPr spcFirstLastPara="1" wrap="square" lIns="91425" tIns="91425" rIns="91425" bIns="91425" anchor="ctr" anchorCtr="0">
             <a:normAutofit/>
           </a:bodyPr>
           <a:lstStyle>
@@ -7217,7 +7474,7 @@
             </a:lvl9pPr>
           </a:lstStyle>
           <a:p>
-            <a:pPr indent="0" lvl="0" marL="0" rtl="0" algn="r">
+            <a:pPr marL="0" lvl="0" indent="0" algn="r" rtl="0">
               <a:spcBef>
                 <a:spcPts val="0"/>
               </a:spcBef>
@@ -7236,7 +7493,7 @@
       </p:sp>
     </p:spTree>
   </p:cSld>
-  <p:clrMap accent1="accent1" accent2="accent2" accent3="accent3" accent4="accent4" accent5="accent5" accent6="accent6" bg1="lt1" bg2="dk2" tx1="dk1" tx2="lt2" folHlink="folHlink" hlink="hlink"/>
+  <p:clrMap bg1="lt1" tx1="dk1" bg2="dk2" tx2="lt2" accent1="accent1" accent2="accent2" accent3="accent3" accent4="accent4" accent5="accent5" accent6="accent6" hlink="hlink" folHlink="folHlink"/>
   <p:sldLayoutIdLst>
     <p:sldLayoutId id="2147483648" r:id="rId1"/>
     <p:sldLayoutId id="2147483649" r:id="rId2"/>
@@ -7250,10 +7507,10 @@
     <p:sldLayoutId id="2147483657" r:id="rId10"/>
     <p:sldLayoutId id="2147483658" r:id="rId11"/>
   </p:sldLayoutIdLst>
-  <p:hf dt="0" ftr="0" hdr="0" sldNum="0"/>
+  <p:hf sldNum="0" hdr="0" ftr="0" dt="0"/>
   <p:txStyles>
     <p:titleStyle>
-      <a:defPPr lvl="0" marR="0" rtl="0" algn="l">
+      <a:defPPr marR="0" lvl="0" algn="l" rtl="0">
         <a:lnSpc>
           <a:spcPct val="100000"/>
         </a:lnSpc>
@@ -7264,7 +7521,7 @@
           <a:spcPts val="0"/>
         </a:spcAft>
       </a:defPPr>
-      <a:lvl1pPr lvl="0" marR="0" rtl="0" algn="l">
+      <a:lvl1pPr marR="0" lvl="0" algn="l" rtl="0">
         <a:lnSpc>
           <a:spcPct val="100000"/>
         </a:lnSpc>
@@ -7278,7 +7535,7 @@
           <a:srgbClr val="000000"/>
         </a:buClr>
         <a:buFont typeface="Arial"/>
-        <a:defRPr b="0" i="0" sz="1400" u="none" cap="none" strike="noStrike">
+        <a:defRPr sz="1400" b="0" i="0" u="none" strike="noStrike" cap="none">
           <a:solidFill>
             <a:srgbClr val="000000"/>
           </a:solidFill>
@@ -7288,7 +7545,7 @@
           <a:sym typeface="Arial"/>
         </a:defRPr>
       </a:lvl1pPr>
-      <a:lvl2pPr lvl="1" marR="0" rtl="0" algn="l">
+      <a:lvl2pPr marR="0" lvl="1" algn="l" rtl="0">
         <a:lnSpc>
           <a:spcPct val="100000"/>
         </a:lnSpc>
@@ -7302,7 +7559,7 @@
           <a:srgbClr val="000000"/>
         </a:buClr>
         <a:buFont typeface="Arial"/>
-        <a:defRPr b="0" i="0" sz="1400" u="none" cap="none" strike="noStrike">
+        <a:defRPr sz="1400" b="0" i="0" u="none" strike="noStrike" cap="none">
           <a:solidFill>
             <a:srgbClr val="000000"/>
           </a:solidFill>
@@ -7312,7 +7569,7 @@
           <a:sym typeface="Arial"/>
         </a:defRPr>
       </a:lvl2pPr>
-      <a:lvl3pPr lvl="2" marR="0" rtl="0" algn="l">
+      <a:lvl3pPr marR="0" lvl="2" algn="l" rtl="0">
         <a:lnSpc>
           <a:spcPct val="100000"/>
         </a:lnSpc>
@@ -7326,7 +7583,7 @@
           <a:srgbClr val="000000"/>
         </a:buClr>
         <a:buFont typeface="Arial"/>
-        <a:defRPr b="0" i="0" sz="1400" u="none" cap="none" strike="noStrike">
+        <a:defRPr sz="1400" b="0" i="0" u="none" strike="noStrike" cap="none">
           <a:solidFill>
             <a:srgbClr val="000000"/>
           </a:solidFill>
@@ -7336,7 +7593,7 @@
           <a:sym typeface="Arial"/>
         </a:defRPr>
       </a:lvl3pPr>
-      <a:lvl4pPr lvl="3" marR="0" rtl="0" algn="l">
+      <a:lvl4pPr marR="0" lvl="3" algn="l" rtl="0">
         <a:lnSpc>
           <a:spcPct val="100000"/>
         </a:lnSpc>
@@ -7350,7 +7607,7 @@
           <a:srgbClr val="000000"/>
         </a:buClr>
         <a:buFont typeface="Arial"/>
-        <a:defRPr b="0" i="0" sz="1400" u="none" cap="none" strike="noStrike">
+        <a:defRPr sz="1400" b="0" i="0" u="none" strike="noStrike" cap="none">
           <a:solidFill>
             <a:srgbClr val="000000"/>
           </a:solidFill>
@@ -7360,7 +7617,7 @@
           <a:sym typeface="Arial"/>
         </a:defRPr>
       </a:lvl4pPr>
-      <a:lvl5pPr lvl="4" marR="0" rtl="0" algn="l">
+      <a:lvl5pPr marR="0" lvl="4" algn="l" rtl="0">
         <a:lnSpc>
           <a:spcPct val="100000"/>
         </a:lnSpc>
@@ -7374,7 +7631,7 @@
           <a:srgbClr val="000000"/>
         </a:buClr>
         <a:buFont typeface="Arial"/>
-        <a:defRPr b="0" i="0" sz="1400" u="none" cap="none" strike="noStrike">
+        <a:defRPr sz="1400" b="0" i="0" u="none" strike="noStrike" cap="none">
           <a:solidFill>
             <a:srgbClr val="000000"/>
           </a:solidFill>
@@ -7384,7 +7641,7 @@
           <a:sym typeface="Arial"/>
         </a:defRPr>
       </a:lvl5pPr>
-      <a:lvl6pPr lvl="5" marR="0" rtl="0" algn="l">
+      <a:lvl6pPr marR="0" lvl="5" algn="l" rtl="0">
         <a:lnSpc>
           <a:spcPct val="100000"/>
         </a:lnSpc>
@@ -7398,7 +7655,7 @@
           <a:srgbClr val="000000"/>
         </a:buClr>
         <a:buFont typeface="Arial"/>
-        <a:defRPr b="0" i="0" sz="1400" u="none" cap="none" strike="noStrike">
+        <a:defRPr sz="1400" b="0" i="0" u="none" strike="noStrike" cap="none">
           <a:solidFill>
             <a:srgbClr val="000000"/>
           </a:solidFill>
@@ -7408,7 +7665,7 @@
           <a:sym typeface="Arial"/>
         </a:defRPr>
       </a:lvl6pPr>
-      <a:lvl7pPr lvl="6" marR="0" rtl="0" algn="l">
+      <a:lvl7pPr marR="0" lvl="6" algn="l" rtl="0">
         <a:lnSpc>
           <a:spcPct val="100000"/>
         </a:lnSpc>
@@ -7422,7 +7679,7 @@
           <a:srgbClr val="000000"/>
         </a:buClr>
         <a:buFont typeface="Arial"/>
-        <a:defRPr b="0" i="0" sz="1400" u="none" cap="none" strike="noStrike">
+        <a:defRPr sz="1400" b="0" i="0" u="none" strike="noStrike" cap="none">
           <a:solidFill>
             <a:srgbClr val="000000"/>
           </a:solidFill>
@@ -7432,7 +7689,7 @@
           <a:sym typeface="Arial"/>
         </a:defRPr>
       </a:lvl7pPr>
-      <a:lvl8pPr lvl="7" marR="0" rtl="0" algn="l">
+      <a:lvl8pPr marR="0" lvl="7" algn="l" rtl="0">
         <a:lnSpc>
           <a:spcPct val="100000"/>
         </a:lnSpc>
@@ -7446,7 +7703,7 @@
           <a:srgbClr val="000000"/>
         </a:buClr>
         <a:buFont typeface="Arial"/>
-        <a:defRPr b="0" i="0" sz="1400" u="none" cap="none" strike="noStrike">
+        <a:defRPr sz="1400" b="0" i="0" u="none" strike="noStrike" cap="none">
           <a:solidFill>
             <a:srgbClr val="000000"/>
           </a:solidFill>
@@ -7456,7 +7713,7 @@
           <a:sym typeface="Arial"/>
         </a:defRPr>
       </a:lvl8pPr>
-      <a:lvl9pPr lvl="8" marR="0" rtl="0" algn="l">
+      <a:lvl9pPr marR="0" lvl="8" algn="l" rtl="0">
         <a:lnSpc>
           <a:spcPct val="100000"/>
         </a:lnSpc>
@@ -7470,7 +7727,7 @@
           <a:srgbClr val="000000"/>
         </a:buClr>
         <a:buFont typeface="Arial"/>
-        <a:defRPr b="0" i="0" sz="1400" u="none" cap="none" strike="noStrike">
+        <a:defRPr sz="1400" b="0" i="0" u="none" strike="noStrike" cap="none">
           <a:solidFill>
             <a:srgbClr val="000000"/>
           </a:solidFill>
@@ -7482,7 +7739,7 @@
       </a:lvl9pPr>
     </p:titleStyle>
     <p:bodyStyle>
-      <a:defPPr lvl="0" marR="0" rtl="0" algn="l">
+      <a:defPPr marR="0" lvl="0" algn="l" rtl="0">
         <a:lnSpc>
           <a:spcPct val="100000"/>
         </a:lnSpc>
@@ -7493,7 +7750,7 @@
           <a:spcPts val="0"/>
         </a:spcAft>
       </a:defPPr>
-      <a:lvl1pPr lvl="0" marR="0" rtl="0" algn="l">
+      <a:lvl1pPr marR="0" lvl="0" algn="l" rtl="0">
         <a:lnSpc>
           <a:spcPct val="100000"/>
         </a:lnSpc>
@@ -7507,7 +7764,7 @@
           <a:srgbClr val="000000"/>
         </a:buClr>
         <a:buFont typeface="Arial"/>
-        <a:defRPr b="0" i="0" sz="1400" u="none" cap="none" strike="noStrike">
+        <a:defRPr sz="1400" b="0" i="0" u="none" strike="noStrike" cap="none">
           <a:solidFill>
             <a:srgbClr val="000000"/>
           </a:solidFill>
@@ -7517,7 +7774,7 @@
           <a:sym typeface="Arial"/>
         </a:defRPr>
       </a:lvl1pPr>
-      <a:lvl2pPr lvl="1" marR="0" rtl="0" algn="l">
+      <a:lvl2pPr marR="0" lvl="1" algn="l" rtl="0">
         <a:lnSpc>
           <a:spcPct val="100000"/>
         </a:lnSpc>
@@ -7531,7 +7788,7 @@
           <a:srgbClr val="000000"/>
         </a:buClr>
         <a:buFont typeface="Arial"/>
-        <a:defRPr b="0" i="0" sz="1400" u="none" cap="none" strike="noStrike">
+        <a:defRPr sz="1400" b="0" i="0" u="none" strike="noStrike" cap="none">
           <a:solidFill>
             <a:srgbClr val="000000"/>
           </a:solidFill>
@@ -7541,7 +7798,7 @@
           <a:sym typeface="Arial"/>
         </a:defRPr>
       </a:lvl2pPr>
-      <a:lvl3pPr lvl="2" marR="0" rtl="0" algn="l">
+      <a:lvl3pPr marR="0" lvl="2" algn="l" rtl="0">
         <a:lnSpc>
           <a:spcPct val="100000"/>
         </a:lnSpc>
@@ -7555,7 +7812,7 @@
           <a:srgbClr val="000000"/>
         </a:buClr>
         <a:buFont typeface="Arial"/>
-        <a:defRPr b="0" i="0" sz="1400" u="none" cap="none" strike="noStrike">
+        <a:defRPr sz="1400" b="0" i="0" u="none" strike="noStrike" cap="none">
           <a:solidFill>
             <a:srgbClr val="000000"/>
           </a:solidFill>
@@ -7565,7 +7822,7 @@
           <a:sym typeface="Arial"/>
         </a:defRPr>
       </a:lvl3pPr>
-      <a:lvl4pPr lvl="3" marR="0" rtl="0" algn="l">
+      <a:lvl4pPr marR="0" lvl="3" algn="l" rtl="0">
         <a:lnSpc>
           <a:spcPct val="100000"/>
         </a:lnSpc>
@@ -7579,7 +7836,7 @@
           <a:srgbClr val="000000"/>
         </a:buClr>
         <a:buFont typeface="Arial"/>
-        <a:defRPr b="0" i="0" sz="1400" u="none" cap="none" strike="noStrike">
+        <a:defRPr sz="1400" b="0" i="0" u="none" strike="noStrike" cap="none">
           <a:solidFill>
             <a:srgbClr val="000000"/>
           </a:solidFill>
@@ -7589,7 +7846,7 @@
           <a:sym typeface="Arial"/>
         </a:defRPr>
       </a:lvl4pPr>
-      <a:lvl5pPr lvl="4" marR="0" rtl="0" algn="l">
+      <a:lvl5pPr marR="0" lvl="4" algn="l" rtl="0">
         <a:lnSpc>
           <a:spcPct val="100000"/>
         </a:lnSpc>
@@ -7603,7 +7860,7 @@
           <a:srgbClr val="000000"/>
         </a:buClr>
         <a:buFont typeface="Arial"/>
-        <a:defRPr b="0" i="0" sz="1400" u="none" cap="none" strike="noStrike">
+        <a:defRPr sz="1400" b="0" i="0" u="none" strike="noStrike" cap="none">
           <a:solidFill>
             <a:srgbClr val="000000"/>
           </a:solidFill>
@@ -7613,7 +7870,7 @@
           <a:sym typeface="Arial"/>
         </a:defRPr>
       </a:lvl5pPr>
-      <a:lvl6pPr lvl="5" marR="0" rtl="0" algn="l">
+      <a:lvl6pPr marR="0" lvl="5" algn="l" rtl="0">
         <a:lnSpc>
           <a:spcPct val="100000"/>
         </a:lnSpc>
@@ -7627,7 +7884,7 @@
           <a:srgbClr val="000000"/>
         </a:buClr>
         <a:buFont typeface="Arial"/>
-        <a:defRPr b="0" i="0" sz="1400" u="none" cap="none" strike="noStrike">
+        <a:defRPr sz="1400" b="0" i="0" u="none" strike="noStrike" cap="none">
           <a:solidFill>
             <a:srgbClr val="000000"/>
           </a:solidFill>
@@ -7637,7 +7894,7 @@
           <a:sym typeface="Arial"/>
         </a:defRPr>
       </a:lvl6pPr>
-      <a:lvl7pPr lvl="6" marR="0" rtl="0" algn="l">
+      <a:lvl7pPr marR="0" lvl="6" algn="l" rtl="0">
         <a:lnSpc>
           <a:spcPct val="100000"/>
         </a:lnSpc>
@@ -7651,7 +7908,7 @@
           <a:srgbClr val="000000"/>
         </a:buClr>
         <a:buFont typeface="Arial"/>
-        <a:defRPr b="0" i="0" sz="1400" u="none" cap="none" strike="noStrike">
+        <a:defRPr sz="1400" b="0" i="0" u="none" strike="noStrike" cap="none">
           <a:solidFill>
             <a:srgbClr val="000000"/>
           </a:solidFill>
@@ -7661,7 +7918,7 @@
           <a:sym typeface="Arial"/>
         </a:defRPr>
       </a:lvl7pPr>
-      <a:lvl8pPr lvl="7" marR="0" rtl="0" algn="l">
+      <a:lvl8pPr marR="0" lvl="7" algn="l" rtl="0">
         <a:lnSpc>
           <a:spcPct val="100000"/>
         </a:lnSpc>
@@ -7675,7 +7932,7 @@
           <a:srgbClr val="000000"/>
         </a:buClr>
         <a:buFont typeface="Arial"/>
-        <a:defRPr b="0" i="0" sz="1400" u="none" cap="none" strike="noStrike">
+        <a:defRPr sz="1400" b="0" i="0" u="none" strike="noStrike" cap="none">
           <a:solidFill>
             <a:srgbClr val="000000"/>
           </a:solidFill>
@@ -7685,7 +7942,7 @@
           <a:sym typeface="Arial"/>
         </a:defRPr>
       </a:lvl8pPr>
-      <a:lvl9pPr lvl="8" marR="0" rtl="0" algn="l">
+      <a:lvl9pPr marR="0" lvl="8" algn="l" rtl="0">
         <a:lnSpc>
           <a:spcPct val="100000"/>
         </a:lnSpc>
@@ -7699,7 +7956,7 @@
           <a:srgbClr val="000000"/>
         </a:buClr>
         <a:buFont typeface="Arial"/>
-        <a:defRPr b="0" i="0" sz="1400" u="none" cap="none" strike="noStrike">
+        <a:defRPr sz="1400" b="0" i="0" u="none" strike="noStrike" cap="none">
           <a:solidFill>
             <a:srgbClr val="000000"/>
           </a:solidFill>
@@ -7711,7 +7968,7 @@
       </a:lvl9pPr>
     </p:bodyStyle>
     <p:otherStyle>
-      <a:defPPr lvl="0" marR="0" rtl="0" algn="l">
+      <a:defPPr marR="0" lvl="0" algn="l" rtl="0">
         <a:lnSpc>
           <a:spcPct val="100000"/>
         </a:lnSpc>
@@ -7722,7 +7979,7 @@
           <a:spcPts val="0"/>
         </a:spcAft>
       </a:defPPr>
-      <a:lvl1pPr lvl="0" marR="0" rtl="0" algn="l">
+      <a:lvl1pPr marR="0" lvl="0" algn="l" rtl="0">
         <a:lnSpc>
           <a:spcPct val="100000"/>
         </a:lnSpc>
@@ -7736,7 +7993,7 @@
           <a:srgbClr val="000000"/>
         </a:buClr>
         <a:buFont typeface="Arial"/>
-        <a:defRPr b="0" i="0" sz="1400" u="none" cap="none" strike="noStrike">
+        <a:defRPr sz="1400" b="0" i="0" u="none" strike="noStrike" cap="none">
           <a:solidFill>
             <a:srgbClr val="000000"/>
           </a:solidFill>
@@ -7746,7 +8003,7 @@
           <a:sym typeface="Arial"/>
         </a:defRPr>
       </a:lvl1pPr>
-      <a:lvl2pPr lvl="1" marR="0" rtl="0" algn="l">
+      <a:lvl2pPr marR="0" lvl="1" algn="l" rtl="0">
         <a:lnSpc>
           <a:spcPct val="100000"/>
         </a:lnSpc>
@@ -7760,7 +8017,7 @@
           <a:srgbClr val="000000"/>
         </a:buClr>
         <a:buFont typeface="Arial"/>
-        <a:defRPr b="0" i="0" sz="1400" u="none" cap="none" strike="noStrike">
+        <a:defRPr sz="1400" b="0" i="0" u="none" strike="noStrike" cap="none">
           <a:solidFill>
             <a:srgbClr val="000000"/>
           </a:solidFill>
@@ -7770,7 +8027,7 @@
           <a:sym typeface="Arial"/>
         </a:defRPr>
       </a:lvl2pPr>
-      <a:lvl3pPr lvl="2" marR="0" rtl="0" algn="l">
+      <a:lvl3pPr marR="0" lvl="2" algn="l" rtl="0">
         <a:lnSpc>
           <a:spcPct val="100000"/>
         </a:lnSpc>
@@ -7784,7 +8041,7 @@
           <a:srgbClr val="000000"/>
         </a:buClr>
         <a:buFont typeface="Arial"/>
-        <a:defRPr b="0" i="0" sz="1400" u="none" cap="none" strike="noStrike">
+        <a:defRPr sz="1400" b="0" i="0" u="none" strike="noStrike" cap="none">
           <a:solidFill>
             <a:srgbClr val="000000"/>
           </a:solidFill>
@@ -7794,7 +8051,7 @@
           <a:sym typeface="Arial"/>
         </a:defRPr>
       </a:lvl3pPr>
-      <a:lvl4pPr lvl="3" marR="0" rtl="0" algn="l">
+      <a:lvl4pPr marR="0" lvl="3" algn="l" rtl="0">
         <a:lnSpc>
           <a:spcPct val="100000"/>
         </a:lnSpc>
@@ -7808,7 +8065,7 @@
           <a:srgbClr val="000000"/>
         </a:buClr>
         <a:buFont typeface="Arial"/>
-        <a:defRPr b="0" i="0" sz="1400" u="none" cap="none" strike="noStrike">
+        <a:defRPr sz="1400" b="0" i="0" u="none" strike="noStrike" cap="none">
           <a:solidFill>
             <a:srgbClr val="000000"/>
           </a:solidFill>
@@ -7818,7 +8075,7 @@
           <a:sym typeface="Arial"/>
         </a:defRPr>
       </a:lvl4pPr>
-      <a:lvl5pPr lvl="4" marR="0" rtl="0" algn="l">
+      <a:lvl5pPr marR="0" lvl="4" algn="l" rtl="0">
         <a:lnSpc>
           <a:spcPct val="100000"/>
         </a:lnSpc>
@@ -7832,7 +8089,7 @@
           <a:srgbClr val="000000"/>
         </a:buClr>
         <a:buFont typeface="Arial"/>
-        <a:defRPr b="0" i="0" sz="1400" u="none" cap="none" strike="noStrike">
+        <a:defRPr sz="1400" b="0" i="0" u="none" strike="noStrike" cap="none">
           <a:solidFill>
             <a:srgbClr val="000000"/>
           </a:solidFill>
@@ -7842,7 +8099,7 @@
           <a:sym typeface="Arial"/>
         </a:defRPr>
       </a:lvl5pPr>
-      <a:lvl6pPr lvl="5" marR="0" rtl="0" algn="l">
+      <a:lvl6pPr marR="0" lvl="5" algn="l" rtl="0">
         <a:lnSpc>
           <a:spcPct val="100000"/>
         </a:lnSpc>
@@ -7856,7 +8113,7 @@
           <a:srgbClr val="000000"/>
         </a:buClr>
         <a:buFont typeface="Arial"/>
-        <a:defRPr b="0" i="0" sz="1400" u="none" cap="none" strike="noStrike">
+        <a:defRPr sz="1400" b="0" i="0" u="none" strike="noStrike" cap="none">
           <a:solidFill>
             <a:srgbClr val="000000"/>
           </a:solidFill>
@@ -7866,7 +8123,7 @@
           <a:sym typeface="Arial"/>
         </a:defRPr>
       </a:lvl6pPr>
-      <a:lvl7pPr lvl="6" marR="0" rtl="0" algn="l">
+      <a:lvl7pPr marR="0" lvl="6" algn="l" rtl="0">
         <a:lnSpc>
           <a:spcPct val="100000"/>
         </a:lnSpc>
@@ -7880,7 +8137,7 @@
           <a:srgbClr val="000000"/>
         </a:buClr>
         <a:buFont typeface="Arial"/>
-        <a:defRPr b="0" i="0" sz="1400" u="none" cap="none" strike="noStrike">
+        <a:defRPr sz="1400" b="0" i="0" u="none" strike="noStrike" cap="none">
           <a:solidFill>
             <a:srgbClr val="000000"/>
           </a:solidFill>
@@ -7890,7 +8147,7 @@
           <a:sym typeface="Arial"/>
         </a:defRPr>
       </a:lvl7pPr>
-      <a:lvl8pPr lvl="7" marR="0" rtl="0" algn="l">
+      <a:lvl8pPr marR="0" lvl="7" algn="l" rtl="0">
         <a:lnSpc>
           <a:spcPct val="100000"/>
         </a:lnSpc>
@@ -7904,7 +8161,7 @@
           <a:srgbClr val="000000"/>
         </a:buClr>
         <a:buFont typeface="Arial"/>
-        <a:defRPr b="0" i="0" sz="1400" u="none" cap="none" strike="noStrike">
+        <a:defRPr sz="1400" b="0" i="0" u="none" strike="noStrike" cap="none">
           <a:solidFill>
             <a:srgbClr val="000000"/>
           </a:solidFill>
@@ -7914,7 +8171,7 @@
           <a:sym typeface="Arial"/>
         </a:defRPr>
       </a:lvl8pPr>
-      <a:lvl9pPr lvl="8" marR="0" rtl="0" algn="l">
+      <a:lvl9pPr marR="0" lvl="8" algn="l" rtl="0">
         <a:lnSpc>
           <a:spcPct val="100000"/>
         </a:lnSpc>
@@ -7928,7 +8185,7 @@
           <a:srgbClr val="000000"/>
         </a:buClr>
         <a:buFont typeface="Arial"/>
-        <a:defRPr b="0" i="0" sz="1400" u="none" cap="none" strike="noStrike">
+        <a:defRPr sz="1400" b="0" i="0" u="none" strike="noStrike" cap="none">
           <a:solidFill>
             <a:srgbClr val="000000"/>
           </a:solidFill>
@@ -7944,11 +8201,11 @@
 </file>
 
 <file path=ppt/slides/slide1.xml><?xml version="1.0" encoding="utf-8"?>
-<p:sld xmlns:a="http://schemas.openxmlformats.org/drawingml/2006/main" xmlns:r="http://schemas.openxmlformats.org/officeDocument/2006/relationships" xmlns:mc="http://schemas.openxmlformats.org/markup-compatibility/2006" xmlns:mv="urn:schemas-microsoft-com:mac:vml" xmlns:p="http://schemas.openxmlformats.org/presentationml/2006/main" xmlns:c="http://schemas.openxmlformats.org/drawingml/2006/chart" xmlns:dgm="http://schemas.openxmlformats.org/drawingml/2006/diagram" xmlns:o="urn:schemas-microsoft-com:office:office" xmlns:v="urn:schemas-microsoft-com:vml" xmlns:pvml="urn:schemas-microsoft-com:office:powerpoint" xmlns:com="http://schemas.openxmlformats.org/drawingml/2006/compatibility" xmlns:p14="http://schemas.microsoft.com/office/powerpoint/2010/main" xmlns:p15="http://schemas.microsoft.com/office/powerpoint/2012/main" xmlns:ahyp="http://schemas.microsoft.com/office/drawing/2018/hyperlinkcolor">
+<p:sld xmlns:a="http://schemas.openxmlformats.org/drawingml/2006/main" xmlns:r="http://schemas.openxmlformats.org/officeDocument/2006/relationships" xmlns:p="http://schemas.openxmlformats.org/presentationml/2006/main">
   <p:cSld>
     <p:spTree>
       <p:nvGrpSpPr>
-        <p:cNvPr id="53" name="Shape 53"/>
+        <p:cNvPr id="1" name="Shape 53"/>
         <p:cNvGrpSpPr/>
         <p:nvPr/>
       </p:nvGrpSpPr>
@@ -7963,7 +8220,9 @@
       <p:sp>
         <p:nvSpPr>
           <p:cNvPr id="54" name="Google Shape;54;p13"/>
-          <p:cNvSpPr txBox="1"/>
+          <p:cNvSpPr txBox="1">
+            <a:spLocks noGrp="1"/>
+          </p:cNvSpPr>
           <p:nvPr>
             <p:ph type="ctrTitle"/>
           </p:nvPr>
@@ -7978,12 +8237,12 @@
           </a:prstGeom>
         </p:spPr>
         <p:txBody>
-          <a:bodyPr anchorCtr="0" anchor="b" bIns="91425" lIns="91425" spcFirstLastPara="1" rIns="91425" wrap="square" tIns="91425">
+          <a:bodyPr spcFirstLastPara="1" wrap="square" lIns="91425" tIns="91425" rIns="91425" bIns="91425" anchor="b" anchorCtr="0">
             <a:normAutofit/>
           </a:bodyPr>
           <a:lstStyle/>
           <a:p>
-            <a:pPr indent="0" lvl="0" marL="0" rtl="0" algn="ctr">
+            <a:pPr marL="0" lvl="0" indent="0" algn="ctr" rtl="0">
               <a:spcBef>
                 <a:spcPts val="0"/>
               </a:spcBef>
@@ -7999,7 +8258,7 @@
             <a:endParaRPr/>
           </a:p>
           <a:p>
-            <a:pPr indent="0" lvl="0" marL="0" rtl="0" algn="ctr">
+            <a:pPr marL="0" lvl="0" indent="0" algn="ctr" rtl="0">
               <a:spcBef>
                 <a:spcPts val="0"/>
               </a:spcBef>
@@ -8019,9 +8278,11 @@
       <p:sp>
         <p:nvSpPr>
           <p:cNvPr id="55" name="Google Shape;55;p13"/>
-          <p:cNvSpPr txBox="1"/>
+          <p:cNvSpPr txBox="1">
+            <a:spLocks noGrp="1"/>
+          </p:cNvSpPr>
           <p:nvPr>
-            <p:ph idx="1" type="subTitle"/>
+            <p:ph type="subTitle" idx="1"/>
           </p:nvPr>
         </p:nvSpPr>
         <p:spPr>
@@ -8034,12 +8295,12 @@
           </a:prstGeom>
         </p:spPr>
         <p:txBody>
-          <a:bodyPr anchorCtr="0" anchor="t" bIns="91425" lIns="91425" spcFirstLastPara="1" rIns="91425" wrap="square" tIns="91425">
+          <a:bodyPr spcFirstLastPara="1" wrap="square" lIns="91425" tIns="91425" rIns="91425" bIns="91425" anchor="t" anchorCtr="0">
             <a:noAutofit/>
           </a:bodyPr>
           <a:lstStyle/>
           <a:p>
-            <a:pPr indent="0" lvl="0" marL="0" rtl="0" algn="ctr">
+            <a:pPr marL="0" lvl="0" indent="0" algn="ctr" rtl="0">
               <a:lnSpc>
                 <a:spcPct val="80000"/>
               </a:lnSpc>
@@ -8080,12 +8341,12 @@
           </a:ln>
         </p:spPr>
         <p:txBody>
-          <a:bodyPr anchorCtr="0" anchor="t" bIns="91425" lIns="91425" spcFirstLastPara="1" rIns="91425" wrap="square" tIns="91425">
+          <a:bodyPr spcFirstLastPara="1" wrap="square" lIns="91425" tIns="91425" rIns="91425" bIns="91425" anchor="t" anchorCtr="0">
             <a:spAutoFit/>
           </a:bodyPr>
           <a:lstStyle/>
           <a:p>
-            <a:pPr indent="0" lvl="0" marL="0" rtl="0" algn="ctr">
+            <a:pPr marL="0" lvl="0" indent="0" algn="ctr" rtl="0">
               <a:lnSpc>
                 <a:spcPct val="80000"/>
               </a:lnSpc>
@@ -8134,32 +8395,32 @@
   <p:timing>
     <p:tnLst>
       <p:par>
-        <p:cTn dur="indefinite" nodeType="tmRoot" restart="never">
+        <p:cTn id="1" dur="indefinite" restart="never" nodeType="tmRoot">
           <p:childTnLst>
             <p:seq concurrent="1" nextAc="seek">
-              <p:cTn dur="indefinite" id="2" nodeType="mainSeq">
+              <p:cTn id="2" dur="indefinite" nodeType="mainSeq">
                 <p:childTnLst>
                   <p:par>
-                    <p:cTn fill="hold">
+                    <p:cTn id="3" fill="hold">
                       <p:stCondLst>
                         <p:cond delay="indefinite"/>
                       </p:stCondLst>
                       <p:childTnLst>
                         <p:par>
-                          <p:cTn fill="hold">
+                          <p:cTn id="4" fill="hold">
                             <p:stCondLst>
                               <p:cond delay="0"/>
                             </p:stCondLst>
                             <p:childTnLst>
                               <p:par>
-                                <p:cTn fill="hold" nodeType="clickEffect" presetClass="entr" presetID="1" presetSubtype="0">
+                                <p:cTn id="5" presetID="1" presetClass="entr" presetSubtype="0" fill="hold" nodeType="clickEffect">
                                   <p:stCondLst>
                                     <p:cond delay="0"/>
                                   </p:stCondLst>
                                   <p:childTnLst>
                                     <p:set>
                                       <p:cBhvr>
-                                        <p:cTn dur="1" fill="hold">
+                                        <p:cTn id="6" dur="1" fill="hold">
                                           <p:stCondLst>
                                             <p:cond delay="0"/>
                                           </p:stCondLst>
@@ -8187,14 +8448,14 @@
                 </p:childTnLst>
               </p:cTn>
               <p:prevCondLst>
-                <p:cond evt="onPrev">
+                <p:cond evt="onPrev" delay="0">
                   <p:tgtEl>
                     <p:sldTgt/>
                   </p:tgtEl>
                 </p:cond>
               </p:prevCondLst>
               <p:nextCondLst>
-                <p:cond evt="onNext">
+                <p:cond evt="onNext" delay="0">
                   <p:tgtEl>
                     <p:sldTgt/>
                   </p:tgtEl>
@@ -8210,11 +8471,11 @@
 </file>
 
 <file path=ppt/slides/slide10.xml><?xml version="1.0" encoding="utf-8"?>
-<p:sld xmlns:a="http://schemas.openxmlformats.org/drawingml/2006/main" xmlns:r="http://schemas.openxmlformats.org/officeDocument/2006/relationships" xmlns:mc="http://schemas.openxmlformats.org/markup-compatibility/2006" xmlns:mv="urn:schemas-microsoft-com:mac:vml" xmlns:p="http://schemas.openxmlformats.org/presentationml/2006/main" xmlns:c="http://schemas.openxmlformats.org/drawingml/2006/chart" xmlns:dgm="http://schemas.openxmlformats.org/drawingml/2006/diagram" xmlns:o="urn:schemas-microsoft-com:office:office" xmlns:v="urn:schemas-microsoft-com:vml" xmlns:pvml="urn:schemas-microsoft-com:office:powerpoint" xmlns:com="http://schemas.openxmlformats.org/drawingml/2006/compatibility" xmlns:p14="http://schemas.microsoft.com/office/powerpoint/2010/main" xmlns:p15="http://schemas.microsoft.com/office/powerpoint/2012/main" xmlns:ahyp="http://schemas.microsoft.com/office/drawing/2018/hyperlinkcolor">
+<p:sld xmlns:a="http://schemas.openxmlformats.org/drawingml/2006/main" xmlns:r="http://schemas.openxmlformats.org/officeDocument/2006/relationships" xmlns:p="http://schemas.openxmlformats.org/presentationml/2006/main">
   <p:cSld>
     <p:spTree>
       <p:nvGrpSpPr>
-        <p:cNvPr id="113" name="Shape 113"/>
+        <p:cNvPr id="1" name="Shape 113"/>
         <p:cNvGrpSpPr/>
         <p:nvPr/>
       </p:nvGrpSpPr>
@@ -8229,7 +8490,9 @@
       <p:sp>
         <p:nvSpPr>
           <p:cNvPr id="114" name="Google Shape;114;p22"/>
-          <p:cNvSpPr txBox="1"/>
+          <p:cNvSpPr txBox="1">
+            <a:spLocks noGrp="1"/>
+          </p:cNvSpPr>
           <p:nvPr>
             <p:ph type="title"/>
           </p:nvPr>
@@ -8244,12 +8507,12 @@
           </a:prstGeom>
         </p:spPr>
         <p:txBody>
-          <a:bodyPr anchorCtr="0" anchor="t" bIns="91425" lIns="91425" spcFirstLastPara="1" rIns="91425" wrap="square" tIns="91425">
+          <a:bodyPr spcFirstLastPara="1" wrap="square" lIns="91425" tIns="91425" rIns="91425" bIns="91425" anchor="t" anchorCtr="0">
             <a:normAutofit fontScale="90000"/>
           </a:bodyPr>
           <a:lstStyle/>
           <a:p>
-            <a:pPr indent="0" lvl="0" marL="0" rtl="0" algn="l">
+            <a:pPr marL="0" lvl="0" indent="0" algn="l" rtl="0">
               <a:spcBef>
                 <a:spcPts val="0"/>
               </a:spcBef>
@@ -8274,9 +8537,11 @@
       <p:sp>
         <p:nvSpPr>
           <p:cNvPr id="115" name="Google Shape;115;p22"/>
-          <p:cNvSpPr txBox="1"/>
+          <p:cNvSpPr txBox="1">
+            <a:spLocks noGrp="1"/>
+          </p:cNvSpPr>
           <p:nvPr>
-            <p:ph idx="1" type="body"/>
+            <p:ph type="body" idx="1"/>
           </p:nvPr>
         </p:nvSpPr>
         <p:spPr>
@@ -8289,12 +8554,12 @@
           </a:prstGeom>
         </p:spPr>
         <p:txBody>
-          <a:bodyPr anchorCtr="0" anchor="t" bIns="91425" lIns="91425" spcFirstLastPara="1" rIns="91425" wrap="square" tIns="91425">
+          <a:bodyPr spcFirstLastPara="1" wrap="square" lIns="91425" tIns="91425" rIns="91425" bIns="91425" anchor="t" anchorCtr="0">
             <a:normAutofit/>
           </a:bodyPr>
           <a:lstStyle/>
           <a:p>
-            <a:pPr indent="0" lvl="0" marL="0" rtl="0" algn="l">
+            <a:pPr marL="0" lvl="0" indent="0" algn="l" rtl="0">
               <a:spcBef>
                 <a:spcPts val="0"/>
               </a:spcBef>
@@ -8303,9 +8568,6 @@
               </a:spcAft>
               <a:buNone/>
             </a:pPr>
-            <a:r>
-              <a:t/>
-            </a:r>
             <a:endParaRPr/>
           </a:p>
         </p:txBody>
@@ -8346,32 +8608,32 @@
   <p:timing>
     <p:tnLst>
       <p:par>
-        <p:cTn dur="indefinite" nodeType="tmRoot" restart="never">
+        <p:cTn id="1" dur="indefinite" restart="never" nodeType="tmRoot">
           <p:childTnLst>
             <p:seq concurrent="1" nextAc="seek">
-              <p:cTn dur="indefinite" id="2" nodeType="mainSeq">
+              <p:cTn id="2" dur="indefinite" nodeType="mainSeq">
                 <p:childTnLst>
                   <p:par>
-                    <p:cTn fill="hold">
+                    <p:cTn id="3" fill="hold">
                       <p:stCondLst>
                         <p:cond delay="indefinite"/>
                       </p:stCondLst>
                       <p:childTnLst>
                         <p:par>
-                          <p:cTn fill="hold">
+                          <p:cTn id="4" fill="hold">
                             <p:stCondLst>
                               <p:cond delay="0"/>
                             </p:stCondLst>
                             <p:childTnLst>
                               <p:par>
-                                <p:cTn fill="hold" nodeType="clickEffect" presetClass="entr" presetID="1" presetSubtype="0">
+                                <p:cTn id="5" presetID="1" presetClass="entr" presetSubtype="0" fill="hold" nodeType="clickEffect">
                                   <p:stCondLst>
                                     <p:cond delay="0"/>
                                   </p:stCondLst>
                                   <p:childTnLst>
                                     <p:set>
                                       <p:cBhvr>
-                                        <p:cTn dur="1" fill="hold">
+                                        <p:cTn id="6" dur="1" fill="hold">
                                           <p:stCondLst>
                                             <p:cond delay="0"/>
                                           </p:stCondLst>
@@ -8399,14 +8661,14 @@
                 </p:childTnLst>
               </p:cTn>
               <p:prevCondLst>
-                <p:cond evt="onPrev">
+                <p:cond evt="onPrev" delay="0">
                   <p:tgtEl>
                     <p:sldTgt/>
                   </p:tgtEl>
                 </p:cond>
               </p:prevCondLst>
               <p:nextCondLst>
-                <p:cond evt="onNext">
+                <p:cond evt="onNext" delay="0">
                   <p:tgtEl>
                     <p:sldTgt/>
                   </p:tgtEl>
@@ -8422,11 +8684,145 @@
 </file>
 
 <file path=ppt/slides/slide11.xml><?xml version="1.0" encoding="utf-8"?>
-<p:sld xmlns:a="http://schemas.openxmlformats.org/drawingml/2006/main" xmlns:r="http://schemas.openxmlformats.org/officeDocument/2006/relationships" xmlns:mc="http://schemas.openxmlformats.org/markup-compatibility/2006" xmlns:mv="urn:schemas-microsoft-com:mac:vml" xmlns:p="http://schemas.openxmlformats.org/presentationml/2006/main" xmlns:c="http://schemas.openxmlformats.org/drawingml/2006/chart" xmlns:dgm="http://schemas.openxmlformats.org/drawingml/2006/diagram" xmlns:o="urn:schemas-microsoft-com:office:office" xmlns:v="urn:schemas-microsoft-com:vml" xmlns:pvml="urn:schemas-microsoft-com:office:powerpoint" xmlns:com="http://schemas.openxmlformats.org/drawingml/2006/compatibility" xmlns:p14="http://schemas.microsoft.com/office/powerpoint/2010/main" xmlns:p15="http://schemas.microsoft.com/office/powerpoint/2012/main" xmlns:ahyp="http://schemas.microsoft.com/office/drawing/2018/hyperlinkcolor">
+<p:sld xmlns:a="http://schemas.openxmlformats.org/drawingml/2006/main" xmlns:r="http://schemas.openxmlformats.org/officeDocument/2006/relationships" xmlns:p="http://schemas.openxmlformats.org/presentationml/2006/main">
   <p:cSld>
     <p:spTree>
       <p:nvGrpSpPr>
-        <p:cNvPr id="120" name="Shape 120"/>
+        <p:cNvPr id="1" name="Shape 74"/>
+        <p:cNvGrpSpPr/>
+        <p:nvPr/>
+      </p:nvGrpSpPr>
+      <p:grpSpPr>
+        <a:xfrm>
+          <a:off x="0" y="0"/>
+          <a:ext cx="0" cy="0"/>
+          <a:chOff x="0" y="0"/>
+          <a:chExt cx="0" cy="0"/>
+        </a:xfrm>
+      </p:grpSpPr>
+      <p:sp>
+        <p:nvSpPr>
+          <p:cNvPr id="75" name="Google Shape;75;p16"/>
+          <p:cNvSpPr txBox="1">
+            <a:spLocks noGrp="1"/>
+          </p:cNvSpPr>
+          <p:nvPr>
+            <p:ph type="title"/>
+          </p:nvPr>
+        </p:nvSpPr>
+        <p:spPr>
+          <a:xfrm>
+            <a:off x="311700" y="445025"/>
+            <a:ext cx="8520600" cy="572700"/>
+          </a:xfrm>
+          <a:prstGeom prst="rect">
+            <a:avLst/>
+          </a:prstGeom>
+        </p:spPr>
+        <p:txBody>
+          <a:bodyPr spcFirstLastPara="1" wrap="square" lIns="91425" tIns="91425" rIns="91425" bIns="91425" anchor="t" anchorCtr="0">
+            <a:normAutofit fontScale="90000"/>
+          </a:bodyPr>
+          <a:lstStyle/>
+          <a:p>
+            <a:pPr marL="0" lvl="0" indent="0" algn="l" rtl="0">
+              <a:spcBef>
+                <a:spcPts val="0"/>
+              </a:spcBef>
+              <a:spcAft>
+                <a:spcPts val="0"/>
+              </a:spcAft>
+              <a:buNone/>
+            </a:pPr>
+            <a:endParaRPr/>
+          </a:p>
+        </p:txBody>
+      </p:sp>
+      <p:sp>
+        <p:nvSpPr>
+          <p:cNvPr id="76" name="Google Shape;76;p16"/>
+          <p:cNvSpPr txBox="1">
+            <a:spLocks noGrp="1"/>
+          </p:cNvSpPr>
+          <p:nvPr>
+            <p:ph type="body" idx="1"/>
+          </p:nvPr>
+        </p:nvSpPr>
+        <p:spPr>
+          <a:xfrm>
+            <a:off x="311700" y="1152475"/>
+            <a:ext cx="8520600" cy="3416400"/>
+          </a:xfrm>
+          <a:prstGeom prst="rect">
+            <a:avLst/>
+          </a:prstGeom>
+        </p:spPr>
+        <p:txBody>
+          <a:bodyPr spcFirstLastPara="1" wrap="square" lIns="91425" tIns="91425" rIns="91425" bIns="91425" anchor="t" anchorCtr="0">
+            <a:normAutofit/>
+          </a:bodyPr>
+          <a:lstStyle/>
+          <a:p>
+            <a:pPr marL="0" lvl="0" indent="0" algn="l" rtl="0">
+              <a:spcBef>
+                <a:spcPts val="0"/>
+              </a:spcBef>
+              <a:spcAft>
+                <a:spcPts val="1200"/>
+              </a:spcAft>
+              <a:buNone/>
+            </a:pPr>
+            <a:endParaRPr/>
+          </a:p>
+        </p:txBody>
+      </p:sp>
+      <p:pic>
+        <p:nvPicPr>
+          <p:cNvPr id="77" name="Google Shape;77;p16"/>
+          <p:cNvPicPr preferRelativeResize="0"/>
+          <p:nvPr/>
+        </p:nvPicPr>
+        <p:blipFill>
+          <a:blip r:embed="rId3">
+            <a:alphaModFix/>
+          </a:blip>
+          <a:stretch>
+            <a:fillRect/>
+          </a:stretch>
+        </p:blipFill>
+        <p:spPr>
+          <a:xfrm>
+            <a:off x="0" y="37410"/>
+            <a:ext cx="9143999" cy="5068679"/>
+          </a:xfrm>
+          <a:prstGeom prst="rect">
+            <a:avLst/>
+          </a:prstGeom>
+          <a:noFill/>
+          <a:ln>
+            <a:noFill/>
+          </a:ln>
+        </p:spPr>
+      </p:pic>
+    </p:spTree>
+    <p:extLst>
+      <p:ext uri="{BB962C8B-B14F-4D97-AF65-F5344CB8AC3E}">
+        <p14:creationId xmlns:p14="http://schemas.microsoft.com/office/powerpoint/2010/main" val="4055287617"/>
+      </p:ext>
+    </p:extLst>
+  </p:cSld>
+  <p:clrMapOvr>
+    <a:masterClrMapping/>
+  </p:clrMapOvr>
+</p:sld>
+</file>
+
+<file path=ppt/slides/slide12.xml><?xml version="1.0" encoding="utf-8"?>
+<p:sld xmlns:a="http://schemas.openxmlformats.org/drawingml/2006/main" xmlns:r="http://schemas.openxmlformats.org/officeDocument/2006/relationships" xmlns:p="http://schemas.openxmlformats.org/presentationml/2006/main">
+  <p:cSld>
+    <p:spTree>
+      <p:nvGrpSpPr>
+        <p:cNvPr id="1" name="Shape 120"/>
         <p:cNvGrpSpPr/>
         <p:nvPr/>
       </p:nvGrpSpPr>
@@ -8441,7 +8837,9 @@
       <p:sp>
         <p:nvSpPr>
           <p:cNvPr id="121" name="Google Shape;121;p23"/>
-          <p:cNvSpPr txBox="1"/>
+          <p:cNvSpPr txBox="1">
+            <a:spLocks noGrp="1"/>
+          </p:cNvSpPr>
           <p:nvPr>
             <p:ph type="title"/>
           </p:nvPr>
@@ -8456,12 +8854,12 @@
           </a:prstGeom>
         </p:spPr>
         <p:txBody>
-          <a:bodyPr anchorCtr="0" anchor="t" bIns="91425" lIns="91425" spcFirstLastPara="1" rIns="91425" wrap="square" tIns="91425">
+          <a:bodyPr spcFirstLastPara="1" wrap="square" lIns="91425" tIns="91425" rIns="91425" bIns="91425" anchor="t" anchorCtr="0">
             <a:normAutofit fontScale="90000"/>
           </a:bodyPr>
           <a:lstStyle/>
           <a:p>
-            <a:pPr indent="0" lvl="0" marL="0" rtl="0" algn="l">
+            <a:pPr marL="0" lvl="0" indent="0" algn="l" rtl="0">
               <a:spcBef>
                 <a:spcPts val="0"/>
               </a:spcBef>
@@ -8481,9 +8879,11 @@
       <p:sp>
         <p:nvSpPr>
           <p:cNvPr id="122" name="Google Shape;122;p23"/>
-          <p:cNvSpPr txBox="1"/>
+          <p:cNvSpPr txBox="1">
+            <a:spLocks noGrp="1"/>
+          </p:cNvSpPr>
           <p:nvPr>
-            <p:ph idx="1" type="body"/>
+            <p:ph type="body" idx="1"/>
           </p:nvPr>
         </p:nvSpPr>
         <p:spPr>
@@ -8496,12 +8896,12 @@
           </a:prstGeom>
         </p:spPr>
         <p:txBody>
-          <a:bodyPr anchorCtr="0" anchor="t" bIns="91425" lIns="91425" spcFirstLastPara="1" rIns="91425" wrap="square" tIns="91425">
+          <a:bodyPr spcFirstLastPara="1" wrap="square" lIns="91425" tIns="91425" rIns="91425" bIns="91425" anchor="t" anchorCtr="0">
             <a:normAutofit/>
           </a:bodyPr>
           <a:lstStyle/>
           <a:p>
-            <a:pPr indent="-342900" lvl="0" marL="457200" rtl="0" algn="l">
+            <a:pPr marL="457200" lvl="0" indent="-342900" algn="l" rtl="0">
               <a:spcBef>
                 <a:spcPts val="0"/>
               </a:spcBef>
@@ -8518,7 +8918,7 @@
             <a:endParaRPr/>
           </a:p>
           <a:p>
-            <a:pPr indent="-342900" lvl="0" marL="457200" rtl="0" algn="l">
+            <a:pPr marL="457200" lvl="0" indent="-342900" algn="l" rtl="0">
               <a:spcBef>
                 <a:spcPts val="0"/>
               </a:spcBef>
@@ -8535,7 +8935,7 @@
             <a:endParaRPr/>
           </a:p>
           <a:p>
-            <a:pPr indent="-317500" lvl="1" marL="914400" rtl="0" algn="l">
+            <a:pPr marL="914400" lvl="1" indent="-317500" algn="l" rtl="0">
               <a:spcBef>
                 <a:spcPts val="0"/>
               </a:spcBef>
@@ -8552,7 +8952,7 @@
             <a:endParaRPr/>
           </a:p>
           <a:p>
-            <a:pPr indent="-317500" lvl="1" marL="914400" rtl="0" algn="l">
+            <a:pPr marL="914400" lvl="1" indent="-317500" algn="l" rtl="0">
               <a:spcBef>
                 <a:spcPts val="0"/>
               </a:spcBef>
@@ -8569,7 +8969,7 @@
             <a:endParaRPr/>
           </a:p>
           <a:p>
-            <a:pPr indent="-317500" lvl="1" marL="914400" rtl="0" algn="l">
+            <a:pPr marL="914400" lvl="1" indent="-317500" algn="l" rtl="0">
               <a:spcBef>
                 <a:spcPts val="0"/>
               </a:spcBef>
@@ -8586,7 +8986,7 @@
             <a:endParaRPr/>
           </a:p>
           <a:p>
-            <a:pPr indent="-342900" lvl="0" marL="457200" rtl="0" algn="l">
+            <a:pPr marL="457200" lvl="0" indent="-342900" algn="l" rtl="0">
               <a:spcBef>
                 <a:spcPts val="0"/>
               </a:spcBef>
@@ -8603,7 +9003,7 @@
             <a:endParaRPr/>
           </a:p>
           <a:p>
-            <a:pPr indent="-317500" lvl="1" marL="914400" rtl="0" algn="l">
+            <a:pPr marL="914400" lvl="1" indent="-317500" algn="l" rtl="0">
               <a:spcBef>
                 <a:spcPts val="0"/>
               </a:spcBef>
@@ -8657,12 +9057,12 @@
 </p:sld>
 </file>
 
-<file path=ppt/slides/slide12.xml><?xml version="1.0" encoding="utf-8"?>
-<p:sld xmlns:a="http://schemas.openxmlformats.org/drawingml/2006/main" xmlns:r="http://schemas.openxmlformats.org/officeDocument/2006/relationships" xmlns:mc="http://schemas.openxmlformats.org/markup-compatibility/2006" xmlns:mv="urn:schemas-microsoft-com:mac:vml" xmlns:p="http://schemas.openxmlformats.org/presentationml/2006/main" xmlns:c="http://schemas.openxmlformats.org/drawingml/2006/chart" xmlns:dgm="http://schemas.openxmlformats.org/drawingml/2006/diagram" xmlns:o="urn:schemas-microsoft-com:office:office" xmlns:v="urn:schemas-microsoft-com:vml" xmlns:pvml="urn:schemas-microsoft-com:office:powerpoint" xmlns:com="http://schemas.openxmlformats.org/drawingml/2006/compatibility" xmlns:p14="http://schemas.microsoft.com/office/powerpoint/2010/main" xmlns:p15="http://schemas.microsoft.com/office/powerpoint/2012/main" xmlns:ahyp="http://schemas.microsoft.com/office/drawing/2018/hyperlinkcolor">
+<file path=ppt/slides/slide13.xml><?xml version="1.0" encoding="utf-8"?>
+<p:sld xmlns:a="http://schemas.openxmlformats.org/drawingml/2006/main" xmlns:r="http://schemas.openxmlformats.org/officeDocument/2006/relationships" xmlns:p="http://schemas.openxmlformats.org/presentationml/2006/main">
   <p:cSld>
     <p:spTree>
       <p:nvGrpSpPr>
-        <p:cNvPr id="127" name="Shape 127"/>
+        <p:cNvPr id="1" name="Shape 127"/>
         <p:cNvGrpSpPr/>
         <p:nvPr/>
       </p:nvGrpSpPr>
@@ -8677,7 +9077,9 @@
       <p:sp>
         <p:nvSpPr>
           <p:cNvPr id="128" name="Google Shape;128;p24"/>
-          <p:cNvSpPr txBox="1"/>
+          <p:cNvSpPr txBox="1">
+            <a:spLocks noGrp="1"/>
+          </p:cNvSpPr>
           <p:nvPr>
             <p:ph type="title"/>
           </p:nvPr>
@@ -8692,12 +9094,12 @@
           </a:prstGeom>
         </p:spPr>
         <p:txBody>
-          <a:bodyPr anchorCtr="0" anchor="t" bIns="91425" lIns="91425" spcFirstLastPara="1" rIns="91425" wrap="square" tIns="91425">
+          <a:bodyPr spcFirstLastPara="1" wrap="square" lIns="91425" tIns="91425" rIns="91425" bIns="91425" anchor="t" anchorCtr="0">
             <a:normAutofit fontScale="90000"/>
           </a:bodyPr>
           <a:lstStyle/>
           <a:p>
-            <a:pPr indent="0" lvl="0" marL="0" rtl="0" algn="l">
+            <a:pPr marL="0" lvl="0" indent="0" algn="l" rtl="0">
               <a:spcBef>
                 <a:spcPts val="0"/>
               </a:spcBef>
@@ -8717,9 +9119,11 @@
       <p:sp>
         <p:nvSpPr>
           <p:cNvPr id="129" name="Google Shape;129;p24"/>
-          <p:cNvSpPr txBox="1"/>
+          <p:cNvSpPr txBox="1">
+            <a:spLocks noGrp="1"/>
+          </p:cNvSpPr>
           <p:nvPr>
-            <p:ph idx="1" type="body"/>
+            <p:ph type="body" idx="1"/>
           </p:nvPr>
         </p:nvSpPr>
         <p:spPr>
@@ -8732,12 +9136,12 @@
           </a:prstGeom>
         </p:spPr>
         <p:txBody>
-          <a:bodyPr anchorCtr="0" anchor="t" bIns="91425" lIns="91425" spcFirstLastPara="1" rIns="91425" wrap="square" tIns="91425">
+          <a:bodyPr spcFirstLastPara="1" wrap="square" lIns="91425" tIns="91425" rIns="91425" bIns="91425" anchor="t" anchorCtr="0">
             <a:normAutofit/>
           </a:bodyPr>
           <a:lstStyle/>
           <a:p>
-            <a:pPr indent="-342900" lvl="0" marL="457200" rtl="0" algn="l">
+            <a:pPr marL="457200" lvl="0" indent="-342900" algn="l" rtl="0">
               <a:spcBef>
                 <a:spcPts val="0"/>
               </a:spcBef>
@@ -8754,7 +9158,7 @@
             <a:endParaRPr/>
           </a:p>
           <a:p>
-            <a:pPr indent="-317500" lvl="1" marL="914400" rtl="0" algn="l">
+            <a:pPr marL="914400" lvl="1" indent="-317500" algn="l" rtl="0">
               <a:spcBef>
                 <a:spcPts val="0"/>
               </a:spcBef>
@@ -8766,16 +9170,12 @@
             </a:pPr>
             <a:r>
               <a:rPr lang="en"/>
-              <a:t>w</a:t>
+              <a:t>wx.request</a:t>
             </a:r>
-            <a:r>
-              <a:rPr lang="en"/>
-              <a:t>x.request</a:t>
-            </a:r>
-            <a:endParaRPr/>
-          </a:p>
-          <a:p>
-            <a:pPr indent="-317500" lvl="1" marL="914400" rtl="0" algn="l">
+            <a:endParaRPr/>
+          </a:p>
+          <a:p>
+            <a:pPr marL="914400" lvl="1" indent="-317500" algn="l" rtl="0">
               <a:spcBef>
                 <a:spcPts val="0"/>
               </a:spcBef>
@@ -8792,7 +9192,7 @@
             <a:endParaRPr/>
           </a:p>
           <a:p>
-            <a:pPr indent="-342900" lvl="0" marL="457200" rtl="0" algn="l">
+            <a:pPr marL="457200" lvl="0" indent="-342900" algn="l" rtl="0">
               <a:spcBef>
                 <a:spcPts val="0"/>
               </a:spcBef>
@@ -8809,7 +9209,7 @@
             <a:endParaRPr/>
           </a:p>
           <a:p>
-            <a:pPr indent="-317500" lvl="1" marL="914400" rtl="0" algn="l">
+            <a:pPr marL="914400" lvl="1" indent="-317500" algn="l" rtl="0">
               <a:spcBef>
                 <a:spcPts val="0"/>
               </a:spcBef>
@@ -8826,7 +9226,7 @@
             <a:endParaRPr/>
           </a:p>
           <a:p>
-            <a:pPr indent="-317500" lvl="1" marL="914400" rtl="0" algn="l">
+            <a:pPr marL="914400" lvl="1" indent="-317500" algn="l" rtl="0">
               <a:spcBef>
                 <a:spcPts val="0"/>
               </a:spcBef>
@@ -8843,7 +9243,7 @@
             <a:endParaRPr/>
           </a:p>
           <a:p>
-            <a:pPr indent="-342900" lvl="0" marL="457200" rtl="0" algn="l">
+            <a:pPr marL="457200" lvl="0" indent="-342900" algn="l" rtl="0">
               <a:spcBef>
                 <a:spcPts val="0"/>
               </a:spcBef>
@@ -8860,7 +9260,7 @@
             <a:endParaRPr/>
           </a:p>
           <a:p>
-            <a:pPr indent="-317500" lvl="1" marL="914400" rtl="0" algn="l">
+            <a:pPr marL="914400" lvl="1" indent="-317500" algn="l" rtl="0">
               <a:spcBef>
                 <a:spcPts val="0"/>
               </a:spcBef>
@@ -8877,7 +9277,7 @@
             <a:endParaRPr/>
           </a:p>
           <a:p>
-            <a:pPr indent="-317500" lvl="1" marL="914400" rtl="0" algn="l">
+            <a:pPr marL="914400" lvl="1" indent="-317500" algn="l" rtl="0">
               <a:spcBef>
                 <a:spcPts val="0"/>
               </a:spcBef>
@@ -8931,12 +9331,12 @@
 </p:sld>
 </file>
 
-<file path=ppt/slides/slide13.xml><?xml version="1.0" encoding="utf-8"?>
-<p:sld xmlns:a="http://schemas.openxmlformats.org/drawingml/2006/main" xmlns:r="http://schemas.openxmlformats.org/officeDocument/2006/relationships" xmlns:mc="http://schemas.openxmlformats.org/markup-compatibility/2006" xmlns:mv="urn:schemas-microsoft-com:mac:vml" xmlns:p="http://schemas.openxmlformats.org/presentationml/2006/main" xmlns:c="http://schemas.openxmlformats.org/drawingml/2006/chart" xmlns:dgm="http://schemas.openxmlformats.org/drawingml/2006/diagram" xmlns:o="urn:schemas-microsoft-com:office:office" xmlns:v="urn:schemas-microsoft-com:vml" xmlns:pvml="urn:schemas-microsoft-com:office:powerpoint" xmlns:com="http://schemas.openxmlformats.org/drawingml/2006/compatibility" xmlns:p14="http://schemas.microsoft.com/office/powerpoint/2010/main" xmlns:p15="http://schemas.microsoft.com/office/powerpoint/2012/main" xmlns:ahyp="http://schemas.microsoft.com/office/drawing/2018/hyperlinkcolor">
+<file path=ppt/slides/slide14.xml><?xml version="1.0" encoding="utf-8"?>
+<p:sld xmlns:a="http://schemas.openxmlformats.org/drawingml/2006/main" xmlns:r="http://schemas.openxmlformats.org/officeDocument/2006/relationships" xmlns:p="http://schemas.openxmlformats.org/presentationml/2006/main">
   <p:cSld>
     <p:spTree>
       <p:nvGrpSpPr>
-        <p:cNvPr id="134" name="Shape 134"/>
+        <p:cNvPr id="1" name="Shape 134"/>
         <p:cNvGrpSpPr/>
         <p:nvPr/>
       </p:nvGrpSpPr>
@@ -8951,7 +9351,9 @@
       <p:sp>
         <p:nvSpPr>
           <p:cNvPr id="135" name="Google Shape;135;p25"/>
-          <p:cNvSpPr txBox="1"/>
+          <p:cNvSpPr txBox="1">
+            <a:spLocks noGrp="1"/>
+          </p:cNvSpPr>
           <p:nvPr>
             <p:ph type="title"/>
           </p:nvPr>
@@ -8966,12 +9368,12 @@
           </a:prstGeom>
         </p:spPr>
         <p:txBody>
-          <a:bodyPr anchorCtr="0" anchor="t" bIns="91425" lIns="91425" spcFirstLastPara="1" rIns="91425" wrap="square" tIns="91425">
+          <a:bodyPr spcFirstLastPara="1" wrap="square" lIns="91425" tIns="91425" rIns="91425" bIns="91425" anchor="t" anchorCtr="0">
             <a:normAutofit fontScale="90000"/>
           </a:bodyPr>
           <a:lstStyle/>
           <a:p>
-            <a:pPr indent="0" lvl="0" marL="0" rtl="0" algn="l">
+            <a:pPr marL="0" lvl="0" indent="0" algn="l" rtl="0">
               <a:spcBef>
                 <a:spcPts val="0"/>
               </a:spcBef>
@@ -8991,9 +9393,11 @@
       <p:sp>
         <p:nvSpPr>
           <p:cNvPr id="136" name="Google Shape;136;p25"/>
-          <p:cNvSpPr txBox="1"/>
+          <p:cNvSpPr txBox="1">
+            <a:spLocks noGrp="1"/>
+          </p:cNvSpPr>
           <p:nvPr>
-            <p:ph idx="1" type="body"/>
+            <p:ph type="body" idx="1"/>
           </p:nvPr>
         </p:nvSpPr>
         <p:spPr>
@@ -9006,12 +9410,12 @@
           </a:prstGeom>
         </p:spPr>
         <p:txBody>
-          <a:bodyPr anchorCtr="0" anchor="t" bIns="91425" lIns="91425" spcFirstLastPara="1" rIns="91425" wrap="square" tIns="91425">
+          <a:bodyPr spcFirstLastPara="1" wrap="square" lIns="91425" tIns="91425" rIns="91425" bIns="91425" anchor="t" anchorCtr="0">
             <a:normAutofit/>
           </a:bodyPr>
           <a:lstStyle/>
           <a:p>
-            <a:pPr indent="-342900" lvl="0" marL="457200" rtl="0" algn="l">
+            <a:pPr marL="457200" lvl="0" indent="-342900" algn="l" rtl="0">
               <a:spcBef>
                 <a:spcPts val="0"/>
               </a:spcBef>
@@ -9028,7 +9432,7 @@
             <a:endParaRPr/>
           </a:p>
           <a:p>
-            <a:pPr indent="-317500" lvl="1" marL="914400" rtl="0" algn="l">
+            <a:pPr marL="914400" lvl="1" indent="-317500" algn="l" rtl="0">
               <a:spcBef>
                 <a:spcPts val="0"/>
               </a:spcBef>
@@ -9045,7 +9449,7 @@
             <a:endParaRPr/>
           </a:p>
           <a:p>
-            <a:pPr indent="-317500" lvl="1" marL="914400" rtl="0" algn="l">
+            <a:pPr marL="914400" lvl="1" indent="-317500" algn="l" rtl="0">
               <a:spcBef>
                 <a:spcPts val="0"/>
               </a:spcBef>
@@ -9127,12 +9531,12 @@
 </p:sld>
 </file>
 
-<file path=ppt/slides/slide14.xml><?xml version="1.0" encoding="utf-8"?>
-<p:sld xmlns:a="http://schemas.openxmlformats.org/drawingml/2006/main" xmlns:r="http://schemas.openxmlformats.org/officeDocument/2006/relationships" xmlns:mc="http://schemas.openxmlformats.org/markup-compatibility/2006" xmlns:mv="urn:schemas-microsoft-com:mac:vml" xmlns:p="http://schemas.openxmlformats.org/presentationml/2006/main" xmlns:c="http://schemas.openxmlformats.org/drawingml/2006/chart" xmlns:dgm="http://schemas.openxmlformats.org/drawingml/2006/diagram" xmlns:o="urn:schemas-microsoft-com:office:office" xmlns:v="urn:schemas-microsoft-com:vml" xmlns:pvml="urn:schemas-microsoft-com:office:powerpoint" xmlns:com="http://schemas.openxmlformats.org/drawingml/2006/compatibility" xmlns:p14="http://schemas.microsoft.com/office/powerpoint/2010/main" xmlns:p15="http://schemas.microsoft.com/office/powerpoint/2012/main" xmlns:ahyp="http://schemas.microsoft.com/office/drawing/2018/hyperlinkcolor">
+<file path=ppt/slides/slide15.xml><?xml version="1.0" encoding="utf-8"?>
+<p:sld xmlns:a="http://schemas.openxmlformats.org/drawingml/2006/main" xmlns:r="http://schemas.openxmlformats.org/officeDocument/2006/relationships" xmlns:p="http://schemas.openxmlformats.org/presentationml/2006/main">
   <p:cSld>
     <p:spTree>
       <p:nvGrpSpPr>
-        <p:cNvPr id="142" name="Shape 142"/>
+        <p:cNvPr id="1" name="Shape 142"/>
         <p:cNvGrpSpPr/>
         <p:nvPr/>
       </p:nvGrpSpPr>
@@ -9147,7 +9551,9 @@
       <p:sp>
         <p:nvSpPr>
           <p:cNvPr id="143" name="Google Shape;143;p26"/>
-          <p:cNvSpPr txBox="1"/>
+          <p:cNvSpPr txBox="1">
+            <a:spLocks noGrp="1"/>
+          </p:cNvSpPr>
           <p:nvPr>
             <p:ph type="title"/>
           </p:nvPr>
@@ -9162,12 +9568,12 @@
           </a:prstGeom>
         </p:spPr>
         <p:txBody>
-          <a:bodyPr anchorCtr="0" anchor="t" bIns="91425" lIns="91425" spcFirstLastPara="1" rIns="91425" wrap="square" tIns="91425">
+          <a:bodyPr spcFirstLastPara="1" wrap="square" lIns="91425" tIns="91425" rIns="91425" bIns="91425" anchor="t" anchorCtr="0">
             <a:normAutofit fontScale="90000"/>
           </a:bodyPr>
           <a:lstStyle/>
           <a:p>
-            <a:pPr indent="0" lvl="0" marL="0" rtl="0" algn="l">
+            <a:pPr marL="0" lvl="0" indent="0" algn="l" rtl="0">
               <a:spcBef>
                 <a:spcPts val="0"/>
               </a:spcBef>
@@ -9187,9 +9593,11 @@
       <p:sp>
         <p:nvSpPr>
           <p:cNvPr id="144" name="Google Shape;144;p26"/>
-          <p:cNvSpPr txBox="1"/>
+          <p:cNvSpPr txBox="1">
+            <a:spLocks noGrp="1"/>
+          </p:cNvSpPr>
           <p:nvPr>
-            <p:ph idx="1" type="body"/>
+            <p:ph type="body" idx="1"/>
           </p:nvPr>
         </p:nvSpPr>
         <p:spPr>
@@ -9202,12 +9610,12 @@
           </a:prstGeom>
         </p:spPr>
         <p:txBody>
-          <a:bodyPr anchorCtr="0" anchor="t" bIns="91425" lIns="91425" spcFirstLastPara="1" rIns="91425" wrap="square" tIns="91425">
+          <a:bodyPr spcFirstLastPara="1" wrap="square" lIns="91425" tIns="91425" rIns="91425" bIns="91425" anchor="t" anchorCtr="0">
             <a:normAutofit/>
           </a:bodyPr>
           <a:lstStyle/>
           <a:p>
-            <a:pPr indent="-342900" lvl="0" marL="457200" rtl="0" algn="l">
+            <a:pPr marL="457200" lvl="0" indent="-342900" algn="l" rtl="0">
               <a:spcBef>
                 <a:spcPts val="0"/>
               </a:spcBef>
@@ -9224,7 +9632,7 @@
             <a:endParaRPr/>
           </a:p>
           <a:p>
-            <a:pPr indent="-342900" lvl="0" marL="457200" rtl="0" algn="l">
+            <a:pPr marL="457200" lvl="0" indent="-342900" algn="l" rtl="0">
               <a:spcBef>
                 <a:spcPts val="0"/>
               </a:spcBef>
@@ -9241,7 +9649,7 @@
             <a:endParaRPr/>
           </a:p>
           <a:p>
-            <a:pPr indent="-342900" lvl="0" marL="457200" rtl="0" algn="l">
+            <a:pPr marL="457200" lvl="0" indent="-342900" algn="l" rtl="0">
               <a:spcBef>
                 <a:spcPts val="0"/>
               </a:spcBef>
@@ -9267,12 +9675,12 @@
 </p:sld>
 </file>
 
-<file path=ppt/slides/slide15.xml><?xml version="1.0" encoding="utf-8"?>
-<p:sld xmlns:a="http://schemas.openxmlformats.org/drawingml/2006/main" xmlns:r="http://schemas.openxmlformats.org/officeDocument/2006/relationships" xmlns:mc="http://schemas.openxmlformats.org/markup-compatibility/2006" xmlns:mv="urn:schemas-microsoft-com:mac:vml" xmlns:p="http://schemas.openxmlformats.org/presentationml/2006/main" xmlns:c="http://schemas.openxmlformats.org/drawingml/2006/chart" xmlns:dgm="http://schemas.openxmlformats.org/drawingml/2006/diagram" xmlns:o="urn:schemas-microsoft-com:office:office" xmlns:v="urn:schemas-microsoft-com:vml" xmlns:pvml="urn:schemas-microsoft-com:office:powerpoint" xmlns:com="http://schemas.openxmlformats.org/drawingml/2006/compatibility" xmlns:p14="http://schemas.microsoft.com/office/powerpoint/2010/main" xmlns:p15="http://schemas.microsoft.com/office/powerpoint/2012/main" xmlns:ahyp="http://schemas.microsoft.com/office/drawing/2018/hyperlinkcolor">
+<file path=ppt/slides/slide16.xml><?xml version="1.0" encoding="utf-8"?>
+<p:sld xmlns:a="http://schemas.openxmlformats.org/drawingml/2006/main" xmlns:r="http://schemas.openxmlformats.org/officeDocument/2006/relationships" xmlns:p="http://schemas.openxmlformats.org/presentationml/2006/main">
   <p:cSld>
     <p:spTree>
       <p:nvGrpSpPr>
-        <p:cNvPr id="148" name="Shape 148"/>
+        <p:cNvPr id="1" name="Shape 148"/>
         <p:cNvGrpSpPr/>
         <p:nvPr/>
       </p:nvGrpSpPr>
@@ -9287,7 +9695,9 @@
       <p:sp>
         <p:nvSpPr>
           <p:cNvPr id="149" name="Google Shape;149;p27"/>
-          <p:cNvSpPr txBox="1"/>
+          <p:cNvSpPr txBox="1">
+            <a:spLocks noGrp="1"/>
+          </p:cNvSpPr>
           <p:nvPr>
             <p:ph type="title"/>
           </p:nvPr>
@@ -9302,12 +9712,12 @@
           </a:prstGeom>
         </p:spPr>
         <p:txBody>
-          <a:bodyPr anchorCtr="0" anchor="t" bIns="91425" lIns="91425" spcFirstLastPara="1" rIns="91425" wrap="square" tIns="91425">
+          <a:bodyPr spcFirstLastPara="1" wrap="square" lIns="91425" tIns="91425" rIns="91425" bIns="91425" anchor="t" anchorCtr="0">
             <a:normAutofit fontScale="90000"/>
           </a:bodyPr>
           <a:lstStyle/>
           <a:p>
-            <a:pPr indent="0" lvl="0" marL="0" rtl="0" algn="l">
+            <a:pPr marL="0" lvl="0" indent="0" algn="l" rtl="0">
               <a:spcBef>
                 <a:spcPts val="0"/>
               </a:spcBef>
@@ -9327,9 +9737,11 @@
       <p:sp>
         <p:nvSpPr>
           <p:cNvPr id="150" name="Google Shape;150;p27"/>
-          <p:cNvSpPr txBox="1"/>
+          <p:cNvSpPr txBox="1">
+            <a:spLocks noGrp="1"/>
+          </p:cNvSpPr>
           <p:nvPr>
-            <p:ph idx="1" type="body"/>
+            <p:ph type="body" idx="1"/>
           </p:nvPr>
         </p:nvSpPr>
         <p:spPr>
@@ -9342,12 +9754,12 @@
           </a:prstGeom>
         </p:spPr>
         <p:txBody>
-          <a:bodyPr anchorCtr="0" anchor="t" bIns="91425" lIns="91425" spcFirstLastPara="1" rIns="91425" wrap="square" tIns="91425">
+          <a:bodyPr spcFirstLastPara="1" wrap="square" lIns="91425" tIns="91425" rIns="91425" bIns="91425" anchor="t" anchorCtr="0">
             <a:normAutofit/>
           </a:bodyPr>
           <a:lstStyle/>
           <a:p>
-            <a:pPr indent="-342900" lvl="0" marL="457200" rtl="0" algn="l">
+            <a:pPr marL="457200" lvl="0" indent="-342900" algn="l" rtl="0">
               <a:spcBef>
                 <a:spcPts val="0"/>
               </a:spcBef>
@@ -9359,20 +9771,12 @@
             </a:pPr>
             <a:r>
               <a:rPr lang="en"/>
-              <a:t>Merge 768+18+6+4 </a:t>
+              <a:t>Merge 768+18+6+4 dimension = 796!</a:t>
             </a:r>
-            <a:r>
-              <a:rPr lang="en"/>
-              <a:t>dimension</a:t>
-            </a:r>
-            <a:r>
-              <a:rPr lang="en"/>
-              <a:t> = 796!</a:t>
-            </a:r>
-            <a:endParaRPr/>
-          </a:p>
-          <a:p>
-            <a:pPr indent="-317500" lvl="1" marL="914400" rtl="0" algn="l">
+            <a:endParaRPr/>
+          </a:p>
+          <a:p>
+            <a:pPr marL="914400" lvl="1" indent="-317500" algn="l" rtl="0">
               <a:spcBef>
                 <a:spcPts val="0"/>
               </a:spcBef>
@@ -9389,7 +9793,7 @@
             <a:endParaRPr/>
           </a:p>
           <a:p>
-            <a:pPr indent="-317500" lvl="1" marL="914400" rtl="0" algn="l">
+            <a:pPr marL="914400" lvl="1" indent="-317500" algn="l" rtl="0">
               <a:spcBef>
                 <a:spcPts val="0"/>
               </a:spcBef>
@@ -9406,7 +9810,7 @@
             <a:endParaRPr/>
           </a:p>
           <a:p>
-            <a:pPr indent="-342900" lvl="0" marL="457200" rtl="0" algn="l">
+            <a:pPr marL="457200" lvl="0" indent="-342900" algn="l" rtl="0">
               <a:spcBef>
                 <a:spcPts val="0"/>
               </a:spcBef>
@@ -9419,110 +9823,6 @@
             <a:r>
               <a:rPr lang="en"/>
               <a:t>Better to let each model do their job, and aggregate the result</a:t>
-            </a:r>
-            <a:endParaRPr/>
-          </a:p>
-        </p:txBody>
-      </p:sp>
-    </p:spTree>
-  </p:cSld>
-  <p:clrMapOvr>
-    <a:masterClrMapping/>
-  </p:clrMapOvr>
-</p:sld>
-</file>
-
-<file path=ppt/slides/slide16.xml><?xml version="1.0" encoding="utf-8"?>
-<p:sld xmlns:a="http://schemas.openxmlformats.org/drawingml/2006/main" xmlns:r="http://schemas.openxmlformats.org/officeDocument/2006/relationships" xmlns:mc="http://schemas.openxmlformats.org/markup-compatibility/2006" xmlns:mv="urn:schemas-microsoft-com:mac:vml" xmlns:p="http://schemas.openxmlformats.org/presentationml/2006/main" xmlns:c="http://schemas.openxmlformats.org/drawingml/2006/chart" xmlns:dgm="http://schemas.openxmlformats.org/drawingml/2006/diagram" xmlns:o="urn:schemas-microsoft-com:office:office" xmlns:v="urn:schemas-microsoft-com:vml" xmlns:pvml="urn:schemas-microsoft-com:office:powerpoint" xmlns:com="http://schemas.openxmlformats.org/drawingml/2006/compatibility" xmlns:p14="http://schemas.microsoft.com/office/powerpoint/2010/main" xmlns:p15="http://schemas.microsoft.com/office/powerpoint/2012/main" xmlns:ahyp="http://schemas.microsoft.com/office/drawing/2018/hyperlinkcolor">
-  <p:cSld>
-    <p:spTree>
-      <p:nvGrpSpPr>
-        <p:cNvPr id="154" name="Shape 154"/>
-        <p:cNvGrpSpPr/>
-        <p:nvPr/>
-      </p:nvGrpSpPr>
-      <p:grpSpPr>
-        <a:xfrm>
-          <a:off x="0" y="0"/>
-          <a:ext cx="0" cy="0"/>
-          <a:chOff x="0" y="0"/>
-          <a:chExt cx="0" cy="0"/>
-        </a:xfrm>
-      </p:grpSpPr>
-      <p:sp>
-        <p:nvSpPr>
-          <p:cNvPr id="155" name="Google Shape;155;p28"/>
-          <p:cNvSpPr txBox="1"/>
-          <p:nvPr>
-            <p:ph type="title"/>
-          </p:nvPr>
-        </p:nvSpPr>
-        <p:spPr>
-          <a:xfrm>
-            <a:off x="311700" y="445025"/>
-            <a:ext cx="8520600" cy="572700"/>
-          </a:xfrm>
-          <a:prstGeom prst="rect">
-            <a:avLst/>
-          </a:prstGeom>
-        </p:spPr>
-        <p:txBody>
-          <a:bodyPr anchorCtr="0" anchor="t" bIns="91425" lIns="91425" spcFirstLastPara="1" rIns="91425" wrap="square" tIns="91425">
-            <a:normAutofit fontScale="90000"/>
-          </a:bodyPr>
-          <a:lstStyle/>
-          <a:p>
-            <a:pPr indent="0" lvl="0" marL="0" rtl="0" algn="l">
-              <a:spcBef>
-                <a:spcPts val="0"/>
-              </a:spcBef>
-              <a:spcAft>
-                <a:spcPts val="0"/>
-              </a:spcAft>
-              <a:buNone/>
-            </a:pPr>
-            <a:r>
-              <a:rPr lang="en"/>
-              <a:t>Ensemble learning</a:t>
-            </a:r>
-            <a:endParaRPr/>
-          </a:p>
-        </p:txBody>
-      </p:sp>
-      <p:sp>
-        <p:nvSpPr>
-          <p:cNvPr id="156" name="Google Shape;156;p28"/>
-          <p:cNvSpPr txBox="1"/>
-          <p:nvPr>
-            <p:ph idx="1" type="body"/>
-          </p:nvPr>
-        </p:nvSpPr>
-        <p:spPr>
-          <a:xfrm>
-            <a:off x="311700" y="1152475"/>
-            <a:ext cx="8520600" cy="3416400"/>
-          </a:xfrm>
-          <a:prstGeom prst="rect">
-            <a:avLst/>
-          </a:prstGeom>
-        </p:spPr>
-        <p:txBody>
-          <a:bodyPr anchorCtr="0" anchor="t" bIns="91425" lIns="91425" spcFirstLastPara="1" rIns="91425" wrap="square" tIns="91425">
-            <a:normAutofit/>
-          </a:bodyPr>
-          <a:lstStyle/>
-          <a:p>
-            <a:pPr indent="0" lvl="0" marL="0" rtl="0" algn="l">
-              <a:spcBef>
-                <a:spcPts val="0"/>
-              </a:spcBef>
-              <a:spcAft>
-                <a:spcPts val="1200"/>
-              </a:spcAft>
-              <a:buNone/>
-            </a:pPr>
-            <a:r>
-              <a:t/>
             </a:r>
             <a:endParaRPr/>
           </a:p>
@@ -9537,11 +9837,11 @@
 </file>
 
 <file path=ppt/slides/slide17.xml><?xml version="1.0" encoding="utf-8"?>
-<p:sld xmlns:a="http://schemas.openxmlformats.org/drawingml/2006/main" xmlns:r="http://schemas.openxmlformats.org/officeDocument/2006/relationships" xmlns:mc="http://schemas.openxmlformats.org/markup-compatibility/2006" xmlns:mv="urn:schemas-microsoft-com:mac:vml" xmlns:p="http://schemas.openxmlformats.org/presentationml/2006/main" xmlns:c="http://schemas.openxmlformats.org/drawingml/2006/chart" xmlns:dgm="http://schemas.openxmlformats.org/drawingml/2006/diagram" xmlns:o="urn:schemas-microsoft-com:office:office" xmlns:v="urn:schemas-microsoft-com:vml" xmlns:pvml="urn:schemas-microsoft-com:office:powerpoint" xmlns:com="http://schemas.openxmlformats.org/drawingml/2006/compatibility" xmlns:p14="http://schemas.microsoft.com/office/powerpoint/2010/main" xmlns:p15="http://schemas.microsoft.com/office/powerpoint/2012/main" xmlns:ahyp="http://schemas.microsoft.com/office/drawing/2018/hyperlinkcolor">
+<p:sld xmlns:a="http://schemas.openxmlformats.org/drawingml/2006/main" xmlns:r="http://schemas.openxmlformats.org/officeDocument/2006/relationships" xmlns:p="http://schemas.openxmlformats.org/presentationml/2006/main">
   <p:cSld>
     <p:spTree>
       <p:nvGrpSpPr>
-        <p:cNvPr id="160" name="Shape 160"/>
+        <p:cNvPr id="1" name="Shape 160"/>
         <p:cNvGrpSpPr/>
         <p:nvPr/>
       </p:nvGrpSpPr>
@@ -9556,7 +9856,9 @@
       <p:sp>
         <p:nvSpPr>
           <p:cNvPr id="161" name="Google Shape;161;p29"/>
-          <p:cNvSpPr txBox="1"/>
+          <p:cNvSpPr txBox="1">
+            <a:spLocks noGrp="1"/>
+          </p:cNvSpPr>
           <p:nvPr>
             <p:ph type="title"/>
           </p:nvPr>
@@ -9571,12 +9873,12 @@
           </a:prstGeom>
         </p:spPr>
         <p:txBody>
-          <a:bodyPr anchorCtr="0" anchor="t" bIns="91425" lIns="91425" spcFirstLastPara="1" rIns="91425" wrap="square" tIns="91425">
+          <a:bodyPr spcFirstLastPara="1" wrap="square" lIns="91425" tIns="91425" rIns="91425" bIns="91425" anchor="t" anchorCtr="0">
             <a:normAutofit fontScale="90000"/>
           </a:bodyPr>
           <a:lstStyle/>
           <a:p>
-            <a:pPr indent="0" lvl="0" marL="0" rtl="0" algn="l">
+            <a:pPr marL="0" lvl="0" indent="0" algn="l" rtl="0">
               <a:spcBef>
                 <a:spcPts val="0"/>
               </a:spcBef>
@@ -9596,9 +9898,11 @@
       <p:sp>
         <p:nvSpPr>
           <p:cNvPr id="162" name="Google Shape;162;p29"/>
-          <p:cNvSpPr txBox="1"/>
+          <p:cNvSpPr txBox="1">
+            <a:spLocks noGrp="1"/>
+          </p:cNvSpPr>
           <p:nvPr>
-            <p:ph idx="1" type="body"/>
+            <p:ph type="body" idx="1"/>
           </p:nvPr>
         </p:nvSpPr>
         <p:spPr>
@@ -9611,12 +9915,12 @@
           </a:prstGeom>
         </p:spPr>
         <p:txBody>
-          <a:bodyPr anchorCtr="0" anchor="t" bIns="91425" lIns="91425" spcFirstLastPara="1" rIns="91425" wrap="square" tIns="91425">
+          <a:bodyPr spcFirstLastPara="1" wrap="square" lIns="91425" tIns="91425" rIns="91425" bIns="91425" anchor="t" anchorCtr="0">
             <a:normAutofit/>
           </a:bodyPr>
           <a:lstStyle/>
           <a:p>
-            <a:pPr indent="-342900" lvl="0" marL="457200" rtl="0" algn="l">
+            <a:pPr marL="457200" lvl="0" indent="-342900" algn="l" rtl="0">
               <a:spcBef>
                 <a:spcPts val="0"/>
               </a:spcBef>
@@ -9633,7 +9937,7 @@
             <a:endParaRPr/>
           </a:p>
           <a:p>
-            <a:pPr indent="-342900" lvl="0" marL="457200" rtl="0" algn="l">
+            <a:pPr marL="457200" lvl="0" indent="-342900" algn="l" rtl="0">
               <a:spcBef>
                 <a:spcPts val="0"/>
               </a:spcBef>
@@ -9650,7 +9954,7 @@
             <a:endParaRPr/>
           </a:p>
           <a:p>
-            <a:pPr indent="-342900" lvl="0" marL="457200" rtl="0" algn="l">
+            <a:pPr marL="457200" lvl="0" indent="-342900" algn="l" rtl="0">
               <a:spcBef>
                 <a:spcPts val="0"/>
               </a:spcBef>
@@ -9705,11 +10009,11 @@
 </file>
 
 <file path=ppt/slides/slide18.xml><?xml version="1.0" encoding="utf-8"?>
-<p:sld xmlns:a="http://schemas.openxmlformats.org/drawingml/2006/main" xmlns:r="http://schemas.openxmlformats.org/officeDocument/2006/relationships" xmlns:mc="http://schemas.openxmlformats.org/markup-compatibility/2006" xmlns:mv="urn:schemas-microsoft-com:mac:vml" xmlns:p="http://schemas.openxmlformats.org/presentationml/2006/main" xmlns:c="http://schemas.openxmlformats.org/drawingml/2006/chart" xmlns:dgm="http://schemas.openxmlformats.org/drawingml/2006/diagram" xmlns:o="urn:schemas-microsoft-com:office:office" xmlns:v="urn:schemas-microsoft-com:vml" xmlns:pvml="urn:schemas-microsoft-com:office:powerpoint" xmlns:com="http://schemas.openxmlformats.org/drawingml/2006/compatibility" xmlns:p14="http://schemas.microsoft.com/office/powerpoint/2010/main" xmlns:p15="http://schemas.microsoft.com/office/powerpoint/2012/main" xmlns:ahyp="http://schemas.microsoft.com/office/drawing/2018/hyperlinkcolor">
+<p:sld xmlns:a="http://schemas.openxmlformats.org/drawingml/2006/main" xmlns:r="http://schemas.openxmlformats.org/officeDocument/2006/relationships" xmlns:p="http://schemas.openxmlformats.org/presentationml/2006/main">
   <p:cSld>
     <p:spTree>
       <p:nvGrpSpPr>
-        <p:cNvPr id="167" name="Shape 167"/>
+        <p:cNvPr id="1" name="Shape 167"/>
         <p:cNvGrpSpPr/>
         <p:nvPr/>
       </p:nvGrpSpPr>
@@ -9724,7 +10028,9 @@
       <p:sp>
         <p:nvSpPr>
           <p:cNvPr id="168" name="Google Shape;168;p30"/>
-          <p:cNvSpPr txBox="1"/>
+          <p:cNvSpPr txBox="1">
+            <a:spLocks noGrp="1"/>
+          </p:cNvSpPr>
           <p:nvPr>
             <p:ph type="title"/>
           </p:nvPr>
@@ -9739,12 +10045,12 @@
           </a:prstGeom>
         </p:spPr>
         <p:txBody>
-          <a:bodyPr anchorCtr="0" anchor="t" bIns="91425" lIns="91425" spcFirstLastPara="1" rIns="91425" wrap="square" tIns="91425">
+          <a:bodyPr spcFirstLastPara="1" wrap="square" lIns="91425" tIns="91425" rIns="91425" bIns="91425" anchor="t" anchorCtr="0">
             <a:normAutofit fontScale="90000"/>
           </a:bodyPr>
           <a:lstStyle/>
           <a:p>
-            <a:pPr indent="0" lvl="0" marL="0" rtl="0" algn="l">
+            <a:pPr marL="0" lvl="0" indent="0" algn="l" rtl="0">
               <a:spcBef>
                 <a:spcPts val="0"/>
               </a:spcBef>
@@ -9764,9 +10070,11 @@
       <p:sp>
         <p:nvSpPr>
           <p:cNvPr id="169" name="Google Shape;169;p30"/>
-          <p:cNvSpPr txBox="1"/>
+          <p:cNvSpPr txBox="1">
+            <a:spLocks noGrp="1"/>
+          </p:cNvSpPr>
           <p:nvPr>
-            <p:ph idx="1" type="body"/>
+            <p:ph type="body" idx="1"/>
           </p:nvPr>
         </p:nvSpPr>
         <p:spPr>
@@ -9779,12 +10087,12 @@
           </a:prstGeom>
         </p:spPr>
         <p:txBody>
-          <a:bodyPr anchorCtr="0" anchor="t" bIns="91425" lIns="91425" spcFirstLastPara="1" rIns="91425" wrap="square" tIns="91425">
+          <a:bodyPr spcFirstLastPara="1" wrap="square" lIns="91425" tIns="91425" rIns="91425" bIns="91425" anchor="t" anchorCtr="0">
             <a:normAutofit/>
           </a:bodyPr>
           <a:lstStyle/>
           <a:p>
-            <a:pPr indent="-342900" lvl="0" marL="457200" rtl="0" algn="l">
+            <a:pPr marL="457200" lvl="0" indent="-342900" algn="l" rtl="0">
               <a:spcBef>
                 <a:spcPts val="0"/>
               </a:spcBef>
@@ -9801,7 +10109,7 @@
             <a:endParaRPr/>
           </a:p>
           <a:p>
-            <a:pPr indent="-342900" lvl="0" marL="457200" rtl="0" algn="l">
+            <a:pPr marL="457200" lvl="0" indent="-342900" algn="l" rtl="0">
               <a:spcBef>
                 <a:spcPts val="0"/>
               </a:spcBef>
@@ -9818,7 +10126,7 @@
             <a:endParaRPr/>
           </a:p>
           <a:p>
-            <a:pPr indent="-342900" lvl="0" marL="457200" rtl="0" algn="l">
+            <a:pPr marL="457200" lvl="0" indent="-342900" algn="l" rtl="0">
               <a:spcBef>
                 <a:spcPts val="0"/>
               </a:spcBef>
@@ -9830,16 +10138,12 @@
             </a:pPr>
             <a:r>
               <a:rPr lang="en"/>
-              <a:t>Keyword hit</a:t>
+              <a:t>Keyword hit: DecisionTree</a:t>
             </a:r>
-            <a:r>
-              <a:rPr lang="en"/>
-              <a:t>: DecisionTree</a:t>
-            </a:r>
-            <a:endParaRPr/>
-          </a:p>
-          <a:p>
-            <a:pPr indent="-342900" lvl="0" marL="457200" rtl="0" algn="l">
+            <a:endParaRPr/>
+          </a:p>
+          <a:p>
+            <a:pPr marL="457200" lvl="0" indent="-342900" algn="l" rtl="0">
               <a:spcBef>
                 <a:spcPts val="0"/>
               </a:spcBef>
@@ -9874,23 +10178,23 @@
           <a:solidFill>
             <a:schemeClr val="lt2"/>
           </a:solidFill>
-          <a:ln cap="flat" cmpd="sng" w="9525">
+          <a:ln w="9525" cap="flat" cmpd="sng">
             <a:solidFill>
               <a:schemeClr val="dk2"/>
             </a:solidFill>
             <a:prstDash val="solid"/>
             <a:round/>
-            <a:headEnd len="sm" w="sm" type="none"/>
-            <a:tailEnd len="sm" w="sm" type="none"/>
+            <a:headEnd type="none" w="sm" len="sm"/>
+            <a:tailEnd type="none" w="sm" len="sm"/>
           </a:ln>
         </p:spPr>
         <p:txBody>
-          <a:bodyPr anchorCtr="0" anchor="ctr" bIns="91425" lIns="91425" spcFirstLastPara="1" rIns="91425" wrap="square" tIns="91425">
+          <a:bodyPr spcFirstLastPara="1" wrap="square" lIns="91425" tIns="91425" rIns="91425" bIns="91425" anchor="ctr" anchorCtr="0">
             <a:noAutofit/>
           </a:bodyPr>
           <a:lstStyle/>
           <a:p>
-            <a:pPr indent="0" lvl="0" marL="0" rtl="0" algn="ctr">
+            <a:pPr marL="0" lvl="0" indent="0" algn="ctr" rtl="0">
               <a:spcBef>
                 <a:spcPts val="0"/>
               </a:spcBef>
@@ -9924,23 +10228,23 @@
           <a:solidFill>
             <a:schemeClr val="lt2"/>
           </a:solidFill>
-          <a:ln cap="flat" cmpd="sng" w="9525">
+          <a:ln w="9525" cap="flat" cmpd="sng">
             <a:solidFill>
               <a:schemeClr val="dk2"/>
             </a:solidFill>
             <a:prstDash val="solid"/>
             <a:round/>
-            <a:headEnd len="sm" w="sm" type="none"/>
-            <a:tailEnd len="sm" w="sm" type="none"/>
+            <a:headEnd type="none" w="sm" len="sm"/>
+            <a:tailEnd type="none" w="sm" len="sm"/>
           </a:ln>
         </p:spPr>
         <p:txBody>
-          <a:bodyPr anchorCtr="0" anchor="ctr" bIns="91425" lIns="91425" spcFirstLastPara="1" rIns="91425" wrap="square" tIns="91425">
+          <a:bodyPr spcFirstLastPara="1" wrap="square" lIns="91425" tIns="91425" rIns="91425" bIns="91425" anchor="ctr" anchorCtr="0">
             <a:noAutofit/>
           </a:bodyPr>
           <a:lstStyle/>
           <a:p>
-            <a:pPr indent="0" lvl="0" marL="0" rtl="0" algn="ctr">
+            <a:pPr marL="0" lvl="0" indent="0" algn="ctr" rtl="0">
               <a:spcBef>
                 <a:spcPts val="0"/>
               </a:spcBef>
@@ -9974,23 +10278,23 @@
           <a:solidFill>
             <a:schemeClr val="lt2"/>
           </a:solidFill>
-          <a:ln cap="flat" cmpd="sng" w="9525">
+          <a:ln w="9525" cap="flat" cmpd="sng">
             <a:solidFill>
               <a:schemeClr val="dk2"/>
             </a:solidFill>
             <a:prstDash val="solid"/>
             <a:round/>
-            <a:headEnd len="sm" w="sm" type="none"/>
-            <a:tailEnd len="sm" w="sm" type="none"/>
+            <a:headEnd type="none" w="sm" len="sm"/>
+            <a:tailEnd type="none" w="sm" len="sm"/>
           </a:ln>
         </p:spPr>
         <p:txBody>
-          <a:bodyPr anchorCtr="0" anchor="ctr" bIns="91425" lIns="91425" spcFirstLastPara="1" rIns="91425" wrap="square" tIns="91425">
+          <a:bodyPr spcFirstLastPara="1" wrap="square" lIns="91425" tIns="91425" rIns="91425" bIns="91425" anchor="ctr" anchorCtr="0">
             <a:noAutofit/>
           </a:bodyPr>
           <a:lstStyle/>
           <a:p>
-            <a:pPr indent="0" lvl="0" marL="0" rtl="0" algn="ctr">
+            <a:pPr marL="0" lvl="0" indent="0" algn="ctr" rtl="0">
               <a:spcBef>
                 <a:spcPts val="0"/>
               </a:spcBef>
@@ -10024,23 +10328,23 @@
           <a:solidFill>
             <a:schemeClr val="lt2"/>
           </a:solidFill>
-          <a:ln cap="flat" cmpd="sng" w="9525">
+          <a:ln w="9525" cap="flat" cmpd="sng">
             <a:solidFill>
               <a:schemeClr val="dk2"/>
             </a:solidFill>
             <a:prstDash val="solid"/>
             <a:round/>
-            <a:headEnd len="sm" w="sm" type="none"/>
-            <a:tailEnd len="sm" w="sm" type="none"/>
+            <a:headEnd type="none" w="sm" len="sm"/>
+            <a:tailEnd type="none" w="sm" len="sm"/>
           </a:ln>
         </p:spPr>
         <p:txBody>
-          <a:bodyPr anchorCtr="0" anchor="ctr" bIns="91425" lIns="91425" spcFirstLastPara="1" rIns="91425" wrap="square" tIns="91425">
+          <a:bodyPr spcFirstLastPara="1" wrap="square" lIns="91425" tIns="91425" rIns="91425" bIns="91425" anchor="ctr" anchorCtr="0">
             <a:noAutofit/>
           </a:bodyPr>
           <a:lstStyle/>
           <a:p>
-            <a:pPr indent="0" lvl="0" marL="0" rtl="0" algn="ctr">
+            <a:pPr marL="0" lvl="0" indent="0" algn="ctr" rtl="0">
               <a:spcBef>
                 <a:spcPts val="0"/>
               </a:spcBef>
@@ -10074,23 +10378,23 @@
           <a:solidFill>
             <a:srgbClr val="FFFFFF"/>
           </a:solidFill>
-          <a:ln cap="flat" cmpd="sng" w="9525">
+          <a:ln w="9525" cap="flat" cmpd="sng">
             <a:solidFill>
               <a:schemeClr val="dk2"/>
             </a:solidFill>
             <a:prstDash val="solid"/>
             <a:round/>
-            <a:headEnd len="sm" w="sm" type="none"/>
-            <a:tailEnd len="sm" w="sm" type="none"/>
+            <a:headEnd type="none" w="sm" len="sm"/>
+            <a:tailEnd type="none" w="sm" len="sm"/>
           </a:ln>
         </p:spPr>
         <p:txBody>
-          <a:bodyPr anchorCtr="0" anchor="ctr" bIns="91425" lIns="91425" spcFirstLastPara="1" rIns="91425" wrap="square" tIns="91425">
+          <a:bodyPr spcFirstLastPara="1" wrap="square" lIns="91425" tIns="91425" rIns="91425" bIns="91425" anchor="ctr" anchorCtr="0">
             <a:noAutofit/>
           </a:bodyPr>
           <a:lstStyle/>
           <a:p>
-            <a:pPr indent="0" lvl="0" marL="0" rtl="0" algn="ctr">
+            <a:pPr marL="0" lvl="0" indent="0" algn="ctr" rtl="0">
               <a:spcBef>
                 <a:spcPts val="0"/>
               </a:spcBef>
@@ -10124,23 +10428,23 @@
           <a:solidFill>
             <a:srgbClr val="FFFFFF"/>
           </a:solidFill>
-          <a:ln cap="flat" cmpd="sng" w="9525">
+          <a:ln w="9525" cap="flat" cmpd="sng">
             <a:solidFill>
               <a:schemeClr val="dk2"/>
             </a:solidFill>
             <a:prstDash val="solid"/>
             <a:round/>
-            <a:headEnd len="sm" w="sm" type="none"/>
-            <a:tailEnd len="sm" w="sm" type="none"/>
+            <a:headEnd type="none" w="sm" len="sm"/>
+            <a:tailEnd type="none" w="sm" len="sm"/>
           </a:ln>
         </p:spPr>
         <p:txBody>
-          <a:bodyPr anchorCtr="0" anchor="ctr" bIns="91425" lIns="91425" spcFirstLastPara="1" rIns="91425" wrap="square" tIns="91425">
+          <a:bodyPr spcFirstLastPara="1" wrap="square" lIns="91425" tIns="91425" rIns="91425" bIns="91425" anchor="ctr" anchorCtr="0">
             <a:noAutofit/>
           </a:bodyPr>
           <a:lstStyle/>
           <a:p>
-            <a:pPr indent="0" lvl="0" marL="0" rtl="0" algn="ctr">
+            <a:pPr marL="0" lvl="0" indent="0" algn="ctr" rtl="0">
               <a:spcBef>
                 <a:spcPts val="0"/>
               </a:spcBef>
@@ -10174,23 +10478,23 @@
           <a:solidFill>
             <a:srgbClr val="FFFFFF"/>
           </a:solidFill>
-          <a:ln cap="flat" cmpd="sng" w="9525">
+          <a:ln w="9525" cap="flat" cmpd="sng">
             <a:solidFill>
               <a:schemeClr val="dk2"/>
             </a:solidFill>
             <a:prstDash val="solid"/>
             <a:round/>
-            <a:headEnd len="sm" w="sm" type="none"/>
-            <a:tailEnd len="sm" w="sm" type="none"/>
+            <a:headEnd type="none" w="sm" len="sm"/>
+            <a:tailEnd type="none" w="sm" len="sm"/>
           </a:ln>
         </p:spPr>
         <p:txBody>
-          <a:bodyPr anchorCtr="0" anchor="ctr" bIns="91425" lIns="91425" spcFirstLastPara="1" rIns="91425" wrap="square" tIns="91425">
+          <a:bodyPr spcFirstLastPara="1" wrap="square" lIns="91425" tIns="91425" rIns="91425" bIns="91425" anchor="ctr" anchorCtr="0">
             <a:noAutofit/>
           </a:bodyPr>
           <a:lstStyle/>
           <a:p>
-            <a:pPr indent="0" lvl="0" marL="0" rtl="0" algn="ctr">
+            <a:pPr marL="0" lvl="0" indent="0" algn="ctr" rtl="0">
               <a:spcBef>
                 <a:spcPts val="0"/>
               </a:spcBef>
@@ -10206,7 +10510,7 @@
             <a:endParaRPr/>
           </a:p>
           <a:p>
-            <a:pPr indent="0" lvl="0" marL="0" rtl="0" algn="ctr">
+            <a:pPr marL="0" lvl="0" indent="0" algn="ctr" rtl="0">
               <a:spcBef>
                 <a:spcPts val="0"/>
               </a:spcBef>
@@ -10241,14 +10545,14 @@
             <a:avLst/>
           </a:prstGeom>
           <a:noFill/>
-          <a:ln cap="flat" cmpd="sng" w="9525">
+          <a:ln w="9525" cap="flat" cmpd="sng">
             <a:solidFill>
               <a:schemeClr val="dk2"/>
             </a:solidFill>
             <a:prstDash val="solid"/>
             <a:round/>
-            <a:headEnd len="med" w="med" type="none"/>
-            <a:tailEnd len="med" w="med" type="triangle"/>
+            <a:headEnd type="none" w="med" len="med"/>
+            <a:tailEnd type="triangle" w="med" len="med"/>
           </a:ln>
         </p:spPr>
       </p:cxnSp>
@@ -10270,14 +10574,14 @@
             <a:avLst/>
           </a:prstGeom>
           <a:noFill/>
-          <a:ln cap="flat" cmpd="sng" w="9525">
+          <a:ln w="9525" cap="flat" cmpd="sng">
             <a:solidFill>
               <a:schemeClr val="dk2"/>
             </a:solidFill>
             <a:prstDash val="solid"/>
             <a:round/>
-            <a:headEnd len="med" w="med" type="none"/>
-            <a:tailEnd len="med" w="med" type="triangle"/>
+            <a:headEnd type="none" w="med" len="med"/>
+            <a:tailEnd type="triangle" w="med" len="med"/>
           </a:ln>
         </p:spPr>
       </p:cxnSp>
@@ -10299,14 +10603,14 @@
             <a:avLst/>
           </a:prstGeom>
           <a:noFill/>
-          <a:ln cap="flat" cmpd="sng" w="9525">
+          <a:ln w="9525" cap="flat" cmpd="sng">
             <a:solidFill>
               <a:schemeClr val="dk2"/>
             </a:solidFill>
             <a:prstDash val="solid"/>
             <a:round/>
-            <a:headEnd len="med" w="med" type="none"/>
-            <a:tailEnd len="med" w="med" type="triangle"/>
+            <a:headEnd type="none" w="med" len="med"/>
+            <a:tailEnd type="triangle" w="med" len="med"/>
           </a:ln>
         </p:spPr>
       </p:cxnSp>
@@ -10328,14 +10632,14 @@
             <a:avLst/>
           </a:prstGeom>
           <a:noFill/>
-          <a:ln cap="flat" cmpd="sng" w="9525">
+          <a:ln w="9525" cap="flat" cmpd="sng">
             <a:solidFill>
               <a:schemeClr val="dk2"/>
             </a:solidFill>
             <a:prstDash val="solid"/>
             <a:round/>
-            <a:headEnd len="med" w="med" type="none"/>
-            <a:tailEnd len="med" w="med" type="triangle"/>
+            <a:headEnd type="none" w="med" len="med"/>
+            <a:tailEnd type="triangle" w="med" len="med"/>
           </a:ln>
         </p:spPr>
       </p:cxnSp>
@@ -10357,14 +10661,14 @@
             <a:avLst/>
           </a:prstGeom>
           <a:noFill/>
-          <a:ln cap="flat" cmpd="sng" w="9525">
+          <a:ln w="9525" cap="flat" cmpd="sng">
             <a:solidFill>
               <a:schemeClr val="dk2"/>
             </a:solidFill>
             <a:prstDash val="solid"/>
             <a:round/>
-            <a:headEnd len="med" w="med" type="none"/>
-            <a:tailEnd len="med" w="med" type="triangle"/>
+            <a:headEnd type="none" w="med" len="med"/>
+            <a:tailEnd type="triangle" w="med" len="med"/>
           </a:ln>
         </p:spPr>
       </p:cxnSp>
@@ -10378,7 +10682,7 @@
           <p:nvPr/>
         </p:nvCxnSpPr>
         <p:spPr>
-          <a:xfrm flipH="1" rot="10800000">
+          <a:xfrm rot="10800000" flipH="1">
             <a:off x="3626725" y="3913700"/>
             <a:ext cx="769200" cy="842100"/>
           </a:xfrm>
@@ -10386,14 +10690,14 @@
             <a:avLst/>
           </a:prstGeom>
           <a:noFill/>
-          <a:ln cap="flat" cmpd="sng" w="9525">
+          <a:ln w="9525" cap="flat" cmpd="sng">
             <a:solidFill>
               <a:schemeClr val="dk2"/>
             </a:solidFill>
             <a:prstDash val="solid"/>
             <a:round/>
-            <a:headEnd len="med" w="med" type="none"/>
-            <a:tailEnd len="med" w="med" type="triangle"/>
+            <a:headEnd type="none" w="med" len="med"/>
+            <a:tailEnd type="triangle" w="med" len="med"/>
           </a:ln>
         </p:spPr>
       </p:cxnSp>
@@ -10406,11 +10710,11 @@
 </file>
 
 <file path=ppt/slides/slide19.xml><?xml version="1.0" encoding="utf-8"?>
-<p:sld xmlns:a="http://schemas.openxmlformats.org/drawingml/2006/main" xmlns:r="http://schemas.openxmlformats.org/officeDocument/2006/relationships" xmlns:mc="http://schemas.openxmlformats.org/markup-compatibility/2006" xmlns:mv="urn:schemas-microsoft-com:mac:vml" xmlns:p="http://schemas.openxmlformats.org/presentationml/2006/main" xmlns:c="http://schemas.openxmlformats.org/drawingml/2006/chart" xmlns:dgm="http://schemas.openxmlformats.org/drawingml/2006/diagram" xmlns:o="urn:schemas-microsoft-com:office:office" xmlns:v="urn:schemas-microsoft-com:vml" xmlns:pvml="urn:schemas-microsoft-com:office:powerpoint" xmlns:com="http://schemas.openxmlformats.org/drawingml/2006/compatibility" xmlns:p14="http://schemas.microsoft.com/office/powerpoint/2010/main" xmlns:p15="http://schemas.microsoft.com/office/powerpoint/2012/main" xmlns:ahyp="http://schemas.microsoft.com/office/drawing/2018/hyperlinkcolor">
+<p:sld xmlns:a="http://schemas.openxmlformats.org/drawingml/2006/main" xmlns:r="http://schemas.openxmlformats.org/officeDocument/2006/relationships" xmlns:p="http://schemas.openxmlformats.org/presentationml/2006/main">
   <p:cSld>
     <p:spTree>
       <p:nvGrpSpPr>
-        <p:cNvPr id="186" name="Shape 186"/>
+        <p:cNvPr id="1" name="Shape 186"/>
         <p:cNvGrpSpPr/>
         <p:nvPr/>
       </p:nvGrpSpPr>
@@ -10425,7 +10729,9 @@
       <p:sp>
         <p:nvSpPr>
           <p:cNvPr id="187" name="Google Shape;187;p31"/>
-          <p:cNvSpPr txBox="1"/>
+          <p:cNvSpPr txBox="1">
+            <a:spLocks noGrp="1"/>
+          </p:cNvSpPr>
           <p:nvPr>
             <p:ph type="title"/>
           </p:nvPr>
@@ -10440,12 +10746,12 @@
           </a:prstGeom>
         </p:spPr>
         <p:txBody>
-          <a:bodyPr anchorCtr="0" anchor="t" bIns="91425" lIns="91425" spcFirstLastPara="1" rIns="91425" wrap="square" tIns="91425">
+          <a:bodyPr spcFirstLastPara="1" wrap="square" lIns="91425" tIns="91425" rIns="91425" bIns="91425" anchor="t" anchorCtr="0">
             <a:normAutofit fontScale="90000"/>
           </a:bodyPr>
           <a:lstStyle/>
           <a:p>
-            <a:pPr indent="0" lvl="0" marL="0" rtl="0" algn="l">
+            <a:pPr marL="0" lvl="0" indent="0" algn="l" rtl="0">
               <a:spcBef>
                 <a:spcPts val="0"/>
               </a:spcBef>
@@ -10465,9 +10771,11 @@
       <p:sp>
         <p:nvSpPr>
           <p:cNvPr id="188" name="Google Shape;188;p31"/>
-          <p:cNvSpPr txBox="1"/>
+          <p:cNvSpPr txBox="1">
+            <a:spLocks noGrp="1"/>
+          </p:cNvSpPr>
           <p:nvPr>
-            <p:ph idx="1" type="body"/>
+            <p:ph type="body" idx="1"/>
           </p:nvPr>
         </p:nvSpPr>
         <p:spPr>
@@ -10480,12 +10788,12 @@
           </a:prstGeom>
         </p:spPr>
         <p:txBody>
-          <a:bodyPr anchorCtr="0" anchor="t" bIns="91425" lIns="91425" spcFirstLastPara="1" rIns="91425" wrap="square" tIns="91425">
+          <a:bodyPr spcFirstLastPara="1" wrap="square" lIns="91425" tIns="91425" rIns="91425" bIns="91425" anchor="t" anchorCtr="0">
             <a:normAutofit/>
           </a:bodyPr>
           <a:lstStyle/>
           <a:p>
-            <a:pPr indent="-342900" lvl="0" marL="457200" rtl="0" algn="l">
+            <a:pPr marL="457200" lvl="0" indent="-342900" algn="l" rtl="0">
               <a:spcBef>
                 <a:spcPts val="0"/>
               </a:spcBef>
@@ -10502,7 +10810,7 @@
             <a:endParaRPr/>
           </a:p>
           <a:p>
-            <a:pPr indent="-317500" lvl="1" marL="914400" rtl="0" algn="l">
+            <a:pPr marL="914400" lvl="1" indent="-317500" algn="l" rtl="0">
               <a:spcBef>
                 <a:spcPts val="0"/>
               </a:spcBef>
@@ -10519,7 +10827,7 @@
             <a:endParaRPr/>
           </a:p>
           <a:p>
-            <a:pPr indent="-317500" lvl="1" marL="914400" rtl="0" algn="l">
+            <a:pPr marL="914400" lvl="1" indent="-317500" algn="l" rtl="0">
               <a:spcBef>
                 <a:spcPts val="0"/>
               </a:spcBef>
@@ -10536,7 +10844,7 @@
             <a:endParaRPr/>
           </a:p>
           <a:p>
-            <a:pPr indent="-342900" lvl="0" marL="457200" rtl="0" algn="l">
+            <a:pPr marL="457200" lvl="0" indent="-342900" algn="l" rtl="0">
               <a:spcBef>
                 <a:spcPts val="0"/>
               </a:spcBef>
@@ -10553,7 +10861,7 @@
             <a:endParaRPr/>
           </a:p>
           <a:p>
-            <a:pPr indent="-342900" lvl="0" marL="457200" rtl="0" algn="l">
+            <a:pPr marL="457200" lvl="0" indent="-342900" algn="l" rtl="0">
               <a:spcBef>
                 <a:spcPts val="0"/>
               </a:spcBef>
@@ -10580,11 +10888,11 @@
 </file>
 
 <file path=ppt/slides/slide2.xml><?xml version="1.0" encoding="utf-8"?>
-<p:sld xmlns:a="http://schemas.openxmlformats.org/drawingml/2006/main" xmlns:r="http://schemas.openxmlformats.org/officeDocument/2006/relationships" xmlns:mc="http://schemas.openxmlformats.org/markup-compatibility/2006" xmlns:mv="urn:schemas-microsoft-com:mac:vml" xmlns:p="http://schemas.openxmlformats.org/presentationml/2006/main" xmlns:c="http://schemas.openxmlformats.org/drawingml/2006/chart" xmlns:dgm="http://schemas.openxmlformats.org/drawingml/2006/diagram" xmlns:o="urn:schemas-microsoft-com:office:office" xmlns:v="urn:schemas-microsoft-com:vml" xmlns:pvml="urn:schemas-microsoft-com:office:powerpoint" xmlns:com="http://schemas.openxmlformats.org/drawingml/2006/compatibility" xmlns:p14="http://schemas.microsoft.com/office/powerpoint/2010/main" xmlns:p15="http://schemas.microsoft.com/office/powerpoint/2012/main" xmlns:ahyp="http://schemas.microsoft.com/office/drawing/2018/hyperlinkcolor">
+<p:sld xmlns:a="http://schemas.openxmlformats.org/drawingml/2006/main" xmlns:r="http://schemas.openxmlformats.org/officeDocument/2006/relationships" xmlns:p="http://schemas.openxmlformats.org/presentationml/2006/main">
   <p:cSld>
     <p:spTree>
       <p:nvGrpSpPr>
-        <p:cNvPr id="60" name="Shape 60"/>
+        <p:cNvPr id="1" name="Shape 60"/>
         <p:cNvGrpSpPr/>
         <p:nvPr/>
       </p:nvGrpSpPr>
@@ -10599,7 +10907,9 @@
       <p:sp>
         <p:nvSpPr>
           <p:cNvPr id="61" name="Google Shape;61;p14"/>
-          <p:cNvSpPr txBox="1"/>
+          <p:cNvSpPr txBox="1">
+            <a:spLocks noGrp="1"/>
+          </p:cNvSpPr>
           <p:nvPr>
             <p:ph type="title"/>
           </p:nvPr>
@@ -10614,12 +10924,12 @@
           </a:prstGeom>
         </p:spPr>
         <p:txBody>
-          <a:bodyPr anchorCtr="0" anchor="t" bIns="91425" lIns="91425" spcFirstLastPara="1" rIns="91425" wrap="square" tIns="91425">
+          <a:bodyPr spcFirstLastPara="1" wrap="square" lIns="91425" tIns="91425" rIns="91425" bIns="91425" anchor="t" anchorCtr="0">
             <a:normAutofit fontScale="90000"/>
           </a:bodyPr>
           <a:lstStyle/>
           <a:p>
-            <a:pPr indent="0" lvl="0" marL="0" rtl="0" algn="l">
+            <a:pPr marL="0" lvl="0" indent="0" algn="l" rtl="0">
               <a:spcBef>
                 <a:spcPts val="0"/>
               </a:spcBef>
@@ -10639,9 +10949,11 @@
       <p:sp>
         <p:nvSpPr>
           <p:cNvPr id="62" name="Google Shape;62;p14"/>
-          <p:cNvSpPr txBox="1"/>
+          <p:cNvSpPr txBox="1">
+            <a:spLocks noGrp="1"/>
+          </p:cNvSpPr>
           <p:nvPr>
-            <p:ph idx="1" type="body"/>
+            <p:ph type="body" idx="1"/>
           </p:nvPr>
         </p:nvSpPr>
         <p:spPr>
@@ -10654,12 +10966,12 @@
           </a:prstGeom>
         </p:spPr>
         <p:txBody>
-          <a:bodyPr anchorCtr="0" anchor="t" bIns="91425" lIns="91425" spcFirstLastPara="1" rIns="91425" wrap="square" tIns="91425">
+          <a:bodyPr spcFirstLastPara="1" wrap="square" lIns="91425" tIns="91425" rIns="91425" bIns="91425" anchor="t" anchorCtr="0">
             <a:normAutofit/>
           </a:bodyPr>
           <a:lstStyle/>
           <a:p>
-            <a:pPr indent="0" lvl="0" marL="0" rtl="0" algn="l">
+            <a:pPr marL="0" lvl="0" indent="0" algn="l" rtl="0">
               <a:spcBef>
                 <a:spcPts val="0"/>
               </a:spcBef>
@@ -10668,9 +10980,6 @@
               </a:spcAft>
               <a:buNone/>
             </a:pPr>
-            <a:r>
-              <a:t/>
-            </a:r>
             <a:endParaRPr/>
           </a:p>
         </p:txBody>
@@ -10712,11 +11021,11 @@
 </file>
 
 <file path=ppt/slides/slide20.xml><?xml version="1.0" encoding="utf-8"?>
-<p:sld xmlns:a="http://schemas.openxmlformats.org/drawingml/2006/main" xmlns:r="http://schemas.openxmlformats.org/officeDocument/2006/relationships" xmlns:mc="http://schemas.openxmlformats.org/markup-compatibility/2006" xmlns:mv="urn:schemas-microsoft-com:mac:vml" xmlns:p="http://schemas.openxmlformats.org/presentationml/2006/main" xmlns:c="http://schemas.openxmlformats.org/drawingml/2006/chart" xmlns:dgm="http://schemas.openxmlformats.org/drawingml/2006/diagram" xmlns:o="urn:schemas-microsoft-com:office:office" xmlns:v="urn:schemas-microsoft-com:vml" xmlns:pvml="urn:schemas-microsoft-com:office:powerpoint" xmlns:com="http://schemas.openxmlformats.org/drawingml/2006/compatibility" xmlns:p14="http://schemas.microsoft.com/office/powerpoint/2010/main" xmlns:p15="http://schemas.microsoft.com/office/powerpoint/2012/main" xmlns:ahyp="http://schemas.microsoft.com/office/drawing/2018/hyperlinkcolor">
+<p:sld xmlns:a="http://schemas.openxmlformats.org/drawingml/2006/main" xmlns:r="http://schemas.openxmlformats.org/officeDocument/2006/relationships" xmlns:p="http://schemas.openxmlformats.org/presentationml/2006/main">
   <p:cSld>
     <p:spTree>
       <p:nvGrpSpPr>
-        <p:cNvPr id="192" name="Shape 192"/>
+        <p:cNvPr id="1" name="Shape 192"/>
         <p:cNvGrpSpPr/>
         <p:nvPr/>
       </p:nvGrpSpPr>
@@ -10731,7 +11040,9 @@
       <p:sp>
         <p:nvSpPr>
           <p:cNvPr id="193" name="Google Shape;193;p32"/>
-          <p:cNvSpPr txBox="1"/>
+          <p:cNvSpPr txBox="1">
+            <a:spLocks noGrp="1"/>
+          </p:cNvSpPr>
           <p:nvPr>
             <p:ph type="title"/>
           </p:nvPr>
@@ -10746,12 +11057,12 @@
           </a:prstGeom>
         </p:spPr>
         <p:txBody>
-          <a:bodyPr anchorCtr="0" anchor="t" bIns="91425" lIns="91425" spcFirstLastPara="1" rIns="91425" wrap="square" tIns="91425">
+          <a:bodyPr spcFirstLastPara="1" wrap="square" lIns="91425" tIns="91425" rIns="91425" bIns="91425" anchor="t" anchorCtr="0">
             <a:normAutofit fontScale="90000"/>
           </a:bodyPr>
           <a:lstStyle/>
           <a:p>
-            <a:pPr indent="0" lvl="0" marL="0" rtl="0" algn="l">
+            <a:pPr marL="0" lvl="0" indent="0" algn="l" rtl="0">
               <a:spcBef>
                 <a:spcPts val="0"/>
               </a:spcBef>
@@ -10771,9 +11082,11 @@
       <p:sp>
         <p:nvSpPr>
           <p:cNvPr id="194" name="Google Shape;194;p32"/>
-          <p:cNvSpPr txBox="1"/>
+          <p:cNvSpPr txBox="1">
+            <a:spLocks noGrp="1"/>
+          </p:cNvSpPr>
           <p:nvPr>
-            <p:ph idx="1" type="body"/>
+            <p:ph type="body" idx="1"/>
           </p:nvPr>
         </p:nvSpPr>
         <p:spPr>
@@ -10786,12 +11099,12 @@
           </a:prstGeom>
         </p:spPr>
         <p:txBody>
-          <a:bodyPr anchorCtr="0" anchor="t" bIns="91425" lIns="91425" spcFirstLastPara="1" rIns="91425" wrap="square" tIns="91425">
+          <a:bodyPr spcFirstLastPara="1" wrap="square" lIns="91425" tIns="91425" rIns="91425" bIns="91425" anchor="t" anchorCtr="0">
             <a:normAutofit/>
           </a:bodyPr>
           <a:lstStyle/>
           <a:p>
-            <a:pPr indent="-342900" lvl="0" marL="457200" rtl="0" algn="l">
+            <a:pPr marL="457200" lvl="0" indent="-342900" algn="l" rtl="0">
               <a:spcBef>
                 <a:spcPts val="0"/>
               </a:spcBef>
@@ -10808,7 +11121,7 @@
             <a:endParaRPr/>
           </a:p>
           <a:p>
-            <a:pPr indent="-342900" lvl="0" marL="457200" rtl="0" algn="l">
+            <a:pPr marL="457200" lvl="0" indent="-342900" algn="l" rtl="0">
               <a:spcBef>
                 <a:spcPts val="0"/>
               </a:spcBef>
@@ -10825,7 +11138,7 @@
             <a:endParaRPr/>
           </a:p>
           <a:p>
-            <a:pPr indent="-342900" lvl="0" marL="457200" rtl="0" algn="l">
+            <a:pPr marL="457200" lvl="0" indent="-342900" algn="l" rtl="0">
               <a:spcBef>
                 <a:spcPts val="0"/>
               </a:spcBef>
@@ -10842,7 +11155,7 @@
             <a:endParaRPr/>
           </a:p>
           <a:p>
-            <a:pPr indent="-342900" lvl="0" marL="457200" rtl="0" algn="l">
+            <a:pPr marL="457200" lvl="0" indent="-342900" algn="l" rtl="0">
               <a:spcBef>
                 <a:spcPts val="0"/>
               </a:spcBef>
@@ -10859,7 +11172,7 @@
             <a:endParaRPr/>
           </a:p>
           <a:p>
-            <a:pPr indent="-342900" lvl="0" marL="457200" rtl="0" algn="l">
+            <a:pPr marL="457200" lvl="0" indent="-342900" algn="l" rtl="0">
               <a:spcBef>
                 <a:spcPts val="0"/>
               </a:spcBef>
@@ -10876,7 +11189,7 @@
             <a:endParaRPr/>
           </a:p>
           <a:p>
-            <a:pPr indent="-342900" lvl="0" marL="457200" rtl="0" algn="l">
+            <a:pPr marL="457200" lvl="0" indent="-342900" algn="l" rtl="0">
               <a:spcBef>
                 <a:spcPts val="0"/>
               </a:spcBef>
@@ -10903,11 +11216,11 @@
 </file>
 
 <file path=ppt/slides/slide21.xml><?xml version="1.0" encoding="utf-8"?>
-<p:sld xmlns:a="http://schemas.openxmlformats.org/drawingml/2006/main" xmlns:r="http://schemas.openxmlformats.org/officeDocument/2006/relationships" xmlns:mc="http://schemas.openxmlformats.org/markup-compatibility/2006" xmlns:mv="urn:schemas-microsoft-com:mac:vml" xmlns:p="http://schemas.openxmlformats.org/presentationml/2006/main" xmlns:c="http://schemas.openxmlformats.org/drawingml/2006/chart" xmlns:dgm="http://schemas.openxmlformats.org/drawingml/2006/diagram" xmlns:o="urn:schemas-microsoft-com:office:office" xmlns:v="urn:schemas-microsoft-com:vml" xmlns:pvml="urn:schemas-microsoft-com:office:powerpoint" xmlns:com="http://schemas.openxmlformats.org/drawingml/2006/compatibility" xmlns:p14="http://schemas.microsoft.com/office/powerpoint/2010/main" xmlns:p15="http://schemas.microsoft.com/office/powerpoint/2012/main" xmlns:ahyp="http://schemas.microsoft.com/office/drawing/2018/hyperlinkcolor">
+<p:sld xmlns:a="http://schemas.openxmlformats.org/drawingml/2006/main" xmlns:r="http://schemas.openxmlformats.org/officeDocument/2006/relationships" xmlns:p="http://schemas.openxmlformats.org/presentationml/2006/main">
   <p:cSld>
     <p:spTree>
       <p:nvGrpSpPr>
-        <p:cNvPr id="198" name="Shape 198"/>
+        <p:cNvPr id="1" name="Shape 198"/>
         <p:cNvGrpSpPr/>
         <p:nvPr/>
       </p:nvGrpSpPr>
@@ -10922,7 +11235,9 @@
       <p:sp>
         <p:nvSpPr>
           <p:cNvPr id="199" name="Google Shape;199;p33"/>
-          <p:cNvSpPr txBox="1"/>
+          <p:cNvSpPr txBox="1">
+            <a:spLocks noGrp="1"/>
+          </p:cNvSpPr>
           <p:nvPr>
             <p:ph type="title"/>
           </p:nvPr>
@@ -10937,12 +11252,12 @@
           </a:prstGeom>
         </p:spPr>
         <p:txBody>
-          <a:bodyPr anchorCtr="0" anchor="t" bIns="91425" lIns="91425" spcFirstLastPara="1" rIns="91425" wrap="square" tIns="91425">
+          <a:bodyPr spcFirstLastPara="1" wrap="square" lIns="91425" tIns="91425" rIns="91425" bIns="91425" anchor="t" anchorCtr="0">
             <a:normAutofit fontScale="90000"/>
           </a:bodyPr>
           <a:lstStyle/>
           <a:p>
-            <a:pPr indent="0" lvl="0" marL="0" rtl="0" algn="l">
+            <a:pPr marL="0" lvl="0" indent="0" algn="l" rtl="0">
               <a:spcBef>
                 <a:spcPts val="0"/>
               </a:spcBef>
@@ -10967,9 +11282,11 @@
       <p:sp>
         <p:nvSpPr>
           <p:cNvPr id="200" name="Google Shape;200;p33"/>
-          <p:cNvSpPr txBox="1"/>
+          <p:cNvSpPr txBox="1">
+            <a:spLocks noGrp="1"/>
+          </p:cNvSpPr>
           <p:nvPr>
-            <p:ph idx="1" type="body"/>
+            <p:ph type="body" idx="1"/>
           </p:nvPr>
         </p:nvSpPr>
         <p:spPr>
@@ -10982,12 +11299,12 @@
           </a:prstGeom>
         </p:spPr>
         <p:txBody>
-          <a:bodyPr anchorCtr="0" anchor="t" bIns="91425" lIns="91425" spcFirstLastPara="1" rIns="91425" wrap="square" tIns="91425">
+          <a:bodyPr spcFirstLastPara="1" wrap="square" lIns="91425" tIns="91425" rIns="91425" bIns="91425" anchor="t" anchorCtr="0">
             <a:normAutofit lnSpcReduction="10000"/>
           </a:bodyPr>
           <a:lstStyle/>
           <a:p>
-            <a:pPr indent="-342900" lvl="0" marL="457200" rtl="0" algn="l">
+            <a:pPr marL="457200" lvl="0" indent="-342900" algn="l" rtl="0">
               <a:spcBef>
                 <a:spcPts val="0"/>
               </a:spcBef>
@@ -11004,7 +11321,7 @@
             <a:endParaRPr/>
           </a:p>
           <a:p>
-            <a:pPr indent="-342900" lvl="0" marL="457200" rtl="0" algn="l">
+            <a:pPr marL="457200" lvl="0" indent="-342900" algn="l" rtl="0">
               <a:spcBef>
                 <a:spcPts val="0"/>
               </a:spcBef>
@@ -11021,7 +11338,7 @@
             <a:endParaRPr/>
           </a:p>
           <a:p>
-            <a:pPr indent="0" lvl="0" marL="0" rtl="0" algn="l">
+            <a:pPr marL="0" lvl="0" indent="0" algn="l" rtl="0">
               <a:spcBef>
                 <a:spcPts val="1200"/>
               </a:spcBef>
@@ -11030,13 +11347,10 @@
               </a:spcAft>
               <a:buNone/>
             </a:pPr>
-            <a:r>
-              <a:t/>
-            </a:r>
-            <a:endParaRPr/>
-          </a:p>
-          <a:p>
-            <a:pPr indent="0" lvl="0" marL="0" rtl="0" algn="l">
+            <a:endParaRPr/>
+          </a:p>
+          <a:p>
+            <a:pPr marL="0" lvl="0" indent="0" algn="l" rtl="0">
               <a:spcBef>
                 <a:spcPts val="1200"/>
               </a:spcBef>
@@ -11045,13 +11359,10 @@
               </a:spcAft>
               <a:buNone/>
             </a:pPr>
-            <a:r>
-              <a:t/>
-            </a:r>
-            <a:endParaRPr/>
-          </a:p>
-          <a:p>
-            <a:pPr indent="0" lvl="0" marL="0" rtl="0" algn="l">
+            <a:endParaRPr/>
+          </a:p>
+          <a:p>
+            <a:pPr marL="0" lvl="0" indent="0" algn="l" rtl="0">
               <a:spcBef>
                 <a:spcPts val="1200"/>
               </a:spcBef>
@@ -11060,13 +11371,10 @@
               </a:spcAft>
               <a:buNone/>
             </a:pPr>
-            <a:r>
-              <a:t/>
-            </a:r>
-            <a:endParaRPr/>
-          </a:p>
-          <a:p>
-            <a:pPr indent="0" lvl="0" marL="0" rtl="0" algn="l">
+            <a:endParaRPr/>
+          </a:p>
+          <a:p>
+            <a:pPr marL="0" lvl="0" indent="0" algn="l" rtl="0">
               <a:spcBef>
                 <a:spcPts val="1200"/>
               </a:spcBef>
@@ -11075,13 +11383,10 @@
               </a:spcAft>
               <a:buNone/>
             </a:pPr>
-            <a:r>
-              <a:t/>
-            </a:r>
-            <a:endParaRPr/>
-          </a:p>
-          <a:p>
-            <a:pPr indent="-342900" lvl="0" marL="457200" rtl="0" algn="l">
+            <a:endParaRPr/>
+          </a:p>
+          <a:p>
+            <a:pPr marL="457200" lvl="0" indent="-342900" algn="l" rtl="0">
               <a:spcBef>
                 <a:spcPts val="1200"/>
               </a:spcBef>
@@ -11098,7 +11403,7 @@
             <a:endParaRPr/>
           </a:p>
           <a:p>
-            <a:pPr indent="-342900" lvl="0" marL="457200" rtl="0" algn="l">
+            <a:pPr marL="457200" lvl="0" indent="-342900" algn="l" rtl="0">
               <a:spcBef>
                 <a:spcPts val="0"/>
               </a:spcBef>
@@ -11152,32 +11457,32 @@
   <p:timing>
     <p:tnLst>
       <p:par>
-        <p:cTn dur="indefinite" nodeType="tmRoot" restart="never">
+        <p:cTn id="1" dur="indefinite" restart="never" nodeType="tmRoot">
           <p:childTnLst>
             <p:seq concurrent="1" nextAc="seek">
-              <p:cTn dur="indefinite" id="2" nodeType="mainSeq">
+              <p:cTn id="2" dur="indefinite" nodeType="mainSeq">
                 <p:childTnLst>
                   <p:par>
-                    <p:cTn fill="hold">
+                    <p:cTn id="3" fill="hold">
                       <p:stCondLst>
                         <p:cond delay="indefinite"/>
                       </p:stCondLst>
                       <p:childTnLst>
                         <p:par>
-                          <p:cTn fill="hold">
+                          <p:cTn id="4" fill="hold">
                             <p:stCondLst>
                               <p:cond delay="0"/>
                             </p:stCondLst>
                             <p:childTnLst>
                               <p:par>
-                                <p:cTn fill="hold" nodeType="clickEffect" presetClass="entr" presetID="1" presetSubtype="0">
+                                <p:cTn id="5" presetID="1" presetClass="entr" presetSubtype="0" fill="hold" nodeType="clickEffect">
                                   <p:stCondLst>
                                     <p:cond delay="0"/>
                                   </p:stCondLst>
                                   <p:childTnLst>
                                     <p:set>
                                       <p:cBhvr>
-                                        <p:cTn dur="1" fill="hold">
+                                        <p:cTn id="6" dur="1" fill="hold">
                                           <p:stCondLst>
                                             <p:cond delay="0"/>
                                           </p:stCondLst>
@@ -11203,26 +11508,26 @@
                     </p:cTn>
                   </p:par>
                   <p:par>
-                    <p:cTn fill="hold">
+                    <p:cTn id="7" fill="hold">
                       <p:stCondLst>
                         <p:cond delay="indefinite"/>
                       </p:stCondLst>
                       <p:childTnLst>
                         <p:par>
-                          <p:cTn fill="hold">
+                          <p:cTn id="8" fill="hold">
                             <p:stCondLst>
                               <p:cond delay="0"/>
                             </p:stCondLst>
                             <p:childTnLst>
                               <p:par>
-                                <p:cTn fill="hold" nodeType="clickEffect" presetClass="entr" presetID="1" presetSubtype="0">
+                                <p:cTn id="9" presetID="1" presetClass="entr" presetSubtype="0" fill="hold" nodeType="clickEffect">
                                   <p:stCondLst>
                                     <p:cond delay="0"/>
                                   </p:stCondLst>
                                   <p:childTnLst>
                                     <p:set>
                                       <p:cBhvr>
-                                        <p:cTn dur="1" fill="hold">
+                                        <p:cTn id="10" dur="1" fill="hold">
                                           <p:stCondLst>
                                             <p:cond delay="0"/>
                                           </p:stCondLst>
@@ -11250,14 +11555,14 @@
                 </p:childTnLst>
               </p:cTn>
               <p:prevCondLst>
-                <p:cond evt="onPrev">
+                <p:cond evt="onPrev" delay="0">
                   <p:tgtEl>
                     <p:sldTgt/>
                   </p:tgtEl>
                 </p:cond>
               </p:prevCondLst>
               <p:nextCondLst>
-                <p:cond evt="onNext">
+                <p:cond evt="onNext" delay="0">
                   <p:tgtEl>
                     <p:sldTgt/>
                   </p:tgtEl>
@@ -11273,11 +11578,11 @@
 </file>
 
 <file path=ppt/slides/slide22.xml><?xml version="1.0" encoding="utf-8"?>
-<p:sld xmlns:a="http://schemas.openxmlformats.org/drawingml/2006/main" xmlns:r="http://schemas.openxmlformats.org/officeDocument/2006/relationships" xmlns:mc="http://schemas.openxmlformats.org/markup-compatibility/2006" xmlns:mv="urn:schemas-microsoft-com:mac:vml" xmlns:p="http://schemas.openxmlformats.org/presentationml/2006/main" xmlns:c="http://schemas.openxmlformats.org/drawingml/2006/chart" xmlns:dgm="http://schemas.openxmlformats.org/drawingml/2006/diagram" xmlns:o="urn:schemas-microsoft-com:office:office" xmlns:v="urn:schemas-microsoft-com:vml" xmlns:pvml="urn:schemas-microsoft-com:office:powerpoint" xmlns:com="http://schemas.openxmlformats.org/drawingml/2006/compatibility" xmlns:p14="http://schemas.microsoft.com/office/powerpoint/2010/main" xmlns:p15="http://schemas.microsoft.com/office/powerpoint/2012/main" xmlns:ahyp="http://schemas.microsoft.com/office/drawing/2018/hyperlinkcolor">
+<p:sld xmlns:a="http://schemas.openxmlformats.org/drawingml/2006/main" xmlns:r="http://schemas.openxmlformats.org/officeDocument/2006/relationships" xmlns:p="http://schemas.openxmlformats.org/presentationml/2006/main">
   <p:cSld>
     <p:spTree>
       <p:nvGrpSpPr>
-        <p:cNvPr id="205" name="Shape 205"/>
+        <p:cNvPr id="1" name="Shape 205"/>
         <p:cNvGrpSpPr/>
         <p:nvPr/>
       </p:nvGrpSpPr>
@@ -11292,7 +11597,9 @@
       <p:sp>
         <p:nvSpPr>
           <p:cNvPr id="206" name="Google Shape;206;p34"/>
-          <p:cNvSpPr txBox="1"/>
+          <p:cNvSpPr txBox="1">
+            <a:spLocks noGrp="1"/>
+          </p:cNvSpPr>
           <p:nvPr>
             <p:ph type="title"/>
           </p:nvPr>
@@ -11307,12 +11614,12 @@
           </a:prstGeom>
         </p:spPr>
         <p:txBody>
-          <a:bodyPr anchorCtr="0" anchor="t" bIns="91425" lIns="91425" spcFirstLastPara="1" rIns="91425" wrap="square" tIns="91425">
+          <a:bodyPr spcFirstLastPara="1" wrap="square" lIns="91425" tIns="91425" rIns="91425" bIns="91425" anchor="t" anchorCtr="0">
             <a:normAutofit fontScale="90000"/>
           </a:bodyPr>
           <a:lstStyle/>
           <a:p>
-            <a:pPr indent="0" lvl="0" marL="0" rtl="0" algn="l">
+            <a:pPr marL="0" lvl="0" indent="0" algn="l" rtl="0">
               <a:spcBef>
                 <a:spcPts val="0"/>
               </a:spcBef>
@@ -11332,9 +11639,11 @@
       <p:sp>
         <p:nvSpPr>
           <p:cNvPr id="207" name="Google Shape;207;p34"/>
-          <p:cNvSpPr txBox="1"/>
+          <p:cNvSpPr txBox="1">
+            <a:spLocks noGrp="1"/>
+          </p:cNvSpPr>
           <p:nvPr>
-            <p:ph idx="1" type="body"/>
+            <p:ph type="body" idx="1"/>
           </p:nvPr>
         </p:nvSpPr>
         <p:spPr>
@@ -11347,12 +11656,12 @@
           </a:prstGeom>
         </p:spPr>
         <p:txBody>
-          <a:bodyPr anchorCtr="0" anchor="t" bIns="91425" lIns="91425" spcFirstLastPara="1" rIns="91425" wrap="square" tIns="91425">
+          <a:bodyPr spcFirstLastPara="1" wrap="square" lIns="91425" tIns="91425" rIns="91425" bIns="91425" anchor="t" anchorCtr="0">
             <a:normAutofit/>
           </a:bodyPr>
           <a:lstStyle/>
           <a:p>
-            <a:pPr indent="-342900" lvl="0" marL="457200" rtl="0" algn="l">
+            <a:pPr marL="457200" lvl="0" indent="-342900" algn="l" rtl="0">
               <a:spcBef>
                 <a:spcPts val="0"/>
               </a:spcBef>
@@ -11369,7 +11678,7 @@
             <a:endParaRPr/>
           </a:p>
           <a:p>
-            <a:pPr indent="-317500" lvl="1" marL="914400" rtl="0" algn="l">
+            <a:pPr marL="914400" lvl="1" indent="-317500" algn="l" rtl="0">
               <a:spcBef>
                 <a:spcPts val="0"/>
               </a:spcBef>
@@ -11386,7 +11695,7 @@
             <a:endParaRPr/>
           </a:p>
           <a:p>
-            <a:pPr indent="-342900" lvl="0" marL="457200" rtl="0" algn="l">
+            <a:pPr marL="457200" lvl="0" indent="-342900" algn="l" rtl="0">
               <a:spcBef>
                 <a:spcPts val="0"/>
               </a:spcBef>
@@ -11403,7 +11712,7 @@
             <a:endParaRPr/>
           </a:p>
           <a:p>
-            <a:pPr indent="-317500" lvl="1" marL="914400" rtl="0" algn="l">
+            <a:pPr marL="914400" lvl="1" indent="-317500" algn="l" rtl="0">
               <a:spcBef>
                 <a:spcPts val="0"/>
               </a:spcBef>
@@ -11420,7 +11729,7 @@
             <a:endParaRPr/>
           </a:p>
           <a:p>
-            <a:pPr indent="-342900" lvl="0" marL="457200" rtl="0" algn="l">
+            <a:pPr marL="457200" lvl="0" indent="-342900" algn="l" rtl="0">
               <a:spcBef>
                 <a:spcPts val="0"/>
               </a:spcBef>
@@ -11447,11 +11756,11 @@
 </file>
 
 <file path=ppt/slides/slide23.xml><?xml version="1.0" encoding="utf-8"?>
-<p:sld xmlns:a="http://schemas.openxmlformats.org/drawingml/2006/main" xmlns:r="http://schemas.openxmlformats.org/officeDocument/2006/relationships" xmlns:mc="http://schemas.openxmlformats.org/markup-compatibility/2006" xmlns:mv="urn:schemas-microsoft-com:mac:vml" xmlns:p="http://schemas.openxmlformats.org/presentationml/2006/main" xmlns:c="http://schemas.openxmlformats.org/drawingml/2006/chart" xmlns:dgm="http://schemas.openxmlformats.org/drawingml/2006/diagram" xmlns:o="urn:schemas-microsoft-com:office:office" xmlns:v="urn:schemas-microsoft-com:vml" xmlns:pvml="urn:schemas-microsoft-com:office:powerpoint" xmlns:com="http://schemas.openxmlformats.org/drawingml/2006/compatibility" xmlns:p14="http://schemas.microsoft.com/office/powerpoint/2010/main" xmlns:p15="http://schemas.microsoft.com/office/powerpoint/2012/main" xmlns:ahyp="http://schemas.microsoft.com/office/drawing/2018/hyperlinkcolor">
+<p:sld xmlns:a="http://schemas.openxmlformats.org/drawingml/2006/main" xmlns:r="http://schemas.openxmlformats.org/officeDocument/2006/relationships" xmlns:p="http://schemas.openxmlformats.org/presentationml/2006/main">
   <p:cSld>
     <p:spTree>
       <p:nvGrpSpPr>
-        <p:cNvPr id="211" name="Shape 211"/>
+        <p:cNvPr id="1" name="Shape 211"/>
         <p:cNvGrpSpPr/>
         <p:nvPr/>
       </p:nvGrpSpPr>
@@ -11466,7 +11775,9 @@
       <p:sp>
         <p:nvSpPr>
           <p:cNvPr id="212" name="Google Shape;212;p35"/>
-          <p:cNvSpPr txBox="1"/>
+          <p:cNvSpPr txBox="1">
+            <a:spLocks noGrp="1"/>
+          </p:cNvSpPr>
           <p:nvPr>
             <p:ph type="title"/>
           </p:nvPr>
@@ -11481,12 +11792,12 @@
           </a:prstGeom>
         </p:spPr>
         <p:txBody>
-          <a:bodyPr anchorCtr="0" anchor="t" bIns="91425" lIns="91425" spcFirstLastPara="1" rIns="91425" wrap="square" tIns="91425">
+          <a:bodyPr spcFirstLastPara="1" wrap="square" lIns="91425" tIns="91425" rIns="91425" bIns="91425" anchor="t" anchorCtr="0">
             <a:normAutofit fontScale="90000"/>
           </a:bodyPr>
           <a:lstStyle/>
           <a:p>
-            <a:pPr indent="0" lvl="0" marL="0" rtl="0" algn="l">
+            <a:pPr marL="0" lvl="0" indent="0" algn="l" rtl="0">
               <a:spcBef>
                 <a:spcPts val="0"/>
               </a:spcBef>
@@ -11506,9 +11817,11 @@
       <p:sp>
         <p:nvSpPr>
           <p:cNvPr id="213" name="Google Shape;213;p35"/>
-          <p:cNvSpPr txBox="1"/>
+          <p:cNvSpPr txBox="1">
+            <a:spLocks noGrp="1"/>
+          </p:cNvSpPr>
           <p:nvPr>
-            <p:ph idx="1" type="body"/>
+            <p:ph type="body" idx="1"/>
           </p:nvPr>
         </p:nvSpPr>
         <p:spPr>
@@ -11521,12 +11834,12 @@
           </a:prstGeom>
         </p:spPr>
         <p:txBody>
-          <a:bodyPr anchorCtr="0" anchor="t" bIns="91425" lIns="91425" spcFirstLastPara="1" rIns="91425" wrap="square" tIns="91425">
+          <a:bodyPr spcFirstLastPara="1" wrap="square" lIns="91425" tIns="91425" rIns="91425" bIns="91425" anchor="t" anchorCtr="0">
             <a:normAutofit/>
           </a:bodyPr>
           <a:lstStyle/>
           <a:p>
-            <a:pPr indent="0" lvl="0" marL="0" rtl="0" algn="l">
+            <a:pPr marL="0" lvl="0" indent="0" algn="l" rtl="0">
               <a:spcBef>
                 <a:spcPts val="0"/>
               </a:spcBef>
@@ -11535,9 +11848,6 @@
               </a:spcAft>
               <a:buNone/>
             </a:pPr>
-            <a:r>
-              <a:t/>
-            </a:r>
             <a:endParaRPr/>
           </a:p>
         </p:txBody>
@@ -11560,11 +11870,41 @@
                 <a:tableStyleId>{65EC35C6-0DE6-4254-86B0-F4E6E266D8D2}</a:tableStyleId>
               </a:tblPr>
               <a:tblGrid>
-                <a:gridCol w="1704125"/>
-                <a:gridCol w="1704125"/>
-                <a:gridCol w="1704125"/>
-                <a:gridCol w="1704125"/>
-                <a:gridCol w="1704125"/>
+                <a:gridCol w="1704125">
+                  <a:extLst>
+                    <a:ext uri="{9D8B030D-6E8A-4147-A177-3AD203B41FA5}">
+                      <a16:colId xmlns:a16="http://schemas.microsoft.com/office/drawing/2014/main" val="20000"/>
+                    </a:ext>
+                  </a:extLst>
+                </a:gridCol>
+                <a:gridCol w="1704125">
+                  <a:extLst>
+                    <a:ext uri="{9D8B030D-6E8A-4147-A177-3AD203B41FA5}">
+                      <a16:colId xmlns:a16="http://schemas.microsoft.com/office/drawing/2014/main" val="20001"/>
+                    </a:ext>
+                  </a:extLst>
+                </a:gridCol>
+                <a:gridCol w="1704125">
+                  <a:extLst>
+                    <a:ext uri="{9D8B030D-6E8A-4147-A177-3AD203B41FA5}">
+                      <a16:colId xmlns:a16="http://schemas.microsoft.com/office/drawing/2014/main" val="20002"/>
+                    </a:ext>
+                  </a:extLst>
+                </a:gridCol>
+                <a:gridCol w="1704125">
+                  <a:extLst>
+                    <a:ext uri="{9D8B030D-6E8A-4147-A177-3AD203B41FA5}">
+                      <a16:colId xmlns:a16="http://schemas.microsoft.com/office/drawing/2014/main" val="20003"/>
+                    </a:ext>
+                  </a:extLst>
+                </a:gridCol>
+                <a:gridCol w="1704125">
+                  <a:extLst>
+                    <a:ext uri="{9D8B030D-6E8A-4147-A177-3AD203B41FA5}">
+                      <a16:colId xmlns:a16="http://schemas.microsoft.com/office/drawing/2014/main" val="20004"/>
+                    </a:ext>
+                  </a:extLst>
+                </a:gridCol>
               </a:tblGrid>
               <a:tr h="381000">
                 <a:tc>
@@ -11572,7 +11912,7 @@
                     <a:bodyPr/>
                     <a:lstStyle/>
                     <a:p>
-                      <a:pPr indent="0" lvl="0" marL="0" rtl="0" algn="l">
+                      <a:pPr marL="0" lvl="0" indent="0" algn="l" rtl="0">
                         <a:spcBef>
                           <a:spcPts val="0"/>
                         </a:spcBef>
@@ -11581,20 +11921,17 @@
                         </a:spcAft>
                         <a:buNone/>
                       </a:pPr>
-                      <a:r>
-                        <a:t/>
-                      </a:r>
                       <a:endParaRPr/>
                     </a:p>
                   </a:txBody>
-                  <a:tcPr marT="91425" marB="91425" marR="91425" marL="91425"/>
+                  <a:tcPr marL="91425" marR="91425" marT="91425" marB="91425"/>
                 </a:tc>
                 <a:tc>
                   <a:txBody>
                     <a:bodyPr/>
                     <a:lstStyle/>
                     <a:p>
-                      <a:pPr indent="0" lvl="0" marL="0" rtl="0" algn="l">
+                      <a:pPr marL="0" lvl="0" indent="0" algn="l" rtl="0">
                         <a:spcBef>
                           <a:spcPts val="0"/>
                         </a:spcBef>
@@ -11610,14 +11947,14 @@
                       <a:endParaRPr/>
                     </a:p>
                   </a:txBody>
-                  <a:tcPr marT="91425" marB="91425" marR="91425" marL="91425"/>
+                  <a:tcPr marL="91425" marR="91425" marT="91425" marB="91425"/>
                 </a:tc>
                 <a:tc>
                   <a:txBody>
                     <a:bodyPr/>
                     <a:lstStyle/>
                     <a:p>
-                      <a:pPr indent="0" lvl="0" marL="0" rtl="0" algn="l">
+                      <a:pPr marL="0" lvl="0" indent="0" algn="l" rtl="0">
                         <a:spcBef>
                           <a:spcPts val="0"/>
                         </a:spcBef>
@@ -11633,14 +11970,14 @@
                       <a:endParaRPr/>
                     </a:p>
                   </a:txBody>
-                  <a:tcPr marT="91425" marB="91425" marR="91425" marL="91425"/>
+                  <a:tcPr marL="91425" marR="91425" marT="91425" marB="91425"/>
                 </a:tc>
                 <a:tc>
                   <a:txBody>
                     <a:bodyPr/>
                     <a:lstStyle/>
                     <a:p>
-                      <a:pPr indent="0" lvl="0" marL="0" rtl="0" algn="l">
+                      <a:pPr marL="0" lvl="0" indent="0" algn="l" rtl="0">
                         <a:spcBef>
                           <a:spcPts val="0"/>
                         </a:spcBef>
@@ -11656,14 +11993,14 @@
                       <a:endParaRPr/>
                     </a:p>
                   </a:txBody>
-                  <a:tcPr marT="91425" marB="91425" marR="91425" marL="91425"/>
+                  <a:tcPr marL="91425" marR="91425" marT="91425" marB="91425"/>
                 </a:tc>
                 <a:tc>
                   <a:txBody>
                     <a:bodyPr/>
                     <a:lstStyle/>
                     <a:p>
-                      <a:pPr indent="0" lvl="0" marL="0" rtl="0" algn="l">
+                      <a:pPr marL="0" lvl="0" indent="0" algn="l" rtl="0">
                         <a:spcBef>
                           <a:spcPts val="0"/>
                         </a:spcBef>
@@ -11679,8 +12016,13 @@
                       <a:endParaRPr/>
                     </a:p>
                   </a:txBody>
-                  <a:tcPr marT="91425" marB="91425" marR="91425" marL="91425"/>
+                  <a:tcPr marL="91425" marR="91425" marT="91425" marB="91425"/>
                 </a:tc>
+                <a:extLst>
+                  <a:ext uri="{0D108BD9-81ED-4DB2-BD59-A6C34878D82A}">
+                    <a16:rowId xmlns:a16="http://schemas.microsoft.com/office/drawing/2014/main" val="10000"/>
+                  </a:ext>
+                </a:extLst>
               </a:tr>
               <a:tr h="381000">
                 <a:tc>
@@ -11688,7 +12030,7 @@
                     <a:bodyPr/>
                     <a:lstStyle/>
                     <a:p>
-                      <a:pPr indent="0" lvl="0" marL="0" rtl="0" algn="l">
+                      <a:pPr marL="0" lvl="0" indent="0" algn="l" rtl="0">
                         <a:spcBef>
                           <a:spcPts val="0"/>
                         </a:spcBef>
@@ -11704,14 +12046,14 @@
                       <a:endParaRPr/>
                     </a:p>
                   </a:txBody>
-                  <a:tcPr marT="91425" marB="91425" marR="91425" marL="91425"/>
+                  <a:tcPr marL="91425" marR="91425" marT="91425" marB="91425"/>
                 </a:tc>
                 <a:tc>
                   <a:txBody>
                     <a:bodyPr/>
                     <a:lstStyle/>
                     <a:p>
-                      <a:pPr indent="0" lvl="0" marL="0" rtl="0" algn="l">
+                      <a:pPr marL="0" lvl="0" indent="0" algn="l" rtl="0">
                         <a:spcBef>
                           <a:spcPts val="0"/>
                         </a:spcBef>
@@ -11727,14 +12069,14 @@
                       <a:endParaRPr/>
                     </a:p>
                   </a:txBody>
-                  <a:tcPr marT="91425" marB="91425" marR="91425" marL="91425"/>
+                  <a:tcPr marL="91425" marR="91425" marT="91425" marB="91425"/>
                 </a:tc>
                 <a:tc>
                   <a:txBody>
                     <a:bodyPr/>
                     <a:lstStyle/>
                     <a:p>
-                      <a:pPr indent="0" lvl="0" marL="0" rtl="0" algn="l">
+                      <a:pPr marL="0" lvl="0" indent="0" algn="l" rtl="0">
                         <a:spcBef>
                           <a:spcPts val="0"/>
                         </a:spcBef>
@@ -11750,14 +12092,14 @@
                       <a:endParaRPr/>
                     </a:p>
                   </a:txBody>
-                  <a:tcPr marT="91425" marB="91425" marR="91425" marL="91425"/>
+                  <a:tcPr marL="91425" marR="91425" marT="91425" marB="91425"/>
                 </a:tc>
                 <a:tc>
                   <a:txBody>
                     <a:bodyPr/>
                     <a:lstStyle/>
                     <a:p>
-                      <a:pPr indent="0" lvl="0" marL="0" rtl="0" algn="l">
+                      <a:pPr marL="0" lvl="0" indent="0" algn="l" rtl="0">
                         <a:spcBef>
                           <a:spcPts val="0"/>
                         </a:spcBef>
@@ -11773,14 +12115,14 @@
                       <a:endParaRPr/>
                     </a:p>
                   </a:txBody>
-                  <a:tcPr marT="91425" marB="91425" marR="91425" marL="91425"/>
+                  <a:tcPr marL="91425" marR="91425" marT="91425" marB="91425"/>
                 </a:tc>
                 <a:tc>
                   <a:txBody>
                     <a:bodyPr/>
                     <a:lstStyle/>
                     <a:p>
-                      <a:pPr indent="0" lvl="0" marL="0" rtl="0" algn="l">
+                      <a:pPr marL="0" lvl="0" indent="0" algn="l" rtl="0">
                         <a:spcBef>
                           <a:spcPts val="0"/>
                         </a:spcBef>
@@ -11796,8 +12138,13 @@
                       <a:endParaRPr/>
                     </a:p>
                   </a:txBody>
-                  <a:tcPr marT="91425" marB="91425" marR="91425" marL="91425"/>
+                  <a:tcPr marL="91425" marR="91425" marT="91425" marB="91425"/>
                 </a:tc>
+                <a:extLst>
+                  <a:ext uri="{0D108BD9-81ED-4DB2-BD59-A6C34878D82A}">
+                    <a16:rowId xmlns:a16="http://schemas.microsoft.com/office/drawing/2014/main" val="10001"/>
+                  </a:ext>
+                </a:extLst>
               </a:tr>
               <a:tr h="381000">
                 <a:tc>
@@ -11805,7 +12152,7 @@
                     <a:bodyPr/>
                     <a:lstStyle/>
                     <a:p>
-                      <a:pPr indent="0" lvl="0" marL="0" rtl="0" algn="l">
+                      <a:pPr marL="0" lvl="0" indent="0" algn="l" rtl="0">
                         <a:spcBef>
                           <a:spcPts val="0"/>
                         </a:spcBef>
@@ -11821,14 +12168,14 @@
                       <a:endParaRPr/>
                     </a:p>
                   </a:txBody>
-                  <a:tcPr marT="91425" marB="91425" marR="91425" marL="91425"/>
+                  <a:tcPr marL="91425" marR="91425" marT="91425" marB="91425"/>
                 </a:tc>
                 <a:tc>
                   <a:txBody>
                     <a:bodyPr/>
                     <a:lstStyle/>
                     <a:p>
-                      <a:pPr indent="0" lvl="0" marL="0" rtl="0" algn="l">
+                      <a:pPr marL="0" lvl="0" indent="0" algn="l" rtl="0">
                         <a:spcBef>
                           <a:spcPts val="0"/>
                         </a:spcBef>
@@ -11844,14 +12191,14 @@
                       <a:endParaRPr/>
                     </a:p>
                   </a:txBody>
-                  <a:tcPr marT="91425" marB="91425" marR="91425" marL="91425"/>
+                  <a:tcPr marL="91425" marR="91425" marT="91425" marB="91425"/>
                 </a:tc>
                 <a:tc>
                   <a:txBody>
                     <a:bodyPr/>
                     <a:lstStyle/>
                     <a:p>
-                      <a:pPr indent="0" lvl="0" marL="0" rtl="0" algn="l">
+                      <a:pPr marL="0" lvl="0" indent="0" algn="l" rtl="0">
                         <a:spcBef>
                           <a:spcPts val="0"/>
                         </a:spcBef>
@@ -11867,14 +12214,14 @@
                       <a:endParaRPr/>
                     </a:p>
                   </a:txBody>
-                  <a:tcPr marT="91425" marB="91425" marR="91425" marL="91425"/>
+                  <a:tcPr marL="91425" marR="91425" marT="91425" marB="91425"/>
                 </a:tc>
                 <a:tc>
                   <a:txBody>
                     <a:bodyPr/>
                     <a:lstStyle/>
                     <a:p>
-                      <a:pPr indent="0" lvl="0" marL="0" rtl="0" algn="l">
+                      <a:pPr marL="0" lvl="0" indent="0" algn="l" rtl="0">
                         <a:spcBef>
                           <a:spcPts val="0"/>
                         </a:spcBef>
@@ -11890,14 +12237,14 @@
                       <a:endParaRPr/>
                     </a:p>
                   </a:txBody>
-                  <a:tcPr marT="91425" marB="91425" marR="91425" marL="91425"/>
+                  <a:tcPr marL="91425" marR="91425" marT="91425" marB="91425"/>
                 </a:tc>
                 <a:tc>
                   <a:txBody>
                     <a:bodyPr/>
                     <a:lstStyle/>
                     <a:p>
-                      <a:pPr indent="0" lvl="0" marL="0" rtl="0" algn="l">
+                      <a:pPr marL="0" lvl="0" indent="0" algn="l" rtl="0">
                         <a:spcBef>
                           <a:spcPts val="0"/>
                         </a:spcBef>
@@ -11913,8 +12260,13 @@
                       <a:endParaRPr/>
                     </a:p>
                   </a:txBody>
-                  <a:tcPr marT="91425" marB="91425" marR="91425" marL="91425"/>
+                  <a:tcPr marL="91425" marR="91425" marT="91425" marB="91425"/>
                 </a:tc>
+                <a:extLst>
+                  <a:ext uri="{0D108BD9-81ED-4DB2-BD59-A6C34878D82A}">
+                    <a16:rowId xmlns:a16="http://schemas.microsoft.com/office/drawing/2014/main" val="10002"/>
+                  </a:ext>
+                </a:extLst>
               </a:tr>
               <a:tr h="381000">
                 <a:tc>
@@ -11922,7 +12274,7 @@
                     <a:bodyPr/>
                     <a:lstStyle/>
                     <a:p>
-                      <a:pPr indent="0" lvl="0" marL="0" rtl="0" algn="l">
+                      <a:pPr marL="0" lvl="0" indent="0" algn="l" rtl="0">
                         <a:spcBef>
                           <a:spcPts val="0"/>
                         </a:spcBef>
@@ -11938,14 +12290,14 @@
                       <a:endParaRPr/>
                     </a:p>
                   </a:txBody>
-                  <a:tcPr marT="91425" marB="91425" marR="91425" marL="91425"/>
+                  <a:tcPr marL="91425" marR="91425" marT="91425" marB="91425"/>
                 </a:tc>
                 <a:tc>
                   <a:txBody>
                     <a:bodyPr/>
                     <a:lstStyle/>
                     <a:p>
-                      <a:pPr indent="0" lvl="0" marL="0" rtl="0" algn="l">
+                      <a:pPr marL="0" lvl="0" indent="0" algn="l" rtl="0">
                         <a:spcBef>
                           <a:spcPts val="0"/>
                         </a:spcBef>
@@ -11961,14 +12313,14 @@
                       <a:endParaRPr/>
                     </a:p>
                   </a:txBody>
-                  <a:tcPr marT="91425" marB="91425" marR="91425" marL="91425"/>
+                  <a:tcPr marL="91425" marR="91425" marT="91425" marB="91425"/>
                 </a:tc>
                 <a:tc>
                   <a:txBody>
                     <a:bodyPr/>
                     <a:lstStyle/>
                     <a:p>
-                      <a:pPr indent="0" lvl="0" marL="0" rtl="0" algn="l">
+                      <a:pPr marL="0" lvl="0" indent="0" algn="l" rtl="0">
                         <a:spcBef>
                           <a:spcPts val="0"/>
                         </a:spcBef>
@@ -11984,14 +12336,14 @@
                       <a:endParaRPr/>
                     </a:p>
                   </a:txBody>
-                  <a:tcPr marT="91425" marB="91425" marR="91425" marL="91425"/>
+                  <a:tcPr marL="91425" marR="91425" marT="91425" marB="91425"/>
                 </a:tc>
                 <a:tc>
                   <a:txBody>
                     <a:bodyPr/>
                     <a:lstStyle/>
                     <a:p>
-                      <a:pPr indent="0" lvl="0" marL="0" rtl="0" algn="l">
+                      <a:pPr marL="0" lvl="0" indent="0" algn="l" rtl="0">
                         <a:spcBef>
                           <a:spcPts val="0"/>
                         </a:spcBef>
@@ -12007,14 +12359,14 @@
                       <a:endParaRPr/>
                     </a:p>
                   </a:txBody>
-                  <a:tcPr marT="91425" marB="91425" marR="91425" marL="91425"/>
+                  <a:tcPr marL="91425" marR="91425" marT="91425" marB="91425"/>
                 </a:tc>
                 <a:tc>
                   <a:txBody>
                     <a:bodyPr/>
                     <a:lstStyle/>
                     <a:p>
-                      <a:pPr indent="0" lvl="0" marL="0" rtl="0" algn="l">
+                      <a:pPr marL="0" lvl="0" indent="0" algn="l" rtl="0">
                         <a:spcBef>
                           <a:spcPts val="0"/>
                         </a:spcBef>
@@ -12030,8 +12382,13 @@
                       <a:endParaRPr/>
                     </a:p>
                   </a:txBody>
-                  <a:tcPr marT="91425" marB="91425" marR="91425" marL="91425"/>
+                  <a:tcPr marL="91425" marR="91425" marT="91425" marB="91425"/>
                 </a:tc>
+                <a:extLst>
+                  <a:ext uri="{0D108BD9-81ED-4DB2-BD59-A6C34878D82A}">
+                    <a16:rowId xmlns:a16="http://schemas.microsoft.com/office/drawing/2014/main" val="10003"/>
+                  </a:ext>
+                </a:extLst>
               </a:tr>
               <a:tr h="381000">
                 <a:tc>
@@ -12039,7 +12396,7 @@
                     <a:bodyPr/>
                     <a:lstStyle/>
                     <a:p>
-                      <a:pPr indent="0" lvl="0" marL="0" rtl="0" algn="l">
+                      <a:pPr marL="0" lvl="0" indent="0" algn="l" rtl="0">
                         <a:spcBef>
                           <a:spcPts val="0"/>
                         </a:spcBef>
@@ -12055,14 +12412,14 @@
                       <a:endParaRPr/>
                     </a:p>
                   </a:txBody>
-                  <a:tcPr marT="91425" marB="91425" marR="91425" marL="91425"/>
+                  <a:tcPr marL="91425" marR="91425" marT="91425" marB="91425"/>
                 </a:tc>
                 <a:tc>
                   <a:txBody>
                     <a:bodyPr/>
                     <a:lstStyle/>
                     <a:p>
-                      <a:pPr indent="0" lvl="0" marL="0" rtl="0" algn="l">
+                      <a:pPr marL="0" lvl="0" indent="0" algn="l" rtl="0">
                         <a:spcBef>
                           <a:spcPts val="0"/>
                         </a:spcBef>
@@ -12078,14 +12435,14 @@
                       <a:endParaRPr/>
                     </a:p>
                   </a:txBody>
-                  <a:tcPr marT="91425" marB="91425" marR="91425" marL="91425"/>
+                  <a:tcPr marL="91425" marR="91425" marT="91425" marB="91425"/>
                 </a:tc>
                 <a:tc>
                   <a:txBody>
                     <a:bodyPr/>
                     <a:lstStyle/>
                     <a:p>
-                      <a:pPr indent="0" lvl="0" marL="0" rtl="0" algn="l">
+                      <a:pPr marL="0" lvl="0" indent="0" algn="l" rtl="0">
                         <a:spcBef>
                           <a:spcPts val="0"/>
                         </a:spcBef>
@@ -12101,14 +12458,14 @@
                       <a:endParaRPr/>
                     </a:p>
                   </a:txBody>
-                  <a:tcPr marT="91425" marB="91425" marR="91425" marL="91425"/>
+                  <a:tcPr marL="91425" marR="91425" marT="91425" marB="91425"/>
                 </a:tc>
                 <a:tc>
                   <a:txBody>
                     <a:bodyPr/>
                     <a:lstStyle/>
                     <a:p>
-                      <a:pPr indent="0" lvl="0" marL="0" rtl="0" algn="l">
+                      <a:pPr marL="0" lvl="0" indent="0" algn="l" rtl="0">
                         <a:spcBef>
                           <a:spcPts val="0"/>
                         </a:spcBef>
@@ -12124,14 +12481,14 @@
                       <a:endParaRPr/>
                     </a:p>
                   </a:txBody>
-                  <a:tcPr marT="91425" marB="91425" marR="91425" marL="91425"/>
+                  <a:tcPr marL="91425" marR="91425" marT="91425" marB="91425"/>
                 </a:tc>
                 <a:tc>
                   <a:txBody>
                     <a:bodyPr/>
                     <a:lstStyle/>
                     <a:p>
-                      <a:pPr indent="0" lvl="0" marL="0" rtl="0" algn="l">
+                      <a:pPr marL="0" lvl="0" indent="0" algn="l" rtl="0">
                         <a:spcBef>
                           <a:spcPts val="0"/>
                         </a:spcBef>
@@ -12147,8 +12504,13 @@
                       <a:endParaRPr/>
                     </a:p>
                   </a:txBody>
-                  <a:tcPr marT="91425" marB="91425" marR="91425" marL="91425"/>
+                  <a:tcPr marL="91425" marR="91425" marT="91425" marB="91425"/>
                 </a:tc>
+                <a:extLst>
+                  <a:ext uri="{0D108BD9-81ED-4DB2-BD59-A6C34878D82A}">
+                    <a16:rowId xmlns:a16="http://schemas.microsoft.com/office/drawing/2014/main" val="10004"/>
+                  </a:ext>
+                </a:extLst>
               </a:tr>
             </a:tbl>
           </a:graphicData>
@@ -12163,11 +12525,11 @@
 </file>
 
 <file path=ppt/slides/slide24.xml><?xml version="1.0" encoding="utf-8"?>
-<p:sld xmlns:a="http://schemas.openxmlformats.org/drawingml/2006/main" xmlns:r="http://schemas.openxmlformats.org/officeDocument/2006/relationships" xmlns:mc="http://schemas.openxmlformats.org/markup-compatibility/2006" xmlns:mv="urn:schemas-microsoft-com:mac:vml" xmlns:p="http://schemas.openxmlformats.org/presentationml/2006/main" xmlns:c="http://schemas.openxmlformats.org/drawingml/2006/chart" xmlns:dgm="http://schemas.openxmlformats.org/drawingml/2006/diagram" xmlns:o="urn:schemas-microsoft-com:office:office" xmlns:v="urn:schemas-microsoft-com:vml" xmlns:pvml="urn:schemas-microsoft-com:office:powerpoint" xmlns:com="http://schemas.openxmlformats.org/drawingml/2006/compatibility" xmlns:p14="http://schemas.microsoft.com/office/powerpoint/2010/main" xmlns:p15="http://schemas.microsoft.com/office/powerpoint/2012/main" xmlns:ahyp="http://schemas.microsoft.com/office/drawing/2018/hyperlinkcolor">
+<p:sld xmlns:a="http://schemas.openxmlformats.org/drawingml/2006/main" xmlns:r="http://schemas.openxmlformats.org/officeDocument/2006/relationships" xmlns:p="http://schemas.openxmlformats.org/presentationml/2006/main">
   <p:cSld>
     <p:spTree>
       <p:nvGrpSpPr>
-        <p:cNvPr id="218" name="Shape 218"/>
+        <p:cNvPr id="1" name="Shape 218"/>
         <p:cNvGrpSpPr/>
         <p:nvPr/>
       </p:nvGrpSpPr>
@@ -12182,7 +12544,9 @@
       <p:sp>
         <p:nvSpPr>
           <p:cNvPr id="219" name="Google Shape;219;p36"/>
-          <p:cNvSpPr txBox="1"/>
+          <p:cNvSpPr txBox="1">
+            <a:spLocks noGrp="1"/>
+          </p:cNvSpPr>
           <p:nvPr>
             <p:ph type="title"/>
           </p:nvPr>
@@ -12197,12 +12561,12 @@
           </a:prstGeom>
         </p:spPr>
         <p:txBody>
-          <a:bodyPr anchorCtr="0" anchor="t" bIns="91425" lIns="91425" spcFirstLastPara="1" rIns="91425" wrap="square" tIns="91425">
+          <a:bodyPr spcFirstLastPara="1" wrap="square" lIns="91425" tIns="91425" rIns="91425" bIns="91425" anchor="t" anchorCtr="0">
             <a:normAutofit fontScale="90000"/>
           </a:bodyPr>
           <a:lstStyle/>
           <a:p>
-            <a:pPr indent="0" lvl="0" marL="0" rtl="0" algn="l">
+            <a:pPr marL="0" lvl="0" indent="0" algn="l" rtl="0">
               <a:spcBef>
                 <a:spcPts val="0"/>
               </a:spcBef>
@@ -12222,9 +12586,11 @@
       <p:sp>
         <p:nvSpPr>
           <p:cNvPr id="220" name="Google Shape;220;p36"/>
-          <p:cNvSpPr txBox="1"/>
+          <p:cNvSpPr txBox="1">
+            <a:spLocks noGrp="1"/>
+          </p:cNvSpPr>
           <p:nvPr>
-            <p:ph idx="1" type="body"/>
+            <p:ph type="body" idx="1"/>
           </p:nvPr>
         </p:nvSpPr>
         <p:spPr>
@@ -12237,12 +12603,12 @@
           </a:prstGeom>
         </p:spPr>
         <p:txBody>
-          <a:bodyPr anchorCtr="0" anchor="t" bIns="91425" lIns="91425" spcFirstLastPara="1" rIns="91425" wrap="square" tIns="91425">
+          <a:bodyPr spcFirstLastPara="1" wrap="square" lIns="91425" tIns="91425" rIns="91425" bIns="91425" anchor="t" anchorCtr="0">
             <a:normAutofit/>
           </a:bodyPr>
           <a:lstStyle/>
           <a:p>
-            <a:pPr indent="0" lvl="0" marL="0" rtl="0" algn="l">
+            <a:pPr marL="0" lvl="0" indent="0" algn="l" rtl="0">
               <a:spcBef>
                 <a:spcPts val="0"/>
               </a:spcBef>
@@ -12251,9 +12617,6 @@
               </a:spcAft>
               <a:buNone/>
             </a:pPr>
-            <a:r>
-              <a:t/>
-            </a:r>
             <a:endParaRPr/>
           </a:p>
         </p:txBody>
@@ -12276,12 +12639,48 @@
                 <a:tableStyleId>{65EC35C6-0DE6-4254-86B0-F4E6E266D8D2}</a:tableStyleId>
               </a:tblPr>
               <a:tblGrid>
-                <a:gridCol w="1504950"/>
-                <a:gridCol w="1335250"/>
-                <a:gridCol w="1420100"/>
-                <a:gridCol w="1420100"/>
-                <a:gridCol w="1420100"/>
-                <a:gridCol w="1420100"/>
+                <a:gridCol w="1504950">
+                  <a:extLst>
+                    <a:ext uri="{9D8B030D-6E8A-4147-A177-3AD203B41FA5}">
+                      <a16:colId xmlns:a16="http://schemas.microsoft.com/office/drawing/2014/main" val="20000"/>
+                    </a:ext>
+                  </a:extLst>
+                </a:gridCol>
+                <a:gridCol w="1335250">
+                  <a:extLst>
+                    <a:ext uri="{9D8B030D-6E8A-4147-A177-3AD203B41FA5}">
+                      <a16:colId xmlns:a16="http://schemas.microsoft.com/office/drawing/2014/main" val="20001"/>
+                    </a:ext>
+                  </a:extLst>
+                </a:gridCol>
+                <a:gridCol w="1420100">
+                  <a:extLst>
+                    <a:ext uri="{9D8B030D-6E8A-4147-A177-3AD203B41FA5}">
+                      <a16:colId xmlns:a16="http://schemas.microsoft.com/office/drawing/2014/main" val="20002"/>
+                    </a:ext>
+                  </a:extLst>
+                </a:gridCol>
+                <a:gridCol w="1420100">
+                  <a:extLst>
+                    <a:ext uri="{9D8B030D-6E8A-4147-A177-3AD203B41FA5}">
+                      <a16:colId xmlns:a16="http://schemas.microsoft.com/office/drawing/2014/main" val="20003"/>
+                    </a:ext>
+                  </a:extLst>
+                </a:gridCol>
+                <a:gridCol w="1420100">
+                  <a:extLst>
+                    <a:ext uri="{9D8B030D-6E8A-4147-A177-3AD203B41FA5}">
+                      <a16:colId xmlns:a16="http://schemas.microsoft.com/office/drawing/2014/main" val="20004"/>
+                    </a:ext>
+                  </a:extLst>
+                </a:gridCol>
+                <a:gridCol w="1420100">
+                  <a:extLst>
+                    <a:ext uri="{9D8B030D-6E8A-4147-A177-3AD203B41FA5}">
+                      <a16:colId xmlns:a16="http://schemas.microsoft.com/office/drawing/2014/main" val="20005"/>
+                    </a:ext>
+                  </a:extLst>
+                </a:gridCol>
               </a:tblGrid>
               <a:tr h="381000">
                 <a:tc>
@@ -12289,7 +12688,7 @@
                     <a:bodyPr/>
                     <a:lstStyle/>
                     <a:p>
-                      <a:pPr indent="0" lvl="0" marL="0" rtl="0" algn="l">
+                      <a:pPr marL="0" lvl="0" indent="0" algn="l" rtl="0">
                         <a:spcBef>
                           <a:spcPts val="0"/>
                         </a:spcBef>
@@ -12298,20 +12697,17 @@
                         </a:spcAft>
                         <a:buNone/>
                       </a:pPr>
-                      <a:r>
-                        <a:t/>
-                      </a:r>
                       <a:endParaRPr/>
                     </a:p>
                   </a:txBody>
-                  <a:tcPr marT="91425" marB="91425" marR="91425" marL="91425"/>
+                  <a:tcPr marL="91425" marR="91425" marT="91425" marB="91425"/>
                 </a:tc>
                 <a:tc>
                   <a:txBody>
                     <a:bodyPr/>
                     <a:lstStyle/>
                     <a:p>
-                      <a:pPr indent="0" lvl="0" marL="0" rtl="0" algn="l">
+                      <a:pPr marL="0" lvl="0" indent="0" algn="l" rtl="0">
                         <a:spcBef>
                           <a:spcPts val="0"/>
                         </a:spcBef>
@@ -12327,14 +12723,14 @@
                       <a:endParaRPr/>
                     </a:p>
                   </a:txBody>
-                  <a:tcPr marT="91425" marB="91425" marR="91425" marL="91425"/>
+                  <a:tcPr marL="91425" marR="91425" marT="91425" marB="91425"/>
                 </a:tc>
                 <a:tc>
                   <a:txBody>
                     <a:bodyPr/>
                     <a:lstStyle/>
                     <a:p>
-                      <a:pPr indent="0" lvl="0" marL="0" rtl="0" algn="l">
+                      <a:pPr marL="0" lvl="0" indent="0" algn="l" rtl="0">
                         <a:spcBef>
                           <a:spcPts val="0"/>
                         </a:spcBef>
@@ -12350,14 +12746,14 @@
                       <a:endParaRPr/>
                     </a:p>
                   </a:txBody>
-                  <a:tcPr marT="91425" marB="91425" marR="91425" marL="91425"/>
+                  <a:tcPr marL="91425" marR="91425" marT="91425" marB="91425"/>
                 </a:tc>
                 <a:tc>
                   <a:txBody>
                     <a:bodyPr/>
                     <a:lstStyle/>
                     <a:p>
-                      <a:pPr indent="0" lvl="0" marL="0" rtl="0" algn="l">
+                      <a:pPr marL="0" lvl="0" indent="0" algn="l" rtl="0">
                         <a:spcBef>
                           <a:spcPts val="0"/>
                         </a:spcBef>
@@ -12373,14 +12769,14 @@
                       <a:endParaRPr/>
                     </a:p>
                   </a:txBody>
-                  <a:tcPr marT="91425" marB="91425" marR="91425" marL="91425"/>
+                  <a:tcPr marL="91425" marR="91425" marT="91425" marB="91425"/>
                 </a:tc>
                 <a:tc>
                   <a:txBody>
                     <a:bodyPr/>
                     <a:lstStyle/>
                     <a:p>
-                      <a:pPr indent="0" lvl="0" marL="0" rtl="0" algn="l">
+                      <a:pPr marL="0" lvl="0" indent="0" algn="l" rtl="0">
                         <a:spcBef>
                           <a:spcPts val="0"/>
                         </a:spcBef>
@@ -12396,14 +12792,14 @@
                       <a:endParaRPr/>
                     </a:p>
                   </a:txBody>
-                  <a:tcPr marT="91425" marB="91425" marR="91425" marL="91425"/>
+                  <a:tcPr marL="91425" marR="91425" marT="91425" marB="91425"/>
                 </a:tc>
                 <a:tc>
                   <a:txBody>
                     <a:bodyPr/>
                     <a:lstStyle/>
                     <a:p>
-                      <a:pPr indent="0" lvl="0" marL="0" rtl="0" algn="l">
+                      <a:pPr marL="0" lvl="0" indent="0" algn="l" rtl="0">
                         <a:spcBef>
                           <a:spcPts val="0"/>
                         </a:spcBef>
@@ -12419,8 +12815,13 @@
                       <a:endParaRPr/>
                     </a:p>
                   </a:txBody>
-                  <a:tcPr marT="91425" marB="91425" marR="91425" marL="91425"/>
+                  <a:tcPr marL="91425" marR="91425" marT="91425" marB="91425"/>
                 </a:tc>
+                <a:extLst>
+                  <a:ext uri="{0D108BD9-81ED-4DB2-BD59-A6C34878D82A}">
+                    <a16:rowId xmlns:a16="http://schemas.microsoft.com/office/drawing/2014/main" val="10000"/>
+                  </a:ext>
+                </a:extLst>
               </a:tr>
               <a:tr h="381000">
                 <a:tc>
@@ -12428,7 +12829,7 @@
                     <a:bodyPr/>
                     <a:lstStyle/>
                     <a:p>
-                      <a:pPr indent="0" lvl="0" marL="0" rtl="0" algn="l">
+                      <a:pPr marL="0" lvl="0" indent="0" algn="l" rtl="0">
                         <a:spcBef>
                           <a:spcPts val="0"/>
                         </a:spcBef>
@@ -12444,14 +12845,14 @@
                       <a:endParaRPr/>
                     </a:p>
                   </a:txBody>
-                  <a:tcPr marT="91425" marB="91425" marR="91425" marL="91425"/>
+                  <a:tcPr marL="91425" marR="91425" marT="91425" marB="91425"/>
                 </a:tc>
                 <a:tc>
                   <a:txBody>
                     <a:bodyPr/>
                     <a:lstStyle/>
                     <a:p>
-                      <a:pPr indent="0" lvl="0" marL="0" rtl="0" algn="l">
+                      <a:pPr marL="0" lvl="0" indent="0" algn="l" rtl="0">
                         <a:spcBef>
                           <a:spcPts val="0"/>
                         </a:spcBef>
@@ -12467,14 +12868,14 @@
                       <a:endParaRPr/>
                     </a:p>
                   </a:txBody>
-                  <a:tcPr marT="91425" marB="91425" marR="91425" marL="91425"/>
+                  <a:tcPr marL="91425" marR="91425" marT="91425" marB="91425"/>
                 </a:tc>
                 <a:tc>
                   <a:txBody>
                     <a:bodyPr/>
                     <a:lstStyle/>
                     <a:p>
-                      <a:pPr indent="0" lvl="0" marL="0" rtl="0" algn="l">
+                      <a:pPr marL="0" lvl="0" indent="0" algn="l" rtl="0">
                         <a:spcBef>
                           <a:spcPts val="0"/>
                         </a:spcBef>
@@ -12490,14 +12891,14 @@
                       <a:endParaRPr/>
                     </a:p>
                   </a:txBody>
-                  <a:tcPr marT="91425" marB="91425" marR="91425" marL="91425"/>
+                  <a:tcPr marL="91425" marR="91425" marT="91425" marB="91425"/>
                 </a:tc>
                 <a:tc>
                   <a:txBody>
                     <a:bodyPr/>
                     <a:lstStyle/>
                     <a:p>
-                      <a:pPr indent="0" lvl="0" marL="0" rtl="0" algn="l">
+                      <a:pPr marL="0" lvl="0" indent="0" algn="l" rtl="0">
                         <a:spcBef>
                           <a:spcPts val="0"/>
                         </a:spcBef>
@@ -12513,14 +12914,14 @@
                       <a:endParaRPr/>
                     </a:p>
                   </a:txBody>
-                  <a:tcPr marT="91425" marB="91425" marR="91425" marL="91425"/>
+                  <a:tcPr marL="91425" marR="91425" marT="91425" marB="91425"/>
                 </a:tc>
                 <a:tc>
                   <a:txBody>
                     <a:bodyPr/>
                     <a:lstStyle/>
                     <a:p>
-                      <a:pPr indent="0" lvl="0" marL="0" rtl="0" algn="l">
+                      <a:pPr marL="0" lvl="0" indent="0" algn="l" rtl="0">
                         <a:spcBef>
                           <a:spcPts val="0"/>
                         </a:spcBef>
@@ -12536,14 +12937,14 @@
                       <a:endParaRPr/>
                     </a:p>
                   </a:txBody>
-                  <a:tcPr marT="91425" marB="91425" marR="91425" marL="91425"/>
+                  <a:tcPr marL="91425" marR="91425" marT="91425" marB="91425"/>
                 </a:tc>
                 <a:tc>
                   <a:txBody>
                     <a:bodyPr/>
                     <a:lstStyle/>
                     <a:p>
-                      <a:pPr indent="0" lvl="0" marL="0" rtl="0" algn="l">
+                      <a:pPr marL="0" lvl="0" indent="0" algn="l" rtl="0">
                         <a:spcBef>
                           <a:spcPts val="0"/>
                         </a:spcBef>
@@ -12559,8 +12960,13 @@
                       <a:endParaRPr/>
                     </a:p>
                   </a:txBody>
-                  <a:tcPr marT="91425" marB="91425" marR="91425" marL="91425"/>
+                  <a:tcPr marL="91425" marR="91425" marT="91425" marB="91425"/>
                 </a:tc>
+                <a:extLst>
+                  <a:ext uri="{0D108BD9-81ED-4DB2-BD59-A6C34878D82A}">
+                    <a16:rowId xmlns:a16="http://schemas.microsoft.com/office/drawing/2014/main" val="10001"/>
+                  </a:ext>
+                </a:extLst>
               </a:tr>
               <a:tr h="381000">
                 <a:tc>
@@ -12568,7 +12974,7 @@
                     <a:bodyPr/>
                     <a:lstStyle/>
                     <a:p>
-                      <a:pPr indent="0" lvl="0" marL="0" rtl="0" algn="l">
+                      <a:pPr marL="0" lvl="0" indent="0" algn="l" rtl="0">
                         <a:spcBef>
                           <a:spcPts val="0"/>
                         </a:spcBef>
@@ -12584,14 +12990,14 @@
                       <a:endParaRPr/>
                     </a:p>
                   </a:txBody>
-                  <a:tcPr marT="91425" marB="91425" marR="91425" marL="91425"/>
+                  <a:tcPr marL="91425" marR="91425" marT="91425" marB="91425"/>
                 </a:tc>
                 <a:tc>
                   <a:txBody>
                     <a:bodyPr/>
                     <a:lstStyle/>
                     <a:p>
-                      <a:pPr indent="0" lvl="0" marL="0" rtl="0" algn="l">
+                      <a:pPr marL="0" lvl="0" indent="0" algn="l" rtl="0">
                         <a:spcBef>
                           <a:spcPts val="0"/>
                         </a:spcBef>
@@ -12607,14 +13013,14 @@
                       <a:endParaRPr/>
                     </a:p>
                   </a:txBody>
-                  <a:tcPr marT="91425" marB="91425" marR="91425" marL="91425"/>
+                  <a:tcPr marL="91425" marR="91425" marT="91425" marB="91425"/>
                 </a:tc>
                 <a:tc>
                   <a:txBody>
                     <a:bodyPr/>
                     <a:lstStyle/>
                     <a:p>
-                      <a:pPr indent="0" lvl="0" marL="0" rtl="0" algn="l">
+                      <a:pPr marL="0" lvl="0" indent="0" algn="l" rtl="0">
                         <a:spcBef>
                           <a:spcPts val="0"/>
                         </a:spcBef>
@@ -12630,14 +13036,14 @@
                       <a:endParaRPr/>
                     </a:p>
                   </a:txBody>
-                  <a:tcPr marT="91425" marB="91425" marR="91425" marL="91425"/>
+                  <a:tcPr marL="91425" marR="91425" marT="91425" marB="91425"/>
                 </a:tc>
                 <a:tc>
                   <a:txBody>
                     <a:bodyPr/>
                     <a:lstStyle/>
                     <a:p>
-                      <a:pPr indent="0" lvl="0" marL="0" rtl="0" algn="l">
+                      <a:pPr marL="0" lvl="0" indent="0" algn="l" rtl="0">
                         <a:spcBef>
                           <a:spcPts val="0"/>
                         </a:spcBef>
@@ -12653,14 +13059,14 @@
                       <a:endParaRPr/>
                     </a:p>
                   </a:txBody>
-                  <a:tcPr marT="91425" marB="91425" marR="91425" marL="91425"/>
+                  <a:tcPr marL="91425" marR="91425" marT="91425" marB="91425"/>
                 </a:tc>
                 <a:tc>
                   <a:txBody>
                     <a:bodyPr/>
                     <a:lstStyle/>
                     <a:p>
-                      <a:pPr indent="0" lvl="0" marL="0" rtl="0" algn="l">
+                      <a:pPr marL="0" lvl="0" indent="0" algn="l" rtl="0">
                         <a:spcBef>
                           <a:spcPts val="0"/>
                         </a:spcBef>
@@ -12676,14 +13082,14 @@
                       <a:endParaRPr/>
                     </a:p>
                   </a:txBody>
-                  <a:tcPr marT="91425" marB="91425" marR="91425" marL="91425"/>
+                  <a:tcPr marL="91425" marR="91425" marT="91425" marB="91425"/>
                 </a:tc>
                 <a:tc>
                   <a:txBody>
                     <a:bodyPr/>
                     <a:lstStyle/>
                     <a:p>
-                      <a:pPr indent="0" lvl="0" marL="0" rtl="0" algn="l">
+                      <a:pPr marL="0" lvl="0" indent="0" algn="l" rtl="0">
                         <a:spcBef>
                           <a:spcPts val="0"/>
                         </a:spcBef>
@@ -12699,8 +13105,13 @@
                       <a:endParaRPr/>
                     </a:p>
                   </a:txBody>
-                  <a:tcPr marT="91425" marB="91425" marR="91425" marL="91425"/>
+                  <a:tcPr marL="91425" marR="91425" marT="91425" marB="91425"/>
                 </a:tc>
+                <a:extLst>
+                  <a:ext uri="{0D108BD9-81ED-4DB2-BD59-A6C34878D82A}">
+                    <a16:rowId xmlns:a16="http://schemas.microsoft.com/office/drawing/2014/main" val="10002"/>
+                  </a:ext>
+                </a:extLst>
               </a:tr>
               <a:tr h="381000">
                 <a:tc>
@@ -12708,7 +13119,7 @@
                     <a:bodyPr/>
                     <a:lstStyle/>
                     <a:p>
-                      <a:pPr indent="0" lvl="0" marL="0" rtl="0" algn="l">
+                      <a:pPr marL="0" lvl="0" indent="0" algn="l" rtl="0">
                         <a:spcBef>
                           <a:spcPts val="0"/>
                         </a:spcBef>
@@ -12724,14 +13135,14 @@
                       <a:endParaRPr/>
                     </a:p>
                   </a:txBody>
-                  <a:tcPr marT="91425" marB="91425" marR="91425" marL="91425"/>
+                  <a:tcPr marL="91425" marR="91425" marT="91425" marB="91425"/>
                 </a:tc>
                 <a:tc>
                   <a:txBody>
                     <a:bodyPr/>
                     <a:lstStyle/>
                     <a:p>
-                      <a:pPr indent="0" lvl="0" marL="0" rtl="0" algn="l">
+                      <a:pPr marL="0" lvl="0" indent="0" algn="l" rtl="0">
                         <a:spcBef>
                           <a:spcPts val="0"/>
                         </a:spcBef>
@@ -12747,14 +13158,14 @@
                       <a:endParaRPr/>
                     </a:p>
                   </a:txBody>
-                  <a:tcPr marT="91425" marB="91425" marR="91425" marL="91425"/>
+                  <a:tcPr marL="91425" marR="91425" marT="91425" marB="91425"/>
                 </a:tc>
                 <a:tc>
                   <a:txBody>
                     <a:bodyPr/>
                     <a:lstStyle/>
                     <a:p>
-                      <a:pPr indent="0" lvl="0" marL="0" rtl="0" algn="l">
+                      <a:pPr marL="0" lvl="0" indent="0" algn="l" rtl="0">
                         <a:spcBef>
                           <a:spcPts val="0"/>
                         </a:spcBef>
@@ -12770,14 +13181,14 @@
                       <a:endParaRPr/>
                     </a:p>
                   </a:txBody>
-                  <a:tcPr marT="91425" marB="91425" marR="91425" marL="91425"/>
+                  <a:tcPr marL="91425" marR="91425" marT="91425" marB="91425"/>
                 </a:tc>
                 <a:tc>
                   <a:txBody>
                     <a:bodyPr/>
                     <a:lstStyle/>
                     <a:p>
-                      <a:pPr indent="0" lvl="0" marL="0" rtl="0" algn="l">
+                      <a:pPr marL="0" lvl="0" indent="0" algn="l" rtl="0">
                         <a:spcBef>
                           <a:spcPts val="0"/>
                         </a:spcBef>
@@ -12793,14 +13204,14 @@
                       <a:endParaRPr/>
                     </a:p>
                   </a:txBody>
-                  <a:tcPr marT="91425" marB="91425" marR="91425" marL="91425"/>
+                  <a:tcPr marL="91425" marR="91425" marT="91425" marB="91425"/>
                 </a:tc>
                 <a:tc>
                   <a:txBody>
                     <a:bodyPr/>
                     <a:lstStyle/>
                     <a:p>
-                      <a:pPr indent="0" lvl="0" marL="0" rtl="0" algn="l">
+                      <a:pPr marL="0" lvl="0" indent="0" algn="l" rtl="0">
                         <a:spcBef>
                           <a:spcPts val="0"/>
                         </a:spcBef>
@@ -12816,14 +13227,14 @@
                       <a:endParaRPr/>
                     </a:p>
                   </a:txBody>
-                  <a:tcPr marT="91425" marB="91425" marR="91425" marL="91425"/>
+                  <a:tcPr marL="91425" marR="91425" marT="91425" marB="91425"/>
                 </a:tc>
                 <a:tc>
                   <a:txBody>
                     <a:bodyPr/>
                     <a:lstStyle/>
                     <a:p>
-                      <a:pPr indent="0" lvl="0" marL="0" rtl="0" algn="l">
+                      <a:pPr marL="0" lvl="0" indent="0" algn="l" rtl="0">
                         <a:spcBef>
                           <a:spcPts val="0"/>
                         </a:spcBef>
@@ -12839,8 +13250,13 @@
                       <a:endParaRPr/>
                     </a:p>
                   </a:txBody>
-                  <a:tcPr marT="91425" marB="91425" marR="91425" marL="91425"/>
+                  <a:tcPr marL="91425" marR="91425" marT="91425" marB="91425"/>
                 </a:tc>
+                <a:extLst>
+                  <a:ext uri="{0D108BD9-81ED-4DB2-BD59-A6C34878D82A}">
+                    <a16:rowId xmlns:a16="http://schemas.microsoft.com/office/drawing/2014/main" val="10003"/>
+                  </a:ext>
+                </a:extLst>
               </a:tr>
               <a:tr h="381000">
                 <a:tc>
@@ -12848,7 +13264,7 @@
                     <a:bodyPr/>
                     <a:lstStyle/>
                     <a:p>
-                      <a:pPr indent="0" lvl="0" marL="0" rtl="0" algn="l">
+                      <a:pPr marL="0" lvl="0" indent="0" algn="l" rtl="0">
                         <a:spcBef>
                           <a:spcPts val="0"/>
                         </a:spcBef>
@@ -12864,14 +13280,14 @@
                       <a:endParaRPr/>
                     </a:p>
                   </a:txBody>
-                  <a:tcPr marT="91425" marB="91425" marR="91425" marL="91425"/>
+                  <a:tcPr marL="91425" marR="91425" marT="91425" marB="91425"/>
                 </a:tc>
                 <a:tc>
                   <a:txBody>
                     <a:bodyPr/>
                     <a:lstStyle/>
                     <a:p>
-                      <a:pPr indent="0" lvl="0" marL="0" rtl="0" algn="l">
+                      <a:pPr marL="0" lvl="0" indent="0" algn="l" rtl="0">
                         <a:spcBef>
                           <a:spcPts val="0"/>
                         </a:spcBef>
@@ -12887,14 +13303,14 @@
                       <a:endParaRPr/>
                     </a:p>
                   </a:txBody>
-                  <a:tcPr marT="91425" marB="91425" marR="91425" marL="91425"/>
+                  <a:tcPr marL="91425" marR="91425" marT="91425" marB="91425"/>
                 </a:tc>
                 <a:tc>
                   <a:txBody>
                     <a:bodyPr/>
                     <a:lstStyle/>
                     <a:p>
-                      <a:pPr indent="0" lvl="0" marL="0" rtl="0" algn="l">
+                      <a:pPr marL="0" lvl="0" indent="0" algn="l" rtl="0">
                         <a:spcBef>
                           <a:spcPts val="0"/>
                         </a:spcBef>
@@ -12910,14 +13326,14 @@
                       <a:endParaRPr/>
                     </a:p>
                   </a:txBody>
-                  <a:tcPr marT="91425" marB="91425" marR="91425" marL="91425"/>
+                  <a:tcPr marL="91425" marR="91425" marT="91425" marB="91425"/>
                 </a:tc>
                 <a:tc>
                   <a:txBody>
                     <a:bodyPr/>
                     <a:lstStyle/>
                     <a:p>
-                      <a:pPr indent="0" lvl="0" marL="0" rtl="0" algn="l">
+                      <a:pPr marL="0" lvl="0" indent="0" algn="l" rtl="0">
                         <a:spcBef>
                           <a:spcPts val="0"/>
                         </a:spcBef>
@@ -12933,14 +13349,14 @@
                       <a:endParaRPr/>
                     </a:p>
                   </a:txBody>
-                  <a:tcPr marT="91425" marB="91425" marR="91425" marL="91425"/>
+                  <a:tcPr marL="91425" marR="91425" marT="91425" marB="91425"/>
                 </a:tc>
                 <a:tc>
                   <a:txBody>
                     <a:bodyPr/>
                     <a:lstStyle/>
                     <a:p>
-                      <a:pPr indent="0" lvl="0" marL="0" rtl="0" algn="l">
+                      <a:pPr marL="0" lvl="0" indent="0" algn="l" rtl="0">
                         <a:spcBef>
                           <a:spcPts val="0"/>
                         </a:spcBef>
@@ -12956,14 +13372,14 @@
                       <a:endParaRPr/>
                     </a:p>
                   </a:txBody>
-                  <a:tcPr marT="91425" marB="91425" marR="91425" marL="91425"/>
+                  <a:tcPr marL="91425" marR="91425" marT="91425" marB="91425"/>
                 </a:tc>
                 <a:tc>
                   <a:txBody>
                     <a:bodyPr/>
                     <a:lstStyle/>
                     <a:p>
-                      <a:pPr indent="0" lvl="0" marL="0" rtl="0" algn="l">
+                      <a:pPr marL="0" lvl="0" indent="0" algn="l" rtl="0">
                         <a:spcBef>
                           <a:spcPts val="0"/>
                         </a:spcBef>
@@ -12979,8 +13395,13 @@
                       <a:endParaRPr/>
                     </a:p>
                   </a:txBody>
-                  <a:tcPr marT="91425" marB="91425" marR="91425" marL="91425"/>
+                  <a:tcPr marL="91425" marR="91425" marT="91425" marB="91425"/>
                 </a:tc>
+                <a:extLst>
+                  <a:ext uri="{0D108BD9-81ED-4DB2-BD59-A6C34878D82A}">
+                    <a16:rowId xmlns:a16="http://schemas.microsoft.com/office/drawing/2014/main" val="10004"/>
+                  </a:ext>
+                </a:extLst>
               </a:tr>
             </a:tbl>
           </a:graphicData>
@@ -12995,11 +13416,11 @@
 </file>
 
 <file path=ppt/slides/slide25.xml><?xml version="1.0" encoding="utf-8"?>
-<p:sld xmlns:a="http://schemas.openxmlformats.org/drawingml/2006/main" xmlns:r="http://schemas.openxmlformats.org/officeDocument/2006/relationships" xmlns:mc="http://schemas.openxmlformats.org/markup-compatibility/2006" xmlns:mv="urn:schemas-microsoft-com:mac:vml" xmlns:p="http://schemas.openxmlformats.org/presentationml/2006/main" xmlns:c="http://schemas.openxmlformats.org/drawingml/2006/chart" xmlns:dgm="http://schemas.openxmlformats.org/drawingml/2006/diagram" xmlns:o="urn:schemas-microsoft-com:office:office" xmlns:v="urn:schemas-microsoft-com:vml" xmlns:pvml="urn:schemas-microsoft-com:office:powerpoint" xmlns:com="http://schemas.openxmlformats.org/drawingml/2006/compatibility" xmlns:p14="http://schemas.microsoft.com/office/powerpoint/2010/main" xmlns:p15="http://schemas.microsoft.com/office/powerpoint/2012/main" xmlns:ahyp="http://schemas.microsoft.com/office/drawing/2018/hyperlinkcolor">
+<p:sld xmlns:a="http://schemas.openxmlformats.org/drawingml/2006/main" xmlns:r="http://schemas.openxmlformats.org/officeDocument/2006/relationships" xmlns:p="http://schemas.openxmlformats.org/presentationml/2006/main">
   <p:cSld>
     <p:spTree>
       <p:nvGrpSpPr>
-        <p:cNvPr id="225" name="Shape 225"/>
+        <p:cNvPr id="1" name="Shape 225"/>
         <p:cNvGrpSpPr/>
         <p:nvPr/>
       </p:nvGrpSpPr>
@@ -13014,7 +13435,9 @@
       <p:sp>
         <p:nvSpPr>
           <p:cNvPr id="226" name="Google Shape;226;p37"/>
-          <p:cNvSpPr txBox="1"/>
+          <p:cNvSpPr txBox="1">
+            <a:spLocks noGrp="1"/>
+          </p:cNvSpPr>
           <p:nvPr>
             <p:ph type="title"/>
           </p:nvPr>
@@ -13029,23 +13452,20 @@
           </a:prstGeom>
         </p:spPr>
         <p:txBody>
-          <a:bodyPr anchorCtr="0" anchor="t" bIns="91425" lIns="91425" spcFirstLastPara="1" rIns="91425" wrap="square" tIns="91425">
+          <a:bodyPr spcFirstLastPara="1" wrap="square" lIns="91425" tIns="91425" rIns="91425" bIns="91425" anchor="t" anchorCtr="0">
             <a:normAutofit fontScale="90000"/>
           </a:bodyPr>
           <a:lstStyle/>
           <a:p>
-            <a:pPr indent="0" lvl="0" marL="0" rtl="0" algn="l">
-              <a:spcBef>
-                <a:spcPts val="0"/>
-              </a:spcBef>
-              <a:spcAft>
-                <a:spcPts val="0"/>
-              </a:spcAft>
-              <a:buNone/>
-            </a:pPr>
-            <a:r>
-              <a:t/>
-            </a:r>
+            <a:pPr marL="0" lvl="0" indent="0" algn="l" rtl="0">
+              <a:spcBef>
+                <a:spcPts val="0"/>
+              </a:spcBef>
+              <a:spcAft>
+                <a:spcPts val="0"/>
+              </a:spcAft>
+              <a:buNone/>
+            </a:pPr>
             <a:endParaRPr/>
           </a:p>
         </p:txBody>
@@ -13053,9 +13473,11 @@
       <p:sp>
         <p:nvSpPr>
           <p:cNvPr id="227" name="Google Shape;227;p37"/>
-          <p:cNvSpPr txBox="1"/>
+          <p:cNvSpPr txBox="1">
+            <a:spLocks noGrp="1"/>
+          </p:cNvSpPr>
           <p:nvPr>
-            <p:ph idx="1" type="body"/>
+            <p:ph type="body" idx="1"/>
           </p:nvPr>
         </p:nvSpPr>
         <p:spPr>
@@ -13068,12 +13490,12 @@
           </a:prstGeom>
         </p:spPr>
         <p:txBody>
-          <a:bodyPr anchorCtr="0" anchor="t" bIns="91425" lIns="91425" spcFirstLastPara="1" rIns="91425" wrap="square" tIns="91425">
+          <a:bodyPr spcFirstLastPara="1" wrap="square" lIns="91425" tIns="91425" rIns="91425" bIns="91425" anchor="t" anchorCtr="0">
             <a:normAutofit/>
           </a:bodyPr>
           <a:lstStyle/>
           <a:p>
-            <a:pPr indent="0" lvl="0" marL="0" rtl="0" algn="l">
+            <a:pPr marL="0" lvl="0" indent="0" algn="l" rtl="0">
               <a:spcBef>
                 <a:spcPts val="0"/>
               </a:spcBef>
@@ -13082,9 +13504,6 @@
               </a:spcAft>
               <a:buNone/>
             </a:pPr>
-            <a:r>
-              <a:t/>
-            </a:r>
             <a:endParaRPr/>
           </a:p>
         </p:txBody>
@@ -13210,11 +13629,11 @@
 </file>
 
 <file path=ppt/slides/slide26.xml><?xml version="1.0" encoding="utf-8"?>
-<p:sld xmlns:a="http://schemas.openxmlformats.org/drawingml/2006/main" xmlns:r="http://schemas.openxmlformats.org/officeDocument/2006/relationships" xmlns:mc="http://schemas.openxmlformats.org/markup-compatibility/2006" xmlns:mv="urn:schemas-microsoft-com:mac:vml" xmlns:p="http://schemas.openxmlformats.org/presentationml/2006/main" xmlns:c="http://schemas.openxmlformats.org/drawingml/2006/chart" xmlns:dgm="http://schemas.openxmlformats.org/drawingml/2006/diagram" xmlns:o="urn:schemas-microsoft-com:office:office" xmlns:v="urn:schemas-microsoft-com:vml" xmlns:pvml="urn:schemas-microsoft-com:office:powerpoint" xmlns:com="http://schemas.openxmlformats.org/drawingml/2006/compatibility" xmlns:p14="http://schemas.microsoft.com/office/powerpoint/2010/main" xmlns:p15="http://schemas.microsoft.com/office/powerpoint/2012/main" xmlns:ahyp="http://schemas.microsoft.com/office/drawing/2018/hyperlinkcolor">
+<p:sld xmlns:a="http://schemas.openxmlformats.org/drawingml/2006/main" xmlns:r="http://schemas.openxmlformats.org/officeDocument/2006/relationships" xmlns:p="http://schemas.openxmlformats.org/presentationml/2006/main">
   <p:cSld>
     <p:spTree>
       <p:nvGrpSpPr>
-        <p:cNvPr id="235" name="Shape 235"/>
+        <p:cNvPr id="1" name="Shape 235"/>
         <p:cNvGrpSpPr/>
         <p:nvPr/>
       </p:nvGrpSpPr>
@@ -13229,7 +13648,9 @@
       <p:sp>
         <p:nvSpPr>
           <p:cNvPr id="236" name="Google Shape;236;p38"/>
-          <p:cNvSpPr txBox="1"/>
+          <p:cNvSpPr txBox="1">
+            <a:spLocks noGrp="1"/>
+          </p:cNvSpPr>
           <p:nvPr>
             <p:ph type="title"/>
           </p:nvPr>
@@ -13244,12 +13665,12 @@
           </a:prstGeom>
         </p:spPr>
         <p:txBody>
-          <a:bodyPr anchorCtr="0" anchor="t" bIns="91425" lIns="91425" spcFirstLastPara="1" rIns="91425" wrap="square" tIns="91425">
+          <a:bodyPr spcFirstLastPara="1" wrap="square" lIns="91425" tIns="91425" rIns="91425" bIns="91425" anchor="t" anchorCtr="0">
             <a:normAutofit fontScale="90000"/>
           </a:bodyPr>
           <a:lstStyle/>
           <a:p>
-            <a:pPr indent="0" lvl="0" marL="0" rtl="0" algn="l">
+            <a:pPr marL="0" lvl="0" indent="0" algn="l" rtl="0">
               <a:spcBef>
                 <a:spcPts val="0"/>
               </a:spcBef>
@@ -13269,9 +13690,11 @@
       <p:sp>
         <p:nvSpPr>
           <p:cNvPr id="237" name="Google Shape;237;p38"/>
-          <p:cNvSpPr txBox="1"/>
+          <p:cNvSpPr txBox="1">
+            <a:spLocks noGrp="1"/>
+          </p:cNvSpPr>
           <p:nvPr>
-            <p:ph idx="1" type="body"/>
+            <p:ph type="body" idx="1"/>
           </p:nvPr>
         </p:nvSpPr>
         <p:spPr>
@@ -13284,12 +13707,12 @@
           </a:prstGeom>
         </p:spPr>
         <p:txBody>
-          <a:bodyPr anchorCtr="0" anchor="t" bIns="91425" lIns="91425" spcFirstLastPara="1" rIns="91425" wrap="square" tIns="91425">
+          <a:bodyPr spcFirstLastPara="1" wrap="square" lIns="91425" tIns="91425" rIns="91425" bIns="91425" anchor="t" anchorCtr="0">
             <a:normAutofit/>
           </a:bodyPr>
           <a:lstStyle/>
           <a:p>
-            <a:pPr indent="-342900" lvl="0" marL="457200" rtl="0" algn="l">
+            <a:pPr marL="457200" lvl="0" indent="-342900" algn="l" rtl="0">
               <a:spcBef>
                 <a:spcPts val="0"/>
               </a:spcBef>
@@ -13306,7 +13729,7 @@
             <a:endParaRPr/>
           </a:p>
           <a:p>
-            <a:pPr indent="-317500" lvl="1" marL="914400" rtl="0" algn="l">
+            <a:pPr marL="914400" lvl="1" indent="-317500" algn="l" rtl="0">
               <a:spcBef>
                 <a:spcPts val="0"/>
               </a:spcBef>
@@ -13323,7 +13746,7 @@
             <a:endParaRPr/>
           </a:p>
           <a:p>
-            <a:pPr indent="-317500" lvl="1" marL="914400" rtl="0" algn="l">
+            <a:pPr marL="914400" lvl="1" indent="-317500" algn="l" rtl="0">
               <a:spcBef>
                 <a:spcPts val="0"/>
               </a:spcBef>
@@ -13340,7 +13763,7 @@
             <a:endParaRPr/>
           </a:p>
           <a:p>
-            <a:pPr indent="-342900" lvl="0" marL="457200" rtl="0" algn="l">
+            <a:pPr marL="457200" lvl="0" indent="-342900" algn="l" rtl="0">
               <a:spcBef>
                 <a:spcPts val="0"/>
               </a:spcBef>
@@ -13357,7 +13780,7 @@
             <a:endParaRPr/>
           </a:p>
           <a:p>
-            <a:pPr indent="-317500" lvl="1" marL="914400" rtl="0" algn="l">
+            <a:pPr marL="914400" lvl="1" indent="-317500" algn="l" rtl="0">
               <a:spcBef>
                 <a:spcPts val="0"/>
               </a:spcBef>
@@ -13374,7 +13797,7 @@
             <a:endParaRPr/>
           </a:p>
           <a:p>
-            <a:pPr indent="-317500" lvl="1" marL="914400" rtl="0" algn="l">
+            <a:pPr marL="914400" lvl="1" indent="-317500" algn="l" rtl="0">
               <a:spcBef>
                 <a:spcPts val="0"/>
               </a:spcBef>
@@ -13391,7 +13814,7 @@
             <a:endParaRPr/>
           </a:p>
           <a:p>
-            <a:pPr indent="-342900" lvl="0" marL="457200" rtl="0" algn="l">
+            <a:pPr marL="457200" lvl="0" indent="-342900" algn="l" rtl="0">
               <a:spcBef>
                 <a:spcPts val="0"/>
               </a:spcBef>
@@ -13408,7 +13831,7 @@
             <a:endParaRPr/>
           </a:p>
           <a:p>
-            <a:pPr indent="-317500" lvl="1" marL="914400" rtl="0" algn="l">
+            <a:pPr marL="914400" lvl="1" indent="-317500" algn="l" rtl="0">
               <a:spcBef>
                 <a:spcPts val="0"/>
               </a:spcBef>
@@ -13435,11 +13858,11 @@
 </file>
 
 <file path=ppt/slides/slide3.xml><?xml version="1.0" encoding="utf-8"?>
-<p:sld xmlns:a="http://schemas.openxmlformats.org/drawingml/2006/main" xmlns:r="http://schemas.openxmlformats.org/officeDocument/2006/relationships" xmlns:mc="http://schemas.openxmlformats.org/markup-compatibility/2006" xmlns:mv="urn:schemas-microsoft-com:mac:vml" xmlns:p="http://schemas.openxmlformats.org/presentationml/2006/main" xmlns:c="http://schemas.openxmlformats.org/drawingml/2006/chart" xmlns:dgm="http://schemas.openxmlformats.org/drawingml/2006/diagram" xmlns:o="urn:schemas-microsoft-com:office:office" xmlns:v="urn:schemas-microsoft-com:vml" xmlns:pvml="urn:schemas-microsoft-com:office:powerpoint" xmlns:com="http://schemas.openxmlformats.org/drawingml/2006/compatibility" xmlns:p14="http://schemas.microsoft.com/office/powerpoint/2010/main" xmlns:p15="http://schemas.microsoft.com/office/powerpoint/2012/main" xmlns:ahyp="http://schemas.microsoft.com/office/drawing/2018/hyperlinkcolor">
+<p:sld xmlns:a="http://schemas.openxmlformats.org/drawingml/2006/main" xmlns:r="http://schemas.openxmlformats.org/officeDocument/2006/relationships" xmlns:p="http://schemas.openxmlformats.org/presentationml/2006/main">
   <p:cSld>
     <p:spTree>
       <p:nvGrpSpPr>
-        <p:cNvPr id="67" name="Shape 67"/>
+        <p:cNvPr id="1" name="Shape 67"/>
         <p:cNvGrpSpPr/>
         <p:nvPr/>
       </p:nvGrpSpPr>
@@ -13454,7 +13877,9 @@
       <p:sp>
         <p:nvSpPr>
           <p:cNvPr id="68" name="Google Shape;68;p15"/>
-          <p:cNvSpPr txBox="1"/>
+          <p:cNvSpPr txBox="1">
+            <a:spLocks noGrp="1"/>
+          </p:cNvSpPr>
           <p:nvPr>
             <p:ph type="title"/>
           </p:nvPr>
@@ -13469,12 +13894,12 @@
           </a:prstGeom>
         </p:spPr>
         <p:txBody>
-          <a:bodyPr anchorCtr="0" anchor="t" bIns="91425" lIns="91425" spcFirstLastPara="1" rIns="91425" wrap="square" tIns="91425">
+          <a:bodyPr spcFirstLastPara="1" wrap="square" lIns="91425" tIns="91425" rIns="91425" bIns="91425" anchor="t" anchorCtr="0">
             <a:normAutofit fontScale="90000"/>
           </a:bodyPr>
           <a:lstStyle/>
           <a:p>
-            <a:pPr indent="0" lvl="0" marL="0" rtl="0" algn="l">
+            <a:pPr marL="0" lvl="0" indent="0" algn="l" rtl="0">
               <a:spcBef>
                 <a:spcPts val="0"/>
               </a:spcBef>
@@ -13494,9 +13919,11 @@
       <p:sp>
         <p:nvSpPr>
           <p:cNvPr id="69" name="Google Shape;69;p15"/>
-          <p:cNvSpPr txBox="1"/>
+          <p:cNvSpPr txBox="1">
+            <a:spLocks noGrp="1"/>
+          </p:cNvSpPr>
           <p:nvPr>
-            <p:ph idx="1" type="body"/>
+            <p:ph type="body" idx="1"/>
           </p:nvPr>
         </p:nvSpPr>
         <p:spPr>
@@ -13509,12 +13936,12 @@
           </a:prstGeom>
         </p:spPr>
         <p:txBody>
-          <a:bodyPr anchorCtr="0" anchor="t" bIns="91425" lIns="91425" spcFirstLastPara="1" rIns="91425" wrap="square" tIns="91425">
+          <a:bodyPr spcFirstLastPara="1" wrap="square" lIns="91425" tIns="91425" rIns="91425" bIns="91425" anchor="t" anchorCtr="0">
             <a:normAutofit/>
           </a:bodyPr>
           <a:lstStyle/>
           <a:p>
-            <a:pPr indent="0" lvl="0" marL="0" rtl="0" algn="l">
+            <a:pPr marL="0" lvl="0" indent="0" algn="l" rtl="0">
               <a:spcBef>
                 <a:spcPts val="0"/>
               </a:spcBef>
@@ -13523,9 +13950,6 @@
               </a:spcAft>
               <a:buNone/>
             </a:pPr>
-            <a:r>
-              <a:t/>
-            </a:r>
             <a:endParaRPr/>
           </a:p>
         </p:txBody>
@@ -13567,11 +13991,11 @@
 </file>
 
 <file path=ppt/slides/slide4.xml><?xml version="1.0" encoding="utf-8"?>
-<p:sld xmlns:a="http://schemas.openxmlformats.org/drawingml/2006/main" xmlns:r="http://schemas.openxmlformats.org/officeDocument/2006/relationships" xmlns:mc="http://schemas.openxmlformats.org/markup-compatibility/2006" xmlns:mv="urn:schemas-microsoft-com:mac:vml" xmlns:p="http://schemas.openxmlformats.org/presentationml/2006/main" xmlns:c="http://schemas.openxmlformats.org/drawingml/2006/chart" xmlns:dgm="http://schemas.openxmlformats.org/drawingml/2006/diagram" xmlns:o="urn:schemas-microsoft-com:office:office" xmlns:v="urn:schemas-microsoft-com:vml" xmlns:pvml="urn:schemas-microsoft-com:office:powerpoint" xmlns:com="http://schemas.openxmlformats.org/drawingml/2006/compatibility" xmlns:p14="http://schemas.microsoft.com/office/powerpoint/2010/main" xmlns:p15="http://schemas.microsoft.com/office/powerpoint/2012/main" xmlns:ahyp="http://schemas.microsoft.com/office/drawing/2018/hyperlinkcolor">
+<p:sld xmlns:a="http://schemas.openxmlformats.org/drawingml/2006/main" xmlns:r="http://schemas.openxmlformats.org/officeDocument/2006/relationships" xmlns:p="http://schemas.openxmlformats.org/presentationml/2006/main">
   <p:cSld>
     <p:spTree>
       <p:nvGrpSpPr>
-        <p:cNvPr id="74" name="Shape 74"/>
+        <p:cNvPr id="1" name="Shape 74"/>
         <p:cNvGrpSpPr/>
         <p:nvPr/>
       </p:nvGrpSpPr>
@@ -13586,7 +14010,9 @@
       <p:sp>
         <p:nvSpPr>
           <p:cNvPr id="75" name="Google Shape;75;p16"/>
-          <p:cNvSpPr txBox="1"/>
+          <p:cNvSpPr txBox="1">
+            <a:spLocks noGrp="1"/>
+          </p:cNvSpPr>
           <p:nvPr>
             <p:ph type="title"/>
           </p:nvPr>
@@ -13601,23 +14027,20 @@
           </a:prstGeom>
         </p:spPr>
         <p:txBody>
-          <a:bodyPr anchorCtr="0" anchor="t" bIns="91425" lIns="91425" spcFirstLastPara="1" rIns="91425" wrap="square" tIns="91425">
+          <a:bodyPr spcFirstLastPara="1" wrap="square" lIns="91425" tIns="91425" rIns="91425" bIns="91425" anchor="t" anchorCtr="0">
             <a:normAutofit fontScale="90000"/>
           </a:bodyPr>
           <a:lstStyle/>
           <a:p>
-            <a:pPr indent="0" lvl="0" marL="0" rtl="0" algn="l">
-              <a:spcBef>
-                <a:spcPts val="0"/>
-              </a:spcBef>
-              <a:spcAft>
-                <a:spcPts val="0"/>
-              </a:spcAft>
-              <a:buNone/>
-            </a:pPr>
-            <a:r>
-              <a:t/>
-            </a:r>
+            <a:pPr marL="0" lvl="0" indent="0" algn="l" rtl="0">
+              <a:spcBef>
+                <a:spcPts val="0"/>
+              </a:spcBef>
+              <a:spcAft>
+                <a:spcPts val="0"/>
+              </a:spcAft>
+              <a:buNone/>
+            </a:pPr>
             <a:endParaRPr/>
           </a:p>
         </p:txBody>
@@ -13625,9 +14048,11 @@
       <p:sp>
         <p:nvSpPr>
           <p:cNvPr id="76" name="Google Shape;76;p16"/>
-          <p:cNvSpPr txBox="1"/>
+          <p:cNvSpPr txBox="1">
+            <a:spLocks noGrp="1"/>
+          </p:cNvSpPr>
           <p:nvPr>
-            <p:ph idx="1" type="body"/>
+            <p:ph type="body" idx="1"/>
           </p:nvPr>
         </p:nvSpPr>
         <p:spPr>
@@ -13640,12 +14065,12 @@
           </a:prstGeom>
         </p:spPr>
         <p:txBody>
-          <a:bodyPr anchorCtr="0" anchor="t" bIns="91425" lIns="91425" spcFirstLastPara="1" rIns="91425" wrap="square" tIns="91425">
+          <a:bodyPr spcFirstLastPara="1" wrap="square" lIns="91425" tIns="91425" rIns="91425" bIns="91425" anchor="t" anchorCtr="0">
             <a:normAutofit/>
           </a:bodyPr>
           <a:lstStyle/>
           <a:p>
-            <a:pPr indent="0" lvl="0" marL="0" rtl="0" algn="l">
+            <a:pPr marL="0" lvl="0" indent="0" algn="l" rtl="0">
               <a:spcBef>
                 <a:spcPts val="0"/>
               </a:spcBef>
@@ -13654,9 +14079,6 @@
               </a:spcAft>
               <a:buNone/>
             </a:pPr>
-            <a:r>
-              <a:t/>
-            </a:r>
             <a:endParaRPr/>
           </a:p>
         </p:txBody>
@@ -13698,11 +14120,11 @@
 </file>
 
 <file path=ppt/slides/slide5.xml><?xml version="1.0" encoding="utf-8"?>
-<p:sld xmlns:a="http://schemas.openxmlformats.org/drawingml/2006/main" xmlns:r="http://schemas.openxmlformats.org/officeDocument/2006/relationships" xmlns:mc="http://schemas.openxmlformats.org/markup-compatibility/2006" xmlns:mv="urn:schemas-microsoft-com:mac:vml" xmlns:p="http://schemas.openxmlformats.org/presentationml/2006/main" xmlns:c="http://schemas.openxmlformats.org/drawingml/2006/chart" xmlns:dgm="http://schemas.openxmlformats.org/drawingml/2006/diagram" xmlns:o="urn:schemas-microsoft-com:office:office" xmlns:v="urn:schemas-microsoft-com:vml" xmlns:pvml="urn:schemas-microsoft-com:office:powerpoint" xmlns:com="http://schemas.openxmlformats.org/drawingml/2006/compatibility" xmlns:p14="http://schemas.microsoft.com/office/powerpoint/2010/main" xmlns:p15="http://schemas.microsoft.com/office/powerpoint/2012/main" xmlns:ahyp="http://schemas.microsoft.com/office/drawing/2018/hyperlinkcolor">
+<p:sld xmlns:a="http://schemas.openxmlformats.org/drawingml/2006/main" xmlns:r="http://schemas.openxmlformats.org/officeDocument/2006/relationships" xmlns:p="http://schemas.openxmlformats.org/presentationml/2006/main">
   <p:cSld>
     <p:spTree>
       <p:nvGrpSpPr>
-        <p:cNvPr id="81" name="Shape 81"/>
+        <p:cNvPr id="1" name="Shape 81"/>
         <p:cNvGrpSpPr/>
         <p:nvPr/>
       </p:nvGrpSpPr>
@@ -13717,7 +14139,9 @@
       <p:sp>
         <p:nvSpPr>
           <p:cNvPr id="82" name="Google Shape;82;p17"/>
-          <p:cNvSpPr txBox="1"/>
+          <p:cNvSpPr txBox="1">
+            <a:spLocks noGrp="1"/>
+          </p:cNvSpPr>
           <p:nvPr>
             <p:ph type="title"/>
           </p:nvPr>
@@ -13732,12 +14156,12 @@
           </a:prstGeom>
         </p:spPr>
         <p:txBody>
-          <a:bodyPr anchorCtr="0" anchor="t" bIns="91425" lIns="91425" spcFirstLastPara="1" rIns="91425" wrap="square" tIns="91425">
+          <a:bodyPr spcFirstLastPara="1" wrap="square" lIns="91425" tIns="91425" rIns="91425" bIns="91425" anchor="t" anchorCtr="0">
             <a:normAutofit fontScale="90000"/>
           </a:bodyPr>
           <a:lstStyle/>
           <a:p>
-            <a:pPr indent="0" lvl="0" marL="0" rtl="0" algn="l">
+            <a:pPr marL="0" lvl="0" indent="0" algn="l" rtl="0">
               <a:spcBef>
                 <a:spcPts val="0"/>
               </a:spcBef>
@@ -13757,9 +14181,11 @@
       <p:sp>
         <p:nvSpPr>
           <p:cNvPr id="83" name="Google Shape;83;p17"/>
-          <p:cNvSpPr txBox="1"/>
+          <p:cNvSpPr txBox="1">
+            <a:spLocks noGrp="1"/>
+          </p:cNvSpPr>
           <p:nvPr>
-            <p:ph idx="1" type="body"/>
+            <p:ph type="body" idx="1"/>
           </p:nvPr>
         </p:nvSpPr>
         <p:spPr>
@@ -13772,12 +14198,12 @@
           </a:prstGeom>
         </p:spPr>
         <p:txBody>
-          <a:bodyPr anchorCtr="0" anchor="t" bIns="91425" lIns="91425" spcFirstLastPara="1" rIns="91425" wrap="square" tIns="91425">
+          <a:bodyPr spcFirstLastPara="1" wrap="square" lIns="91425" tIns="91425" rIns="91425" bIns="91425" anchor="t" anchorCtr="0">
             <a:normAutofit/>
           </a:bodyPr>
           <a:lstStyle/>
           <a:p>
-            <a:pPr indent="-342900" lvl="0" marL="457200" rtl="0" algn="l">
+            <a:pPr marL="457200" lvl="0" indent="-342900" algn="l" rtl="0">
               <a:spcBef>
                 <a:spcPts val="0"/>
               </a:spcBef>
@@ -13794,7 +14220,7 @@
             <a:endParaRPr/>
           </a:p>
           <a:p>
-            <a:pPr indent="-342900" lvl="0" marL="457200" rtl="0" algn="l">
+            <a:pPr marL="457200" lvl="0" indent="-342900" algn="l" rtl="0">
               <a:spcBef>
                 <a:spcPts val="0"/>
               </a:spcBef>
@@ -13811,7 +14237,7 @@
             <a:endParaRPr/>
           </a:p>
           <a:p>
-            <a:pPr indent="-342900" lvl="0" marL="457200" rtl="0" algn="l">
+            <a:pPr marL="457200" lvl="0" indent="-342900" algn="l" rtl="0">
               <a:spcBef>
                 <a:spcPts val="0"/>
               </a:spcBef>
@@ -13828,7 +14254,7 @@
             <a:endParaRPr/>
           </a:p>
           <a:p>
-            <a:pPr indent="-317500" lvl="1" marL="914400" rtl="0" algn="l">
+            <a:pPr marL="914400" lvl="1" indent="-317500" algn="l" rtl="0">
               <a:spcBef>
                 <a:spcPts val="0"/>
               </a:spcBef>
@@ -13854,32 +14280,32 @@
   <p:timing>
     <p:tnLst>
       <p:par>
-        <p:cTn dur="indefinite" nodeType="tmRoot" restart="never">
+        <p:cTn id="1" dur="indefinite" restart="never" nodeType="tmRoot">
           <p:childTnLst>
             <p:seq concurrent="1" nextAc="seek">
-              <p:cTn dur="indefinite" id="2" nodeType="mainSeq">
+              <p:cTn id="2" dur="indefinite" nodeType="mainSeq">
                 <p:childTnLst>
                   <p:par>
-                    <p:cTn fill="hold">
+                    <p:cTn id="3" fill="hold">
                       <p:stCondLst>
                         <p:cond delay="indefinite"/>
                       </p:stCondLst>
                       <p:childTnLst>
                         <p:par>
-                          <p:cTn fill="hold">
+                          <p:cTn id="4" fill="hold">
                             <p:stCondLst>
                               <p:cond delay="0"/>
                             </p:stCondLst>
                             <p:childTnLst>
                               <p:par>
-                                <p:cTn fill="hold" nodeType="clickEffect" presetClass="entr" presetID="1" presetSubtype="0">
+                                <p:cTn id="5" presetID="1" presetClass="entr" presetSubtype="0" fill="hold" nodeType="clickEffect">
                                   <p:stCondLst>
                                     <p:cond delay="0"/>
                                   </p:stCondLst>
                                   <p:childTnLst>
                                     <p:set>
                                       <p:cBhvr>
-                                        <p:cTn dur="1" fill="hold">
+                                        <p:cTn id="6" dur="1" fill="hold">
                                           <p:stCondLst>
                                             <p:cond delay="0"/>
                                           </p:stCondLst>
@@ -13887,7 +14313,7 @@
                                         <p:tgtEl>
                                           <p:spTgt spid="83">
                                             <p:txEl>
-                                              <p:pRg end="0" st="0"/>
+                                              <p:pRg st="0" end="0"/>
                                             </p:txEl>
                                           </p:spTgt>
                                         </p:tgtEl>
@@ -13909,26 +14335,26 @@
                     </p:cTn>
                   </p:par>
                   <p:par>
-                    <p:cTn fill="hold">
+                    <p:cTn id="7" fill="hold">
                       <p:stCondLst>
                         <p:cond delay="indefinite"/>
                       </p:stCondLst>
                       <p:childTnLst>
                         <p:par>
-                          <p:cTn fill="hold">
+                          <p:cTn id="8" fill="hold">
                             <p:stCondLst>
                               <p:cond delay="0"/>
                             </p:stCondLst>
                             <p:childTnLst>
                               <p:par>
-                                <p:cTn fill="hold" nodeType="clickEffect" presetClass="entr" presetID="1" presetSubtype="0">
+                                <p:cTn id="9" presetID="1" presetClass="entr" presetSubtype="0" fill="hold" nodeType="clickEffect">
                                   <p:stCondLst>
                                     <p:cond delay="0"/>
                                   </p:stCondLst>
                                   <p:childTnLst>
                                     <p:set>
                                       <p:cBhvr>
-                                        <p:cTn dur="1" fill="hold">
+                                        <p:cTn id="10" dur="1" fill="hold">
                                           <p:stCondLst>
                                             <p:cond delay="0"/>
                                           </p:stCondLst>
@@ -13936,7 +14362,7 @@
                                         <p:tgtEl>
                                           <p:spTgt spid="83">
                                             <p:txEl>
-                                              <p:pRg end="1" st="1"/>
+                                              <p:pRg st="1" end="1"/>
                                             </p:txEl>
                                           </p:spTgt>
                                         </p:tgtEl>
@@ -13958,26 +14384,26 @@
                     </p:cTn>
                   </p:par>
                   <p:par>
-                    <p:cTn fill="hold">
+                    <p:cTn id="11" fill="hold">
                       <p:stCondLst>
                         <p:cond delay="indefinite"/>
                       </p:stCondLst>
                       <p:childTnLst>
                         <p:par>
-                          <p:cTn fill="hold">
+                          <p:cTn id="12" fill="hold">
                             <p:stCondLst>
                               <p:cond delay="0"/>
                             </p:stCondLst>
                             <p:childTnLst>
                               <p:par>
-                                <p:cTn fill="hold" nodeType="clickEffect" presetClass="entr" presetID="1" presetSubtype="0">
+                                <p:cTn id="13" presetID="1" presetClass="entr" presetSubtype="0" fill="hold" nodeType="clickEffect">
                                   <p:stCondLst>
                                     <p:cond delay="0"/>
                                   </p:stCondLst>
                                   <p:childTnLst>
                                     <p:set>
                                       <p:cBhvr>
-                                        <p:cTn dur="1" fill="hold">
+                                        <p:cTn id="14" dur="1" fill="hold">
                                           <p:stCondLst>
                                             <p:cond delay="0"/>
                                           </p:stCondLst>
@@ -13985,7 +14411,7 @@
                                         <p:tgtEl>
                                           <p:spTgt spid="83">
                                             <p:txEl>
-                                              <p:pRg end="2" st="2"/>
+                                              <p:pRg st="2" end="2"/>
                                             </p:txEl>
                                           </p:spTgt>
                                         </p:tgtEl>
@@ -14007,26 +14433,26 @@
                     </p:cTn>
                   </p:par>
                   <p:par>
-                    <p:cTn fill="hold">
+                    <p:cTn id="15" fill="hold">
                       <p:stCondLst>
                         <p:cond delay="indefinite"/>
                       </p:stCondLst>
                       <p:childTnLst>
                         <p:par>
-                          <p:cTn fill="hold">
+                          <p:cTn id="16" fill="hold">
                             <p:stCondLst>
                               <p:cond delay="0"/>
                             </p:stCondLst>
                             <p:childTnLst>
                               <p:par>
-                                <p:cTn fill="hold" nodeType="clickEffect" presetClass="entr" presetID="1" presetSubtype="0">
+                                <p:cTn id="17" presetID="1" presetClass="entr" presetSubtype="0" fill="hold" nodeType="clickEffect">
                                   <p:stCondLst>
                                     <p:cond delay="0"/>
                                   </p:stCondLst>
                                   <p:childTnLst>
                                     <p:set>
                                       <p:cBhvr>
-                                        <p:cTn dur="1" fill="hold">
+                                        <p:cTn id="18" dur="1" fill="hold">
                                           <p:stCondLst>
                                             <p:cond delay="0"/>
                                           </p:stCondLst>
@@ -14034,7 +14460,7 @@
                                         <p:tgtEl>
                                           <p:spTgt spid="83">
                                             <p:txEl>
-                                              <p:pRg end="3" st="3"/>
+                                              <p:pRg st="3" end="3"/>
                                             </p:txEl>
                                           </p:spTgt>
                                         </p:tgtEl>
@@ -14058,14 +14484,14 @@
                 </p:childTnLst>
               </p:cTn>
               <p:prevCondLst>
-                <p:cond evt="onPrev">
+                <p:cond evt="onPrev" delay="0">
                   <p:tgtEl>
                     <p:sldTgt/>
                   </p:tgtEl>
                 </p:cond>
               </p:prevCondLst>
               <p:nextCondLst>
-                <p:cond evt="onNext">
+                <p:cond evt="onNext" delay="0">
                   <p:tgtEl>
                     <p:sldTgt/>
                   </p:tgtEl>
@@ -14081,11 +14507,11 @@
 </file>
 
 <file path=ppt/slides/slide6.xml><?xml version="1.0" encoding="utf-8"?>
-<p:sld xmlns:a="http://schemas.openxmlformats.org/drawingml/2006/main" xmlns:r="http://schemas.openxmlformats.org/officeDocument/2006/relationships" xmlns:mc="http://schemas.openxmlformats.org/markup-compatibility/2006" xmlns:mv="urn:schemas-microsoft-com:mac:vml" xmlns:p="http://schemas.openxmlformats.org/presentationml/2006/main" xmlns:c="http://schemas.openxmlformats.org/drawingml/2006/chart" xmlns:dgm="http://schemas.openxmlformats.org/drawingml/2006/diagram" xmlns:o="urn:schemas-microsoft-com:office:office" xmlns:v="urn:schemas-microsoft-com:vml" xmlns:pvml="urn:schemas-microsoft-com:office:powerpoint" xmlns:com="http://schemas.openxmlformats.org/drawingml/2006/compatibility" xmlns:p14="http://schemas.microsoft.com/office/powerpoint/2010/main" xmlns:p15="http://schemas.microsoft.com/office/powerpoint/2012/main" xmlns:ahyp="http://schemas.microsoft.com/office/drawing/2018/hyperlinkcolor">
+<p:sld xmlns:a="http://schemas.openxmlformats.org/drawingml/2006/main" xmlns:r="http://schemas.openxmlformats.org/officeDocument/2006/relationships" xmlns:p="http://schemas.openxmlformats.org/presentationml/2006/main">
   <p:cSld>
     <p:spTree>
       <p:nvGrpSpPr>
-        <p:cNvPr id="87" name="Shape 87"/>
+        <p:cNvPr id="1" name="Shape 87"/>
         <p:cNvGrpSpPr/>
         <p:nvPr/>
       </p:nvGrpSpPr>
@@ -14100,7 +14526,9 @@
       <p:sp>
         <p:nvSpPr>
           <p:cNvPr id="88" name="Google Shape;88;p18"/>
-          <p:cNvSpPr txBox="1"/>
+          <p:cNvSpPr txBox="1">
+            <a:spLocks noGrp="1"/>
+          </p:cNvSpPr>
           <p:nvPr>
             <p:ph type="title"/>
           </p:nvPr>
@@ -14115,12 +14543,12 @@
           </a:prstGeom>
         </p:spPr>
         <p:txBody>
-          <a:bodyPr anchorCtr="0" anchor="t" bIns="91425" lIns="91425" spcFirstLastPara="1" rIns="91425" wrap="square" tIns="91425">
+          <a:bodyPr spcFirstLastPara="1" wrap="square" lIns="91425" tIns="91425" rIns="91425" bIns="91425" anchor="t" anchorCtr="0">
             <a:normAutofit fontScale="90000"/>
           </a:bodyPr>
           <a:lstStyle/>
           <a:p>
-            <a:pPr indent="0" lvl="0" marL="0" rtl="0" algn="l">
+            <a:pPr marL="0" lvl="0" indent="0" algn="l" rtl="0">
               <a:spcBef>
                 <a:spcPts val="0"/>
               </a:spcBef>
@@ -14140,9 +14568,11 @@
       <p:sp>
         <p:nvSpPr>
           <p:cNvPr id="89" name="Google Shape;89;p18"/>
-          <p:cNvSpPr txBox="1"/>
+          <p:cNvSpPr txBox="1">
+            <a:spLocks noGrp="1"/>
+          </p:cNvSpPr>
           <p:nvPr>
-            <p:ph idx="1" type="body"/>
+            <p:ph type="body" idx="1"/>
           </p:nvPr>
         </p:nvSpPr>
         <p:spPr>
@@ -14155,12 +14585,12 @@
           </a:prstGeom>
         </p:spPr>
         <p:txBody>
-          <a:bodyPr anchorCtr="0" anchor="t" bIns="91425" lIns="91425" spcFirstLastPara="1" rIns="91425" wrap="square" tIns="91425">
+          <a:bodyPr spcFirstLastPara="1" wrap="square" lIns="91425" tIns="91425" rIns="91425" bIns="91425" anchor="t" anchorCtr="0">
             <a:normAutofit/>
           </a:bodyPr>
           <a:lstStyle/>
           <a:p>
-            <a:pPr indent="0" lvl="0" marL="0" rtl="0" algn="l">
+            <a:pPr marL="0" lvl="0" indent="0" algn="l" rtl="0">
               <a:spcBef>
                 <a:spcPts val="0"/>
               </a:spcBef>
@@ -14169,9 +14599,6 @@
               </a:spcAft>
               <a:buNone/>
             </a:pPr>
-            <a:r>
-              <a:t/>
-            </a:r>
             <a:endParaRPr/>
           </a:p>
         </p:txBody>
@@ -14213,11 +14640,11 @@
 </file>
 
 <file path=ppt/slides/slide7.xml><?xml version="1.0" encoding="utf-8"?>
-<p:sld xmlns:a="http://schemas.openxmlformats.org/drawingml/2006/main" xmlns:r="http://schemas.openxmlformats.org/officeDocument/2006/relationships" xmlns:mc="http://schemas.openxmlformats.org/markup-compatibility/2006" xmlns:mv="urn:schemas-microsoft-com:mac:vml" xmlns:p="http://schemas.openxmlformats.org/presentationml/2006/main" xmlns:c="http://schemas.openxmlformats.org/drawingml/2006/chart" xmlns:dgm="http://schemas.openxmlformats.org/drawingml/2006/diagram" xmlns:o="urn:schemas-microsoft-com:office:office" xmlns:v="urn:schemas-microsoft-com:vml" xmlns:pvml="urn:schemas-microsoft-com:office:powerpoint" xmlns:com="http://schemas.openxmlformats.org/drawingml/2006/compatibility" xmlns:p14="http://schemas.microsoft.com/office/powerpoint/2010/main" xmlns:p15="http://schemas.microsoft.com/office/powerpoint/2012/main" xmlns:ahyp="http://schemas.microsoft.com/office/drawing/2018/hyperlinkcolor">
+<p:sld xmlns:a="http://schemas.openxmlformats.org/drawingml/2006/main" xmlns:r="http://schemas.openxmlformats.org/officeDocument/2006/relationships" xmlns:p="http://schemas.openxmlformats.org/presentationml/2006/main">
   <p:cSld>
     <p:spTree>
       <p:nvGrpSpPr>
-        <p:cNvPr id="94" name="Shape 94"/>
+        <p:cNvPr id="1" name="Shape 94"/>
         <p:cNvGrpSpPr/>
         <p:nvPr/>
       </p:nvGrpSpPr>
@@ -14232,7 +14659,9 @@
       <p:sp>
         <p:nvSpPr>
           <p:cNvPr id="95" name="Google Shape;95;p19"/>
-          <p:cNvSpPr txBox="1"/>
+          <p:cNvSpPr txBox="1">
+            <a:spLocks noGrp="1"/>
+          </p:cNvSpPr>
           <p:nvPr>
             <p:ph type="title"/>
           </p:nvPr>
@@ -14247,23 +14676,20 @@
           </a:prstGeom>
         </p:spPr>
         <p:txBody>
-          <a:bodyPr anchorCtr="0" anchor="t" bIns="91425" lIns="91425" spcFirstLastPara="1" rIns="91425" wrap="square" tIns="91425">
+          <a:bodyPr spcFirstLastPara="1" wrap="square" lIns="91425" tIns="91425" rIns="91425" bIns="91425" anchor="t" anchorCtr="0">
             <a:normAutofit fontScale="90000"/>
           </a:bodyPr>
           <a:lstStyle/>
           <a:p>
-            <a:pPr indent="0" lvl="0" marL="0" rtl="0" algn="l">
-              <a:spcBef>
-                <a:spcPts val="0"/>
-              </a:spcBef>
-              <a:spcAft>
-                <a:spcPts val="0"/>
-              </a:spcAft>
-              <a:buNone/>
-            </a:pPr>
-            <a:r>
-              <a:t/>
-            </a:r>
+            <a:pPr marL="0" lvl="0" indent="0" algn="l" rtl="0">
+              <a:spcBef>
+                <a:spcPts val="0"/>
+              </a:spcBef>
+              <a:spcAft>
+                <a:spcPts val="0"/>
+              </a:spcAft>
+              <a:buNone/>
+            </a:pPr>
             <a:endParaRPr/>
           </a:p>
         </p:txBody>
@@ -14271,9 +14697,11 @@
       <p:sp>
         <p:nvSpPr>
           <p:cNvPr id="96" name="Google Shape;96;p19"/>
-          <p:cNvSpPr txBox="1"/>
+          <p:cNvSpPr txBox="1">
+            <a:spLocks noGrp="1"/>
+          </p:cNvSpPr>
           <p:nvPr>
-            <p:ph idx="1" type="body"/>
+            <p:ph type="body" idx="1"/>
           </p:nvPr>
         </p:nvSpPr>
         <p:spPr>
@@ -14286,12 +14714,12 @@
           </a:prstGeom>
         </p:spPr>
         <p:txBody>
-          <a:bodyPr anchorCtr="0" anchor="t" bIns="91425" lIns="91425" spcFirstLastPara="1" rIns="91425" wrap="square" tIns="91425">
+          <a:bodyPr spcFirstLastPara="1" wrap="square" lIns="91425" tIns="91425" rIns="91425" bIns="91425" anchor="t" anchorCtr="0">
             <a:normAutofit/>
           </a:bodyPr>
           <a:lstStyle/>
           <a:p>
-            <a:pPr indent="0" lvl="0" marL="0" rtl="0" algn="l">
+            <a:pPr marL="0" lvl="0" indent="0" algn="l" rtl="0">
               <a:spcBef>
                 <a:spcPts val="0"/>
               </a:spcBef>
@@ -14300,9 +14728,6 @@
               </a:spcAft>
               <a:buNone/>
             </a:pPr>
-            <a:r>
-              <a:t/>
-            </a:r>
             <a:endParaRPr/>
           </a:p>
         </p:txBody>
@@ -14344,11 +14769,11 @@
 </file>
 
 <file path=ppt/slides/slide8.xml><?xml version="1.0" encoding="utf-8"?>
-<p:sld xmlns:a="http://schemas.openxmlformats.org/drawingml/2006/main" xmlns:r="http://schemas.openxmlformats.org/officeDocument/2006/relationships" xmlns:mc="http://schemas.openxmlformats.org/markup-compatibility/2006" xmlns:mv="urn:schemas-microsoft-com:mac:vml" xmlns:p="http://schemas.openxmlformats.org/presentationml/2006/main" xmlns:c="http://schemas.openxmlformats.org/drawingml/2006/chart" xmlns:dgm="http://schemas.openxmlformats.org/drawingml/2006/diagram" xmlns:o="urn:schemas-microsoft-com:office:office" xmlns:v="urn:schemas-microsoft-com:vml" xmlns:pvml="urn:schemas-microsoft-com:office:powerpoint" xmlns:com="http://schemas.openxmlformats.org/drawingml/2006/compatibility" xmlns:p14="http://schemas.microsoft.com/office/powerpoint/2010/main" xmlns:p15="http://schemas.microsoft.com/office/powerpoint/2012/main" xmlns:ahyp="http://schemas.microsoft.com/office/drawing/2018/hyperlinkcolor">
+<p:sld xmlns:a="http://schemas.openxmlformats.org/drawingml/2006/main" xmlns:r="http://schemas.openxmlformats.org/officeDocument/2006/relationships" xmlns:p="http://schemas.openxmlformats.org/presentationml/2006/main">
   <p:cSld>
     <p:spTree>
       <p:nvGrpSpPr>
-        <p:cNvPr id="101" name="Shape 101"/>
+        <p:cNvPr id="1" name="Shape 101"/>
         <p:cNvGrpSpPr/>
         <p:nvPr/>
       </p:nvGrpSpPr>
@@ -14363,7 +14788,9 @@
       <p:sp>
         <p:nvSpPr>
           <p:cNvPr id="102" name="Google Shape;102;p20"/>
-          <p:cNvSpPr txBox="1"/>
+          <p:cNvSpPr txBox="1">
+            <a:spLocks noGrp="1"/>
+          </p:cNvSpPr>
           <p:nvPr>
             <p:ph type="title"/>
           </p:nvPr>
@@ -14378,12 +14805,12 @@
           </a:prstGeom>
         </p:spPr>
         <p:txBody>
-          <a:bodyPr anchorCtr="0" anchor="t" bIns="91425" lIns="91425" spcFirstLastPara="1" rIns="91425" wrap="square" tIns="91425">
+          <a:bodyPr spcFirstLastPara="1" wrap="square" lIns="91425" tIns="91425" rIns="91425" bIns="91425" anchor="t" anchorCtr="0">
             <a:normAutofit fontScale="90000"/>
           </a:bodyPr>
           <a:lstStyle/>
           <a:p>
-            <a:pPr indent="0" lvl="0" marL="0" rtl="0" algn="l">
+            <a:pPr marL="0" lvl="0" indent="0" algn="l" rtl="0">
               <a:spcBef>
                 <a:spcPts val="0"/>
               </a:spcBef>
@@ -14403,9 +14830,11 @@
       <p:sp>
         <p:nvSpPr>
           <p:cNvPr id="103" name="Google Shape;103;p20"/>
-          <p:cNvSpPr txBox="1"/>
+          <p:cNvSpPr txBox="1">
+            <a:spLocks noGrp="1"/>
+          </p:cNvSpPr>
           <p:nvPr>
-            <p:ph idx="1" type="body"/>
+            <p:ph type="body" idx="1"/>
           </p:nvPr>
         </p:nvSpPr>
         <p:spPr>
@@ -14418,12 +14847,12 @@
           </a:prstGeom>
         </p:spPr>
         <p:txBody>
-          <a:bodyPr anchorCtr="0" anchor="t" bIns="91425" lIns="91425" spcFirstLastPara="1" rIns="91425" wrap="square" tIns="91425">
+          <a:bodyPr spcFirstLastPara="1" wrap="square" lIns="91425" tIns="91425" rIns="91425" bIns="91425" anchor="t" anchorCtr="0">
             <a:normAutofit/>
           </a:bodyPr>
           <a:lstStyle/>
           <a:p>
-            <a:pPr indent="-342900" lvl="0" marL="457200" rtl="0" algn="l">
+            <a:pPr marL="457200" lvl="0" indent="-342900" algn="l" rtl="0">
               <a:spcBef>
                 <a:spcPts val="0"/>
               </a:spcBef>
@@ -14440,7 +14869,7 @@
             <a:endParaRPr/>
           </a:p>
           <a:p>
-            <a:pPr indent="-342900" lvl="0" marL="457200" rtl="0" algn="l">
+            <a:pPr marL="457200" lvl="0" indent="-342900" algn="l" rtl="0">
               <a:spcBef>
                 <a:spcPts val="0"/>
               </a:spcBef>
@@ -14457,7 +14886,7 @@
             <a:endParaRPr/>
           </a:p>
           <a:p>
-            <a:pPr indent="-342900" lvl="0" marL="457200" rtl="0" algn="l">
+            <a:pPr marL="457200" lvl="0" indent="-342900" algn="l" rtl="0">
               <a:spcBef>
                 <a:spcPts val="0"/>
               </a:spcBef>
@@ -14474,7 +14903,7 @@
             <a:endParaRPr/>
           </a:p>
           <a:p>
-            <a:pPr indent="-342900" lvl="0" marL="457200" rtl="0" algn="l">
+            <a:pPr marL="457200" lvl="0" indent="-342900" algn="l" rtl="0">
               <a:spcBef>
                 <a:spcPts val="0"/>
               </a:spcBef>
@@ -14491,7 +14920,7 @@
             <a:endParaRPr/>
           </a:p>
           <a:p>
-            <a:pPr indent="-317500" lvl="1" marL="914400" rtl="0" algn="l">
+            <a:pPr marL="914400" lvl="1" indent="-317500" algn="l" rtl="0">
               <a:spcBef>
                 <a:spcPts val="0"/>
               </a:spcBef>
@@ -14508,7 +14937,7 @@
             <a:endParaRPr/>
           </a:p>
           <a:p>
-            <a:pPr indent="-317500" lvl="1" marL="914400" rtl="0" algn="l">
+            <a:pPr marL="914400" lvl="1" indent="-317500" algn="l" rtl="0">
               <a:spcBef>
                 <a:spcPts val="0"/>
               </a:spcBef>
@@ -14525,7 +14954,7 @@
             <a:endParaRPr/>
           </a:p>
           <a:p>
-            <a:pPr indent="-317500" lvl="1" marL="914400" rtl="0" algn="l">
+            <a:pPr marL="914400" lvl="1" indent="-317500" algn="l" rtl="0">
               <a:spcBef>
                 <a:spcPts val="0"/>
               </a:spcBef>
@@ -14552,11 +14981,11 @@
 </file>
 
 <file path=ppt/slides/slide9.xml><?xml version="1.0" encoding="utf-8"?>
-<p:sld xmlns:a="http://schemas.openxmlformats.org/drawingml/2006/main" xmlns:r="http://schemas.openxmlformats.org/officeDocument/2006/relationships" xmlns:mc="http://schemas.openxmlformats.org/markup-compatibility/2006" xmlns:mv="urn:schemas-microsoft-com:mac:vml" xmlns:p="http://schemas.openxmlformats.org/presentationml/2006/main" xmlns:c="http://schemas.openxmlformats.org/drawingml/2006/chart" xmlns:dgm="http://schemas.openxmlformats.org/drawingml/2006/diagram" xmlns:o="urn:schemas-microsoft-com:office:office" xmlns:v="urn:schemas-microsoft-com:vml" xmlns:pvml="urn:schemas-microsoft-com:office:powerpoint" xmlns:com="http://schemas.openxmlformats.org/drawingml/2006/compatibility" xmlns:p14="http://schemas.microsoft.com/office/powerpoint/2010/main" xmlns:p15="http://schemas.microsoft.com/office/powerpoint/2012/main" xmlns:ahyp="http://schemas.microsoft.com/office/drawing/2018/hyperlinkcolor">
+<p:sld xmlns:a="http://schemas.openxmlformats.org/drawingml/2006/main" xmlns:r="http://schemas.openxmlformats.org/officeDocument/2006/relationships" xmlns:p="http://schemas.openxmlformats.org/presentationml/2006/main">
   <p:cSld>
     <p:spTree>
       <p:nvGrpSpPr>
-        <p:cNvPr id="107" name="Shape 107"/>
+        <p:cNvPr id="1" name="Shape 107"/>
         <p:cNvGrpSpPr/>
         <p:nvPr/>
       </p:nvGrpSpPr>
@@ -14571,7 +15000,9 @@
       <p:sp>
         <p:nvSpPr>
           <p:cNvPr id="108" name="Google Shape;108;p21"/>
-          <p:cNvSpPr txBox="1"/>
+          <p:cNvSpPr txBox="1">
+            <a:spLocks noGrp="1"/>
+          </p:cNvSpPr>
           <p:nvPr>
             <p:ph type="title"/>
           </p:nvPr>
@@ -14586,12 +15017,12 @@
           </a:prstGeom>
         </p:spPr>
         <p:txBody>
-          <a:bodyPr anchorCtr="0" anchor="t" bIns="91425" lIns="91425" spcFirstLastPara="1" rIns="91425" wrap="square" tIns="91425">
+          <a:bodyPr spcFirstLastPara="1" wrap="square" lIns="91425" tIns="91425" rIns="91425" bIns="91425" anchor="t" anchorCtr="0">
             <a:normAutofit fontScale="90000"/>
           </a:bodyPr>
           <a:lstStyle/>
           <a:p>
-            <a:pPr indent="0" lvl="0" marL="0" rtl="0" algn="l">
+            <a:pPr marL="0" lvl="0" indent="0" algn="l" rtl="0">
               <a:spcBef>
                 <a:spcPts val="0"/>
               </a:spcBef>
@@ -14611,9 +15042,11 @@
       <p:sp>
         <p:nvSpPr>
           <p:cNvPr id="109" name="Google Shape;109;p21"/>
-          <p:cNvSpPr txBox="1"/>
+          <p:cNvSpPr txBox="1">
+            <a:spLocks noGrp="1"/>
+          </p:cNvSpPr>
           <p:nvPr>
-            <p:ph idx="1" type="body"/>
+            <p:ph type="body" idx="1"/>
           </p:nvPr>
         </p:nvSpPr>
         <p:spPr>
@@ -14626,12 +15059,12 @@
           </a:prstGeom>
         </p:spPr>
         <p:txBody>
-          <a:bodyPr anchorCtr="0" anchor="t" bIns="91425" lIns="91425" spcFirstLastPara="1" rIns="91425" wrap="square" tIns="91425">
+          <a:bodyPr spcFirstLastPara="1" wrap="square" lIns="91425" tIns="91425" rIns="91425" bIns="91425" anchor="t" anchorCtr="0">
             <a:normAutofit/>
           </a:bodyPr>
           <a:lstStyle/>
           <a:p>
-            <a:pPr indent="-342900" lvl="0" marL="457200" rtl="0" algn="l">
+            <a:pPr marL="457200" lvl="0" indent="-342900" algn="l" rtl="0">
               <a:spcBef>
                 <a:spcPts val="0"/>
               </a:spcBef>
@@ -14648,7 +15081,7 @@
             <a:endParaRPr/>
           </a:p>
           <a:p>
-            <a:pPr indent="-342900" lvl="0" marL="457200" rtl="0" algn="l">
+            <a:pPr marL="457200" lvl="0" indent="-342900" algn="l" rtl="0">
               <a:spcBef>
                 <a:spcPts val="0"/>
               </a:spcBef>
@@ -14675,7 +15108,7 @@
 </file>
 
 <file path=ppt/theme/theme1.xml><?xml version="1.0" encoding="utf-8"?>
-<a:theme xmlns:a="http://schemas.openxmlformats.org/drawingml/2006/main" xmlns:r="http://schemas.openxmlformats.org/officeDocument/2006/relationships" name="Simple Light">
+<a:theme xmlns:a="http://schemas.openxmlformats.org/drawingml/2006/main" name="Simple Light">
   <a:themeElements>
     <a:clrScheme name="Simple Light">
       <a:dk1>
@@ -14950,11 +15383,13 @@
       </a:bgFillStyleLst>
     </a:fmtScheme>
   </a:themeElements>
+  <a:objectDefaults/>
+  <a:extraClrSchemeLst/>
 </a:theme>
 </file>
 
 <file path=ppt/theme/theme2.xml><?xml version="1.0" encoding="utf-8"?>
-<a:theme xmlns:a="http://schemas.openxmlformats.org/drawingml/2006/main" xmlns:r="http://schemas.openxmlformats.org/officeDocument/2006/relationships">
+<a:theme xmlns:a="http://schemas.openxmlformats.org/drawingml/2006/main">
   <a:themeElements>
     <a:clrScheme name="Default">
       <a:dk1>
@@ -15229,5 +15664,7 @@
       </a:bgFillStyleLst>
     </a:fmtScheme>
   </a:themeElements>
+  <a:objectDefaults/>
+  <a:extraClrSchemeLst/>
 </a:theme>
 </file>
--- a/cse.pptx
+++ b/cse.pptx
@@ -5,7 +5,7 @@
     <p:sldMasterId id="2147483659" r:id="rId1"/>
   </p:sldMasterIdLst>
   <p:notesMasterIdLst>
-    <p:notesMasterId r:id="rId28"/>
+    <p:notesMasterId r:id="rId27"/>
   </p:notesMasterIdLst>
   <p:sldIdLst>
     <p:sldId id="256" r:id="rId2"/>
@@ -26,31 +26,30 @@
     <p:sldId id="270" r:id="rId17"/>
     <p:sldId id="272" r:id="rId18"/>
     <p:sldId id="273" r:id="rId19"/>
-    <p:sldId id="274" r:id="rId20"/>
-    <p:sldId id="275" r:id="rId21"/>
-    <p:sldId id="276" r:id="rId22"/>
-    <p:sldId id="277" r:id="rId23"/>
-    <p:sldId id="278" r:id="rId24"/>
-    <p:sldId id="279" r:id="rId25"/>
-    <p:sldId id="280" r:id="rId26"/>
-    <p:sldId id="281" r:id="rId27"/>
+    <p:sldId id="275" r:id="rId20"/>
+    <p:sldId id="276" r:id="rId21"/>
+    <p:sldId id="277" r:id="rId22"/>
+    <p:sldId id="278" r:id="rId23"/>
+    <p:sldId id="279" r:id="rId24"/>
+    <p:sldId id="280" r:id="rId25"/>
+    <p:sldId id="281" r:id="rId26"/>
   </p:sldIdLst>
   <p:sldSz cx="9144000" cy="5143500" type="screen16x9"/>
   <p:notesSz cx="6858000" cy="9144000"/>
   <p:embeddedFontLst>
     <p:embeddedFont>
       <p:font typeface="Comic Sans MS" panose="030F0702030302020204" pitchFamily="66" charset="0"/>
-      <p:regular r:id="rId29"/>
-      <p:bold r:id="rId30"/>
-      <p:italic r:id="rId31"/>
-      <p:boldItalic r:id="rId32"/>
+      <p:regular r:id="rId28"/>
+      <p:bold r:id="rId29"/>
+      <p:italic r:id="rId30"/>
+      <p:boldItalic r:id="rId31"/>
     </p:embeddedFont>
     <p:embeddedFont>
       <p:font typeface="Roboto" panose="02000000000000000000" pitchFamily="2" charset="0"/>
-      <p:regular r:id="rId33"/>
-      <p:bold r:id="rId34"/>
-      <p:italic r:id="rId35"/>
-      <p:boldItalic r:id="rId36"/>
+      <p:regular r:id="rId32"/>
+      <p:bold r:id="rId33"/>
+      <p:italic r:id="rId34"/>
+      <p:boldItalic r:id="rId35"/>
     </p:embeddedFont>
   </p:embeddedFontLst>
   <p:defaultTextStyle>
@@ -1792,7 +1791,7 @@
   <p:cSld>
     <p:spTree>
       <p:nvGrpSpPr>
-        <p:cNvPr id="1" name="Shape 183"/>
+        <p:cNvPr id="1" name="Shape 189"/>
         <p:cNvGrpSpPr/>
         <p:nvPr/>
       </p:nvGrpSpPr>
@@ -1806,7 +1805,7 @@
       </p:grpSpPr>
       <p:sp>
         <p:nvSpPr>
-          <p:cNvPr id="184" name="Google Shape;184;g26e9bc169fa_0_68:notes"/>
+          <p:cNvPr id="190" name="Google Shape;190;g26e9bc169fa_0_52:notes"/>
           <p:cNvSpPr>
             <a:spLocks noGrp="1" noRot="1" noChangeAspect="1"/>
           </p:cNvSpPr>
@@ -1847,7 +1846,7 @@
       </p:sp>
       <p:sp>
         <p:nvSpPr>
-          <p:cNvPr id="185" name="Google Shape;185;g26e9bc169fa_0_68:notes"/>
+          <p:cNvPr id="191" name="Google Shape;191;g26e9bc169fa_0_52:notes"/>
           <p:cNvSpPr txBox="1">
             <a:spLocks noGrp="1"/>
           </p:cNvSpPr>
@@ -2000,7 +1999,7 @@
   <p:cSld>
     <p:spTree>
       <p:nvGrpSpPr>
-        <p:cNvPr id="1" name="Shape 189"/>
+        <p:cNvPr id="1" name="Shape 195"/>
         <p:cNvGrpSpPr/>
         <p:nvPr/>
       </p:nvGrpSpPr>
@@ -2014,7 +2013,7 @@
       </p:grpSpPr>
       <p:sp>
         <p:nvSpPr>
-          <p:cNvPr id="190" name="Google Shape;190;g26e9bc169fa_0_52:notes"/>
+          <p:cNvPr id="196" name="Google Shape;196;g26e9bc169fa_0_115:notes"/>
           <p:cNvSpPr>
             <a:spLocks noGrp="1" noRot="1" noChangeAspect="1"/>
           </p:cNvSpPr>
@@ -2055,7 +2054,7 @@
       </p:sp>
       <p:sp>
         <p:nvSpPr>
-          <p:cNvPr id="191" name="Google Shape;191;g26e9bc169fa_0_52:notes"/>
+          <p:cNvPr id="197" name="Google Shape;197;g26e9bc169fa_0_115:notes"/>
           <p:cNvSpPr txBox="1">
             <a:spLocks noGrp="1"/>
           </p:cNvSpPr>
@@ -2100,110 +2099,6 @@
 </file>
 
 <file path=ppt/notesSlides/notesSlide21.xml><?xml version="1.0" encoding="utf-8"?>
-<p:notes xmlns:a="http://schemas.openxmlformats.org/drawingml/2006/main" xmlns:r="http://schemas.openxmlformats.org/officeDocument/2006/relationships" xmlns:p="http://schemas.openxmlformats.org/presentationml/2006/main" showMasterSp="0" showMasterPhAnim="0">
-  <p:cSld>
-    <p:spTree>
-      <p:nvGrpSpPr>
-        <p:cNvPr id="1" name="Shape 195"/>
-        <p:cNvGrpSpPr/>
-        <p:nvPr/>
-      </p:nvGrpSpPr>
-      <p:grpSpPr>
-        <a:xfrm>
-          <a:off x="0" y="0"/>
-          <a:ext cx="0" cy="0"/>
-          <a:chOff x="0" y="0"/>
-          <a:chExt cx="0" cy="0"/>
-        </a:xfrm>
-      </p:grpSpPr>
-      <p:sp>
-        <p:nvSpPr>
-          <p:cNvPr id="196" name="Google Shape;196;g26e9bc169fa_0_115:notes"/>
-          <p:cNvSpPr>
-            <a:spLocks noGrp="1" noRot="1" noChangeAspect="1"/>
-          </p:cNvSpPr>
-          <p:nvPr>
-            <p:ph type="sldImg" idx="2"/>
-          </p:nvPr>
-        </p:nvSpPr>
-        <p:spPr>
-          <a:xfrm>
-            <a:off x="381300" y="685800"/>
-            <a:ext cx="6096000" cy="3429000"/>
-          </a:xfrm>
-          <a:custGeom>
-            <a:avLst/>
-            <a:gdLst/>
-            <a:ahLst/>
-            <a:cxnLst/>
-            <a:rect l="l" t="t" r="r" b="b"/>
-            <a:pathLst>
-              <a:path w="120000" h="120000" extrusionOk="0">
-                <a:moveTo>
-                  <a:pt x="0" y="0"/>
-                </a:moveTo>
-                <a:lnTo>
-                  <a:pt x="120000" y="0"/>
-                </a:lnTo>
-                <a:lnTo>
-                  <a:pt x="120000" y="120000"/>
-                </a:lnTo>
-                <a:lnTo>
-                  <a:pt x="0" y="120000"/>
-                </a:lnTo>
-                <a:close/>
-              </a:path>
-            </a:pathLst>
-          </a:custGeom>
-        </p:spPr>
-      </p:sp>
-      <p:sp>
-        <p:nvSpPr>
-          <p:cNvPr id="197" name="Google Shape;197;g26e9bc169fa_0_115:notes"/>
-          <p:cNvSpPr txBox="1">
-            <a:spLocks noGrp="1"/>
-          </p:cNvSpPr>
-          <p:nvPr>
-            <p:ph type="body" idx="1"/>
-          </p:nvPr>
-        </p:nvSpPr>
-        <p:spPr>
-          <a:xfrm>
-            <a:off x="685800" y="4343400"/>
-            <a:ext cx="5486400" cy="4114800"/>
-          </a:xfrm>
-          <a:prstGeom prst="rect">
-            <a:avLst/>
-          </a:prstGeom>
-        </p:spPr>
-        <p:txBody>
-          <a:bodyPr spcFirstLastPara="1" wrap="square" lIns="91425" tIns="91425" rIns="91425" bIns="91425" anchor="t" anchorCtr="0">
-            <a:noAutofit/>
-          </a:bodyPr>
-          <a:lstStyle/>
-          <a:p>
-            <a:pPr marL="0" lvl="0" indent="0" algn="l" rtl="0">
-              <a:spcBef>
-                <a:spcPts val="0"/>
-              </a:spcBef>
-              <a:spcAft>
-                <a:spcPts val="0"/>
-              </a:spcAft>
-              <a:buNone/>
-            </a:pPr>
-            <a:endParaRPr/>
-          </a:p>
-        </p:txBody>
-      </p:sp>
-    </p:spTree>
-  </p:cSld>
-  <p:clrMapOvr>
-    <a:masterClrMapping/>
-  </p:clrMapOvr>
-</p:notes>
-</file>
-
-<file path=ppt/notesSlides/notesSlide22.xml><?xml version="1.0" encoding="utf-8"?>
 <p:notes xmlns:a="http://schemas.openxmlformats.org/drawingml/2006/main" xmlns:r="http://schemas.openxmlformats.org/officeDocument/2006/relationships" xmlns:p="http://schemas.openxmlformats.org/presentationml/2006/main" showMasterSp="0" showMasterPhAnim="0">
   <p:cSld>
     <p:spTree>
@@ -2307,7 +2202,7 @@
 </p:notes>
 </file>
 
-<file path=ppt/notesSlides/notesSlide23.xml><?xml version="1.0" encoding="utf-8"?>
+<file path=ppt/notesSlides/notesSlide22.xml><?xml version="1.0" encoding="utf-8"?>
 <p:notes xmlns:a="http://schemas.openxmlformats.org/drawingml/2006/main" xmlns:r="http://schemas.openxmlformats.org/officeDocument/2006/relationships" xmlns:p="http://schemas.openxmlformats.org/presentationml/2006/main" showMasterSp="0" showMasterPhAnim="0">
   <p:cSld>
     <p:spTree>
@@ -2411,7 +2306,7 @@
 </p:notes>
 </file>
 
-<file path=ppt/notesSlides/notesSlide24.xml><?xml version="1.0" encoding="utf-8"?>
+<file path=ppt/notesSlides/notesSlide23.xml><?xml version="1.0" encoding="utf-8"?>
 <p:notes xmlns:a="http://schemas.openxmlformats.org/drawingml/2006/main" xmlns:r="http://schemas.openxmlformats.org/officeDocument/2006/relationships" xmlns:p="http://schemas.openxmlformats.org/presentationml/2006/main" showMasterSp="0" showMasterPhAnim="0">
   <p:cSld>
     <p:spTree>
@@ -2515,7 +2410,7 @@
 </p:notes>
 </file>
 
-<file path=ppt/notesSlides/notesSlide25.xml><?xml version="1.0" encoding="utf-8"?>
+<file path=ppt/notesSlides/notesSlide24.xml><?xml version="1.0" encoding="utf-8"?>
 <p:notes xmlns:a="http://schemas.openxmlformats.org/drawingml/2006/main" xmlns:r="http://schemas.openxmlformats.org/officeDocument/2006/relationships" xmlns:p="http://schemas.openxmlformats.org/presentationml/2006/main" showMasterSp="0" showMasterPhAnim="0">
   <p:cSld>
     <p:spTree>
@@ -2619,7 +2514,7 @@
 </p:notes>
 </file>
 
-<file path=ppt/notesSlides/notesSlide26.xml><?xml version="1.0" encoding="utf-8"?>
+<file path=ppt/notesSlides/notesSlide25.xml><?xml version="1.0" encoding="utf-8"?>
 <p:notes xmlns:a="http://schemas.openxmlformats.org/drawingml/2006/main" xmlns:r="http://schemas.openxmlformats.org/officeDocument/2006/relationships" xmlns:p="http://schemas.openxmlformats.org/presentationml/2006/main" showMasterSp="0" showMasterPhAnim="0">
   <p:cSld>
     <p:spTree>
@@ -10714,7 +10609,7 @@
   <p:cSld>
     <p:spTree>
       <p:nvGrpSpPr>
-        <p:cNvPr id="1" name="Shape 186"/>
+        <p:cNvPr id="1" name="Shape 192"/>
         <p:cNvGrpSpPr/>
         <p:nvPr/>
       </p:nvGrpSpPr>
@@ -10728,7 +10623,7 @@
       </p:grpSpPr>
       <p:sp>
         <p:nvSpPr>
-          <p:cNvPr id="187" name="Google Shape;187;p31"/>
+          <p:cNvPr id="193" name="Google Shape;193;p32"/>
           <p:cNvSpPr txBox="1">
             <a:spLocks noGrp="1"/>
           </p:cNvSpPr>
@@ -10762,7 +10657,7 @@
             </a:pPr>
             <a:r>
               <a:rPr lang="en"/>
-              <a:t>RQ: What are best signatures?</a:t>
+              <a:t>Data Sampling	</a:t>
             </a:r>
             <a:endParaRPr/>
           </a:p>
@@ -10770,7 +10665,7 @@
       </p:sp>
       <p:sp>
         <p:nvSpPr>
-          <p:cNvPr id="188" name="Google Shape;188;p31"/>
+          <p:cNvPr id="194" name="Google Shape;194;p32"/>
           <p:cNvSpPr txBox="1">
             <a:spLocks noGrp="1"/>
           </p:cNvSpPr>
@@ -10805,41 +10700,41 @@
             </a:pPr>
             <a:r>
               <a:rPr lang="en"/>
-              <a:t>Code signatures</a:t>
+              <a:t>Scanned 4000 miniapps (with “report” keyword)</a:t>
             </a:r>
             <a:endParaRPr/>
           </a:p>
           <a:p>
-            <a:pPr marL="914400" lvl="1" indent="-317500" algn="l" rtl="0">
-              <a:spcBef>
-                <a:spcPts val="0"/>
-              </a:spcBef>
-              <a:spcAft>
-                <a:spcPts val="0"/>
-              </a:spcAft>
-              <a:buSzPts val="1400"/>
-              <a:buChar char="○"/>
+            <a:pPr marL="457200" lvl="0" indent="-342900" algn="l" rtl="0">
+              <a:spcBef>
+                <a:spcPts val="0"/>
+              </a:spcBef>
+              <a:spcAft>
+                <a:spcPts val="0"/>
+              </a:spcAft>
+              <a:buSzPts val="1800"/>
+              <a:buChar char="●"/>
             </a:pPr>
             <a:r>
               <a:rPr lang="en"/>
-              <a:t>WXML signatures (4)</a:t>
+              <a:t>Sampled 300 miniapps</a:t>
             </a:r>
             <a:endParaRPr/>
           </a:p>
           <a:p>
-            <a:pPr marL="914400" lvl="1" indent="-317500" algn="l" rtl="0">
-              <a:spcBef>
-                <a:spcPts val="0"/>
-              </a:spcBef>
-              <a:spcAft>
-                <a:spcPts val="0"/>
-              </a:spcAft>
-              <a:buSzPts val="1400"/>
-              <a:buChar char="○"/>
+            <a:pPr marL="457200" lvl="0" indent="-342900" algn="l" rtl="0">
+              <a:spcBef>
+                <a:spcPts val="0"/>
+              </a:spcBef>
+              <a:spcAft>
+                <a:spcPts val="0"/>
+              </a:spcAft>
+              <a:buSzPts val="1800"/>
+              <a:buChar char="●"/>
             </a:pPr>
             <a:r>
               <a:rPr lang="en"/>
-              <a:t>API signatures (6)</a:t>
+              <a:t>41,561 pages</a:t>
             </a:r>
             <a:endParaRPr/>
           </a:p>
@@ -10856,7 +10751,7 @@
             </a:pPr>
             <a:r>
               <a:rPr lang="en"/>
-              <a:t>Keyword hit (18)</a:t>
+              <a:t>85 malicious pages</a:t>
             </a:r>
             <a:endParaRPr/>
           </a:p>
@@ -10873,7 +10768,24 @@
             </a:pPr>
             <a:r>
               <a:rPr lang="en"/>
-              <a:t>Displayed texts</a:t>
+              <a:t>:( Too small for training</a:t>
+            </a:r>
+            <a:endParaRPr/>
+          </a:p>
+          <a:p>
+            <a:pPr marL="457200" lvl="0" indent="-342900" algn="l" rtl="0">
+              <a:spcBef>
+                <a:spcPts val="0"/>
+              </a:spcBef>
+              <a:spcAft>
+                <a:spcPts val="0"/>
+              </a:spcAft>
+              <a:buSzPts val="1800"/>
+              <a:buChar char="●"/>
+            </a:pPr>
+            <a:r>
+              <a:rPr lang="en"/>
+              <a:t>But we can try</a:t>
             </a:r>
             <a:endParaRPr/>
           </a:p>
@@ -11021,201 +10933,6 @@
 </file>
 
 <file path=ppt/slides/slide20.xml><?xml version="1.0" encoding="utf-8"?>
-<p:sld xmlns:a="http://schemas.openxmlformats.org/drawingml/2006/main" xmlns:r="http://schemas.openxmlformats.org/officeDocument/2006/relationships" xmlns:p="http://schemas.openxmlformats.org/presentationml/2006/main">
-  <p:cSld>
-    <p:spTree>
-      <p:nvGrpSpPr>
-        <p:cNvPr id="1" name="Shape 192"/>
-        <p:cNvGrpSpPr/>
-        <p:nvPr/>
-      </p:nvGrpSpPr>
-      <p:grpSpPr>
-        <a:xfrm>
-          <a:off x="0" y="0"/>
-          <a:ext cx="0" cy="0"/>
-          <a:chOff x="0" y="0"/>
-          <a:chExt cx="0" cy="0"/>
-        </a:xfrm>
-      </p:grpSpPr>
-      <p:sp>
-        <p:nvSpPr>
-          <p:cNvPr id="193" name="Google Shape;193;p32"/>
-          <p:cNvSpPr txBox="1">
-            <a:spLocks noGrp="1"/>
-          </p:cNvSpPr>
-          <p:nvPr>
-            <p:ph type="title"/>
-          </p:nvPr>
-        </p:nvSpPr>
-        <p:spPr>
-          <a:xfrm>
-            <a:off x="311700" y="445025"/>
-            <a:ext cx="8520600" cy="572700"/>
-          </a:xfrm>
-          <a:prstGeom prst="rect">
-            <a:avLst/>
-          </a:prstGeom>
-        </p:spPr>
-        <p:txBody>
-          <a:bodyPr spcFirstLastPara="1" wrap="square" lIns="91425" tIns="91425" rIns="91425" bIns="91425" anchor="t" anchorCtr="0">
-            <a:normAutofit fontScale="90000"/>
-          </a:bodyPr>
-          <a:lstStyle/>
-          <a:p>
-            <a:pPr marL="0" lvl="0" indent="0" algn="l" rtl="0">
-              <a:spcBef>
-                <a:spcPts val="0"/>
-              </a:spcBef>
-              <a:spcAft>
-                <a:spcPts val="0"/>
-              </a:spcAft>
-              <a:buNone/>
-            </a:pPr>
-            <a:r>
-              <a:rPr lang="en"/>
-              <a:t>Data Sampling	</a:t>
-            </a:r>
-            <a:endParaRPr/>
-          </a:p>
-        </p:txBody>
-      </p:sp>
-      <p:sp>
-        <p:nvSpPr>
-          <p:cNvPr id="194" name="Google Shape;194;p32"/>
-          <p:cNvSpPr txBox="1">
-            <a:spLocks noGrp="1"/>
-          </p:cNvSpPr>
-          <p:nvPr>
-            <p:ph type="body" idx="1"/>
-          </p:nvPr>
-        </p:nvSpPr>
-        <p:spPr>
-          <a:xfrm>
-            <a:off x="311700" y="1152475"/>
-            <a:ext cx="8520600" cy="3416400"/>
-          </a:xfrm>
-          <a:prstGeom prst="rect">
-            <a:avLst/>
-          </a:prstGeom>
-        </p:spPr>
-        <p:txBody>
-          <a:bodyPr spcFirstLastPara="1" wrap="square" lIns="91425" tIns="91425" rIns="91425" bIns="91425" anchor="t" anchorCtr="0">
-            <a:normAutofit/>
-          </a:bodyPr>
-          <a:lstStyle/>
-          <a:p>
-            <a:pPr marL="457200" lvl="0" indent="-342900" algn="l" rtl="0">
-              <a:spcBef>
-                <a:spcPts val="0"/>
-              </a:spcBef>
-              <a:spcAft>
-                <a:spcPts val="0"/>
-              </a:spcAft>
-              <a:buSzPts val="1800"/>
-              <a:buChar char="●"/>
-            </a:pPr>
-            <a:r>
-              <a:rPr lang="en"/>
-              <a:t>Scanned 4000 miniapps (with “report” keyword)</a:t>
-            </a:r>
-            <a:endParaRPr/>
-          </a:p>
-          <a:p>
-            <a:pPr marL="457200" lvl="0" indent="-342900" algn="l" rtl="0">
-              <a:spcBef>
-                <a:spcPts val="0"/>
-              </a:spcBef>
-              <a:spcAft>
-                <a:spcPts val="0"/>
-              </a:spcAft>
-              <a:buSzPts val="1800"/>
-              <a:buChar char="●"/>
-            </a:pPr>
-            <a:r>
-              <a:rPr lang="en"/>
-              <a:t>Sampled 300 miniapps</a:t>
-            </a:r>
-            <a:endParaRPr/>
-          </a:p>
-          <a:p>
-            <a:pPr marL="457200" lvl="0" indent="-342900" algn="l" rtl="0">
-              <a:spcBef>
-                <a:spcPts val="0"/>
-              </a:spcBef>
-              <a:spcAft>
-                <a:spcPts val="0"/>
-              </a:spcAft>
-              <a:buSzPts val="1800"/>
-              <a:buChar char="●"/>
-            </a:pPr>
-            <a:r>
-              <a:rPr lang="en"/>
-              <a:t>41,561 pages</a:t>
-            </a:r>
-            <a:endParaRPr/>
-          </a:p>
-          <a:p>
-            <a:pPr marL="457200" lvl="0" indent="-342900" algn="l" rtl="0">
-              <a:spcBef>
-                <a:spcPts val="0"/>
-              </a:spcBef>
-              <a:spcAft>
-                <a:spcPts val="0"/>
-              </a:spcAft>
-              <a:buSzPts val="1800"/>
-              <a:buChar char="●"/>
-            </a:pPr>
-            <a:r>
-              <a:rPr lang="en"/>
-              <a:t>85 malicious pages</a:t>
-            </a:r>
-            <a:endParaRPr/>
-          </a:p>
-          <a:p>
-            <a:pPr marL="457200" lvl="0" indent="-342900" algn="l" rtl="0">
-              <a:spcBef>
-                <a:spcPts val="0"/>
-              </a:spcBef>
-              <a:spcAft>
-                <a:spcPts val="0"/>
-              </a:spcAft>
-              <a:buSzPts val="1800"/>
-              <a:buChar char="●"/>
-            </a:pPr>
-            <a:r>
-              <a:rPr lang="en"/>
-              <a:t>:( Too small for training</a:t>
-            </a:r>
-            <a:endParaRPr/>
-          </a:p>
-          <a:p>
-            <a:pPr marL="457200" lvl="0" indent="-342900" algn="l" rtl="0">
-              <a:spcBef>
-                <a:spcPts val="0"/>
-              </a:spcBef>
-              <a:spcAft>
-                <a:spcPts val="0"/>
-              </a:spcAft>
-              <a:buSzPts val="1800"/>
-              <a:buChar char="●"/>
-            </a:pPr>
-            <a:r>
-              <a:rPr lang="en"/>
-              <a:t>But we can try</a:t>
-            </a:r>
-            <a:endParaRPr/>
-          </a:p>
-        </p:txBody>
-      </p:sp>
-    </p:spTree>
-  </p:cSld>
-  <p:clrMapOvr>
-    <a:masterClrMapping/>
-  </p:clrMapOvr>
-</p:sld>
-</file>
-
-<file path=ppt/slides/slide21.xml><?xml version="1.0" encoding="utf-8"?>
 <p:sld xmlns:a="http://schemas.openxmlformats.org/drawingml/2006/main" xmlns:r="http://schemas.openxmlformats.org/officeDocument/2006/relationships" xmlns:p="http://schemas.openxmlformats.org/presentationml/2006/main">
   <p:cSld>
     <p:spTree>
@@ -11577,7 +11294,7 @@
 </p:sld>
 </file>
 
-<file path=ppt/slides/slide22.xml><?xml version="1.0" encoding="utf-8"?>
+<file path=ppt/slides/slide21.xml><?xml version="1.0" encoding="utf-8"?>
 <p:sld xmlns:a="http://schemas.openxmlformats.org/drawingml/2006/main" xmlns:r="http://schemas.openxmlformats.org/officeDocument/2006/relationships" xmlns:p="http://schemas.openxmlformats.org/presentationml/2006/main">
   <p:cSld>
     <p:spTree>
@@ -11755,7 +11472,7 @@
 </p:sld>
 </file>
 
-<file path=ppt/slides/slide23.xml><?xml version="1.0" encoding="utf-8"?>
+<file path=ppt/slides/slide22.xml><?xml version="1.0" encoding="utf-8"?>
 <p:sld xmlns:a="http://schemas.openxmlformats.org/drawingml/2006/main" xmlns:r="http://schemas.openxmlformats.org/officeDocument/2006/relationships" xmlns:p="http://schemas.openxmlformats.org/presentationml/2006/main">
   <p:cSld>
     <p:spTree>
@@ -12524,7 +12241,7 @@
 </p:sld>
 </file>
 
-<file path=ppt/slides/slide24.xml><?xml version="1.0" encoding="utf-8"?>
+<file path=ppt/slides/slide23.xml><?xml version="1.0" encoding="utf-8"?>
 <p:sld xmlns:a="http://schemas.openxmlformats.org/drawingml/2006/main" xmlns:r="http://schemas.openxmlformats.org/officeDocument/2006/relationships" xmlns:p="http://schemas.openxmlformats.org/presentationml/2006/main">
   <p:cSld>
     <p:spTree>
@@ -13415,7 +13132,7 @@
 </p:sld>
 </file>
 
-<file path=ppt/slides/slide25.xml><?xml version="1.0" encoding="utf-8"?>
+<file path=ppt/slides/slide24.xml><?xml version="1.0" encoding="utf-8"?>
 <p:sld xmlns:a="http://schemas.openxmlformats.org/drawingml/2006/main" xmlns:r="http://schemas.openxmlformats.org/officeDocument/2006/relationships" xmlns:p="http://schemas.openxmlformats.org/presentationml/2006/main">
   <p:cSld>
     <p:spTree>
@@ -13628,7 +13345,7 @@
 </p:sld>
 </file>
 
-<file path=ppt/slides/slide26.xml><?xml version="1.0" encoding="utf-8"?>
+<file path=ppt/slides/slide25.xml><?xml version="1.0" encoding="utf-8"?>
 <p:sld xmlns:a="http://schemas.openxmlformats.org/drawingml/2006/main" xmlns:r="http://schemas.openxmlformats.org/officeDocument/2006/relationships" xmlns:p="http://schemas.openxmlformats.org/presentationml/2006/main">
   <p:cSld>
     <p:spTree>
